--- a/amplitude_sensing_penning_2.pptx
+++ b/amplitude_sensing_penning_2.pptx
@@ -645,6 +645,90 @@
           <a:bodyPr/>
           <a:lstStyle/>
           <a:p>
+            <a:endParaRPr lang="en-US" dirty="0"/>
+          </a:p>
+        </p:txBody>
+      </p:sp>
+      <p:sp>
+        <p:nvSpPr>
+          <p:cNvPr id="4" name="Slide Number Placeholder 3"/>
+          <p:cNvSpPr>
+            <a:spLocks noGrp="1"/>
+          </p:cNvSpPr>
+          <p:nvPr>
+            <p:ph type="sldNum" sz="quarter" idx="10"/>
+          </p:nvPr>
+        </p:nvSpPr>
+        <p:spPr/>
+        <p:txBody>
+          <a:bodyPr/>
+          <a:lstStyle/>
+          <a:p>
+            <a:fld id="{84FDC1DB-3CE3-40ED-99EE-197F06FEF5F0}" type="slidenum">
+              <a:rPr lang="en-US" smtClean="0"/>
+              <a:t>11</a:t>
+            </a:fld>
+            <a:endParaRPr lang="en-US"/>
+          </a:p>
+        </p:txBody>
+      </p:sp>
+    </p:spTree>
+    <p:extLst>
+      <p:ext uri="{BB962C8B-B14F-4D97-AF65-F5344CB8AC3E}">
+        <p14:creationId xmlns:p14="http://schemas.microsoft.com/office/powerpoint/2010/main" val="2860562731"/>
+      </p:ext>
+    </p:extLst>
+  </p:cSld>
+  <p:clrMapOvr>
+    <a:masterClrMapping/>
+  </p:clrMapOvr>
+</p:notes>
+</file>
+
+<file path=ppt/notesSlides/notesSlide11.xml><?xml version="1.0" encoding="utf-8"?>
+<p:notes xmlns:a="http://schemas.openxmlformats.org/drawingml/2006/main" xmlns:r="http://schemas.openxmlformats.org/officeDocument/2006/relationships" xmlns:p="http://schemas.openxmlformats.org/presentationml/2006/main">
+  <p:cSld>
+    <p:spTree>
+      <p:nvGrpSpPr>
+        <p:cNvPr id="1" name=""/>
+        <p:cNvGrpSpPr/>
+        <p:nvPr/>
+      </p:nvGrpSpPr>
+      <p:grpSpPr>
+        <a:xfrm>
+          <a:off x="0" y="0"/>
+          <a:ext cx="0" cy="0"/>
+          <a:chOff x="0" y="0"/>
+          <a:chExt cx="0" cy="0"/>
+        </a:xfrm>
+      </p:grpSpPr>
+      <p:sp>
+        <p:nvSpPr>
+          <p:cNvPr id="2" name="Slide Image Placeholder 1"/>
+          <p:cNvSpPr>
+            <a:spLocks noGrp="1" noRot="1" noChangeAspect="1"/>
+          </p:cNvSpPr>
+          <p:nvPr>
+            <p:ph type="sldImg"/>
+          </p:nvPr>
+        </p:nvSpPr>
+        <p:spPr/>
+      </p:sp>
+      <p:sp>
+        <p:nvSpPr>
+          <p:cNvPr id="3" name="Notes Placeholder 2"/>
+          <p:cNvSpPr>
+            <a:spLocks noGrp="1"/>
+          </p:cNvSpPr>
+          <p:nvPr>
+            <p:ph type="body" idx="1"/>
+          </p:nvPr>
+        </p:nvSpPr>
+        <p:spPr/>
+        <p:txBody>
+          <a:bodyPr/>
+          <a:lstStyle/>
+          <a:p>
             <a:r>
               <a:rPr lang="en-US" sz="1200" kern="1200" dirty="0">
                 <a:solidFill>
@@ -697,7 +781,7 @@
 </p:notes>
 </file>
 
-<file path=ppt/notesSlides/notesSlide11.xml><?xml version="1.0" encoding="utf-8"?>
+<file path=ppt/notesSlides/notesSlide12.xml><?xml version="1.0" encoding="utf-8"?>
 <p:notes xmlns:a="http://schemas.openxmlformats.org/drawingml/2006/main" xmlns:r="http://schemas.openxmlformats.org/officeDocument/2006/relationships" xmlns:p="http://schemas.openxmlformats.org/presentationml/2006/main">
   <p:cSld>
     <p:spTree>
@@ -837,6 +921,148 @@
           <a:bodyPr/>
           <a:lstStyle/>
           <a:p>
+            <a:r>
+              <a:rPr lang="en-US" dirty="0"/>
+              <a:t>Already projection noise limited with off-resonance</a:t>
+            </a:r>
+            <a:r>
+              <a:rPr lang="en-US" baseline="0" dirty="0"/>
+              <a:t> experiment</a:t>
+            </a:r>
+          </a:p>
+          <a:p>
+            <a:r>
+              <a:rPr lang="en-US" baseline="0" dirty="0"/>
+              <a:t>Our crystal of ions looks and behaves much like the </a:t>
+            </a:r>
+            <a:r>
+              <a:rPr lang="en-US" baseline="0" dirty="0" err="1"/>
+              <a:t>nanomechanical</a:t>
+            </a:r>
+            <a:r>
+              <a:rPr lang="en-US" baseline="0" dirty="0"/>
+              <a:t> membranes used in some </a:t>
+            </a:r>
+            <a:r>
+              <a:rPr lang="en-US" baseline="0" dirty="0" err="1"/>
+              <a:t>optomechanics</a:t>
+            </a:r>
+            <a:r>
+              <a:rPr lang="en-US" baseline="0" dirty="0"/>
+              <a:t> experiments. Such objects offer chance to study quantum mechanics at the </a:t>
+            </a:r>
+            <a:r>
+              <a:rPr lang="en-US" baseline="0" dirty="0" err="1"/>
+              <a:t>meso</a:t>
+            </a:r>
+            <a:r>
+              <a:rPr lang="en-US" baseline="0" dirty="0"/>
+              <a:t>/macroscopic level. We can probe the zero-point fluctuations of our mechanical oscillator. Perhaps this affords study of transition from quantum microscopic regime to classical macroscopic world.</a:t>
+            </a:r>
+          </a:p>
+          <a:p>
+            <a:r>
+              <a:rPr lang="en-US" baseline="0" dirty="0"/>
+              <a:t>Related, much work in the </a:t>
+            </a:r>
+            <a:r>
+              <a:rPr lang="en-US" baseline="0" dirty="0" err="1"/>
+              <a:t>optomechanics</a:t>
+            </a:r>
+            <a:r>
+              <a:rPr lang="en-US" baseline="0" dirty="0"/>
+              <a:t> community concerns transducing signals and linking disparate quantum info systems through mechanical oscillators.</a:t>
+            </a:r>
+          </a:p>
+          <a:p>
+            <a:r>
+              <a:rPr lang="en-US" baseline="0" dirty="0"/>
+              <a:t>Finally, we’re very sensitive to electric fields and forces – so maybe that’s interesting in it’s own right. Potential for joining search for dark matter by detecting weak oscillating electric fields etc.</a:t>
+            </a:r>
+            <a:endParaRPr lang="en-US" dirty="0"/>
+          </a:p>
+        </p:txBody>
+      </p:sp>
+      <p:sp>
+        <p:nvSpPr>
+          <p:cNvPr id="4" name="Slide Number Placeholder 3"/>
+          <p:cNvSpPr>
+            <a:spLocks noGrp="1"/>
+          </p:cNvSpPr>
+          <p:nvPr>
+            <p:ph type="sldNum" sz="quarter" idx="10"/>
+          </p:nvPr>
+        </p:nvSpPr>
+        <p:spPr/>
+        <p:txBody>
+          <a:bodyPr/>
+          <a:lstStyle/>
+          <a:p>
+            <a:fld id="{84FDC1DB-3CE3-40ED-99EE-197F06FEF5F0}" type="slidenum">
+              <a:rPr lang="en-US" smtClean="0"/>
+              <a:t>2</a:t>
+            </a:fld>
+            <a:endParaRPr lang="en-US"/>
+          </a:p>
+        </p:txBody>
+      </p:sp>
+    </p:spTree>
+    <p:extLst>
+      <p:ext uri="{BB962C8B-B14F-4D97-AF65-F5344CB8AC3E}">
+        <p14:creationId xmlns:p14="http://schemas.microsoft.com/office/powerpoint/2010/main" val="3343571761"/>
+      </p:ext>
+    </p:extLst>
+  </p:cSld>
+  <p:clrMapOvr>
+    <a:masterClrMapping/>
+  </p:clrMapOvr>
+</p:notes>
+</file>
+
+<file path=ppt/notesSlides/notesSlide3.xml><?xml version="1.0" encoding="utf-8"?>
+<p:notes xmlns:a="http://schemas.openxmlformats.org/drawingml/2006/main" xmlns:r="http://schemas.openxmlformats.org/officeDocument/2006/relationships" xmlns:p="http://schemas.openxmlformats.org/presentationml/2006/main">
+  <p:cSld>
+    <p:spTree>
+      <p:nvGrpSpPr>
+        <p:cNvPr id="1" name=""/>
+        <p:cNvGrpSpPr/>
+        <p:nvPr/>
+      </p:nvGrpSpPr>
+      <p:grpSpPr>
+        <a:xfrm>
+          <a:off x="0" y="0"/>
+          <a:ext cx="0" cy="0"/>
+          <a:chOff x="0" y="0"/>
+          <a:chExt cx="0" cy="0"/>
+        </a:xfrm>
+      </p:grpSpPr>
+      <p:sp>
+        <p:nvSpPr>
+          <p:cNvPr id="2" name="Slide Image Placeholder 1"/>
+          <p:cNvSpPr>
+            <a:spLocks noGrp="1" noRot="1" noChangeAspect="1"/>
+          </p:cNvSpPr>
+          <p:nvPr>
+            <p:ph type="sldImg"/>
+          </p:nvPr>
+        </p:nvSpPr>
+        <p:spPr/>
+      </p:sp>
+      <p:sp>
+        <p:nvSpPr>
+          <p:cNvPr id="3" name="Notes Placeholder 2"/>
+          <p:cNvSpPr>
+            <a:spLocks noGrp="1"/>
+          </p:cNvSpPr>
+          <p:nvPr>
+            <p:ph type="body" idx="1"/>
+          </p:nvPr>
+        </p:nvSpPr>
+        <p:spPr/>
+        <p:txBody>
+          <a:bodyPr/>
+          <a:lstStyle/>
+          <a:p>
             <a:endParaRPr lang="en-US" dirty="0"/>
           </a:p>
         </p:txBody>
@@ -877,7 +1103,7 @@
 </p:notes>
 </file>
 
-<file path=ppt/notesSlides/notesSlide3.xml><?xml version="1.0" encoding="utf-8"?>
+<file path=ppt/notesSlides/notesSlide4.xml><?xml version="1.0" encoding="utf-8"?>
 <p:notes xmlns:a="http://schemas.openxmlformats.org/drawingml/2006/main" xmlns:r="http://schemas.openxmlformats.org/officeDocument/2006/relationships" xmlns:p="http://schemas.openxmlformats.org/presentationml/2006/main">
   <p:cSld>
     <p:spTree>
@@ -1081,7 +1307,7 @@
 </p:notes>
 </file>
 
-<file path=ppt/notesSlides/notesSlide4.xml><?xml version="1.0" encoding="utf-8"?>
+<file path=ppt/notesSlides/notesSlide5.xml><?xml version="1.0" encoding="utf-8"?>
 <p:notes xmlns:a="http://schemas.openxmlformats.org/drawingml/2006/main" xmlns:r="http://schemas.openxmlformats.org/officeDocument/2006/relationships" xmlns:p="http://schemas.openxmlformats.org/presentationml/2006/main">
   <p:cSld>
     <p:spTree>
@@ -1213,7 +1439,7 @@
 </p:notes>
 </file>
 
-<file path=ppt/notesSlides/notesSlide5.xml><?xml version="1.0" encoding="utf-8"?>
+<file path=ppt/notesSlides/notesSlide6.xml><?xml version="1.0" encoding="utf-8"?>
 <p:notes xmlns:a="http://schemas.openxmlformats.org/drawingml/2006/main" xmlns:r="http://schemas.openxmlformats.org/officeDocument/2006/relationships" xmlns:p="http://schemas.openxmlformats.org/presentationml/2006/main">
   <p:cSld>
     <p:spTree>
@@ -1345,7 +1571,7 @@
 </p:notes>
 </file>
 
-<file path=ppt/notesSlides/notesSlide6.xml><?xml version="1.0" encoding="utf-8"?>
+<file path=ppt/notesSlides/notesSlide7.xml><?xml version="1.0" encoding="utf-8"?>
 <p:notes xmlns:a="http://schemas.openxmlformats.org/drawingml/2006/main" xmlns:r="http://schemas.openxmlformats.org/officeDocument/2006/relationships" xmlns:p="http://schemas.openxmlformats.org/presentationml/2006/main">
   <p:cSld>
     <p:spTree>
@@ -1429,7 +1655,7 @@
 </p:notes>
 </file>
 
-<file path=ppt/notesSlides/notesSlide7.xml><?xml version="1.0" encoding="utf-8"?>
+<file path=ppt/notesSlides/notesSlide8.xml><?xml version="1.0" encoding="utf-8"?>
 <p:notes xmlns:a="http://schemas.openxmlformats.org/drawingml/2006/main" xmlns:r="http://schemas.openxmlformats.org/officeDocument/2006/relationships" xmlns:p="http://schemas.openxmlformats.org/presentationml/2006/main">
   <p:cSld>
     <p:spTree>
@@ -1513,7 +1739,7 @@
 </p:notes>
 </file>
 
-<file path=ppt/notesSlides/notesSlide8.xml><?xml version="1.0" encoding="utf-8"?>
+<file path=ppt/notesSlides/notesSlide9.xml><?xml version="1.0" encoding="utf-8"?>
 <p:notes xmlns:a="http://schemas.openxmlformats.org/drawingml/2006/main" xmlns:r="http://schemas.openxmlformats.org/officeDocument/2006/relationships" xmlns:p="http://schemas.openxmlformats.org/presentationml/2006/main">
   <p:cSld>
     <p:spTree>
@@ -1672,90 +1898,6 @@
     <p:extLst>
       <p:ext uri="{BB962C8B-B14F-4D97-AF65-F5344CB8AC3E}">
         <p14:creationId xmlns:p14="http://schemas.microsoft.com/office/powerpoint/2010/main" val="188466198"/>
-      </p:ext>
-    </p:extLst>
-  </p:cSld>
-  <p:clrMapOvr>
-    <a:masterClrMapping/>
-  </p:clrMapOvr>
-</p:notes>
-</file>
-
-<file path=ppt/notesSlides/notesSlide9.xml><?xml version="1.0" encoding="utf-8"?>
-<p:notes xmlns:a="http://schemas.openxmlformats.org/drawingml/2006/main" xmlns:r="http://schemas.openxmlformats.org/officeDocument/2006/relationships" xmlns:p="http://schemas.openxmlformats.org/presentationml/2006/main">
-  <p:cSld>
-    <p:spTree>
-      <p:nvGrpSpPr>
-        <p:cNvPr id="1" name=""/>
-        <p:cNvGrpSpPr/>
-        <p:nvPr/>
-      </p:nvGrpSpPr>
-      <p:grpSpPr>
-        <a:xfrm>
-          <a:off x="0" y="0"/>
-          <a:ext cx="0" cy="0"/>
-          <a:chOff x="0" y="0"/>
-          <a:chExt cx="0" cy="0"/>
-        </a:xfrm>
-      </p:grpSpPr>
-      <p:sp>
-        <p:nvSpPr>
-          <p:cNvPr id="2" name="Slide Image Placeholder 1"/>
-          <p:cNvSpPr>
-            <a:spLocks noGrp="1" noRot="1" noChangeAspect="1"/>
-          </p:cNvSpPr>
-          <p:nvPr>
-            <p:ph type="sldImg"/>
-          </p:nvPr>
-        </p:nvSpPr>
-        <p:spPr/>
-      </p:sp>
-      <p:sp>
-        <p:nvSpPr>
-          <p:cNvPr id="3" name="Notes Placeholder 2"/>
-          <p:cNvSpPr>
-            <a:spLocks noGrp="1"/>
-          </p:cNvSpPr>
-          <p:nvPr>
-            <p:ph type="body" idx="1"/>
-          </p:nvPr>
-        </p:nvSpPr>
-        <p:spPr/>
-        <p:txBody>
-          <a:bodyPr/>
-          <a:lstStyle/>
-          <a:p>
-            <a:endParaRPr lang="en-US" dirty="0"/>
-          </a:p>
-        </p:txBody>
-      </p:sp>
-      <p:sp>
-        <p:nvSpPr>
-          <p:cNvPr id="4" name="Slide Number Placeholder 3"/>
-          <p:cNvSpPr>
-            <a:spLocks noGrp="1"/>
-          </p:cNvSpPr>
-          <p:nvPr>
-            <p:ph type="sldNum" sz="quarter" idx="10"/>
-          </p:nvPr>
-        </p:nvSpPr>
-        <p:spPr/>
-        <p:txBody>
-          <a:bodyPr/>
-          <a:lstStyle/>
-          <a:p>
-            <a:fld id="{84FDC1DB-3CE3-40ED-99EE-197F06FEF5F0}" type="slidenum">
-              <a:rPr lang="en-US" smtClean="0"/>
-              <a:t>11</a:t>
-            </a:fld>
-            <a:endParaRPr lang="en-US"/>
-          </a:p>
-        </p:txBody>
-      </p:sp>
-    </p:spTree>
-    <p:extLst>
-      <p:ext uri="{BB962C8B-B14F-4D97-AF65-F5344CB8AC3E}">
-        <p14:creationId xmlns:p14="http://schemas.microsoft.com/office/powerpoint/2010/main" val="2860562731"/>
       </p:ext>
     </p:extLst>
   </p:cSld>
@@ -9698,8 +9840,8 @@
           </p:sp>
         </mc:Fallback>
       </mc:AlternateContent>
-      <mc:AlternateContent xmlns:mc="http://schemas.openxmlformats.org/markup-compatibility/2006">
-        <mc:Choice xmlns:a14="http://schemas.microsoft.com/office/drawing/2010/main" Requires="a14">
+      <mc:AlternateContent xmlns:mc="http://schemas.openxmlformats.org/markup-compatibility/2006" xmlns:a14="http://schemas.microsoft.com/office/drawing/2010/main">
+        <mc:Choice Requires="a14">
           <p:sp>
             <p:nvSpPr>
               <p:cNvPr id="2" name="Rectangle 1"/>
@@ -9721,6 +9863,7 @@
               </a:bodyPr>
               <a:lstStyle/>
               <a:p>
+                <a:pPr/>
                 <a14:m>
                   <m:oMathPara xmlns:m="http://schemas.openxmlformats.org/officeDocument/2006/math">
                     <m:oMathParaPr>
@@ -9777,7 +9920,7 @@
             </p:txBody>
           </p:sp>
         </mc:Choice>
-        <mc:Fallback>
+        <mc:Fallback xmlns="">
           <p:sp>
             <p:nvSpPr>
               <p:cNvPr id="2" name="Rectangle 1"/>
@@ -9850,8 +9993,8 @@
           </a:fontRef>
         </p:style>
       </p:cxnSp>
-      <mc:AlternateContent xmlns:mc="http://schemas.openxmlformats.org/markup-compatibility/2006">
-        <mc:Choice xmlns:a14="http://schemas.microsoft.com/office/drawing/2010/main" Requires="a14">
+      <mc:AlternateContent xmlns:mc="http://schemas.openxmlformats.org/markup-compatibility/2006" xmlns:a14="http://schemas.microsoft.com/office/drawing/2010/main">
+        <mc:Choice Requires="a14">
           <p:sp>
             <p:nvSpPr>
               <p:cNvPr id="5" name="TextBox 4"/>
@@ -9874,6 +10017,7 @@
               </a:bodyPr>
               <a:lstStyle/>
               <a:p>
+                <a:pPr/>
                 <a14:m>
                   <m:oMathPara xmlns:m="http://schemas.openxmlformats.org/officeDocument/2006/math">
                     <m:oMathParaPr>
@@ -9900,7 +10044,7 @@
             </p:txBody>
           </p:sp>
         </mc:Choice>
-        <mc:Fallback>
+        <mc:Fallback xmlns="">
           <p:sp>
             <p:nvSpPr>
               <p:cNvPr id="5" name="TextBox 4"/>
@@ -10800,8 +10944,8 @@
           </a:p>
         </p:txBody>
       </p:sp>
-      <mc:AlternateContent xmlns:mc="http://schemas.openxmlformats.org/markup-compatibility/2006">
-        <mc:Choice xmlns:a14="http://schemas.microsoft.com/office/drawing/2010/main" Requires="a14">
+      <mc:AlternateContent xmlns:mc="http://schemas.openxmlformats.org/markup-compatibility/2006" xmlns:a14="http://schemas.microsoft.com/office/drawing/2010/main">
+        <mc:Choice Requires="a14">
           <p:sp>
             <p:nvSpPr>
               <p:cNvPr id="26" name="Rectangle 25"/>
@@ -10884,7 +11028,7 @@
             </p:txBody>
           </p:sp>
         </mc:Choice>
-        <mc:Fallback>
+        <mc:Fallback xmlns="">
           <p:sp>
             <p:nvSpPr>
               <p:cNvPr id="26" name="Rectangle 25"/>
@@ -11264,8 +11408,8 @@
           </a:p>
         </p:txBody>
       </p:sp>
-      <mc:AlternateContent xmlns:mc="http://schemas.openxmlformats.org/markup-compatibility/2006">
-        <mc:Choice xmlns:a14="http://schemas.microsoft.com/office/drawing/2010/main" Requires="a14">
+      <mc:AlternateContent xmlns:mc="http://schemas.openxmlformats.org/markup-compatibility/2006" xmlns:a14="http://schemas.microsoft.com/office/drawing/2010/main">
+        <mc:Choice Requires="a14">
           <p:sp>
             <p:nvSpPr>
               <p:cNvPr id="3" name="Content Placeholder 2"/>
@@ -11680,7 +11824,7 @@
             </p:txBody>
           </p:sp>
         </mc:Choice>
-        <mc:Fallback>
+        <mc:Fallback xmlns="">
           <p:sp>
             <p:nvSpPr>
               <p:cNvPr id="3" name="Content Placeholder 2"/>
@@ -11770,8 +11914,8 @@
           </a:p>
         </p:txBody>
       </p:sp>
-      <mc:AlternateContent xmlns:mc="http://schemas.openxmlformats.org/markup-compatibility/2006">
-        <mc:Choice xmlns:a14="http://schemas.microsoft.com/office/drawing/2010/main" Requires="a14">
+      <mc:AlternateContent xmlns:mc="http://schemas.openxmlformats.org/markup-compatibility/2006" xmlns:a14="http://schemas.microsoft.com/office/drawing/2010/main">
+        <mc:Choice Requires="a14">
           <p:sp>
             <p:nvSpPr>
               <p:cNvPr id="3" name="Content Placeholder 2"/>
@@ -11873,7 +12017,7 @@
             </p:txBody>
           </p:sp>
         </mc:Choice>
-        <mc:Fallback>
+        <mc:Fallback xmlns="">
           <p:sp>
             <p:nvSpPr>
               <p:cNvPr id="3" name="Content Placeholder 2"/>
@@ -13260,8 +13404,8 @@
             <a:chExt cx="4689498" cy="1929961"/>
           </a:xfrm>
         </p:grpSpPr>
-        <mc:AlternateContent xmlns:mc="http://schemas.openxmlformats.org/markup-compatibility/2006">
-          <mc:Choice xmlns:a14="http://schemas.microsoft.com/office/drawing/2010/main" Requires="a14">
+        <mc:AlternateContent xmlns:mc="http://schemas.openxmlformats.org/markup-compatibility/2006" xmlns:a14="http://schemas.microsoft.com/office/drawing/2010/main">
+          <mc:Choice Requires="a14">
             <p:sp>
               <p:nvSpPr>
                 <p:cNvPr id="26" name="TextBox 25"/>
@@ -13362,7 +13506,7 @@
               </p:txBody>
             </p:sp>
           </mc:Choice>
-          <mc:Fallback>
+          <mc:Fallback xmlns="">
             <p:sp>
               <p:nvSpPr>
                 <p:cNvPr id="26" name="TextBox 25"/>
@@ -13654,8 +13798,8 @@
               </p:txBody>
             </p:sp>
           </p:grpSp>
-          <mc:AlternateContent xmlns:mc="http://schemas.openxmlformats.org/markup-compatibility/2006">
-            <mc:Choice xmlns:a14="http://schemas.microsoft.com/office/drawing/2010/main" Requires="a14">
+          <mc:AlternateContent xmlns:mc="http://schemas.openxmlformats.org/markup-compatibility/2006" xmlns:a14="http://schemas.microsoft.com/office/drawing/2010/main">
+            <mc:Choice Requires="a14">
               <p:sp>
                 <p:nvSpPr>
                   <p:cNvPr id="30" name="TextBox 29"/>
@@ -13736,7 +13880,7 @@
                 </p:txBody>
               </p:sp>
             </mc:Choice>
-            <mc:Fallback>
+            <mc:Fallback xmlns="">
               <p:sp>
                 <p:nvSpPr>
                   <p:cNvPr id="30" name="TextBox 29"/>
@@ -13775,8 +13919,8 @@
               </p:sp>
             </mc:Fallback>
           </mc:AlternateContent>
-          <mc:AlternateContent xmlns:mc="http://schemas.openxmlformats.org/markup-compatibility/2006">
-            <mc:Choice xmlns:a14="http://schemas.microsoft.com/office/drawing/2010/main" Requires="a14">
+          <mc:AlternateContent xmlns:mc="http://schemas.openxmlformats.org/markup-compatibility/2006" xmlns:a14="http://schemas.microsoft.com/office/drawing/2010/main">
+            <mc:Choice Requires="a14">
               <p:sp>
                 <p:nvSpPr>
                   <p:cNvPr id="31" name="TextBox 30"/>
@@ -13857,7 +14001,7 @@
                 </p:txBody>
               </p:sp>
             </mc:Choice>
-            <mc:Fallback>
+            <mc:Fallback xmlns="">
               <p:sp>
                 <p:nvSpPr>
                   <p:cNvPr id="31" name="TextBox 30"/>
@@ -14042,8 +14186,8 @@
               </a:p>
             </p:txBody>
           </p:sp>
-          <mc:AlternateContent xmlns:mc="http://schemas.openxmlformats.org/markup-compatibility/2006">
-            <mc:Choice xmlns:a14="http://schemas.microsoft.com/office/drawing/2010/main" Requires="a14">
+          <mc:AlternateContent xmlns:mc="http://schemas.openxmlformats.org/markup-compatibility/2006" xmlns:a14="http://schemas.microsoft.com/office/drawing/2010/main">
+            <mc:Choice Requires="a14">
               <p:sp>
                 <p:nvSpPr>
                   <p:cNvPr id="34" name="TextBox 33"/>
@@ -14146,7 +14290,7 @@
                 </p:txBody>
               </p:sp>
             </mc:Choice>
-            <mc:Fallback>
+            <mc:Fallback xmlns="">
               <p:sp>
                 <p:nvSpPr>
                   <p:cNvPr id="34" name="TextBox 33"/>
@@ -14187,8 +14331,8 @@
           </mc:AlternateContent>
         </p:grpSp>
       </p:grpSp>
-      <mc:AlternateContent xmlns:mc="http://schemas.openxmlformats.org/markup-compatibility/2006">
-        <mc:Choice xmlns:a14="http://schemas.microsoft.com/office/drawing/2010/main" Requires="a14">
+      <mc:AlternateContent xmlns:mc="http://schemas.openxmlformats.org/markup-compatibility/2006" xmlns:a14="http://schemas.microsoft.com/office/drawing/2010/main">
+        <mc:Choice Requires="a14">
           <p:sp>
             <p:nvSpPr>
               <p:cNvPr id="35" name="TextBox 34"/>
@@ -14272,7 +14416,7 @@
             </p:txBody>
           </p:sp>
         </mc:Choice>
-        <mc:Fallback>
+        <mc:Fallback xmlns="">
           <p:sp>
             <p:nvSpPr>
               <p:cNvPr id="35" name="TextBox 34"/>
@@ -15674,8 +15818,8 @@
           </a:p>
         </p:txBody>
       </p:sp>
-      <mc:AlternateContent xmlns:mc="http://schemas.openxmlformats.org/markup-compatibility/2006">
-        <mc:Choice xmlns:a14="http://schemas.microsoft.com/office/drawing/2010/main" Requires="a14">
+      <mc:AlternateContent xmlns:mc="http://schemas.openxmlformats.org/markup-compatibility/2006" xmlns:a14="http://schemas.microsoft.com/office/drawing/2010/main">
+        <mc:Choice Requires="a14">
           <p:sp>
             <p:nvSpPr>
               <p:cNvPr id="3" name="Content Placeholder 2"/>
@@ -15865,7 +16009,7 @@
             </p:txBody>
           </p:sp>
         </mc:Choice>
-        <mc:Fallback>
+        <mc:Fallback xmlns="">
           <p:sp>
             <p:nvSpPr>
               <p:cNvPr id="3" name="Content Placeholder 2"/>
@@ -16589,8 +16733,8 @@
           </a:p>
         </p:txBody>
       </p:sp>
-      <mc:AlternateContent xmlns:mc="http://schemas.openxmlformats.org/markup-compatibility/2006">
-        <mc:Choice xmlns:a14="http://schemas.microsoft.com/office/drawing/2010/main" Requires="a14">
+      <mc:AlternateContent xmlns:mc="http://schemas.openxmlformats.org/markup-compatibility/2006" xmlns:a14="http://schemas.microsoft.com/office/drawing/2010/main">
+        <mc:Choice Requires="a14">
           <p:sp>
             <p:nvSpPr>
               <p:cNvPr id="3" name="Content Placeholder 2"/>
@@ -16670,7 +16814,7 @@
             </p:txBody>
           </p:sp>
         </mc:Choice>
-        <mc:Fallback>
+        <mc:Fallback xmlns="">
           <p:sp>
             <p:nvSpPr>
               <p:cNvPr id="3" name="Content Placeholder 2"/>
@@ -16683,7 +16827,7 @@
             </p:nvSpPr>
             <p:spPr>
               <a:blipFill>
-                <a:blip r:embed="rId2"/>
+                <a:blip r:embed="rId3"/>
                 <a:stretch>
                   <a:fillRect l="-1043" t="-2241" r="-58"/>
                 </a:stretch>
@@ -16961,8 +17105,8 @@
             </p:spPr>
           </p:pic>
         </p:grpSp>
-        <mc:AlternateContent xmlns:mc="http://schemas.openxmlformats.org/markup-compatibility/2006">
-          <mc:Choice xmlns:a14="http://schemas.microsoft.com/office/drawing/2010/main" Requires="a14">
+        <mc:AlternateContent xmlns:mc="http://schemas.openxmlformats.org/markup-compatibility/2006" xmlns:a14="http://schemas.microsoft.com/office/drawing/2010/main">
+          <mc:Choice Requires="a14">
             <p:sp>
               <p:nvSpPr>
                 <p:cNvPr id="45" name="Rectangle 44"/>
@@ -16992,6 +17136,7 @@
                   </a:r>
                 </a:p>
                 <a:p>
+                  <a:pPr/>
                   <a14:m>
                     <m:oMathPara xmlns:m="http://schemas.openxmlformats.org/officeDocument/2006/math">
                       <m:oMathParaPr>
@@ -17020,7 +17165,7 @@
               </p:txBody>
             </p:sp>
           </mc:Choice>
-          <mc:Fallback>
+          <mc:Fallback xmlns="">
             <p:sp>
               <p:nvSpPr>
                 <p:cNvPr id="45" name="Rectangle 44"/>
@@ -17106,8 +17251,8 @@
             </a:p>
           </p:txBody>
         </p:sp>
-        <mc:AlternateContent xmlns:mc="http://schemas.openxmlformats.org/markup-compatibility/2006">
-          <mc:Choice xmlns:a14="http://schemas.microsoft.com/office/drawing/2010/main" Requires="a14">
+        <mc:AlternateContent xmlns:mc="http://schemas.openxmlformats.org/markup-compatibility/2006" xmlns:a14="http://schemas.microsoft.com/office/drawing/2010/main">
+          <mc:Choice Requires="a14">
             <p:sp>
               <p:nvSpPr>
                 <p:cNvPr id="55" name="Rectangle 54"/>
@@ -17129,6 +17274,7 @@
                 </a:bodyPr>
                 <a:lstStyle/>
                 <a:p>
+                  <a:pPr/>
                   <a14:m>
                     <m:oMathPara xmlns:m="http://schemas.openxmlformats.org/officeDocument/2006/math">
                       <m:oMathParaPr>
@@ -17150,7 +17296,7 @@
               </p:txBody>
             </p:sp>
           </mc:Choice>
-          <mc:Fallback>
+          <mc:Fallback xmlns="">
             <p:sp>
               <p:nvSpPr>
                 <p:cNvPr id="55" name="Rectangle 54"/>
@@ -17483,8 +17629,8 @@
           </a:p>
         </p:txBody>
       </p:sp>
-      <mc:AlternateContent xmlns:mc="http://schemas.openxmlformats.org/markup-compatibility/2006">
-        <mc:Choice xmlns:a14="http://schemas.microsoft.com/office/drawing/2010/main" Requires="a14">
+      <mc:AlternateContent xmlns:mc="http://schemas.openxmlformats.org/markup-compatibility/2006" xmlns:a14="http://schemas.microsoft.com/office/drawing/2010/main">
+        <mc:Choice Requires="a14">
           <p:sp>
             <p:nvSpPr>
               <p:cNvPr id="3" name="Content Placeholder 2"/>
@@ -18491,7 +18637,7 @@
             </p:txBody>
           </p:sp>
         </mc:Choice>
-        <mc:Fallback>
+        <mc:Fallback xmlns="">
           <p:sp>
             <p:nvSpPr>
               <p:cNvPr id="3" name="Content Placeholder 2"/>
@@ -18529,8 +18675,8 @@
           </p:sp>
         </mc:Fallback>
       </mc:AlternateContent>
-      <mc:AlternateContent xmlns:mc="http://schemas.openxmlformats.org/markup-compatibility/2006">
-        <mc:Choice xmlns:a14="http://schemas.microsoft.com/office/drawing/2010/main" Requires="a14">
+      <mc:AlternateContent xmlns:mc="http://schemas.openxmlformats.org/markup-compatibility/2006" xmlns:a14="http://schemas.microsoft.com/office/drawing/2010/main">
+        <mc:Choice Requires="a14">
           <p:sp>
             <p:nvSpPr>
               <p:cNvPr id="8" name="TextBox 7"/>
@@ -18589,7 +18735,7 @@
                     <m:sSup>
                       <m:sSupPr>
                         <m:ctrlPr>
-                          <a:rPr lang="en-US" sz="2400" b="0" i="0" smtClean="0">
+                          <a:rPr lang="en-US" sz="2400" b="0" i="1" smtClean="0">
                             <a:latin typeface="Cambria Math" panose="02040503050406030204" pitchFamily="18" charset="0"/>
                           </a:rPr>
                         </m:ctrlPr>
@@ -18627,7 +18773,7 @@
             </p:txBody>
           </p:sp>
         </mc:Choice>
-        <mc:Fallback>
+        <mc:Fallback xmlns="">
           <p:sp>
             <p:nvSpPr>
               <p:cNvPr id="8" name="TextBox 7"/>
@@ -18747,8 +18893,8 @@
             </a:p>
           </p:txBody>
         </p:sp>
-        <mc:AlternateContent xmlns:mc="http://schemas.openxmlformats.org/markup-compatibility/2006">
-          <mc:Choice xmlns:a14="http://schemas.microsoft.com/office/drawing/2010/main" Requires="a14">
+        <mc:AlternateContent xmlns:mc="http://schemas.openxmlformats.org/markup-compatibility/2006" xmlns:a14="http://schemas.microsoft.com/office/drawing/2010/main">
+          <mc:Choice Requires="a14">
             <p:sp>
               <p:nvSpPr>
                 <p:cNvPr id="12" name="TextBox 11"/>
@@ -19187,7 +19333,7 @@
               </p:txBody>
             </p:sp>
           </mc:Choice>
-          <mc:Fallback>
+          <mc:Fallback xmlns="">
             <p:sp>
               <p:nvSpPr>
                 <p:cNvPr id="12" name="TextBox 11"/>
@@ -19227,8 +19373,8 @@
           </mc:Fallback>
         </mc:AlternateContent>
       </p:grpSp>
-      <mc:AlternateContent xmlns:mc="http://schemas.openxmlformats.org/markup-compatibility/2006">
-        <mc:Choice xmlns:a14="http://schemas.microsoft.com/office/drawing/2010/main" Requires="a14">
+      <mc:AlternateContent xmlns:mc="http://schemas.openxmlformats.org/markup-compatibility/2006" xmlns:a14="http://schemas.microsoft.com/office/drawing/2010/main">
+        <mc:Choice Requires="a14">
           <p:sp>
             <p:nvSpPr>
               <p:cNvPr id="43" name="Rectangle 42"/>
@@ -19374,7 +19520,7 @@
             </p:txBody>
           </p:sp>
         </mc:Choice>
-        <mc:Fallback>
+        <mc:Fallback xmlns="">
           <p:sp>
             <p:nvSpPr>
               <p:cNvPr id="43" name="Rectangle 42"/>
@@ -19413,8 +19559,8 @@
           </p:sp>
         </mc:Fallback>
       </mc:AlternateContent>
-      <mc:AlternateContent xmlns:mc="http://schemas.openxmlformats.org/markup-compatibility/2006">
-        <mc:Choice xmlns:a14="http://schemas.microsoft.com/office/drawing/2010/main" Requires="a14">
+      <mc:AlternateContent xmlns:mc="http://schemas.openxmlformats.org/markup-compatibility/2006" xmlns:a14="http://schemas.microsoft.com/office/drawing/2010/main">
+        <mc:Choice Requires="a14">
           <p:sp>
             <p:nvSpPr>
               <p:cNvPr id="47" name="Rectangle 46"/>
@@ -19463,7 +19609,7 @@
             </p:txBody>
           </p:sp>
         </mc:Choice>
-        <mc:Fallback>
+        <mc:Fallback xmlns="">
           <p:sp>
             <p:nvSpPr>
               <p:cNvPr id="47" name="Rectangle 46"/>
@@ -19549,8 +19695,8 @@
           </a:p>
         </p:txBody>
       </p:sp>
-      <mc:AlternateContent xmlns:mc="http://schemas.openxmlformats.org/markup-compatibility/2006">
-        <mc:Choice xmlns:a14="http://schemas.microsoft.com/office/drawing/2010/main" Requires="a14">
+      <mc:AlternateContent xmlns:mc="http://schemas.openxmlformats.org/markup-compatibility/2006" xmlns:a14="http://schemas.microsoft.com/office/drawing/2010/main">
+        <mc:Choice Requires="a14">
           <p:sp>
             <p:nvSpPr>
               <p:cNvPr id="60" name="Rectangle 59"/>
@@ -19572,6 +19718,7 @@
               </a:bodyPr>
               <a:lstStyle/>
               <a:p>
+                <a:pPr/>
                 <a14:m>
                   <m:oMathPara xmlns:m="http://schemas.openxmlformats.org/officeDocument/2006/math">
                     <m:oMathParaPr>
@@ -19614,7 +19761,7 @@
             </p:txBody>
           </p:sp>
         </mc:Choice>
-        <mc:Fallback>
+        <mc:Fallback xmlns="">
           <p:sp>
             <p:nvSpPr>
               <p:cNvPr id="60" name="Rectangle 59"/>
@@ -22049,8 +22196,8 @@
           </mc:Fallback>
         </mc:AlternateContent>
       </p:grpSp>
-      <mc:AlternateContent xmlns:mc="http://schemas.openxmlformats.org/markup-compatibility/2006">
-        <mc:Choice xmlns:a14="http://schemas.microsoft.com/office/drawing/2010/main" Requires="a14">
+      <mc:AlternateContent xmlns:mc="http://schemas.openxmlformats.org/markup-compatibility/2006" xmlns:a14="http://schemas.microsoft.com/office/drawing/2010/main">
+        <mc:Choice Requires="a14">
           <p:sp>
             <p:nvSpPr>
               <p:cNvPr id="96" name="TextBox 95"/>
@@ -22161,7 +22308,7 @@
             </p:txBody>
           </p:sp>
         </mc:Choice>
-        <mc:Fallback>
+        <mc:Fallback xmlns="">
           <p:sp>
             <p:nvSpPr>
               <p:cNvPr id="96" name="TextBox 95"/>
@@ -22351,8 +22498,8 @@
           </p:sp>
         </mc:Fallback>
       </mc:AlternateContent>
-      <mc:AlternateContent xmlns:mc="http://schemas.openxmlformats.org/markup-compatibility/2006">
-        <mc:Choice xmlns:a14="http://schemas.microsoft.com/office/drawing/2010/main" Requires="a14">
+      <mc:AlternateContent xmlns:mc="http://schemas.openxmlformats.org/markup-compatibility/2006" xmlns:a14="http://schemas.microsoft.com/office/drawing/2010/main">
+        <mc:Choice Requires="a14">
           <p:sp>
             <p:nvSpPr>
               <p:cNvPr id="3" name="Rectangle 2"/>
@@ -22699,7 +22846,7 @@
             </p:txBody>
           </p:sp>
         </mc:Choice>
-        <mc:Fallback>
+        <mc:Fallback xmlns="">
           <p:sp>
             <p:nvSpPr>
               <p:cNvPr id="3" name="Rectangle 2"/>
@@ -24316,8 +24463,8 @@
           </a:p>
         </p:txBody>
       </p:sp>
-      <mc:AlternateContent xmlns:mc="http://schemas.openxmlformats.org/markup-compatibility/2006">
-        <mc:Choice xmlns:a14="http://schemas.microsoft.com/office/drawing/2010/main" Requires="a14">
+      <mc:AlternateContent xmlns:mc="http://schemas.openxmlformats.org/markup-compatibility/2006" xmlns:a14="http://schemas.microsoft.com/office/drawing/2010/main">
+        <mc:Choice Requires="a14">
           <p:sp>
             <p:nvSpPr>
               <p:cNvPr id="3" name="Content Placeholder 2"/>
@@ -25333,7 +25480,7 @@
             </p:txBody>
           </p:sp>
         </mc:Choice>
-        <mc:Fallback>
+        <mc:Fallback xmlns="">
           <p:sp>
             <p:nvSpPr>
               <p:cNvPr id="3" name="Content Placeholder 2"/>
@@ -25371,8 +25518,8 @@
           </p:sp>
         </mc:Fallback>
       </mc:AlternateContent>
-      <mc:AlternateContent xmlns:mc="http://schemas.openxmlformats.org/markup-compatibility/2006">
-        <mc:Choice xmlns:a14="http://schemas.microsoft.com/office/drawing/2010/main" Requires="a14">
+      <mc:AlternateContent xmlns:mc="http://schemas.openxmlformats.org/markup-compatibility/2006" xmlns:a14="http://schemas.microsoft.com/office/drawing/2010/main">
+        <mc:Choice Requires="a14">
           <p:sp>
             <p:nvSpPr>
               <p:cNvPr id="5" name="Rectangle 4"/>
@@ -25583,7 +25730,7 @@
             </p:txBody>
           </p:sp>
         </mc:Choice>
-        <mc:Fallback>
+        <mc:Fallback xmlns="">
           <p:sp>
             <p:nvSpPr>
               <p:cNvPr id="5" name="Rectangle 4"/>
@@ -25622,8 +25769,8 @@
           </p:sp>
         </mc:Fallback>
       </mc:AlternateContent>
-      <mc:AlternateContent xmlns:mc="http://schemas.openxmlformats.org/markup-compatibility/2006">
-        <mc:Choice xmlns:a14="http://schemas.microsoft.com/office/drawing/2010/main" Requires="a14">
+      <mc:AlternateContent xmlns:mc="http://schemas.openxmlformats.org/markup-compatibility/2006" xmlns:a14="http://schemas.microsoft.com/office/drawing/2010/main">
+        <mc:Choice Requires="a14">
           <p:sp>
             <p:nvSpPr>
               <p:cNvPr id="4" name="Rectangle 3"/>
@@ -25848,7 +25995,7 @@
             </p:txBody>
           </p:sp>
         </mc:Choice>
-        <mc:Fallback>
+        <mc:Fallback xmlns="">
           <p:sp>
             <p:nvSpPr>
               <p:cNvPr id="4" name="Rectangle 3"/>
@@ -26011,8 +26158,8 @@
           </a:p>
         </p:txBody>
       </p:sp>
-      <mc:AlternateContent xmlns:mc="http://schemas.openxmlformats.org/markup-compatibility/2006">
-        <mc:Choice xmlns:a14="http://schemas.microsoft.com/office/drawing/2010/main" Requires="a14">
+      <mc:AlternateContent xmlns:mc="http://schemas.openxmlformats.org/markup-compatibility/2006" xmlns:a14="http://schemas.microsoft.com/office/drawing/2010/main">
+        <mc:Choice Requires="a14">
           <p:sp>
             <p:nvSpPr>
               <p:cNvPr id="5" name="Rectangle 4"/>
@@ -26095,7 +26242,7 @@
             </p:txBody>
           </p:sp>
         </mc:Choice>
-        <mc:Fallback>
+        <mc:Fallback xmlns="">
           <p:sp>
             <p:nvSpPr>
               <p:cNvPr id="5" name="Rectangle 4"/>
@@ -26134,8 +26281,8 @@
           </p:sp>
         </mc:Fallback>
       </mc:AlternateContent>
-      <mc:AlternateContent xmlns:mc="http://schemas.openxmlformats.org/markup-compatibility/2006">
-        <mc:Choice xmlns:a14="http://schemas.microsoft.com/office/drawing/2010/main" Requires="a14">
+      <mc:AlternateContent xmlns:mc="http://schemas.openxmlformats.org/markup-compatibility/2006" xmlns:a14="http://schemas.microsoft.com/office/drawing/2010/main">
+        <mc:Choice Requires="a14">
           <p:sp>
             <p:nvSpPr>
               <p:cNvPr id="8" name="Rectangle 7"/>
@@ -26322,7 +26469,7 @@
             </p:txBody>
           </p:sp>
         </mc:Choice>
-        <mc:Fallback>
+        <mc:Fallback xmlns="">
           <p:sp>
             <p:nvSpPr>
               <p:cNvPr id="8" name="Rectangle 7"/>
@@ -30944,8 +31091,8 @@
           </mc:Fallback>
         </mc:AlternateContent>
       </p:grpSp>
-      <mc:AlternateContent xmlns:mc="http://schemas.openxmlformats.org/markup-compatibility/2006">
-        <mc:Choice xmlns:a14="http://schemas.microsoft.com/office/drawing/2010/main" Requires="a14">
+      <mc:AlternateContent xmlns:mc="http://schemas.openxmlformats.org/markup-compatibility/2006" xmlns:a14="http://schemas.microsoft.com/office/drawing/2010/main">
+        <mc:Choice Requires="a14">
           <p:sp>
             <p:nvSpPr>
               <p:cNvPr id="15" name="Rectangle 14"/>
@@ -31091,7 +31238,7 @@
             </p:txBody>
           </p:sp>
         </mc:Choice>
-        <mc:Fallback>
+        <mc:Fallback xmlns="">
           <p:sp>
             <p:nvSpPr>
               <p:cNvPr id="15" name="Rectangle 14"/>

--- a/amplitude_sensing_penning_2.pptx
+++ b/amplitude_sensing_penning_2.pptx
@@ -10,11 +10,11 @@
   </p:notesMasterIdLst>
   <p:sldIdLst>
     <p:sldId id="267" r:id="rId3"/>
-    <p:sldId id="273" r:id="rId4"/>
+    <p:sldId id="282" r:id="rId4"/>
     <p:sldId id="279" r:id="rId5"/>
     <p:sldId id="259" r:id="rId6"/>
-    <p:sldId id="274" r:id="rId7"/>
-    <p:sldId id="258" r:id="rId8"/>
+    <p:sldId id="258" r:id="rId7"/>
+    <p:sldId id="274" r:id="rId8"/>
     <p:sldId id="280" r:id="rId9"/>
     <p:sldId id="275" r:id="rId10"/>
     <p:sldId id="260" r:id="rId11"/>
@@ -981,6 +981,9 @@
             </a:r>
             <a:endParaRPr lang="en-US" dirty="0"/>
           </a:p>
+          <a:p>
+            <a:endParaRPr lang="en-US" dirty="0"/>
+          </a:p>
         </p:txBody>
       </p:sp>
       <p:sp>
@@ -1009,7 +1012,7 @@
     </p:spTree>
     <p:extLst>
       <p:ext uri="{BB962C8B-B14F-4D97-AF65-F5344CB8AC3E}">
-        <p14:creationId xmlns:p14="http://schemas.microsoft.com/office/powerpoint/2010/main" val="3343571761"/>
+        <p14:creationId xmlns:p14="http://schemas.microsoft.com/office/powerpoint/2010/main" val="2552767197"/>
       </p:ext>
     </p:extLst>
   </p:cSld>
@@ -1352,6 +1355,138 @@
           <a:lstStyle/>
           <a:p>
             <a:r>
+              <a:rPr lang="en-US" dirty="0"/>
+              <a:t>The ODF couples the</a:t>
+            </a:r>
+            <a:r>
+              <a:rPr lang="en-US" baseline="0" dirty="0"/>
+              <a:t> spin and motional degrees of freedom through… If U/mu is small, can make simplification. However, as will be discussed, it is also possible to choose the phases of the ODF to cancel the cos term. </a:t>
+            </a:r>
+            <a:r>
+              <a:rPr lang="en-US" dirty="0"/>
+              <a:t>Like</a:t>
+            </a:r>
+            <a:r>
+              <a:rPr lang="en-US" baseline="0" dirty="0"/>
+              <a:t> the cavity-mechanical oscillator, due to the spin-motion coupling induced by the ODF, qubit frequency sees a shift – hence precession. The qubit frequency shift evaluated at </a:t>
+            </a:r>
+            <a:r>
+              <a:rPr lang="en-US" baseline="0" dirty="0" err="1"/>
+              <a:t>Z_c</a:t>
+            </a:r>
+            <a:r>
+              <a:rPr lang="en-US" baseline="0" dirty="0"/>
+              <a:t> = 2 nm (zero point </a:t>
+            </a:r>
+            <a:r>
+              <a:rPr lang="en-US" baseline="0" dirty="0" err="1"/>
+              <a:t>fluc</a:t>
+            </a:r>
+            <a:r>
+              <a:rPr lang="en-US" baseline="0" dirty="0"/>
+              <a:t> of COM mode for 100 ions) is the equivalent of the vacuum </a:t>
+            </a:r>
+            <a:r>
+              <a:rPr lang="en-US" baseline="0" dirty="0" err="1"/>
+              <a:t>optomechanical</a:t>
+            </a:r>
+            <a:r>
+              <a:rPr lang="en-US" baseline="0" dirty="0"/>
+              <a:t> coupling strength. To get the </a:t>
+            </a:r>
+            <a:r>
+              <a:rPr lang="en-US" baseline="0" dirty="0" err="1"/>
+              <a:t>prob</a:t>
+            </a:r>
+            <a:r>
+              <a:rPr lang="en-US" baseline="0" dirty="0"/>
+              <a:t> of spin up, have to average over cos of random phase – result is J0</a:t>
+            </a:r>
+            <a:endParaRPr lang="en-US" dirty="0"/>
+          </a:p>
+        </p:txBody>
+      </p:sp>
+      <p:sp>
+        <p:nvSpPr>
+          <p:cNvPr id="4" name="Slide Number Placeholder 3"/>
+          <p:cNvSpPr>
+            <a:spLocks noGrp="1"/>
+          </p:cNvSpPr>
+          <p:nvPr>
+            <p:ph type="sldNum" sz="quarter" idx="10"/>
+          </p:nvPr>
+        </p:nvSpPr>
+        <p:spPr/>
+        <p:txBody>
+          <a:bodyPr/>
+          <a:lstStyle/>
+          <a:p>
+            <a:fld id="{84FDC1DB-3CE3-40ED-99EE-197F06FEF5F0}" type="slidenum">
+              <a:rPr lang="en-US" smtClean="0"/>
+              <a:t>5</a:t>
+            </a:fld>
+            <a:endParaRPr lang="en-US"/>
+          </a:p>
+        </p:txBody>
+      </p:sp>
+    </p:spTree>
+    <p:extLst>
+      <p:ext uri="{BB962C8B-B14F-4D97-AF65-F5344CB8AC3E}">
+        <p14:creationId xmlns:p14="http://schemas.microsoft.com/office/powerpoint/2010/main" val="4182706408"/>
+      </p:ext>
+    </p:extLst>
+  </p:cSld>
+  <p:clrMapOvr>
+    <a:masterClrMapping/>
+  </p:clrMapOvr>
+</p:notes>
+</file>
+
+<file path=ppt/notesSlides/notesSlide6.xml><?xml version="1.0" encoding="utf-8"?>
+<p:notes xmlns:a="http://schemas.openxmlformats.org/drawingml/2006/main" xmlns:r="http://schemas.openxmlformats.org/officeDocument/2006/relationships" xmlns:p="http://schemas.openxmlformats.org/presentationml/2006/main">
+  <p:cSld>
+    <p:spTree>
+      <p:nvGrpSpPr>
+        <p:cNvPr id="1" name=""/>
+        <p:cNvGrpSpPr/>
+        <p:nvPr/>
+      </p:nvGrpSpPr>
+      <p:grpSpPr>
+        <a:xfrm>
+          <a:off x="0" y="0"/>
+          <a:ext cx="0" cy="0"/>
+          <a:chOff x="0" y="0"/>
+          <a:chExt cx="0" cy="0"/>
+        </a:xfrm>
+      </p:grpSpPr>
+      <p:sp>
+        <p:nvSpPr>
+          <p:cNvPr id="2" name="Slide Image Placeholder 1"/>
+          <p:cNvSpPr>
+            <a:spLocks noGrp="1" noRot="1" noChangeAspect="1"/>
+          </p:cNvSpPr>
+          <p:nvPr>
+            <p:ph type="sldImg"/>
+          </p:nvPr>
+        </p:nvSpPr>
+        <p:spPr/>
+      </p:sp>
+      <p:sp>
+        <p:nvSpPr>
+          <p:cNvPr id="3" name="Notes Placeholder 2"/>
+          <p:cNvSpPr>
+            <a:spLocks noGrp="1"/>
+          </p:cNvSpPr>
+          <p:nvPr>
+            <p:ph type="body" idx="1"/>
+          </p:nvPr>
+        </p:nvSpPr>
+        <p:spPr/>
+        <p:txBody>
+          <a:bodyPr/>
+          <a:lstStyle/>
+          <a:p>
+            <a:r>
               <a:rPr lang="en-US" sz="1200" kern="1200" dirty="0">
                 <a:solidFill>
                   <a:schemeClr val="tx1"/>
@@ -1420,7 +1555,7 @@
           <a:p>
             <a:fld id="{84FDC1DB-3CE3-40ED-99EE-197F06FEF5F0}" type="slidenum">
               <a:rPr lang="en-US" smtClean="0"/>
-              <a:t>5</a:t>
+              <a:t>6</a:t>
             </a:fld>
             <a:endParaRPr lang="en-US"/>
           </a:p>
@@ -1430,138 +1565,6 @@
     <p:extLst>
       <p:ext uri="{BB962C8B-B14F-4D97-AF65-F5344CB8AC3E}">
         <p14:creationId xmlns:p14="http://schemas.microsoft.com/office/powerpoint/2010/main" val="1775857786"/>
-      </p:ext>
-    </p:extLst>
-  </p:cSld>
-  <p:clrMapOvr>
-    <a:masterClrMapping/>
-  </p:clrMapOvr>
-</p:notes>
-</file>
-
-<file path=ppt/notesSlides/notesSlide6.xml><?xml version="1.0" encoding="utf-8"?>
-<p:notes xmlns:a="http://schemas.openxmlformats.org/drawingml/2006/main" xmlns:r="http://schemas.openxmlformats.org/officeDocument/2006/relationships" xmlns:p="http://schemas.openxmlformats.org/presentationml/2006/main">
-  <p:cSld>
-    <p:spTree>
-      <p:nvGrpSpPr>
-        <p:cNvPr id="1" name=""/>
-        <p:cNvGrpSpPr/>
-        <p:nvPr/>
-      </p:nvGrpSpPr>
-      <p:grpSpPr>
-        <a:xfrm>
-          <a:off x="0" y="0"/>
-          <a:ext cx="0" cy="0"/>
-          <a:chOff x="0" y="0"/>
-          <a:chExt cx="0" cy="0"/>
-        </a:xfrm>
-      </p:grpSpPr>
-      <p:sp>
-        <p:nvSpPr>
-          <p:cNvPr id="2" name="Slide Image Placeholder 1"/>
-          <p:cNvSpPr>
-            <a:spLocks noGrp="1" noRot="1" noChangeAspect="1"/>
-          </p:cNvSpPr>
-          <p:nvPr>
-            <p:ph type="sldImg"/>
-          </p:nvPr>
-        </p:nvSpPr>
-        <p:spPr/>
-      </p:sp>
-      <p:sp>
-        <p:nvSpPr>
-          <p:cNvPr id="3" name="Notes Placeholder 2"/>
-          <p:cNvSpPr>
-            <a:spLocks noGrp="1"/>
-          </p:cNvSpPr>
-          <p:nvPr>
-            <p:ph type="body" idx="1"/>
-          </p:nvPr>
-        </p:nvSpPr>
-        <p:spPr/>
-        <p:txBody>
-          <a:bodyPr/>
-          <a:lstStyle/>
-          <a:p>
-            <a:r>
-              <a:rPr lang="en-US" dirty="0"/>
-              <a:t>The ODF couples the</a:t>
-            </a:r>
-            <a:r>
-              <a:rPr lang="en-US" baseline="0" dirty="0"/>
-              <a:t> spin and motional degrees of freedom through… If U/mu is small, can make simplification. However, as will be discussed, it is also possible to choose the phases of the ODF to cancel the cos term. </a:t>
-            </a:r>
-            <a:r>
-              <a:rPr lang="en-US" dirty="0"/>
-              <a:t>Like</a:t>
-            </a:r>
-            <a:r>
-              <a:rPr lang="en-US" baseline="0" dirty="0"/>
-              <a:t> the cavity-mechanical oscillator, due to the spin-motion coupling induced by the ODF, qubit frequency sees a shift – hence precession. The qubit frequency shift evaluated at </a:t>
-            </a:r>
-            <a:r>
-              <a:rPr lang="en-US" baseline="0" dirty="0" err="1"/>
-              <a:t>Z_c</a:t>
-            </a:r>
-            <a:r>
-              <a:rPr lang="en-US" baseline="0" dirty="0"/>
-              <a:t> = 2 nm (zero point </a:t>
-            </a:r>
-            <a:r>
-              <a:rPr lang="en-US" baseline="0" dirty="0" err="1"/>
-              <a:t>fluc</a:t>
-            </a:r>
-            <a:r>
-              <a:rPr lang="en-US" baseline="0" dirty="0"/>
-              <a:t> of COM mode for 100 ions) is the equivalent of the vacuum </a:t>
-            </a:r>
-            <a:r>
-              <a:rPr lang="en-US" baseline="0" dirty="0" err="1"/>
-              <a:t>optomechanical</a:t>
-            </a:r>
-            <a:r>
-              <a:rPr lang="en-US" baseline="0" dirty="0"/>
-              <a:t> coupling strength. To get the </a:t>
-            </a:r>
-            <a:r>
-              <a:rPr lang="en-US" baseline="0" dirty="0" err="1"/>
-              <a:t>prob</a:t>
-            </a:r>
-            <a:r>
-              <a:rPr lang="en-US" baseline="0" dirty="0"/>
-              <a:t> of spin up, have to average over cos of random phase – result is J0</a:t>
-            </a:r>
-            <a:endParaRPr lang="en-US" dirty="0"/>
-          </a:p>
-        </p:txBody>
-      </p:sp>
-      <p:sp>
-        <p:nvSpPr>
-          <p:cNvPr id="4" name="Slide Number Placeholder 3"/>
-          <p:cNvSpPr>
-            <a:spLocks noGrp="1"/>
-          </p:cNvSpPr>
-          <p:nvPr>
-            <p:ph type="sldNum" sz="quarter" idx="10"/>
-          </p:nvPr>
-        </p:nvSpPr>
-        <p:spPr/>
-        <p:txBody>
-          <a:bodyPr/>
-          <a:lstStyle/>
-          <a:p>
-            <a:fld id="{84FDC1DB-3CE3-40ED-99EE-197F06FEF5F0}" type="slidenum">
-              <a:rPr lang="en-US" smtClean="0"/>
-              <a:t>6</a:t>
-            </a:fld>
-            <a:endParaRPr lang="en-US"/>
-          </a:p>
-        </p:txBody>
-      </p:sp>
-    </p:spTree>
-    <p:extLst>
-      <p:ext uri="{BB962C8B-B14F-4D97-AF65-F5344CB8AC3E}">
-        <p14:creationId xmlns:p14="http://schemas.microsoft.com/office/powerpoint/2010/main" val="4182706408"/>
       </p:ext>
     </p:extLst>
   </p:cSld>
@@ -10772,8 +10775,8 @@
           </a:fontRef>
         </p:style>
       </p:cxnSp>
-      <mc:AlternateContent xmlns:mc="http://schemas.openxmlformats.org/markup-compatibility/2006" xmlns:a14="http://schemas.microsoft.com/office/drawing/2010/main">
-        <mc:Choice Requires="a14">
+      <mc:AlternateContent xmlns:mc="http://schemas.openxmlformats.org/markup-compatibility/2006">
+        <mc:Choice xmlns:a14="http://schemas.microsoft.com/office/drawing/2010/main" Requires="a14">
           <p:sp>
             <p:nvSpPr>
               <p:cNvPr id="33" name="TextBox 32"/>
@@ -10802,37 +10805,13 @@
                 </a:r>
                 <a14:m>
                   <m:oMath xmlns:m="http://schemas.openxmlformats.org/officeDocument/2006/math">
-                    <m:func>
-                      <m:funcPr>
-                        <m:ctrlPr>
-                          <a:rPr lang="en-US" i="1">
-                            <a:latin typeface="Cambria Math" panose="02040503050406030204" pitchFamily="18" charset="0"/>
-                            <a:ea typeface="Cambria Math" panose="02040503050406030204" pitchFamily="18" charset="0"/>
-                          </a:rPr>
-                        </m:ctrlPr>
-                      </m:funcPr>
-                      <m:fName>
-                        <m:r>
-                          <m:rPr>
-                            <m:sty m:val="p"/>
-                          </m:rPr>
-                          <a:rPr lang="en-US">
-                            <a:latin typeface="Cambria Math" panose="02040503050406030204" pitchFamily="18" charset="0"/>
-                            <a:ea typeface="Cambria Math" panose="02040503050406030204" pitchFamily="18" charset="0"/>
-                          </a:rPr>
-                          <m:t>cos</m:t>
-                        </m:r>
-                      </m:fName>
-                      <m:e>
-                        <m:r>
-                          <a:rPr lang="en-US" i="1">
-                            <a:latin typeface="Cambria Math" panose="02040503050406030204" pitchFamily="18" charset="0"/>
-                            <a:ea typeface="Cambria Math" panose="02040503050406030204" pitchFamily="18" charset="0"/>
-                          </a:rPr>
-                          <m:t>𝜃</m:t>
-                        </m:r>
-                      </m:e>
-                    </m:func>
+                    <m:r>
+                      <a:rPr lang="en-US" b="0" i="1" smtClean="0">
+                        <a:latin typeface="Cambria Math" panose="02040503050406030204" pitchFamily="18" charset="0"/>
+                        <a:ea typeface="Cambria Math" panose="02040503050406030204" pitchFamily="18" charset="0"/>
+                      </a:rPr>
+                      <m:t>𝛿</m:t>
+                    </m:r>
                   </m:oMath>
                 </a14:m>
                 <a:endParaRPr lang="en-US" dirty="0"/>
@@ -10840,7 +10819,7 @@
             </p:txBody>
           </p:sp>
         </mc:Choice>
-        <mc:Fallback xmlns="">
+        <mc:Fallback>
           <p:sp>
             <p:nvSpPr>
               <p:cNvPr id="33" name="TextBox 32"/>
@@ -16728,13 +16707,13 @@
           <a:p>
             <a:r>
               <a:rPr lang="en-US" dirty="0"/>
-              <a:t>What’s it good for?</a:t>
+              <a:t>Quantum couplings to mechanical oscillators</a:t>
             </a:r>
           </a:p>
         </p:txBody>
       </p:sp>
-      <mc:AlternateContent xmlns:mc="http://schemas.openxmlformats.org/markup-compatibility/2006" xmlns:a14="http://schemas.microsoft.com/office/drawing/2010/main">
-        <mc:Choice Requires="a14">
+      <mc:AlternateContent xmlns:mc="http://schemas.openxmlformats.org/markup-compatibility/2006">
+        <mc:Choice xmlns:a14="http://schemas.microsoft.com/office/drawing/2010/main" Requires="a14">
           <p:sp>
             <p:nvSpPr>
               <p:cNvPr id="3" name="Content Placeholder 2"/>
@@ -16745,7 +16724,12 @@
                 <p:ph idx="1"/>
               </p:nvPr>
             </p:nvSpPr>
-            <p:spPr/>
+            <p:spPr>
+              <a:xfrm>
+                <a:off x="838199" y="1825625"/>
+                <a:ext cx="10830339" cy="4351338"/>
+              </a:xfrm>
+            </p:spPr>
             <p:txBody>
               <a:bodyPr>
                 <a:normAutofit/>
@@ -16753,39 +16737,34 @@
               <a:lstStyle/>
               <a:p>
                 <a:r>
-                  <a:rPr lang="en-US" dirty="0"/>
-                  <a:t>Pursuing protocols to explore force and amplitude sensing below the standard quantum limit</a:t>
+                  <a:rPr lang="en-US" sz="3600" dirty="0"/>
+                  <a:t>Optomechanics – coupling to optical fields</a:t>
                 </a:r>
               </a:p>
               <a:p>
                 <a:pPr lvl="1"/>
                 <a:r>
-                  <a:rPr lang="en-US" dirty="0"/>
-                  <a:t>Exploring quantum limits – projection noise</a:t>
-                </a:r>
-              </a:p>
-              <a:p>
-                <a:r>
-                  <a:rPr lang="en-US" dirty="0"/>
-                  <a:t>Quantum-ness of mesoscopic objects – effects of decoherence from quantum to classical</a:t>
-                </a:r>
-              </a:p>
-              <a:p>
-                <a:r>
-                  <a:rPr lang="en-US" dirty="0"/>
-                  <a:t>Optomechanics and quantum information</a:t>
+                  <a:rPr lang="en-US" sz="3200" dirty="0"/>
+                  <a:t>Quantum limits to force and amplitude sensing </a:t>
                 </a:r>
               </a:p>
               <a:p>
                 <a:pPr lvl="1"/>
                 <a:r>
-                  <a:rPr lang="en-US" dirty="0"/>
-                  <a:t>Transduction: ion qubit </a:t>
+                  <a:rPr lang="en-US" sz="3200" dirty="0"/>
+                  <a:t>Exploring the quantum/classical divide</a:t>
+                </a:r>
+              </a:p>
+              <a:p>
+                <a:pPr lvl="1"/>
+                <a:r>
+                  <a:rPr lang="en-US" sz="3200" dirty="0"/>
+                  <a:t>Transduction: photons </a:t>
                 </a:r>
                 <a14:m>
                   <m:oMath xmlns:m="http://schemas.openxmlformats.org/officeDocument/2006/math">
                     <m:r>
-                      <a:rPr lang="en-US" i="1" smtClean="0">
+                      <a:rPr lang="en-US" sz="3200" i="1">
                         <a:latin typeface="Cambria Math" panose="02040503050406030204" pitchFamily="18" charset="0"/>
                         <a:ea typeface="Cambria Math" panose="02040503050406030204" pitchFamily="18" charset="0"/>
                       </a:rPr>
@@ -16794,27 +16773,43 @@
                   </m:oMath>
                 </a14:m>
                 <a:r>
-                  <a:rPr lang="en-US" dirty="0"/>
-                  <a:t> mechanical oscillator</a:t>
+                  <a:rPr lang="en-US" sz="3200" dirty="0"/>
+                  <a:t> mechanical oscillator </a:t>
                 </a:r>
-              </a:p>
-              <a:p>
+                <a14:m>
+                  <m:oMath xmlns:m="http://schemas.openxmlformats.org/officeDocument/2006/math">
+                    <m:r>
+                      <a:rPr lang="en-US" sz="3200" i="1">
+                        <a:latin typeface="Cambria Math" panose="02040503050406030204" pitchFamily="18" charset="0"/>
+                        <a:ea typeface="Cambria Math" panose="02040503050406030204" pitchFamily="18" charset="0"/>
+                      </a:rPr>
+                      <m:t>↔</m:t>
+                    </m:r>
+                  </m:oMath>
+                </a14:m>
                 <a:r>
-                  <a:rPr lang="en-US" dirty="0"/>
-                  <a:t>Force and electric field sensing</a:t>
+                  <a:rPr lang="en-US" sz="3200" dirty="0"/>
+                  <a:t> microwave qubits</a:t>
                 </a:r>
               </a:p>
               <a:p>
                 <a:pPr lvl="1"/>
                 <a:r>
-                  <a:rPr lang="en-US" dirty="0"/>
+                  <a:rPr lang="en-US" sz="3200" dirty="0"/>
+                  <a:t>Force and electric field sensing</a:t>
+                </a:r>
+              </a:p>
+              <a:p>
+                <a:pPr lvl="2"/>
+                <a:r>
+                  <a:rPr lang="en-US" sz="2800" dirty="0"/>
                   <a:t>WISPS (hidden photons, axions) and dark matter</a:t>
                 </a:r>
               </a:p>
             </p:txBody>
           </p:sp>
         </mc:Choice>
-        <mc:Fallback xmlns="">
+        <mc:Fallback>
           <p:sp>
             <p:nvSpPr>
               <p:cNvPr id="3" name="Content Placeholder 2"/>
@@ -16826,10 +16821,14 @@
               </p:nvPr>
             </p:nvSpPr>
             <p:spPr>
+              <a:xfrm>
+                <a:off x="838199" y="1825625"/>
+                <a:ext cx="10830339" cy="4351338"/>
+              </a:xfrm>
               <a:blipFill>
                 <a:blip r:embed="rId3"/>
                 <a:stretch>
-                  <a:fillRect l="-1043" t="-2241" r="-58"/>
+                  <a:fillRect l="-1519" t="-3361"/>
                 </a:stretch>
               </a:blipFill>
             </p:spPr>
@@ -16851,7 +16850,7 @@
     </p:spTree>
     <p:extLst>
       <p:ext uri="{BB962C8B-B14F-4D97-AF65-F5344CB8AC3E}">
-        <p14:creationId xmlns:p14="http://schemas.microsoft.com/office/powerpoint/2010/main" val="1548111775"/>
+        <p14:creationId xmlns:p14="http://schemas.microsoft.com/office/powerpoint/2010/main" val="4101011195"/>
       </p:ext>
     </p:extLst>
   </p:cSld>
@@ -18821,9 +18820,9 @@
         <p:grpSpPr>
           <a:xfrm>
             <a:off x="115915" y="3524273"/>
-            <a:ext cx="6533199" cy="1077464"/>
+            <a:ext cx="6480150" cy="1077464"/>
             <a:chOff x="2549230" y="2894372"/>
-            <a:chExt cx="6533199" cy="1077464"/>
+            <a:chExt cx="6480150" cy="1077464"/>
           </a:xfrm>
         </p:grpSpPr>
         <p:sp>
@@ -18893,8 +18892,8 @@
             </a:p>
           </p:txBody>
         </p:sp>
-        <mc:AlternateContent xmlns:mc="http://schemas.openxmlformats.org/markup-compatibility/2006" xmlns:a14="http://schemas.microsoft.com/office/drawing/2010/main">
-          <mc:Choice Requires="a14">
+        <mc:AlternateContent xmlns:mc="http://schemas.openxmlformats.org/markup-compatibility/2006">
+          <mc:Choice xmlns:a14="http://schemas.microsoft.com/office/drawing/2010/main" Requires="a14">
             <p:sp>
               <p:nvSpPr>
                 <p:cNvPr id="12" name="TextBox 11"/>
@@ -18903,8 +18902,8 @@
               </p:nvSpPr>
               <p:spPr>
                 <a:xfrm>
-                  <a:off x="2549230" y="2894372"/>
-                  <a:ext cx="6533199" cy="1014380"/>
+                  <a:off x="2836969" y="2894372"/>
+                  <a:ext cx="5957720" cy="1014380"/>
                 </a:xfrm>
                 <a:prstGeom prst="rect">
                   <a:avLst/>
@@ -19147,133 +19146,30 @@
                         </a:rPr>
                         <m:t>=</m:t>
                       </m:r>
-                      <m:sSub>
-                        <m:sSubPr>
-                          <m:ctrlPr>
-                            <a:rPr lang="en-US" sz="2400" i="1">
-                              <a:latin typeface="Cambria Math" panose="02040503050406030204" pitchFamily="18" charset="0"/>
-                              <a:ea typeface="Cambria Math" panose="02040503050406030204" pitchFamily="18" charset="0"/>
-                            </a:rPr>
-                          </m:ctrlPr>
-                        </m:sSubPr>
-                        <m:e>
-                          <m:r>
-                            <a:rPr lang="en-US" sz="2400" i="1">
-                              <a:latin typeface="Cambria Math" panose="02040503050406030204" pitchFamily="18" charset="0"/>
-                              <a:ea typeface="Cambria Math" panose="02040503050406030204" pitchFamily="18" charset="0"/>
-                            </a:rPr>
-                            <m:t>𝐹</m:t>
-                          </m:r>
-                        </m:e>
-                        <m:sub>
-                          <m:r>
-                            <a:rPr lang="en-US" sz="2400" i="1">
-                              <a:latin typeface="Cambria Math" panose="02040503050406030204" pitchFamily="18" charset="0"/>
-                              <a:ea typeface="Cambria Math" panose="02040503050406030204" pitchFamily="18" charset="0"/>
-                            </a:rPr>
-                            <m:t>0</m:t>
-                          </m:r>
-                        </m:sub>
-                      </m:sSub>
+                      <m:r>
+                        <m:rPr>
+                          <m:sty m:val="p"/>
+                        </m:rPr>
+                        <a:rPr lang="en-US" sz="2400" b="0" i="0" smtClean="0">
+                          <a:latin typeface="Cambria Math" panose="02040503050406030204" pitchFamily="18" charset="0"/>
+                          <a:ea typeface="Cambria Math" panose="02040503050406030204" pitchFamily="18" charset="0"/>
+                        </a:rPr>
+                        <m:t>Δ</m:t>
+                      </m:r>
+                      <m:r>
+                        <a:rPr lang="en-US" sz="2400" b="0" i="0" smtClean="0">
+                          <a:latin typeface="Cambria Math" panose="02040503050406030204" pitchFamily="18" charset="0"/>
+                          <a:ea typeface="Cambria Math" panose="02040503050406030204" pitchFamily="18" charset="0"/>
+                        </a:rPr>
+                        <m:t> </m:t>
+                      </m:r>
                       <m:r>
                         <a:rPr lang="en-US" sz="2400" i="1">
                           <a:latin typeface="Cambria Math" panose="02040503050406030204" pitchFamily="18" charset="0"/>
                           <a:ea typeface="Cambria Math" panose="02040503050406030204" pitchFamily="18" charset="0"/>
                         </a:rPr>
-                        <m:t>∙</m:t>
+                        <m:t>𝜏</m:t>
                       </m:r>
-                      <m:sSub>
-                        <m:sSubPr>
-                          <m:ctrlPr>
-                            <a:rPr lang="en-US" sz="2400" i="1">
-                              <a:latin typeface="Cambria Math" panose="02040503050406030204" pitchFamily="18" charset="0"/>
-                              <a:ea typeface="Cambria Math" panose="02040503050406030204" pitchFamily="18" charset="0"/>
-                            </a:rPr>
-                          </m:ctrlPr>
-                        </m:sSubPr>
-                        <m:e>
-                          <m:r>
-                            <a:rPr lang="en-US" sz="2400" i="1">
-                              <a:latin typeface="Cambria Math" panose="02040503050406030204" pitchFamily="18" charset="0"/>
-                              <a:ea typeface="Cambria Math" panose="02040503050406030204" pitchFamily="18" charset="0"/>
-                            </a:rPr>
-                            <m:t>𝑍</m:t>
-                          </m:r>
-                        </m:e>
-                        <m:sub>
-                          <m:r>
-                            <a:rPr lang="en-US" sz="2400" i="1">
-                              <a:latin typeface="Cambria Math" panose="02040503050406030204" pitchFamily="18" charset="0"/>
-                              <a:ea typeface="Cambria Math" panose="02040503050406030204" pitchFamily="18" charset="0"/>
-                            </a:rPr>
-                            <m:t>𝑐</m:t>
-                          </m:r>
-                        </m:sub>
-                      </m:sSub>
-                      <m:func>
-                        <m:funcPr>
-                          <m:ctrlPr>
-                            <a:rPr lang="en-US" sz="2400" i="1">
-                              <a:latin typeface="Cambria Math" panose="02040503050406030204" pitchFamily="18" charset="0"/>
-                              <a:ea typeface="Cambria Math" panose="02040503050406030204" pitchFamily="18" charset="0"/>
-                            </a:rPr>
-                          </m:ctrlPr>
-                        </m:funcPr>
-                        <m:fName>
-                          <m:r>
-                            <a:rPr lang="el-GR" sz="2400" i="1">
-                              <a:latin typeface="Cambria Math" panose="02040503050406030204" pitchFamily="18" charset="0"/>
-                              <a:ea typeface="Cambria Math" panose="02040503050406030204" pitchFamily="18" charset="0"/>
-                            </a:rPr>
-                            <m:t>∙</m:t>
-                          </m:r>
-                          <m:r>
-                            <a:rPr lang="en-US" sz="2400" i="1">
-                              <a:latin typeface="Cambria Math" panose="02040503050406030204" pitchFamily="18" charset="0"/>
-                              <a:ea typeface="Cambria Math" panose="02040503050406030204" pitchFamily="18" charset="0"/>
-                            </a:rPr>
-                            <m:t>𝜏</m:t>
-                          </m:r>
-                          <m:r>
-                            <a:rPr lang="el-GR" sz="2400" i="1">
-                              <a:latin typeface="Cambria Math" panose="02040503050406030204" pitchFamily="18" charset="0"/>
-                              <a:ea typeface="Cambria Math" panose="02040503050406030204" pitchFamily="18" charset="0"/>
-                            </a:rPr>
-                            <m:t>∙</m:t>
-                          </m:r>
-                          <m:r>
-                            <m:rPr>
-                              <m:sty m:val="p"/>
-                            </m:rPr>
-                            <a:rPr lang="en-US" sz="2400">
-                              <a:latin typeface="Cambria Math" panose="02040503050406030204" pitchFamily="18" charset="0"/>
-                              <a:ea typeface="Cambria Math" panose="02040503050406030204" pitchFamily="18" charset="0"/>
-                            </a:rPr>
-                            <m:t>cos</m:t>
-                          </m:r>
-                        </m:fName>
-                        <m:e>
-                          <m:d>
-                            <m:dPr>
-                              <m:ctrlPr>
-                                <a:rPr lang="en-US" sz="2400" i="1">
-                                  <a:latin typeface="Cambria Math" panose="02040503050406030204" pitchFamily="18" charset="0"/>
-                                  <a:ea typeface="Cambria Math" panose="02040503050406030204" pitchFamily="18" charset="0"/>
-                                </a:rPr>
-                              </m:ctrlPr>
-                            </m:dPr>
-                            <m:e>
-                              <m:r>
-                                <a:rPr lang="en-US" sz="2400" i="1">
-                                  <a:latin typeface="Cambria Math" panose="02040503050406030204" pitchFamily="18" charset="0"/>
-                                  <a:ea typeface="Cambria Math" panose="02040503050406030204" pitchFamily="18" charset="0"/>
-                                </a:rPr>
-                                <m:t>𝛿</m:t>
-                              </m:r>
-                            </m:e>
-                          </m:d>
-                        </m:e>
-                      </m:func>
                       <m:r>
                         <a:rPr lang="en-US" sz="2400" i="1" smtClean="0">
                           <a:latin typeface="Cambria Math" panose="02040503050406030204" pitchFamily="18" charset="0"/>
@@ -19291,6 +19187,34 @@
                           </m:ctrlPr>
                         </m:funcPr>
                         <m:fName>
+                          <m:sSub>
+                            <m:sSubPr>
+                              <m:ctrlPr>
+                                <a:rPr lang="en-US" sz="2400" i="1">
+                                  <a:latin typeface="Cambria Math" panose="02040503050406030204" pitchFamily="18" charset="0"/>
+                                  <a:ea typeface="Cambria Math" panose="02040503050406030204" pitchFamily="18" charset="0"/>
+                                </a:rPr>
+                              </m:ctrlPr>
+                            </m:sSubPr>
+                            <m:e>
+                              <m:r>
+                                <a:rPr lang="en-US" sz="2400" i="1">
+                                  <a:latin typeface="Cambria Math" panose="02040503050406030204" pitchFamily="18" charset="0"/>
+                                  <a:ea typeface="Cambria Math" panose="02040503050406030204" pitchFamily="18" charset="0"/>
+                                </a:rPr>
+                                <m:t>𝜃</m:t>
+                              </m:r>
+                            </m:e>
+                            <m:sub>
+                              <m:r>
+                                <a:rPr lang="en-US" sz="2400" i="1">
+                                  <a:latin typeface="Cambria Math" panose="02040503050406030204" pitchFamily="18" charset="0"/>
+                                  <a:ea typeface="Cambria Math" panose="02040503050406030204" pitchFamily="18" charset="0"/>
+                                </a:rPr>
+                                <m:t>𝑚𝑎𝑥</m:t>
+                              </m:r>
+                            </m:sub>
+                          </m:sSub>
                           <m:r>
                             <m:rPr>
                               <m:sty m:val="p"/>
@@ -19333,7 +19257,7 @@
               </p:txBody>
             </p:sp>
           </mc:Choice>
-          <mc:Fallback xmlns="">
+          <mc:Fallback>
             <p:sp>
               <p:nvSpPr>
                 <p:cNvPr id="12" name="TextBox 11"/>
@@ -19344,8 +19268,8 @@
               </p:nvSpPr>
               <p:spPr>
                 <a:xfrm>
-                  <a:off x="2549230" y="2894372"/>
-                  <a:ext cx="6533199" cy="1014380"/>
+                  <a:off x="2836969" y="2894372"/>
+                  <a:ext cx="5957720" cy="1014380"/>
                 </a:xfrm>
                 <a:prstGeom prst="rect">
                   <a:avLst/>
@@ -19353,7 +19277,7 @@
                 <a:blipFill>
                   <a:blip r:embed="rId12"/>
                   <a:stretch>
-                    <a:fillRect l="-933" b="-12575"/>
+                    <a:fillRect l="-1125" b="-12575"/>
                   </a:stretch>
                 </a:blipFill>
               </p:spPr>
@@ -22982,6 +22906,1705 @@
           <a:chExt cx="0" cy="0"/>
         </a:xfrm>
       </p:grpSpPr>
+      <p:sp>
+        <p:nvSpPr>
+          <p:cNvPr id="2" name="Title 1"/>
+          <p:cNvSpPr>
+            <a:spLocks noGrp="1"/>
+          </p:cNvSpPr>
+          <p:nvPr>
+            <p:ph type="title"/>
+          </p:nvPr>
+        </p:nvSpPr>
+        <p:spPr>
+          <a:xfrm>
+            <a:off x="628475" y="184151"/>
+            <a:ext cx="10515600" cy="763806"/>
+          </a:xfrm>
+        </p:spPr>
+        <p:txBody>
+          <a:bodyPr/>
+          <a:lstStyle/>
+          <a:p>
+            <a:r>
+              <a:rPr lang="en-US" dirty="0"/>
+              <a:t>Canceling low frequency oscillations</a:t>
+            </a:r>
+          </a:p>
+        </p:txBody>
+      </p:sp>
+      <mc:AlternateContent xmlns:mc="http://schemas.openxmlformats.org/markup-compatibility/2006" xmlns:a14="http://schemas.microsoft.com/office/drawing/2010/main">
+        <mc:Choice Requires="a14">
+          <p:sp>
+            <p:nvSpPr>
+              <p:cNvPr id="3" name="Content Placeholder 2"/>
+              <p:cNvSpPr>
+                <a:spLocks noGrp="1"/>
+              </p:cNvSpPr>
+              <p:nvPr>
+                <p:ph idx="1"/>
+              </p:nvPr>
+            </p:nvSpPr>
+            <p:spPr>
+              <a:xfrm>
+                <a:off x="838199" y="1419226"/>
+                <a:ext cx="10780643" cy="3116915"/>
+              </a:xfrm>
+            </p:spPr>
+            <p:txBody>
+              <a:bodyPr>
+                <a:noAutofit/>
+              </a:bodyPr>
+              <a:lstStyle/>
+              <a:p>
+                <a:pPr marL="0" indent="0">
+                  <a:buNone/>
+                </a:pPr>
+                <a14:m>
+                  <m:oMathPara xmlns:m="http://schemas.openxmlformats.org/officeDocument/2006/math">
+                    <m:oMathParaPr>
+                      <m:jc m:val="left"/>
+                    </m:oMathParaPr>
+                    <m:oMath xmlns:m="http://schemas.openxmlformats.org/officeDocument/2006/math">
+                      <m:sSub>
+                        <m:sSubPr>
+                          <m:ctrlPr>
+                            <a:rPr lang="en-US" sz="2400" i="1" smtClean="0">
+                              <a:latin typeface="Cambria Math" panose="02040503050406030204" pitchFamily="18" charset="0"/>
+                              <a:ea typeface="Cambria Math" panose="02040503050406030204" pitchFamily="18" charset="0"/>
+                            </a:rPr>
+                          </m:ctrlPr>
+                        </m:sSubPr>
+                        <m:e>
+                          <m:r>
+                            <a:rPr lang="en-US" sz="2400" b="0" i="1" smtClean="0">
+                              <a:latin typeface="Cambria Math" panose="02040503050406030204" pitchFamily="18" charset="0"/>
+                              <a:ea typeface="Cambria Math" panose="02040503050406030204" pitchFamily="18" charset="0"/>
+                            </a:rPr>
+                            <m:t>𝐻</m:t>
+                          </m:r>
+                        </m:e>
+                        <m:sub>
+                          <m:r>
+                            <a:rPr lang="en-US" sz="2400" b="0" i="1" smtClean="0">
+                              <a:latin typeface="Cambria Math" panose="02040503050406030204" pitchFamily="18" charset="0"/>
+                              <a:ea typeface="Cambria Math" panose="02040503050406030204" pitchFamily="18" charset="0"/>
+                            </a:rPr>
+                            <m:t>𝑂𝐷𝐹</m:t>
+                          </m:r>
+                        </m:sub>
+                      </m:sSub>
+                      <m:r>
+                        <a:rPr lang="en-US" sz="2400" b="0" i="1" smtClean="0">
+                          <a:latin typeface="Cambria Math" panose="02040503050406030204" pitchFamily="18" charset="0"/>
+                          <a:ea typeface="Cambria Math" panose="02040503050406030204" pitchFamily="18" charset="0"/>
+                        </a:rPr>
+                        <m:t>=</m:t>
+                      </m:r>
+                      <m:r>
+                        <a:rPr lang="en-US" sz="2400" b="0" i="1" smtClean="0">
+                          <a:latin typeface="Cambria Math" panose="02040503050406030204" pitchFamily="18" charset="0"/>
+                          <a:ea typeface="Cambria Math" panose="02040503050406030204" pitchFamily="18" charset="0"/>
+                        </a:rPr>
+                        <m:t>𝑈</m:t>
+                      </m:r>
+                      <m:nary>
+                        <m:naryPr>
+                          <m:chr m:val="∑"/>
+                          <m:supHide m:val="on"/>
+                          <m:ctrlPr>
+                            <a:rPr lang="en-US" sz="2400" b="0" i="1" smtClean="0">
+                              <a:latin typeface="Cambria Math" panose="02040503050406030204" pitchFamily="18" charset="0"/>
+                              <a:ea typeface="Cambria Math" panose="02040503050406030204" pitchFamily="18" charset="0"/>
+                            </a:rPr>
+                          </m:ctrlPr>
+                        </m:naryPr>
+                        <m:sub>
+                          <m:r>
+                            <m:rPr>
+                              <m:brk m:alnAt="7"/>
+                            </m:rPr>
+                            <a:rPr lang="en-US" sz="2400" b="0" i="1" smtClean="0">
+                              <a:latin typeface="Cambria Math" panose="02040503050406030204" pitchFamily="18" charset="0"/>
+                              <a:ea typeface="Cambria Math" panose="02040503050406030204" pitchFamily="18" charset="0"/>
+                            </a:rPr>
+                            <m:t>𝑖</m:t>
+                          </m:r>
+                        </m:sub>
+                        <m:sup/>
+                        <m:e>
+                          <m:func>
+                            <m:funcPr>
+                              <m:ctrlPr>
+                                <a:rPr lang="en-US" sz="2400" b="0" i="1" smtClean="0">
+                                  <a:latin typeface="Cambria Math" panose="02040503050406030204" pitchFamily="18" charset="0"/>
+                                  <a:ea typeface="Cambria Math" panose="02040503050406030204" pitchFamily="18" charset="0"/>
+                                </a:rPr>
+                              </m:ctrlPr>
+                            </m:funcPr>
+                            <m:fName>
+                              <m:r>
+                                <m:rPr>
+                                  <m:sty m:val="p"/>
+                                </m:rPr>
+                                <a:rPr lang="en-US" sz="2400" b="0" i="0" smtClean="0">
+                                  <a:latin typeface="Cambria Math" panose="02040503050406030204" pitchFamily="18" charset="0"/>
+                                  <a:ea typeface="Cambria Math" panose="02040503050406030204" pitchFamily="18" charset="0"/>
+                                </a:rPr>
+                                <m:t>sin</m:t>
+                              </m:r>
+                            </m:fName>
+                            <m:e>
+                              <m:d>
+                                <m:dPr>
+                                  <m:begChr m:val="["/>
+                                  <m:endChr m:val="]"/>
+                                  <m:ctrlPr>
+                                    <a:rPr lang="en-US" sz="2400" i="1">
+                                      <a:latin typeface="Cambria Math" panose="02040503050406030204" pitchFamily="18" charset="0"/>
+                                      <a:ea typeface="Cambria Math" panose="02040503050406030204" pitchFamily="18" charset="0"/>
+                                    </a:rPr>
+                                  </m:ctrlPr>
+                                </m:dPr>
+                                <m:e>
+                                  <m:r>
+                                    <a:rPr lang="en-US" sz="2400" i="1">
+                                      <a:latin typeface="Cambria Math" panose="02040503050406030204" pitchFamily="18" charset="0"/>
+                                      <a:ea typeface="Cambria Math" panose="02040503050406030204" pitchFamily="18" charset="0"/>
+                                    </a:rPr>
+                                    <m:t>𝛿</m:t>
+                                  </m:r>
+                                  <m:r>
+                                    <a:rPr lang="en-US" sz="2400" i="1">
+                                      <a:latin typeface="Cambria Math" panose="02040503050406030204" pitchFamily="18" charset="0"/>
+                                      <a:ea typeface="Cambria Math" panose="02040503050406030204" pitchFamily="18" charset="0"/>
+                                    </a:rPr>
+                                    <m:t>𝑘</m:t>
+                                  </m:r>
+                                  <m:r>
+                                    <a:rPr lang="en-US" sz="2400" i="1">
+                                      <a:latin typeface="Cambria Math" panose="02040503050406030204" pitchFamily="18" charset="0"/>
+                                      <a:ea typeface="Cambria Math" panose="02040503050406030204" pitchFamily="18" charset="0"/>
+                                    </a:rPr>
+                                    <m:t>∙</m:t>
+                                  </m:r>
+                                  <m:sSub>
+                                    <m:sSubPr>
+                                      <m:ctrlPr>
+                                        <a:rPr lang="en-US" sz="2400" i="1">
+                                          <a:latin typeface="Cambria Math" panose="02040503050406030204" pitchFamily="18" charset="0"/>
+                                        </a:rPr>
+                                      </m:ctrlPr>
+                                    </m:sSubPr>
+                                    <m:e>
+                                      <m:acc>
+                                        <m:accPr>
+                                          <m:chr m:val="̂"/>
+                                          <m:ctrlPr>
+                                            <a:rPr lang="en-US" sz="2400" i="1">
+                                              <a:latin typeface="Cambria Math" panose="02040503050406030204" pitchFamily="18" charset="0"/>
+                                            </a:rPr>
+                                          </m:ctrlPr>
+                                        </m:accPr>
+                                        <m:e>
+                                          <m:r>
+                                            <a:rPr lang="en-US" sz="2400" i="1">
+                                              <a:latin typeface="Cambria Math" panose="02040503050406030204" pitchFamily="18" charset="0"/>
+                                            </a:rPr>
+                                            <m:t>𝑧</m:t>
+                                          </m:r>
+                                        </m:e>
+                                      </m:acc>
+                                    </m:e>
+                                    <m:sub>
+                                      <m:r>
+                                        <a:rPr lang="en-US" sz="2400" i="1">
+                                          <a:latin typeface="Cambria Math" panose="02040503050406030204" pitchFamily="18" charset="0"/>
+                                        </a:rPr>
+                                        <m:t>𝑖</m:t>
+                                      </m:r>
+                                    </m:sub>
+                                  </m:sSub>
+                                  <m:r>
+                                    <a:rPr lang="en-US" sz="2400" i="1">
+                                      <a:latin typeface="Cambria Math" panose="02040503050406030204" pitchFamily="18" charset="0"/>
+                                      <a:ea typeface="Cambria Math" panose="02040503050406030204" pitchFamily="18" charset="0"/>
+                                    </a:rPr>
+                                    <m:t>−</m:t>
+                                  </m:r>
+                                  <m:r>
+                                    <a:rPr lang="en-US" sz="2400" i="1">
+                                      <a:latin typeface="Cambria Math" panose="02040503050406030204" pitchFamily="18" charset="0"/>
+                                      <a:ea typeface="Cambria Math" panose="02040503050406030204" pitchFamily="18" charset="0"/>
+                                    </a:rPr>
+                                    <m:t>𝜇</m:t>
+                                  </m:r>
+                                  <m:r>
+                                    <a:rPr lang="en-US" sz="2400" i="1">
+                                      <a:latin typeface="Cambria Math" panose="02040503050406030204" pitchFamily="18" charset="0"/>
+                                      <a:ea typeface="Cambria Math" panose="02040503050406030204" pitchFamily="18" charset="0"/>
+                                    </a:rPr>
+                                    <m:t>𝑡</m:t>
+                                  </m:r>
+                                </m:e>
+                              </m:d>
+                            </m:e>
+                          </m:func>
+                          <m:sSubSup>
+                            <m:sSubSupPr>
+                              <m:ctrlPr>
+                                <a:rPr lang="en-US" sz="2400" i="1">
+                                  <a:latin typeface="Cambria Math" panose="02040503050406030204" pitchFamily="18" charset="0"/>
+                                </a:rPr>
+                              </m:ctrlPr>
+                            </m:sSubSupPr>
+                            <m:e>
+                              <m:acc>
+                                <m:accPr>
+                                  <m:chr m:val="̂"/>
+                                  <m:ctrlPr>
+                                    <a:rPr lang="en-US" sz="2400" i="1">
+                                      <a:latin typeface="Cambria Math" panose="02040503050406030204" pitchFamily="18" charset="0"/>
+                                    </a:rPr>
+                                  </m:ctrlPr>
+                                </m:accPr>
+                                <m:e>
+                                  <m:r>
+                                    <a:rPr lang="en-US" sz="2400" i="1">
+                                      <a:latin typeface="Cambria Math" panose="02040503050406030204" pitchFamily="18" charset="0"/>
+                                    </a:rPr>
+                                    <m:t>𝜎</m:t>
+                                  </m:r>
+                                </m:e>
+                              </m:acc>
+                            </m:e>
+                            <m:sub>
+                              <m:r>
+                                <a:rPr lang="en-US" sz="2400" i="1">
+                                  <a:latin typeface="Cambria Math" panose="02040503050406030204" pitchFamily="18" charset="0"/>
+                                </a:rPr>
+                                <m:t>𝑖</m:t>
+                              </m:r>
+                            </m:sub>
+                            <m:sup>
+                              <m:r>
+                                <a:rPr lang="en-US" sz="2400" i="1">
+                                  <a:latin typeface="Cambria Math" panose="02040503050406030204" pitchFamily="18" charset="0"/>
+                                </a:rPr>
+                                <m:t>𝑧</m:t>
+                              </m:r>
+                            </m:sup>
+                          </m:sSubSup>
+                        </m:e>
+                      </m:nary>
+                    </m:oMath>
+                  </m:oMathPara>
+                </a14:m>
+                <a:endParaRPr lang="en-US" sz="2400" b="0" i="1" dirty="0">
+                  <a:latin typeface="Cambria Math" panose="02040503050406030204" pitchFamily="18" charset="0"/>
+                  <a:ea typeface="Cambria Math" panose="02040503050406030204" pitchFamily="18" charset="0"/>
+                </a:endParaRPr>
+              </a:p>
+              <a:p>
+                <a:pPr marL="0" indent="0">
+                  <a:buNone/>
+                </a:pPr>
+                <a14:m>
+                  <m:oMathPara xmlns:m="http://schemas.openxmlformats.org/officeDocument/2006/math">
+                    <m:oMathParaPr>
+                      <m:jc m:val="left"/>
+                    </m:oMathParaPr>
+                    <m:oMath xmlns:m="http://schemas.openxmlformats.org/officeDocument/2006/math">
+                      <m:r>
+                        <a:rPr lang="en-US" sz="2400" b="0" i="1" smtClean="0">
+                          <a:latin typeface="Cambria Math" panose="02040503050406030204" pitchFamily="18" charset="0"/>
+                          <a:ea typeface="Cambria Math" panose="02040503050406030204" pitchFamily="18" charset="0"/>
+                        </a:rPr>
+                        <m:t>           </m:t>
+                      </m:r>
+                      <m:r>
+                        <a:rPr lang="en-US" sz="2400" i="1">
+                          <a:latin typeface="Cambria Math" panose="02040503050406030204" pitchFamily="18" charset="0"/>
+                          <a:ea typeface="Cambria Math" panose="02040503050406030204" pitchFamily="18" charset="0"/>
+                        </a:rPr>
+                        <m:t>= </m:t>
+                      </m:r>
+                      <m:r>
+                        <a:rPr lang="en-US" sz="2400" i="1">
+                          <a:latin typeface="Cambria Math" panose="02040503050406030204" pitchFamily="18" charset="0"/>
+                          <a:ea typeface="Cambria Math" panose="02040503050406030204" pitchFamily="18" charset="0"/>
+                        </a:rPr>
+                        <m:t>𝑈</m:t>
+                      </m:r>
+                      <m:nary>
+                        <m:naryPr>
+                          <m:chr m:val="∑"/>
+                          <m:supHide m:val="on"/>
+                          <m:ctrlPr>
+                            <a:rPr lang="en-US" sz="2400" i="1">
+                              <a:latin typeface="Cambria Math" panose="02040503050406030204" pitchFamily="18" charset="0"/>
+                              <a:ea typeface="Cambria Math" panose="02040503050406030204" pitchFamily="18" charset="0"/>
+                            </a:rPr>
+                          </m:ctrlPr>
+                        </m:naryPr>
+                        <m:sub>
+                          <m:r>
+                            <m:rPr>
+                              <m:brk m:alnAt="7"/>
+                            </m:rPr>
+                            <a:rPr lang="en-US" sz="2400" i="1">
+                              <a:latin typeface="Cambria Math" panose="02040503050406030204" pitchFamily="18" charset="0"/>
+                              <a:ea typeface="Cambria Math" panose="02040503050406030204" pitchFamily="18" charset="0"/>
+                            </a:rPr>
+                            <m:t>𝑖</m:t>
+                          </m:r>
+                        </m:sub>
+                        <m:sup/>
+                        <m:e>
+                          <m:func>
+                            <m:funcPr>
+                              <m:ctrlPr>
+                                <a:rPr lang="en-US" sz="2400" i="1">
+                                  <a:latin typeface="Cambria Math" panose="02040503050406030204" pitchFamily="18" charset="0"/>
+                                  <a:ea typeface="Cambria Math" panose="02040503050406030204" pitchFamily="18" charset="0"/>
+                                </a:rPr>
+                              </m:ctrlPr>
+                            </m:funcPr>
+                            <m:fName>
+                              <m:r>
+                                <m:rPr>
+                                  <m:sty m:val="p"/>
+                                </m:rPr>
+                                <a:rPr lang="en-US" sz="2400">
+                                  <a:latin typeface="Cambria Math" panose="02040503050406030204" pitchFamily="18" charset="0"/>
+                                  <a:ea typeface="Cambria Math" panose="02040503050406030204" pitchFamily="18" charset="0"/>
+                                </a:rPr>
+                                <m:t>sin</m:t>
+                              </m:r>
+                            </m:fName>
+                            <m:e>
+                              <m:d>
+                                <m:dPr>
+                                  <m:ctrlPr>
+                                    <a:rPr lang="en-US" sz="2400" i="1">
+                                      <a:latin typeface="Cambria Math" panose="02040503050406030204" pitchFamily="18" charset="0"/>
+                                      <a:ea typeface="Cambria Math" panose="02040503050406030204" pitchFamily="18" charset="0"/>
+                                    </a:rPr>
+                                  </m:ctrlPr>
+                                </m:dPr>
+                                <m:e>
+                                  <m:r>
+                                    <a:rPr lang="en-US" sz="2400" i="1">
+                                      <a:latin typeface="Cambria Math" panose="02040503050406030204" pitchFamily="18" charset="0"/>
+                                      <a:ea typeface="Cambria Math" panose="02040503050406030204" pitchFamily="18" charset="0"/>
+                                    </a:rPr>
+                                    <m:t>𝛿</m:t>
+                                  </m:r>
+                                  <m:r>
+                                    <a:rPr lang="en-US" sz="2400" i="1">
+                                      <a:latin typeface="Cambria Math" panose="02040503050406030204" pitchFamily="18" charset="0"/>
+                                      <a:ea typeface="Cambria Math" panose="02040503050406030204" pitchFamily="18" charset="0"/>
+                                    </a:rPr>
+                                    <m:t>𝑘</m:t>
+                                  </m:r>
+                                  <m:r>
+                                    <a:rPr lang="en-US" sz="2400" i="1">
+                                      <a:latin typeface="Cambria Math" panose="02040503050406030204" pitchFamily="18" charset="0"/>
+                                      <a:ea typeface="Cambria Math" panose="02040503050406030204" pitchFamily="18" charset="0"/>
+                                    </a:rPr>
+                                    <m:t>∙</m:t>
+                                  </m:r>
+                                  <m:sSub>
+                                    <m:sSubPr>
+                                      <m:ctrlPr>
+                                        <a:rPr lang="en-US" sz="2400" i="1">
+                                          <a:latin typeface="Cambria Math" panose="02040503050406030204" pitchFamily="18" charset="0"/>
+                                        </a:rPr>
+                                      </m:ctrlPr>
+                                    </m:sSubPr>
+                                    <m:e>
+                                      <m:acc>
+                                        <m:accPr>
+                                          <m:chr m:val="̂"/>
+                                          <m:ctrlPr>
+                                            <a:rPr lang="en-US" sz="2400" i="1">
+                                              <a:latin typeface="Cambria Math" panose="02040503050406030204" pitchFamily="18" charset="0"/>
+                                            </a:rPr>
+                                          </m:ctrlPr>
+                                        </m:accPr>
+                                        <m:e>
+                                          <m:r>
+                                            <a:rPr lang="en-US" sz="2400" i="1">
+                                              <a:latin typeface="Cambria Math" panose="02040503050406030204" pitchFamily="18" charset="0"/>
+                                            </a:rPr>
+                                            <m:t>𝑧</m:t>
+                                          </m:r>
+                                        </m:e>
+                                      </m:acc>
+                                    </m:e>
+                                    <m:sub>
+                                      <m:r>
+                                        <a:rPr lang="en-US" sz="2400" i="1">
+                                          <a:latin typeface="Cambria Math" panose="02040503050406030204" pitchFamily="18" charset="0"/>
+                                        </a:rPr>
+                                        <m:t>𝑖</m:t>
+                                      </m:r>
+                                    </m:sub>
+                                  </m:sSub>
+                                </m:e>
+                              </m:d>
+                            </m:e>
+                          </m:func>
+                          <m:func>
+                            <m:funcPr>
+                              <m:ctrlPr>
+                                <a:rPr lang="en-US" sz="2400" i="1">
+                                  <a:latin typeface="Cambria Math" panose="02040503050406030204" pitchFamily="18" charset="0"/>
+                                  <a:ea typeface="Cambria Math" panose="02040503050406030204" pitchFamily="18" charset="0"/>
+                                </a:rPr>
+                              </m:ctrlPr>
+                            </m:funcPr>
+                            <m:fName>
+                              <m:r>
+                                <m:rPr>
+                                  <m:sty m:val="p"/>
+                                </m:rPr>
+                                <a:rPr lang="en-US" sz="2400">
+                                  <a:latin typeface="Cambria Math" panose="02040503050406030204" pitchFamily="18" charset="0"/>
+                                  <a:ea typeface="Cambria Math" panose="02040503050406030204" pitchFamily="18" charset="0"/>
+                                </a:rPr>
+                                <m:t>cos</m:t>
+                              </m:r>
+                            </m:fName>
+                            <m:e>
+                              <m:d>
+                                <m:dPr>
+                                  <m:ctrlPr>
+                                    <a:rPr lang="en-US" sz="2400" i="1">
+                                      <a:latin typeface="Cambria Math" panose="02040503050406030204" pitchFamily="18" charset="0"/>
+                                      <a:ea typeface="Cambria Math" panose="02040503050406030204" pitchFamily="18" charset="0"/>
+                                    </a:rPr>
+                                  </m:ctrlPr>
+                                </m:dPr>
+                                <m:e>
+                                  <m:r>
+                                    <a:rPr lang="en-US" sz="2400" i="1">
+                                      <a:latin typeface="Cambria Math" panose="02040503050406030204" pitchFamily="18" charset="0"/>
+                                      <a:ea typeface="Cambria Math" panose="02040503050406030204" pitchFamily="18" charset="0"/>
+                                    </a:rPr>
+                                    <m:t>𝜇</m:t>
+                                  </m:r>
+                                  <m:r>
+                                    <a:rPr lang="en-US" sz="2400" i="1">
+                                      <a:latin typeface="Cambria Math" panose="02040503050406030204" pitchFamily="18" charset="0"/>
+                                      <a:ea typeface="Cambria Math" panose="02040503050406030204" pitchFamily="18" charset="0"/>
+                                    </a:rPr>
+                                    <m:t>𝑡</m:t>
+                                  </m:r>
+                                </m:e>
+                              </m:d>
+                              <m:sSubSup>
+                                <m:sSubSupPr>
+                                  <m:ctrlPr>
+                                    <a:rPr lang="en-US" sz="2400" i="1">
+                                      <a:latin typeface="Cambria Math" panose="02040503050406030204" pitchFamily="18" charset="0"/>
+                                    </a:rPr>
+                                  </m:ctrlPr>
+                                </m:sSubSupPr>
+                                <m:e>
+                                  <m:acc>
+                                    <m:accPr>
+                                      <m:chr m:val="̂"/>
+                                      <m:ctrlPr>
+                                        <a:rPr lang="en-US" sz="2400" i="1">
+                                          <a:latin typeface="Cambria Math" panose="02040503050406030204" pitchFamily="18" charset="0"/>
+                                        </a:rPr>
+                                      </m:ctrlPr>
+                                    </m:accPr>
+                                    <m:e>
+                                      <m:r>
+                                        <a:rPr lang="en-US" sz="2400" i="1">
+                                          <a:latin typeface="Cambria Math" panose="02040503050406030204" pitchFamily="18" charset="0"/>
+                                        </a:rPr>
+                                        <m:t>𝜎</m:t>
+                                      </m:r>
+                                    </m:e>
+                                  </m:acc>
+                                </m:e>
+                                <m:sub>
+                                  <m:r>
+                                    <a:rPr lang="en-US" sz="2400" i="1">
+                                      <a:latin typeface="Cambria Math" panose="02040503050406030204" pitchFamily="18" charset="0"/>
+                                    </a:rPr>
+                                    <m:t>𝑖</m:t>
+                                  </m:r>
+                                </m:sub>
+                                <m:sup>
+                                  <m:r>
+                                    <a:rPr lang="en-US" sz="2400" i="1">
+                                      <a:latin typeface="Cambria Math" panose="02040503050406030204" pitchFamily="18" charset="0"/>
+                                    </a:rPr>
+                                    <m:t>𝑧</m:t>
+                                  </m:r>
+                                </m:sup>
+                              </m:sSubSup>
+                            </m:e>
+                          </m:func>
+                          <m:r>
+                            <a:rPr lang="en-US" sz="2400" i="1">
+                              <a:latin typeface="Cambria Math" panose="02040503050406030204" pitchFamily="18" charset="0"/>
+                              <a:ea typeface="Cambria Math" panose="02040503050406030204" pitchFamily="18" charset="0"/>
+                            </a:rPr>
+                            <m:t>−</m:t>
+                          </m:r>
+                          <m:r>
+                            <a:rPr lang="en-US" sz="2400" i="1">
+                              <a:latin typeface="Cambria Math" panose="02040503050406030204" pitchFamily="18" charset="0"/>
+                              <a:ea typeface="Cambria Math" panose="02040503050406030204" pitchFamily="18" charset="0"/>
+                            </a:rPr>
+                            <m:t>𝑈</m:t>
+                          </m:r>
+                          <m:nary>
+                            <m:naryPr>
+                              <m:chr m:val="∑"/>
+                              <m:supHide m:val="on"/>
+                              <m:ctrlPr>
+                                <a:rPr lang="en-US" sz="2400" i="1">
+                                  <a:latin typeface="Cambria Math" panose="02040503050406030204" pitchFamily="18" charset="0"/>
+                                  <a:ea typeface="Cambria Math" panose="02040503050406030204" pitchFamily="18" charset="0"/>
+                                </a:rPr>
+                              </m:ctrlPr>
+                            </m:naryPr>
+                            <m:sub>
+                              <m:r>
+                                <m:rPr>
+                                  <m:brk m:alnAt="7"/>
+                                </m:rPr>
+                                <a:rPr lang="en-US" sz="2400" i="1">
+                                  <a:latin typeface="Cambria Math" panose="02040503050406030204" pitchFamily="18" charset="0"/>
+                                  <a:ea typeface="Cambria Math" panose="02040503050406030204" pitchFamily="18" charset="0"/>
+                                </a:rPr>
+                                <m:t>𝑖</m:t>
+                              </m:r>
+                            </m:sub>
+                            <m:sup/>
+                            <m:e>
+                              <m:func>
+                                <m:funcPr>
+                                  <m:ctrlPr>
+                                    <a:rPr lang="en-US" sz="2400" i="1">
+                                      <a:latin typeface="Cambria Math" panose="02040503050406030204" pitchFamily="18" charset="0"/>
+                                      <a:ea typeface="Cambria Math" panose="02040503050406030204" pitchFamily="18" charset="0"/>
+                                    </a:rPr>
+                                  </m:ctrlPr>
+                                </m:funcPr>
+                                <m:fName>
+                                  <m:r>
+                                    <m:rPr>
+                                      <m:sty m:val="p"/>
+                                    </m:rPr>
+                                    <a:rPr lang="en-US" sz="2400">
+                                      <a:latin typeface="Cambria Math" panose="02040503050406030204" pitchFamily="18" charset="0"/>
+                                      <a:ea typeface="Cambria Math" panose="02040503050406030204" pitchFamily="18" charset="0"/>
+                                    </a:rPr>
+                                    <m:t>cos</m:t>
+                                  </m:r>
+                                </m:fName>
+                                <m:e>
+                                  <m:d>
+                                    <m:dPr>
+                                      <m:ctrlPr>
+                                        <a:rPr lang="en-US" sz="2400" i="1">
+                                          <a:latin typeface="Cambria Math" panose="02040503050406030204" pitchFamily="18" charset="0"/>
+                                          <a:ea typeface="Cambria Math" panose="02040503050406030204" pitchFamily="18" charset="0"/>
+                                        </a:rPr>
+                                      </m:ctrlPr>
+                                    </m:dPr>
+                                    <m:e>
+                                      <m:r>
+                                        <a:rPr lang="en-US" sz="2400" i="1">
+                                          <a:latin typeface="Cambria Math" panose="02040503050406030204" pitchFamily="18" charset="0"/>
+                                          <a:ea typeface="Cambria Math" panose="02040503050406030204" pitchFamily="18" charset="0"/>
+                                        </a:rPr>
+                                        <m:t>𝛿</m:t>
+                                      </m:r>
+                                      <m:r>
+                                        <a:rPr lang="en-US" sz="2400" i="1">
+                                          <a:latin typeface="Cambria Math" panose="02040503050406030204" pitchFamily="18" charset="0"/>
+                                          <a:ea typeface="Cambria Math" panose="02040503050406030204" pitchFamily="18" charset="0"/>
+                                        </a:rPr>
+                                        <m:t>𝑘</m:t>
+                                      </m:r>
+                                      <m:r>
+                                        <a:rPr lang="en-US" sz="2400" i="1">
+                                          <a:latin typeface="Cambria Math" panose="02040503050406030204" pitchFamily="18" charset="0"/>
+                                          <a:ea typeface="Cambria Math" panose="02040503050406030204" pitchFamily="18" charset="0"/>
+                                        </a:rPr>
+                                        <m:t>∙</m:t>
+                                      </m:r>
+                                      <m:sSub>
+                                        <m:sSubPr>
+                                          <m:ctrlPr>
+                                            <a:rPr lang="en-US" sz="2400" i="1">
+                                              <a:latin typeface="Cambria Math" panose="02040503050406030204" pitchFamily="18" charset="0"/>
+                                            </a:rPr>
+                                          </m:ctrlPr>
+                                        </m:sSubPr>
+                                        <m:e>
+                                          <m:acc>
+                                            <m:accPr>
+                                              <m:chr m:val="̂"/>
+                                              <m:ctrlPr>
+                                                <a:rPr lang="en-US" sz="2400" i="1">
+                                                  <a:latin typeface="Cambria Math" panose="02040503050406030204" pitchFamily="18" charset="0"/>
+                                                </a:rPr>
+                                              </m:ctrlPr>
+                                            </m:accPr>
+                                            <m:e>
+                                              <m:r>
+                                                <a:rPr lang="en-US" sz="2400" i="1">
+                                                  <a:latin typeface="Cambria Math" panose="02040503050406030204" pitchFamily="18" charset="0"/>
+                                                </a:rPr>
+                                                <m:t>𝑧</m:t>
+                                              </m:r>
+                                            </m:e>
+                                          </m:acc>
+                                        </m:e>
+                                        <m:sub>
+                                          <m:r>
+                                            <a:rPr lang="en-US" sz="2400" i="1">
+                                              <a:latin typeface="Cambria Math" panose="02040503050406030204" pitchFamily="18" charset="0"/>
+                                            </a:rPr>
+                                            <m:t>𝑖</m:t>
+                                          </m:r>
+                                        </m:sub>
+                                      </m:sSub>
+                                    </m:e>
+                                  </m:d>
+                                </m:e>
+                              </m:func>
+                              <m:func>
+                                <m:funcPr>
+                                  <m:ctrlPr>
+                                    <a:rPr lang="en-US" sz="2400" i="1">
+                                      <a:latin typeface="Cambria Math" panose="02040503050406030204" pitchFamily="18" charset="0"/>
+                                      <a:ea typeface="Cambria Math" panose="02040503050406030204" pitchFamily="18" charset="0"/>
+                                    </a:rPr>
+                                  </m:ctrlPr>
+                                </m:funcPr>
+                                <m:fName>
+                                  <m:r>
+                                    <m:rPr>
+                                      <m:sty m:val="p"/>
+                                    </m:rPr>
+                                    <a:rPr lang="en-US" sz="2400">
+                                      <a:latin typeface="Cambria Math" panose="02040503050406030204" pitchFamily="18" charset="0"/>
+                                      <a:ea typeface="Cambria Math" panose="02040503050406030204" pitchFamily="18" charset="0"/>
+                                    </a:rPr>
+                                    <m:t>sin</m:t>
+                                  </m:r>
+                                </m:fName>
+                                <m:e>
+                                  <m:d>
+                                    <m:dPr>
+                                      <m:ctrlPr>
+                                        <a:rPr lang="en-US" sz="2400" i="1">
+                                          <a:latin typeface="Cambria Math" panose="02040503050406030204" pitchFamily="18" charset="0"/>
+                                          <a:ea typeface="Cambria Math" panose="02040503050406030204" pitchFamily="18" charset="0"/>
+                                        </a:rPr>
+                                      </m:ctrlPr>
+                                    </m:dPr>
+                                    <m:e>
+                                      <m:r>
+                                        <a:rPr lang="en-US" sz="2400" i="1">
+                                          <a:latin typeface="Cambria Math" panose="02040503050406030204" pitchFamily="18" charset="0"/>
+                                          <a:ea typeface="Cambria Math" panose="02040503050406030204" pitchFamily="18" charset="0"/>
+                                        </a:rPr>
+                                        <m:t>𝜇</m:t>
+                                      </m:r>
+                                      <m:r>
+                                        <a:rPr lang="en-US" sz="2400" i="1">
+                                          <a:latin typeface="Cambria Math" panose="02040503050406030204" pitchFamily="18" charset="0"/>
+                                          <a:ea typeface="Cambria Math" panose="02040503050406030204" pitchFamily="18" charset="0"/>
+                                        </a:rPr>
+                                        <m:t>𝑡</m:t>
+                                      </m:r>
+                                    </m:e>
+                                  </m:d>
+                                </m:e>
+                              </m:func>
+                            </m:e>
+                          </m:nary>
+                        </m:e>
+                      </m:nary>
+                      <m:sSubSup>
+                        <m:sSubSupPr>
+                          <m:ctrlPr>
+                            <a:rPr lang="en-US" sz="2400" i="1">
+                              <a:latin typeface="Cambria Math" panose="02040503050406030204" pitchFamily="18" charset="0"/>
+                            </a:rPr>
+                          </m:ctrlPr>
+                        </m:sSubSupPr>
+                        <m:e>
+                          <m:acc>
+                            <m:accPr>
+                              <m:chr m:val="̂"/>
+                              <m:ctrlPr>
+                                <a:rPr lang="en-US" sz="2400" i="1">
+                                  <a:latin typeface="Cambria Math" panose="02040503050406030204" pitchFamily="18" charset="0"/>
+                                </a:rPr>
+                              </m:ctrlPr>
+                            </m:accPr>
+                            <m:e>
+                              <m:r>
+                                <a:rPr lang="en-US" sz="2400" i="1">
+                                  <a:latin typeface="Cambria Math" panose="02040503050406030204" pitchFamily="18" charset="0"/>
+                                </a:rPr>
+                                <m:t>𝜎</m:t>
+                              </m:r>
+                            </m:e>
+                          </m:acc>
+                        </m:e>
+                        <m:sub>
+                          <m:r>
+                            <a:rPr lang="en-US" sz="2400" i="1">
+                              <a:latin typeface="Cambria Math" panose="02040503050406030204" pitchFamily="18" charset="0"/>
+                            </a:rPr>
+                            <m:t>𝑖</m:t>
+                          </m:r>
+                        </m:sub>
+                        <m:sup>
+                          <m:r>
+                            <a:rPr lang="en-US" sz="2400" i="1">
+                              <a:latin typeface="Cambria Math" panose="02040503050406030204" pitchFamily="18" charset="0"/>
+                            </a:rPr>
+                            <m:t>𝑧</m:t>
+                          </m:r>
+                        </m:sup>
+                      </m:sSubSup>
+                    </m:oMath>
+                  </m:oMathPara>
+                </a14:m>
+                <a:endParaRPr lang="en-US" sz="2400" b="0" dirty="0">
+                  <a:ea typeface="Cambria Math" panose="02040503050406030204" pitchFamily="18" charset="0"/>
+                </a:endParaRPr>
+              </a:p>
+              <a:p>
+                <a:pPr marL="0" indent="0">
+                  <a:lnSpc>
+                    <a:spcPct val="150000"/>
+                  </a:lnSpc>
+                  <a:buNone/>
+                </a:pPr>
+                <a14:m>
+                  <m:oMathPara xmlns:m="http://schemas.openxmlformats.org/officeDocument/2006/math">
+                    <m:oMathParaPr>
+                      <m:jc m:val="left"/>
+                    </m:oMathParaPr>
+                    <m:oMath xmlns:m="http://schemas.openxmlformats.org/officeDocument/2006/math">
+                      <m:sSub>
+                        <m:sSubPr>
+                          <m:ctrlPr>
+                            <a:rPr lang="en-US" sz="2400" i="1">
+                              <a:latin typeface="Cambria Math" panose="02040503050406030204" pitchFamily="18" charset="0"/>
+                              <a:ea typeface="Cambria Math" panose="02040503050406030204" pitchFamily="18" charset="0"/>
+                            </a:rPr>
+                          </m:ctrlPr>
+                        </m:sSubPr>
+                        <m:e>
+                          <m:r>
+                            <a:rPr lang="en-US" sz="2400" i="1">
+                              <a:latin typeface="Cambria Math" panose="02040503050406030204" pitchFamily="18" charset="0"/>
+                              <a:ea typeface="Cambria Math" panose="02040503050406030204" pitchFamily="18" charset="0"/>
+                            </a:rPr>
+                            <m:t>𝐻</m:t>
+                          </m:r>
+                        </m:e>
+                        <m:sub>
+                          <m:r>
+                            <a:rPr lang="en-US" sz="2400" i="1">
+                              <a:latin typeface="Cambria Math" panose="02040503050406030204" pitchFamily="18" charset="0"/>
+                              <a:ea typeface="Cambria Math" panose="02040503050406030204" pitchFamily="18" charset="0"/>
+                            </a:rPr>
+                            <m:t>𝑂𝐷𝐹</m:t>
+                          </m:r>
+                        </m:sub>
+                      </m:sSub>
+                      <m:r>
+                        <a:rPr lang="en-US" sz="2400" i="1" smtClean="0">
+                          <a:latin typeface="Cambria Math" panose="02040503050406030204" pitchFamily="18" charset="0"/>
+                          <a:ea typeface="Cambria Math" panose="02040503050406030204" pitchFamily="18" charset="0"/>
+                        </a:rPr>
+                        <m:t>=</m:t>
+                      </m:r>
+                      <m:nary>
+                        <m:naryPr>
+                          <m:chr m:val="∑"/>
+                          <m:supHide m:val="on"/>
+                          <m:ctrlPr>
+                            <a:rPr lang="en-US" sz="2400" i="1">
+                              <a:latin typeface="Cambria Math" panose="02040503050406030204" pitchFamily="18" charset="0"/>
+                              <a:ea typeface="Cambria Math" panose="02040503050406030204" pitchFamily="18" charset="0"/>
+                            </a:rPr>
+                          </m:ctrlPr>
+                        </m:naryPr>
+                        <m:sub>
+                          <m:r>
+                            <m:rPr>
+                              <m:brk m:alnAt="7"/>
+                            </m:rPr>
+                            <a:rPr lang="en-US" sz="2400" i="1">
+                              <a:latin typeface="Cambria Math" panose="02040503050406030204" pitchFamily="18" charset="0"/>
+                              <a:ea typeface="Cambria Math" panose="02040503050406030204" pitchFamily="18" charset="0"/>
+                            </a:rPr>
+                            <m:t>𝑖</m:t>
+                          </m:r>
+                        </m:sub>
+                        <m:sup/>
+                        <m:e>
+                          <m:sSub>
+                            <m:sSubPr>
+                              <m:ctrlPr>
+                                <a:rPr lang="en-US" sz="2400" i="1">
+                                  <a:latin typeface="Cambria Math" panose="02040503050406030204" pitchFamily="18" charset="0"/>
+                                  <a:ea typeface="Cambria Math" panose="02040503050406030204" pitchFamily="18" charset="0"/>
+                                </a:rPr>
+                              </m:ctrlPr>
+                            </m:sSubPr>
+                            <m:e>
+                              <m:r>
+                                <a:rPr lang="en-US" sz="2400" i="1">
+                                  <a:latin typeface="Cambria Math" panose="02040503050406030204" pitchFamily="18" charset="0"/>
+                                  <a:ea typeface="Cambria Math" panose="02040503050406030204" pitchFamily="18" charset="0"/>
+                                </a:rPr>
+                                <m:t>𝐹</m:t>
+                              </m:r>
+                            </m:e>
+                            <m:sub>
+                              <m:r>
+                                <a:rPr lang="en-US" sz="2400" i="1">
+                                  <a:latin typeface="Cambria Math" panose="02040503050406030204" pitchFamily="18" charset="0"/>
+                                  <a:ea typeface="Cambria Math" panose="02040503050406030204" pitchFamily="18" charset="0"/>
+                                </a:rPr>
+                                <m:t>0</m:t>
+                              </m:r>
+                            </m:sub>
+                          </m:sSub>
+                          <m:func>
+                            <m:funcPr>
+                              <m:ctrlPr>
+                                <a:rPr lang="en-US" sz="2400" i="1">
+                                  <a:latin typeface="Cambria Math" panose="02040503050406030204" pitchFamily="18" charset="0"/>
+                                  <a:ea typeface="Cambria Math" panose="02040503050406030204" pitchFamily="18" charset="0"/>
+                                </a:rPr>
+                              </m:ctrlPr>
+                            </m:funcPr>
+                            <m:fName>
+                              <m:r>
+                                <m:rPr>
+                                  <m:sty m:val="p"/>
+                                </m:rPr>
+                                <a:rPr lang="en-US" sz="2400">
+                                  <a:latin typeface="Cambria Math" panose="02040503050406030204" pitchFamily="18" charset="0"/>
+                                  <a:ea typeface="Cambria Math" panose="02040503050406030204" pitchFamily="18" charset="0"/>
+                                </a:rPr>
+                                <m:t>cos</m:t>
+                              </m:r>
+                            </m:fName>
+                            <m:e>
+                              <m:r>
+                                <a:rPr lang="en-US" sz="2400" i="1">
+                                  <a:latin typeface="Cambria Math" panose="02040503050406030204" pitchFamily="18" charset="0"/>
+                                  <a:ea typeface="Cambria Math" panose="02040503050406030204" pitchFamily="18" charset="0"/>
+                                </a:rPr>
+                                <m:t>(</m:t>
+                              </m:r>
+                              <m:r>
+                                <a:rPr lang="en-US" sz="2400" i="1">
+                                  <a:latin typeface="Cambria Math" panose="02040503050406030204" pitchFamily="18" charset="0"/>
+                                  <a:ea typeface="Cambria Math" panose="02040503050406030204" pitchFamily="18" charset="0"/>
+                                </a:rPr>
+                                <m:t>𝜇</m:t>
+                              </m:r>
+                              <m:r>
+                                <a:rPr lang="en-US" sz="2400" i="1">
+                                  <a:latin typeface="Cambria Math" panose="02040503050406030204" pitchFamily="18" charset="0"/>
+                                  <a:ea typeface="Cambria Math" panose="02040503050406030204" pitchFamily="18" charset="0"/>
+                                </a:rPr>
+                                <m:t>𝑡</m:t>
+                              </m:r>
+                              <m:r>
+                                <a:rPr lang="en-US" sz="2400" i="1">
+                                  <a:latin typeface="Cambria Math" panose="02040503050406030204" pitchFamily="18" charset="0"/>
+                                  <a:ea typeface="Cambria Math" panose="02040503050406030204" pitchFamily="18" charset="0"/>
+                                </a:rPr>
+                                <m:t>)</m:t>
+                              </m:r>
+                            </m:e>
+                          </m:func>
+                          <m:sSubSup>
+                            <m:sSubSupPr>
+                              <m:ctrlPr>
+                                <a:rPr lang="en-US" sz="2400" i="1">
+                                  <a:latin typeface="Cambria Math" panose="02040503050406030204" pitchFamily="18" charset="0"/>
+                                </a:rPr>
+                              </m:ctrlPr>
+                            </m:sSubSupPr>
+                            <m:e>
+                              <m:sSub>
+                                <m:sSubPr>
+                                  <m:ctrlPr>
+                                    <a:rPr lang="en-US" sz="2400" i="1">
+                                      <a:latin typeface="Cambria Math" panose="02040503050406030204" pitchFamily="18" charset="0"/>
+                                    </a:rPr>
+                                  </m:ctrlPr>
+                                </m:sSubPr>
+                                <m:e>
+                                  <m:acc>
+                                    <m:accPr>
+                                      <m:chr m:val="̂"/>
+                                      <m:ctrlPr>
+                                        <a:rPr lang="en-US" sz="2400" i="1">
+                                          <a:latin typeface="Cambria Math" panose="02040503050406030204" pitchFamily="18" charset="0"/>
+                                        </a:rPr>
+                                      </m:ctrlPr>
+                                    </m:accPr>
+                                    <m:e>
+                                      <m:r>
+                                        <a:rPr lang="en-US" sz="2400" i="1">
+                                          <a:latin typeface="Cambria Math" panose="02040503050406030204" pitchFamily="18" charset="0"/>
+                                        </a:rPr>
+                                        <m:t>𝑧</m:t>
+                                      </m:r>
+                                    </m:e>
+                                  </m:acc>
+                                </m:e>
+                                <m:sub>
+                                  <m:r>
+                                    <a:rPr lang="en-US" sz="2400" i="1">
+                                      <a:latin typeface="Cambria Math" panose="02040503050406030204" pitchFamily="18" charset="0"/>
+                                    </a:rPr>
+                                    <m:t>𝑖</m:t>
+                                  </m:r>
+                                </m:sub>
+                              </m:sSub>
+                              <m:acc>
+                                <m:accPr>
+                                  <m:chr m:val="̂"/>
+                                  <m:ctrlPr>
+                                    <a:rPr lang="en-US" sz="2400" i="1">
+                                      <a:latin typeface="Cambria Math" panose="02040503050406030204" pitchFamily="18" charset="0"/>
+                                    </a:rPr>
+                                  </m:ctrlPr>
+                                </m:accPr>
+                                <m:e>
+                                  <m:r>
+                                    <a:rPr lang="en-US" sz="2400" i="1">
+                                      <a:latin typeface="Cambria Math" panose="02040503050406030204" pitchFamily="18" charset="0"/>
+                                    </a:rPr>
+                                    <m:t>𝜎</m:t>
+                                  </m:r>
+                                </m:e>
+                              </m:acc>
+                            </m:e>
+                            <m:sub>
+                              <m:r>
+                                <a:rPr lang="en-US" sz="2400" i="1">
+                                  <a:latin typeface="Cambria Math" panose="02040503050406030204" pitchFamily="18" charset="0"/>
+                                </a:rPr>
+                                <m:t>𝑖</m:t>
+                              </m:r>
+                            </m:sub>
+                            <m:sup>
+                              <m:r>
+                                <a:rPr lang="en-US" sz="2400" i="1">
+                                  <a:latin typeface="Cambria Math" panose="02040503050406030204" pitchFamily="18" charset="0"/>
+                                </a:rPr>
+                                <m:t>𝑧</m:t>
+                              </m:r>
+                            </m:sup>
+                          </m:sSubSup>
+                        </m:e>
+                      </m:nary>
+                    </m:oMath>
+                  </m:oMathPara>
+                </a14:m>
+                <a:endParaRPr lang="en-US" sz="2400" b="0" dirty="0">
+                  <a:ea typeface="Cambria Math" panose="02040503050406030204" pitchFamily="18" charset="0"/>
+                </a:endParaRPr>
+              </a:p>
+              <a:p>
+                <a:pPr marL="0" indent="0" algn="ctr">
+                  <a:buNone/>
+                </a:pPr>
+                <a:endParaRPr lang="en-US" sz="2400" dirty="0">
+                  <a:ea typeface="Cambria Math" panose="02040503050406030204" pitchFamily="18" charset="0"/>
+                </a:endParaRPr>
+              </a:p>
+              <a:p>
+                <a:pPr marL="0" indent="0" algn="ctr">
+                  <a:buNone/>
+                </a:pPr>
+                <a:endParaRPr lang="en-US" sz="2400" dirty="0"/>
+              </a:p>
+            </p:txBody>
+          </p:sp>
+        </mc:Choice>
+        <mc:Fallback xmlns="">
+          <p:sp>
+            <p:nvSpPr>
+              <p:cNvPr id="3" name="Content Placeholder 2"/>
+              <p:cNvSpPr>
+                <a:spLocks noGrp="1" noRot="1" noChangeAspect="1" noMove="1" noResize="1" noEditPoints="1" noAdjustHandles="1" noChangeArrowheads="1" noChangeShapeType="1" noTextEdit="1"/>
+              </p:cNvSpPr>
+              <p:nvPr>
+                <p:ph idx="1"/>
+              </p:nvPr>
+            </p:nvSpPr>
+            <p:spPr>
+              <a:xfrm>
+                <a:off x="838199" y="1419226"/>
+                <a:ext cx="10780643" cy="3116915"/>
+              </a:xfrm>
+              <a:blipFill>
+                <a:blip r:embed="rId3"/>
+                <a:stretch>
+                  <a:fillRect/>
+                </a:stretch>
+              </a:blipFill>
+            </p:spPr>
+            <p:txBody>
+              <a:bodyPr/>
+              <a:lstStyle/>
+              <a:p>
+                <a:r>
+                  <a:rPr lang="en-US">
+                    <a:noFill/>
+                  </a:rPr>
+                  <a:t> </a:t>
+                </a:r>
+              </a:p>
+            </p:txBody>
+          </p:sp>
+        </mc:Fallback>
+      </mc:AlternateContent>
+      <mc:AlternateContent xmlns:mc="http://schemas.openxmlformats.org/markup-compatibility/2006" xmlns:a14="http://schemas.microsoft.com/office/drawing/2010/main">
+        <mc:Choice Requires="a14">
+          <p:sp>
+            <p:nvSpPr>
+              <p:cNvPr id="5" name="Rectangle 4"/>
+              <p:cNvSpPr/>
+              <p:nvPr/>
+            </p:nvSpPr>
+            <p:spPr>
+              <a:xfrm>
+                <a:off x="1448288" y="5660225"/>
+                <a:ext cx="9560464" cy="662361"/>
+              </a:xfrm>
+              <a:prstGeom prst="rect">
+                <a:avLst/>
+              </a:prstGeom>
+            </p:spPr>
+            <p:txBody>
+              <a:bodyPr wrap="square">
+                <a:spAutoFit/>
+              </a:bodyPr>
+              <a:lstStyle/>
+              <a:p>
+                <a:r>
+                  <a:rPr lang="en-US" sz="2400" dirty="0"/>
+                  <a:t>For </a:t>
+                </a:r>
+                <a14:m>
+                  <m:oMath xmlns:m="http://schemas.openxmlformats.org/officeDocument/2006/math">
+                    <m:f>
+                      <m:fPr>
+                        <m:ctrlPr>
+                          <a:rPr lang="en-US" sz="2400" b="0" i="1" smtClean="0">
+                            <a:latin typeface="Cambria Math" panose="02040503050406030204" pitchFamily="18" charset="0"/>
+                          </a:rPr>
+                        </m:ctrlPr>
+                      </m:fPr>
+                      <m:num>
+                        <m:r>
+                          <a:rPr lang="en-US" sz="2400" b="0" i="1" smtClean="0">
+                            <a:latin typeface="Cambria Math" panose="02040503050406030204" pitchFamily="18" charset="0"/>
+                          </a:rPr>
+                          <m:t>𝜔</m:t>
+                        </m:r>
+                      </m:num>
+                      <m:den>
+                        <m:r>
+                          <a:rPr lang="en-US" sz="2400" b="0" i="1" smtClean="0">
+                            <a:latin typeface="Cambria Math" panose="02040503050406030204" pitchFamily="18" charset="0"/>
+                          </a:rPr>
+                          <m:t>2</m:t>
+                        </m:r>
+                        <m:r>
+                          <a:rPr lang="en-US" sz="2400" b="0" i="1" smtClean="0">
+                            <a:latin typeface="Cambria Math" panose="02040503050406030204" pitchFamily="18" charset="0"/>
+                          </a:rPr>
+                          <m:t>𝜋</m:t>
+                        </m:r>
+                      </m:den>
+                    </m:f>
+                    <m:r>
+                      <a:rPr lang="en-US" sz="2400" b="0" i="1" smtClean="0">
+                        <a:latin typeface="Cambria Math" panose="02040503050406030204" pitchFamily="18" charset="0"/>
+                      </a:rPr>
+                      <m:t>=</m:t>
+                    </m:r>
+                    <m:f>
+                      <m:fPr>
+                        <m:ctrlPr>
+                          <a:rPr lang="en-US" sz="2400" b="0" i="1" smtClean="0">
+                            <a:latin typeface="Cambria Math" panose="02040503050406030204" pitchFamily="18" charset="0"/>
+                          </a:rPr>
+                        </m:ctrlPr>
+                      </m:fPr>
+                      <m:num>
+                        <m:r>
+                          <a:rPr lang="en-US" sz="2400" b="0" i="1" smtClean="0">
+                            <a:latin typeface="Cambria Math" panose="02040503050406030204" pitchFamily="18" charset="0"/>
+                          </a:rPr>
+                          <m:t>2</m:t>
+                        </m:r>
+                        <m:r>
+                          <a:rPr lang="en-US" sz="2400" b="0" i="1" smtClean="0">
+                            <a:latin typeface="Cambria Math" panose="02040503050406030204" pitchFamily="18" charset="0"/>
+                          </a:rPr>
+                          <m:t>𝑛</m:t>
+                        </m:r>
+                        <m:r>
+                          <a:rPr lang="en-US" sz="2400" b="0" i="1" smtClean="0">
+                            <a:latin typeface="Cambria Math" panose="02040503050406030204" pitchFamily="18" charset="0"/>
+                          </a:rPr>
+                          <m:t>+1</m:t>
+                        </m:r>
+                      </m:num>
+                      <m:den>
+                        <m:r>
+                          <a:rPr lang="en-US" sz="2400" b="0" i="1" smtClean="0">
+                            <a:latin typeface="Cambria Math" panose="02040503050406030204" pitchFamily="18" charset="0"/>
+                          </a:rPr>
+                          <m:t>2</m:t>
+                        </m:r>
+                        <m:d>
+                          <m:dPr>
+                            <m:ctrlPr>
+                              <a:rPr lang="en-US" sz="2400" b="0" i="1" smtClean="0">
+                                <a:latin typeface="Cambria Math" panose="02040503050406030204" pitchFamily="18" charset="0"/>
+                              </a:rPr>
+                            </m:ctrlPr>
+                          </m:dPr>
+                          <m:e>
+                            <m:r>
+                              <a:rPr lang="en-US" sz="2400" b="0" i="1" smtClean="0">
+                                <a:latin typeface="Cambria Math" panose="02040503050406030204" pitchFamily="18" charset="0"/>
+                              </a:rPr>
+                              <m:t>𝑇</m:t>
+                            </m:r>
+                            <m:r>
+                              <a:rPr lang="en-US" sz="2400" b="0" i="1" smtClean="0">
+                                <a:latin typeface="Cambria Math" panose="02040503050406030204" pitchFamily="18" charset="0"/>
+                              </a:rPr>
+                              <m:t>+</m:t>
+                            </m:r>
+                            <m:sSub>
+                              <m:sSubPr>
+                                <m:ctrlPr>
+                                  <a:rPr lang="en-US" sz="2400" b="0" i="1" smtClean="0">
+                                    <a:latin typeface="Cambria Math" panose="02040503050406030204" pitchFamily="18" charset="0"/>
+                                  </a:rPr>
+                                </m:ctrlPr>
+                              </m:sSubPr>
+                              <m:e>
+                                <m:r>
+                                  <a:rPr lang="en-US" sz="2400" b="0" i="1" smtClean="0">
+                                    <a:latin typeface="Cambria Math" panose="02040503050406030204" pitchFamily="18" charset="0"/>
+                                  </a:rPr>
+                                  <m:t>𝑡</m:t>
+                                </m:r>
+                              </m:e>
+                              <m:sub>
+                                <m:r>
+                                  <a:rPr lang="en-US" sz="2400" b="0" i="1" smtClean="0">
+                                    <a:latin typeface="Cambria Math" panose="02040503050406030204" pitchFamily="18" charset="0"/>
+                                  </a:rPr>
+                                  <m:t>𝜋</m:t>
+                                </m:r>
+                              </m:sub>
+                            </m:sSub>
+                          </m:e>
+                        </m:d>
+                      </m:den>
+                    </m:f>
+                  </m:oMath>
+                </a14:m>
+                <a:r>
+                  <a:rPr lang="en-US" sz="2400" dirty="0"/>
+                  <a:t>, </a:t>
+                </a:r>
+                <a14:m>
+                  <m:oMath xmlns:m="http://schemas.openxmlformats.org/officeDocument/2006/math">
+                    <m:r>
+                      <m:rPr>
+                        <m:sty m:val="p"/>
+                      </m:rPr>
+                      <a:rPr lang="el-GR" sz="2400" i="1" kern="0">
+                        <a:solidFill>
+                          <a:sysClr val="windowText" lastClr="000000"/>
+                        </a:solidFill>
+                        <a:latin typeface="Cambria Math" panose="02040503050406030204" pitchFamily="18" charset="0"/>
+                        <a:ea typeface="Cambria Math" panose="02040503050406030204" pitchFamily="18" charset="0"/>
+                      </a:rPr>
+                      <m:t>Δ</m:t>
+                    </m:r>
+                    <m:r>
+                      <a:rPr lang="en-US" sz="2400" i="1" kern="0">
+                        <a:solidFill>
+                          <a:sysClr val="windowText" lastClr="000000"/>
+                        </a:solidFill>
+                        <a:latin typeface="Cambria Math" panose="02040503050406030204" pitchFamily="18" charset="0"/>
+                        <a:ea typeface="Cambria Math" panose="02040503050406030204" pitchFamily="18" charset="0"/>
+                      </a:rPr>
+                      <m:t>𝜑</m:t>
+                    </m:r>
+                    <m:r>
+                      <a:rPr lang="en-US" sz="2400" i="1" kern="0">
+                        <a:solidFill>
+                          <a:sysClr val="windowText" lastClr="000000"/>
+                        </a:solidFill>
+                        <a:latin typeface="Cambria Math" panose="02040503050406030204" pitchFamily="18" charset="0"/>
+                        <a:ea typeface="Cambria Math" panose="02040503050406030204" pitchFamily="18" charset="0"/>
+                      </a:rPr>
+                      <m:t>=</m:t>
+                    </m:r>
+                    <m:r>
+                      <a:rPr lang="en-US" sz="2400" b="0" i="1" kern="0" smtClean="0">
+                        <a:solidFill>
+                          <a:sysClr val="windowText" lastClr="000000"/>
+                        </a:solidFill>
+                        <a:latin typeface="Cambria Math" panose="02040503050406030204" pitchFamily="18" charset="0"/>
+                        <a:ea typeface="Cambria Math" panose="02040503050406030204" pitchFamily="18" charset="0"/>
+                      </a:rPr>
+                      <m:t>𝜋</m:t>
+                    </m:r>
+                  </m:oMath>
+                </a14:m>
+                <a:r>
+                  <a:rPr lang="en-US" sz="2400" dirty="0"/>
+                  <a:t> and spin precession is coherently accumulated</a:t>
+                </a:r>
+              </a:p>
+            </p:txBody>
+          </p:sp>
+        </mc:Choice>
+        <mc:Fallback xmlns="">
+          <p:sp>
+            <p:nvSpPr>
+              <p:cNvPr id="5" name="Rectangle 4"/>
+              <p:cNvSpPr>
+                <a:spLocks noRot="1" noChangeAspect="1" noMove="1" noResize="1" noEditPoints="1" noAdjustHandles="1" noChangeArrowheads="1" noChangeShapeType="1" noTextEdit="1"/>
+              </p:cNvSpPr>
+              <p:nvPr/>
+            </p:nvSpPr>
+            <p:spPr>
+              <a:xfrm>
+                <a:off x="1448288" y="5660225"/>
+                <a:ext cx="9560464" cy="662361"/>
+              </a:xfrm>
+              <a:prstGeom prst="rect">
+                <a:avLst/>
+              </a:prstGeom>
+              <a:blipFill>
+                <a:blip r:embed="rId4"/>
+                <a:stretch>
+                  <a:fillRect l="-1020" b="-2778"/>
+                </a:stretch>
+              </a:blipFill>
+            </p:spPr>
+            <p:txBody>
+              <a:bodyPr/>
+              <a:lstStyle/>
+              <a:p>
+                <a:r>
+                  <a:rPr lang="en-US">
+                    <a:noFill/>
+                  </a:rPr>
+                  <a:t> </a:t>
+                </a:r>
+              </a:p>
+            </p:txBody>
+          </p:sp>
+        </mc:Fallback>
+      </mc:AlternateContent>
+      <mc:AlternateContent xmlns:mc="http://schemas.openxmlformats.org/markup-compatibility/2006">
+        <mc:Choice xmlns:a14="http://schemas.microsoft.com/office/drawing/2010/main" Requires="a14">
+          <p:sp>
+            <p:nvSpPr>
+              <p:cNvPr id="4" name="Rectangle 3"/>
+              <p:cNvSpPr/>
+              <p:nvPr/>
+            </p:nvSpPr>
+            <p:spPr>
+              <a:xfrm>
+                <a:off x="2081063" y="4342067"/>
+                <a:ext cx="8294914" cy="1027974"/>
+              </a:xfrm>
+              <a:prstGeom prst="rect">
+                <a:avLst/>
+              </a:prstGeom>
+            </p:spPr>
+            <p:txBody>
+              <a:bodyPr wrap="square">
+                <a:spAutoFit/>
+              </a:bodyPr>
+              <a:lstStyle/>
+              <a:p>
+                <a:pPr algn="ctr"/>
+                <a:r>
+                  <a:rPr lang="en-US" sz="2400" dirty="0">
+                    <a:ea typeface="Cambria Math" panose="02040503050406030204" pitchFamily="18" charset="0"/>
+                  </a:rPr>
+                  <a:t>Can ignore second term when </a:t>
+                </a:r>
+                <a14:m>
+                  <m:oMath xmlns:m="http://schemas.openxmlformats.org/officeDocument/2006/math">
+                    <m:f>
+                      <m:fPr>
+                        <m:ctrlPr>
+                          <a:rPr lang="en-US" sz="2400" i="1">
+                            <a:latin typeface="Cambria Math" panose="02040503050406030204" pitchFamily="18" charset="0"/>
+                            <a:ea typeface="Cambria Math" panose="02040503050406030204" pitchFamily="18" charset="0"/>
+                          </a:rPr>
+                        </m:ctrlPr>
+                      </m:fPr>
+                      <m:num>
+                        <m:r>
+                          <a:rPr lang="en-US" sz="2400" i="1">
+                            <a:latin typeface="Cambria Math" panose="02040503050406030204" pitchFamily="18" charset="0"/>
+                            <a:ea typeface="Cambria Math" panose="02040503050406030204" pitchFamily="18" charset="0"/>
+                          </a:rPr>
+                          <m:t>𝑈</m:t>
+                        </m:r>
+                      </m:num>
+                      <m:den>
+                        <m:r>
+                          <a:rPr lang="en-US" sz="2400" i="1">
+                            <a:latin typeface="Cambria Math" panose="02040503050406030204" pitchFamily="18" charset="0"/>
+                            <a:ea typeface="Cambria Math" panose="02040503050406030204" pitchFamily="18" charset="0"/>
+                          </a:rPr>
+                          <m:t>𝜇</m:t>
+                        </m:r>
+                      </m:den>
+                    </m:f>
+                    <m:r>
+                      <a:rPr lang="en-US" sz="2400" i="1">
+                        <a:latin typeface="Cambria Math" panose="02040503050406030204" pitchFamily="18" charset="0"/>
+                        <a:ea typeface="Cambria Math" panose="02040503050406030204" pitchFamily="18" charset="0"/>
+                      </a:rPr>
+                      <m:t>≪1</m:t>
+                    </m:r>
+                  </m:oMath>
+                </a14:m>
+                <a:r>
+                  <a:rPr lang="en-US" sz="2400" dirty="0">
+                    <a:ea typeface="Cambria Math" panose="02040503050406030204" pitchFamily="18" charset="0"/>
+                  </a:rPr>
+                  <a:t>. </a:t>
+                </a:r>
+              </a:p>
+              <a:p>
+                <a:pPr algn="ctr"/>
+                <a:r>
+                  <a:rPr lang="en-US" sz="2400" dirty="0">
+                    <a:ea typeface="Cambria Math" panose="02040503050406030204" pitchFamily="18" charset="0"/>
+                  </a:rPr>
+                  <a:t>At low frequencies </a:t>
+                </a:r>
+                <a14:m>
+                  <m:oMath xmlns:m="http://schemas.openxmlformats.org/officeDocument/2006/math">
+                    <m:r>
+                      <a:rPr lang="en-US" sz="2400" i="1">
+                        <a:latin typeface="Cambria Math" panose="02040503050406030204" pitchFamily="18" charset="0"/>
+                        <a:ea typeface="Cambria Math" panose="02040503050406030204" pitchFamily="18" charset="0"/>
+                      </a:rPr>
+                      <m:t>𝜇</m:t>
+                    </m:r>
+                  </m:oMath>
+                </a14:m>
+                <a:r>
+                  <a:rPr lang="en-US" sz="2400" dirty="0">
+                    <a:ea typeface="Cambria Math" panose="02040503050406030204" pitchFamily="18" charset="0"/>
+                  </a:rPr>
+                  <a:t>, can cancel by setting: </a:t>
+                </a:r>
+                <a14:m>
+                  <m:oMath xmlns:m="http://schemas.openxmlformats.org/officeDocument/2006/math">
+                    <m:r>
+                      <m:rPr>
+                        <m:sty m:val="p"/>
+                      </m:rPr>
+                      <a:rPr lang="el-GR" sz="2400" i="1" kern="0">
+                        <a:solidFill>
+                          <a:sysClr val="windowText" lastClr="000000"/>
+                        </a:solidFill>
+                        <a:latin typeface="Cambria Math" panose="02040503050406030204" pitchFamily="18" charset="0"/>
+                        <a:ea typeface="Cambria Math" panose="02040503050406030204" pitchFamily="18" charset="0"/>
+                      </a:rPr>
+                      <m:t>Δ</m:t>
+                    </m:r>
+                    <m:r>
+                      <a:rPr lang="en-US" sz="2400" i="1" kern="0">
+                        <a:solidFill>
+                          <a:sysClr val="windowText" lastClr="000000"/>
+                        </a:solidFill>
+                        <a:latin typeface="Cambria Math" panose="02040503050406030204" pitchFamily="18" charset="0"/>
+                        <a:ea typeface="Cambria Math" panose="02040503050406030204" pitchFamily="18" charset="0"/>
+                      </a:rPr>
+                      <m:t>𝜑</m:t>
+                    </m:r>
+                    <m:r>
+                      <a:rPr lang="en-US" sz="2400" i="1" kern="0">
+                        <a:solidFill>
+                          <a:sysClr val="windowText" lastClr="000000"/>
+                        </a:solidFill>
+                        <a:latin typeface="Cambria Math" panose="02040503050406030204" pitchFamily="18" charset="0"/>
+                        <a:ea typeface="Cambria Math" panose="02040503050406030204" pitchFamily="18" charset="0"/>
+                      </a:rPr>
+                      <m:t>=</m:t>
+                    </m:r>
+                    <m:r>
+                      <a:rPr lang="en-US" sz="2400" i="1" kern="0">
+                        <a:solidFill>
+                          <a:sysClr val="windowText" lastClr="000000"/>
+                        </a:solidFill>
+                        <a:latin typeface="Cambria Math" panose="02040503050406030204" pitchFamily="18" charset="0"/>
+                        <a:ea typeface="Cambria Math" panose="02040503050406030204" pitchFamily="18" charset="0"/>
+                      </a:rPr>
+                      <m:t>𝜇</m:t>
+                    </m:r>
+                    <m:r>
+                      <a:rPr lang="en-US" sz="2400" i="1" kern="0">
+                        <a:solidFill>
+                          <a:sysClr val="windowText" lastClr="000000"/>
+                        </a:solidFill>
+                        <a:latin typeface="Cambria Math" panose="02040503050406030204" pitchFamily="18" charset="0"/>
+                        <a:ea typeface="Cambria Math" panose="02040503050406030204" pitchFamily="18" charset="0"/>
+                      </a:rPr>
+                      <m:t>(</m:t>
+                    </m:r>
+                    <m:r>
+                      <a:rPr lang="en-US" sz="2400" i="1" kern="0">
+                        <a:solidFill>
+                          <a:sysClr val="windowText" lastClr="000000"/>
+                        </a:solidFill>
+                        <a:latin typeface="Cambria Math" panose="02040503050406030204" pitchFamily="18" charset="0"/>
+                      </a:rPr>
+                      <m:t>𝑇</m:t>
+                    </m:r>
+                    <m:r>
+                      <a:rPr lang="en-US" sz="2400" i="1" kern="0">
+                        <a:solidFill>
+                          <a:sysClr val="windowText" lastClr="000000"/>
+                        </a:solidFill>
+                        <a:latin typeface="Cambria Math" panose="02040503050406030204" pitchFamily="18" charset="0"/>
+                      </a:rPr>
+                      <m:t>+</m:t>
+                    </m:r>
+                    <m:sSub>
+                      <m:sSubPr>
+                        <m:ctrlPr>
+                          <a:rPr lang="en-US" sz="2400" i="1" kern="0">
+                            <a:solidFill>
+                              <a:sysClr val="windowText" lastClr="000000"/>
+                            </a:solidFill>
+                            <a:latin typeface="Cambria Math" panose="02040503050406030204" pitchFamily="18" charset="0"/>
+                          </a:rPr>
+                        </m:ctrlPr>
+                      </m:sSubPr>
+                      <m:e>
+                        <m:r>
+                          <a:rPr lang="en-US" sz="2400" i="1" kern="0">
+                            <a:solidFill>
+                              <a:sysClr val="windowText" lastClr="000000"/>
+                            </a:solidFill>
+                            <a:latin typeface="Cambria Math" panose="02040503050406030204" pitchFamily="18" charset="0"/>
+                          </a:rPr>
+                          <m:t>𝑡</m:t>
+                        </m:r>
+                      </m:e>
+                      <m:sub>
+                        <m:r>
+                          <a:rPr lang="en-US" sz="2400" i="1" kern="0">
+                            <a:solidFill>
+                              <a:sysClr val="windowText" lastClr="000000"/>
+                            </a:solidFill>
+                            <a:latin typeface="Cambria Math" panose="02040503050406030204" pitchFamily="18" charset="0"/>
+                            <a:ea typeface="Cambria Math" panose="02040503050406030204" pitchFamily="18" charset="0"/>
+                          </a:rPr>
+                          <m:t>𝜋</m:t>
+                        </m:r>
+                      </m:sub>
+                    </m:sSub>
+                    <m:r>
+                      <a:rPr lang="en-US" sz="2400" i="1" kern="0">
+                        <a:solidFill>
+                          <a:sysClr val="windowText" lastClr="000000"/>
+                        </a:solidFill>
+                        <a:latin typeface="Cambria Math" panose="02040503050406030204" pitchFamily="18" charset="0"/>
+                        <a:ea typeface="Cambria Math" panose="02040503050406030204" pitchFamily="18" charset="0"/>
+                      </a:rPr>
+                      <m:t>)</m:t>
+                    </m:r>
+                  </m:oMath>
+                </a14:m>
+                <a:endParaRPr lang="en-US" sz="2400" dirty="0"/>
+              </a:p>
+            </p:txBody>
+          </p:sp>
+        </mc:Choice>
+        <mc:Fallback>
+          <p:sp>
+            <p:nvSpPr>
+              <p:cNvPr id="4" name="Rectangle 3"/>
+              <p:cNvSpPr>
+                <a:spLocks noRot="1" noChangeAspect="1" noMove="1" noResize="1" noEditPoints="1" noAdjustHandles="1" noChangeArrowheads="1" noChangeShapeType="1" noTextEdit="1"/>
+              </p:cNvSpPr>
+              <p:nvPr/>
+            </p:nvSpPr>
+            <p:spPr>
+              <a:xfrm>
+                <a:off x="2081063" y="4342067"/>
+                <a:ext cx="8294914" cy="1027974"/>
+              </a:xfrm>
+              <a:prstGeom prst="rect">
+                <a:avLst/>
+              </a:prstGeom>
+              <a:blipFill>
+                <a:blip r:embed="rId5"/>
+                <a:stretch>
+                  <a:fillRect b="-12426"/>
+                </a:stretch>
+              </a:blipFill>
+            </p:spPr>
+            <p:txBody>
+              <a:bodyPr/>
+              <a:lstStyle/>
+              <a:p>
+                <a:r>
+                  <a:rPr lang="en-US">
+                    <a:noFill/>
+                  </a:rPr>
+                  <a:t> </a:t>
+                </a:r>
+              </a:p>
+            </p:txBody>
+          </p:sp>
+        </mc:Fallback>
+      </mc:AlternateContent>
+      <p:sp>
+        <p:nvSpPr>
+          <p:cNvPr id="16" name="Left Brace 15"/>
+          <p:cNvSpPr/>
+          <p:nvPr/>
+        </p:nvSpPr>
+        <p:spPr>
+          <a:xfrm rot="16200000">
+            <a:off x="3630707" y="1350710"/>
+            <a:ext cx="274948" cy="3508163"/>
+          </a:xfrm>
+          <a:prstGeom prst="leftBrace">
+            <a:avLst/>
+          </a:prstGeom>
+        </p:spPr>
+        <p:style>
+          <a:lnRef idx="1">
+            <a:schemeClr val="dk1"/>
+          </a:lnRef>
+          <a:fillRef idx="0">
+            <a:schemeClr val="dk1"/>
+          </a:fillRef>
+          <a:effectRef idx="0">
+            <a:schemeClr val="dk1"/>
+          </a:effectRef>
+          <a:fontRef idx="minor">
+            <a:schemeClr val="tx1"/>
+          </a:fontRef>
+        </p:style>
+        <p:txBody>
+          <a:bodyPr rtlCol="0" anchor="ctr"/>
+          <a:lstStyle/>
+          <a:p>
+            <a:pPr algn="ctr"/>
+            <a:endParaRPr lang="en-US" dirty="0"/>
+          </a:p>
+        </p:txBody>
+      </p:sp>
+      <p:cxnSp>
+        <p:nvCxnSpPr>
+          <p:cNvPr id="18" name="Straight Arrow Connector 17"/>
+          <p:cNvCxnSpPr/>
+          <p:nvPr/>
+        </p:nvCxnSpPr>
+        <p:spPr>
+          <a:xfrm flipH="1">
+            <a:off x="3316941" y="3316941"/>
+            <a:ext cx="451240" cy="340659"/>
+          </a:xfrm>
+          <a:prstGeom prst="straightConnector1">
+            <a:avLst/>
+          </a:prstGeom>
+          <a:ln>
+            <a:tailEnd type="triangle"/>
+          </a:ln>
+        </p:spPr>
+        <p:style>
+          <a:lnRef idx="1">
+            <a:schemeClr val="dk1"/>
+          </a:lnRef>
+          <a:fillRef idx="0">
+            <a:schemeClr val="dk1"/>
+          </a:fillRef>
+          <a:effectRef idx="0">
+            <a:schemeClr val="dk1"/>
+          </a:effectRef>
+          <a:fontRef idx="minor">
+            <a:schemeClr val="tx1"/>
+          </a:fontRef>
+        </p:style>
+      </p:cxnSp>
+    </p:spTree>
+    <p:extLst>
+      <p:ext uri="{BB962C8B-B14F-4D97-AF65-F5344CB8AC3E}">
+        <p14:creationId xmlns:p14="http://schemas.microsoft.com/office/powerpoint/2010/main" val="2163861763"/>
+      </p:ext>
+    </p:extLst>
+  </p:cSld>
+  <p:clrMapOvr>
+    <a:masterClrMapping/>
+  </p:clrMapOvr>
+</p:sld>
+</file>
+
+<file path=ppt/slides/slide6.xml><?xml version="1.0" encoding="utf-8"?>
+<p:sld xmlns:a="http://schemas.openxmlformats.org/drawingml/2006/main" xmlns:r="http://schemas.openxmlformats.org/officeDocument/2006/relationships" xmlns:p="http://schemas.openxmlformats.org/presentationml/2006/main">
+  <p:cSld>
+    <p:spTree>
+      <p:nvGrpSpPr>
+        <p:cNvPr id="1" name=""/>
+        <p:cNvGrpSpPr/>
+        <p:nvPr/>
+      </p:nvGrpSpPr>
+      <p:grpSpPr>
+        <a:xfrm>
+          <a:off x="0" y="0"/>
+          <a:ext cx="0" cy="0"/>
+          <a:chOff x="0" y="0"/>
+          <a:chExt cx="0" cy="0"/>
+        </a:xfrm>
+      </p:grpSpPr>
       <p:grpSp>
         <p:nvGrpSpPr>
           <p:cNvPr id="1047" name="Group 1046"/>
@@ -24416,1705 +26039,6 @@
       </p:par>
     </p:tnLst>
   </p:timing>
-</p:sld>
-</file>
-
-<file path=ppt/slides/slide6.xml><?xml version="1.0" encoding="utf-8"?>
-<p:sld xmlns:a="http://schemas.openxmlformats.org/drawingml/2006/main" xmlns:r="http://schemas.openxmlformats.org/officeDocument/2006/relationships" xmlns:p="http://schemas.openxmlformats.org/presentationml/2006/main">
-  <p:cSld>
-    <p:spTree>
-      <p:nvGrpSpPr>
-        <p:cNvPr id="1" name=""/>
-        <p:cNvGrpSpPr/>
-        <p:nvPr/>
-      </p:nvGrpSpPr>
-      <p:grpSpPr>
-        <a:xfrm>
-          <a:off x="0" y="0"/>
-          <a:ext cx="0" cy="0"/>
-          <a:chOff x="0" y="0"/>
-          <a:chExt cx="0" cy="0"/>
-        </a:xfrm>
-      </p:grpSpPr>
-      <p:sp>
-        <p:nvSpPr>
-          <p:cNvPr id="2" name="Title 1"/>
-          <p:cNvSpPr>
-            <a:spLocks noGrp="1"/>
-          </p:cNvSpPr>
-          <p:nvPr>
-            <p:ph type="title"/>
-          </p:nvPr>
-        </p:nvSpPr>
-        <p:spPr>
-          <a:xfrm>
-            <a:off x="628475" y="184151"/>
-            <a:ext cx="10515600" cy="763806"/>
-          </a:xfrm>
-        </p:spPr>
-        <p:txBody>
-          <a:bodyPr/>
-          <a:lstStyle/>
-          <a:p>
-            <a:r>
-              <a:rPr lang="en-US" dirty="0"/>
-              <a:t>Canceling low frequency oscillations</a:t>
-            </a:r>
-          </a:p>
-        </p:txBody>
-      </p:sp>
-      <mc:AlternateContent xmlns:mc="http://schemas.openxmlformats.org/markup-compatibility/2006" xmlns:a14="http://schemas.microsoft.com/office/drawing/2010/main">
-        <mc:Choice Requires="a14">
-          <p:sp>
-            <p:nvSpPr>
-              <p:cNvPr id="3" name="Content Placeholder 2"/>
-              <p:cNvSpPr>
-                <a:spLocks noGrp="1"/>
-              </p:cNvSpPr>
-              <p:nvPr>
-                <p:ph idx="1"/>
-              </p:nvPr>
-            </p:nvSpPr>
-            <p:spPr>
-              <a:xfrm>
-                <a:off x="838199" y="1419226"/>
-                <a:ext cx="10780643" cy="3116915"/>
-              </a:xfrm>
-            </p:spPr>
-            <p:txBody>
-              <a:bodyPr>
-                <a:noAutofit/>
-              </a:bodyPr>
-              <a:lstStyle/>
-              <a:p>
-                <a:pPr marL="0" indent="0">
-                  <a:buNone/>
-                </a:pPr>
-                <a14:m>
-                  <m:oMathPara xmlns:m="http://schemas.openxmlformats.org/officeDocument/2006/math">
-                    <m:oMathParaPr>
-                      <m:jc m:val="left"/>
-                    </m:oMathParaPr>
-                    <m:oMath xmlns:m="http://schemas.openxmlformats.org/officeDocument/2006/math">
-                      <m:sSub>
-                        <m:sSubPr>
-                          <m:ctrlPr>
-                            <a:rPr lang="en-US" sz="2400" i="1" smtClean="0">
-                              <a:latin typeface="Cambria Math" panose="02040503050406030204" pitchFamily="18" charset="0"/>
-                              <a:ea typeface="Cambria Math" panose="02040503050406030204" pitchFamily="18" charset="0"/>
-                            </a:rPr>
-                          </m:ctrlPr>
-                        </m:sSubPr>
-                        <m:e>
-                          <m:r>
-                            <a:rPr lang="en-US" sz="2400" b="0" i="1" smtClean="0">
-                              <a:latin typeface="Cambria Math" panose="02040503050406030204" pitchFamily="18" charset="0"/>
-                              <a:ea typeface="Cambria Math" panose="02040503050406030204" pitchFamily="18" charset="0"/>
-                            </a:rPr>
-                            <m:t>𝐻</m:t>
-                          </m:r>
-                        </m:e>
-                        <m:sub>
-                          <m:r>
-                            <a:rPr lang="en-US" sz="2400" b="0" i="1" smtClean="0">
-                              <a:latin typeface="Cambria Math" panose="02040503050406030204" pitchFamily="18" charset="0"/>
-                              <a:ea typeface="Cambria Math" panose="02040503050406030204" pitchFamily="18" charset="0"/>
-                            </a:rPr>
-                            <m:t>𝑂𝐷𝐹</m:t>
-                          </m:r>
-                        </m:sub>
-                      </m:sSub>
-                      <m:r>
-                        <a:rPr lang="en-US" sz="2400" b="0" i="1" smtClean="0">
-                          <a:latin typeface="Cambria Math" panose="02040503050406030204" pitchFamily="18" charset="0"/>
-                          <a:ea typeface="Cambria Math" panose="02040503050406030204" pitchFamily="18" charset="0"/>
-                        </a:rPr>
-                        <m:t>=</m:t>
-                      </m:r>
-                      <m:r>
-                        <a:rPr lang="en-US" sz="2400" b="0" i="1" smtClean="0">
-                          <a:latin typeface="Cambria Math" panose="02040503050406030204" pitchFamily="18" charset="0"/>
-                          <a:ea typeface="Cambria Math" panose="02040503050406030204" pitchFamily="18" charset="0"/>
-                        </a:rPr>
-                        <m:t>𝑈</m:t>
-                      </m:r>
-                      <m:nary>
-                        <m:naryPr>
-                          <m:chr m:val="∑"/>
-                          <m:supHide m:val="on"/>
-                          <m:ctrlPr>
-                            <a:rPr lang="en-US" sz="2400" b="0" i="1" smtClean="0">
-                              <a:latin typeface="Cambria Math" panose="02040503050406030204" pitchFamily="18" charset="0"/>
-                              <a:ea typeface="Cambria Math" panose="02040503050406030204" pitchFamily="18" charset="0"/>
-                            </a:rPr>
-                          </m:ctrlPr>
-                        </m:naryPr>
-                        <m:sub>
-                          <m:r>
-                            <m:rPr>
-                              <m:brk m:alnAt="7"/>
-                            </m:rPr>
-                            <a:rPr lang="en-US" sz="2400" b="0" i="1" smtClean="0">
-                              <a:latin typeface="Cambria Math" panose="02040503050406030204" pitchFamily="18" charset="0"/>
-                              <a:ea typeface="Cambria Math" panose="02040503050406030204" pitchFamily="18" charset="0"/>
-                            </a:rPr>
-                            <m:t>𝑖</m:t>
-                          </m:r>
-                        </m:sub>
-                        <m:sup/>
-                        <m:e>
-                          <m:func>
-                            <m:funcPr>
-                              <m:ctrlPr>
-                                <a:rPr lang="en-US" sz="2400" b="0" i="1" smtClean="0">
-                                  <a:latin typeface="Cambria Math" panose="02040503050406030204" pitchFamily="18" charset="0"/>
-                                  <a:ea typeface="Cambria Math" panose="02040503050406030204" pitchFamily="18" charset="0"/>
-                                </a:rPr>
-                              </m:ctrlPr>
-                            </m:funcPr>
-                            <m:fName>
-                              <m:r>
-                                <m:rPr>
-                                  <m:sty m:val="p"/>
-                                </m:rPr>
-                                <a:rPr lang="en-US" sz="2400" b="0" i="0" smtClean="0">
-                                  <a:latin typeface="Cambria Math" panose="02040503050406030204" pitchFamily="18" charset="0"/>
-                                  <a:ea typeface="Cambria Math" panose="02040503050406030204" pitchFamily="18" charset="0"/>
-                                </a:rPr>
-                                <m:t>sin</m:t>
-                              </m:r>
-                            </m:fName>
-                            <m:e>
-                              <m:d>
-                                <m:dPr>
-                                  <m:begChr m:val="["/>
-                                  <m:endChr m:val="]"/>
-                                  <m:ctrlPr>
-                                    <a:rPr lang="en-US" sz="2400" i="1">
-                                      <a:latin typeface="Cambria Math" panose="02040503050406030204" pitchFamily="18" charset="0"/>
-                                      <a:ea typeface="Cambria Math" panose="02040503050406030204" pitchFamily="18" charset="0"/>
-                                    </a:rPr>
-                                  </m:ctrlPr>
-                                </m:dPr>
-                                <m:e>
-                                  <m:r>
-                                    <a:rPr lang="en-US" sz="2400" i="1">
-                                      <a:latin typeface="Cambria Math" panose="02040503050406030204" pitchFamily="18" charset="0"/>
-                                      <a:ea typeface="Cambria Math" panose="02040503050406030204" pitchFamily="18" charset="0"/>
-                                    </a:rPr>
-                                    <m:t>𝛿</m:t>
-                                  </m:r>
-                                  <m:r>
-                                    <a:rPr lang="en-US" sz="2400" i="1">
-                                      <a:latin typeface="Cambria Math" panose="02040503050406030204" pitchFamily="18" charset="0"/>
-                                      <a:ea typeface="Cambria Math" panose="02040503050406030204" pitchFamily="18" charset="0"/>
-                                    </a:rPr>
-                                    <m:t>𝑘</m:t>
-                                  </m:r>
-                                  <m:r>
-                                    <a:rPr lang="en-US" sz="2400" i="1">
-                                      <a:latin typeface="Cambria Math" panose="02040503050406030204" pitchFamily="18" charset="0"/>
-                                      <a:ea typeface="Cambria Math" panose="02040503050406030204" pitchFamily="18" charset="0"/>
-                                    </a:rPr>
-                                    <m:t>∙</m:t>
-                                  </m:r>
-                                  <m:sSub>
-                                    <m:sSubPr>
-                                      <m:ctrlPr>
-                                        <a:rPr lang="en-US" sz="2400" i="1">
-                                          <a:latin typeface="Cambria Math" panose="02040503050406030204" pitchFamily="18" charset="0"/>
-                                        </a:rPr>
-                                      </m:ctrlPr>
-                                    </m:sSubPr>
-                                    <m:e>
-                                      <m:acc>
-                                        <m:accPr>
-                                          <m:chr m:val="̂"/>
-                                          <m:ctrlPr>
-                                            <a:rPr lang="en-US" sz="2400" i="1">
-                                              <a:latin typeface="Cambria Math" panose="02040503050406030204" pitchFamily="18" charset="0"/>
-                                            </a:rPr>
-                                          </m:ctrlPr>
-                                        </m:accPr>
-                                        <m:e>
-                                          <m:r>
-                                            <a:rPr lang="en-US" sz="2400" i="1">
-                                              <a:latin typeface="Cambria Math" panose="02040503050406030204" pitchFamily="18" charset="0"/>
-                                            </a:rPr>
-                                            <m:t>𝑧</m:t>
-                                          </m:r>
-                                        </m:e>
-                                      </m:acc>
-                                    </m:e>
-                                    <m:sub>
-                                      <m:r>
-                                        <a:rPr lang="en-US" sz="2400" i="1">
-                                          <a:latin typeface="Cambria Math" panose="02040503050406030204" pitchFamily="18" charset="0"/>
-                                        </a:rPr>
-                                        <m:t>𝑖</m:t>
-                                      </m:r>
-                                    </m:sub>
-                                  </m:sSub>
-                                  <m:r>
-                                    <a:rPr lang="en-US" sz="2400" i="1">
-                                      <a:latin typeface="Cambria Math" panose="02040503050406030204" pitchFamily="18" charset="0"/>
-                                      <a:ea typeface="Cambria Math" panose="02040503050406030204" pitchFamily="18" charset="0"/>
-                                    </a:rPr>
-                                    <m:t>−</m:t>
-                                  </m:r>
-                                  <m:r>
-                                    <a:rPr lang="en-US" sz="2400" i="1">
-                                      <a:latin typeface="Cambria Math" panose="02040503050406030204" pitchFamily="18" charset="0"/>
-                                      <a:ea typeface="Cambria Math" panose="02040503050406030204" pitchFamily="18" charset="0"/>
-                                    </a:rPr>
-                                    <m:t>𝜇</m:t>
-                                  </m:r>
-                                  <m:r>
-                                    <a:rPr lang="en-US" sz="2400" i="1">
-                                      <a:latin typeface="Cambria Math" panose="02040503050406030204" pitchFamily="18" charset="0"/>
-                                      <a:ea typeface="Cambria Math" panose="02040503050406030204" pitchFamily="18" charset="0"/>
-                                    </a:rPr>
-                                    <m:t>𝑡</m:t>
-                                  </m:r>
-                                </m:e>
-                              </m:d>
-                            </m:e>
-                          </m:func>
-                          <m:sSubSup>
-                            <m:sSubSupPr>
-                              <m:ctrlPr>
-                                <a:rPr lang="en-US" sz="2400" i="1">
-                                  <a:latin typeface="Cambria Math" panose="02040503050406030204" pitchFamily="18" charset="0"/>
-                                </a:rPr>
-                              </m:ctrlPr>
-                            </m:sSubSupPr>
-                            <m:e>
-                              <m:acc>
-                                <m:accPr>
-                                  <m:chr m:val="̂"/>
-                                  <m:ctrlPr>
-                                    <a:rPr lang="en-US" sz="2400" i="1">
-                                      <a:latin typeface="Cambria Math" panose="02040503050406030204" pitchFamily="18" charset="0"/>
-                                    </a:rPr>
-                                  </m:ctrlPr>
-                                </m:accPr>
-                                <m:e>
-                                  <m:r>
-                                    <a:rPr lang="en-US" sz="2400" i="1">
-                                      <a:latin typeface="Cambria Math" panose="02040503050406030204" pitchFamily="18" charset="0"/>
-                                    </a:rPr>
-                                    <m:t>𝜎</m:t>
-                                  </m:r>
-                                </m:e>
-                              </m:acc>
-                            </m:e>
-                            <m:sub>
-                              <m:r>
-                                <a:rPr lang="en-US" sz="2400" i="1">
-                                  <a:latin typeface="Cambria Math" panose="02040503050406030204" pitchFamily="18" charset="0"/>
-                                </a:rPr>
-                                <m:t>𝑖</m:t>
-                              </m:r>
-                            </m:sub>
-                            <m:sup>
-                              <m:r>
-                                <a:rPr lang="en-US" sz="2400" i="1">
-                                  <a:latin typeface="Cambria Math" panose="02040503050406030204" pitchFamily="18" charset="0"/>
-                                </a:rPr>
-                                <m:t>𝑧</m:t>
-                              </m:r>
-                            </m:sup>
-                          </m:sSubSup>
-                        </m:e>
-                      </m:nary>
-                    </m:oMath>
-                  </m:oMathPara>
-                </a14:m>
-                <a:endParaRPr lang="en-US" sz="2400" b="0" i="1" dirty="0">
-                  <a:latin typeface="Cambria Math" panose="02040503050406030204" pitchFamily="18" charset="0"/>
-                  <a:ea typeface="Cambria Math" panose="02040503050406030204" pitchFamily="18" charset="0"/>
-                </a:endParaRPr>
-              </a:p>
-              <a:p>
-                <a:pPr marL="0" indent="0">
-                  <a:buNone/>
-                </a:pPr>
-                <a14:m>
-                  <m:oMathPara xmlns:m="http://schemas.openxmlformats.org/officeDocument/2006/math">
-                    <m:oMathParaPr>
-                      <m:jc m:val="left"/>
-                    </m:oMathParaPr>
-                    <m:oMath xmlns:m="http://schemas.openxmlformats.org/officeDocument/2006/math">
-                      <m:r>
-                        <a:rPr lang="en-US" sz="2400" b="0" i="1" smtClean="0">
-                          <a:latin typeface="Cambria Math" panose="02040503050406030204" pitchFamily="18" charset="0"/>
-                          <a:ea typeface="Cambria Math" panose="02040503050406030204" pitchFamily="18" charset="0"/>
-                        </a:rPr>
-                        <m:t>           </m:t>
-                      </m:r>
-                      <m:r>
-                        <a:rPr lang="en-US" sz="2400" i="1">
-                          <a:latin typeface="Cambria Math" panose="02040503050406030204" pitchFamily="18" charset="0"/>
-                          <a:ea typeface="Cambria Math" panose="02040503050406030204" pitchFamily="18" charset="0"/>
-                        </a:rPr>
-                        <m:t>= </m:t>
-                      </m:r>
-                      <m:r>
-                        <a:rPr lang="en-US" sz="2400" i="1">
-                          <a:latin typeface="Cambria Math" panose="02040503050406030204" pitchFamily="18" charset="0"/>
-                          <a:ea typeface="Cambria Math" panose="02040503050406030204" pitchFamily="18" charset="0"/>
-                        </a:rPr>
-                        <m:t>𝑈</m:t>
-                      </m:r>
-                      <m:nary>
-                        <m:naryPr>
-                          <m:chr m:val="∑"/>
-                          <m:supHide m:val="on"/>
-                          <m:ctrlPr>
-                            <a:rPr lang="en-US" sz="2400" i="1">
-                              <a:latin typeface="Cambria Math" panose="02040503050406030204" pitchFamily="18" charset="0"/>
-                              <a:ea typeface="Cambria Math" panose="02040503050406030204" pitchFamily="18" charset="0"/>
-                            </a:rPr>
-                          </m:ctrlPr>
-                        </m:naryPr>
-                        <m:sub>
-                          <m:r>
-                            <m:rPr>
-                              <m:brk m:alnAt="7"/>
-                            </m:rPr>
-                            <a:rPr lang="en-US" sz="2400" i="1">
-                              <a:latin typeface="Cambria Math" panose="02040503050406030204" pitchFamily="18" charset="0"/>
-                              <a:ea typeface="Cambria Math" panose="02040503050406030204" pitchFamily="18" charset="0"/>
-                            </a:rPr>
-                            <m:t>𝑖</m:t>
-                          </m:r>
-                        </m:sub>
-                        <m:sup/>
-                        <m:e>
-                          <m:func>
-                            <m:funcPr>
-                              <m:ctrlPr>
-                                <a:rPr lang="en-US" sz="2400" i="1">
-                                  <a:latin typeface="Cambria Math" panose="02040503050406030204" pitchFamily="18" charset="0"/>
-                                  <a:ea typeface="Cambria Math" panose="02040503050406030204" pitchFamily="18" charset="0"/>
-                                </a:rPr>
-                              </m:ctrlPr>
-                            </m:funcPr>
-                            <m:fName>
-                              <m:r>
-                                <m:rPr>
-                                  <m:sty m:val="p"/>
-                                </m:rPr>
-                                <a:rPr lang="en-US" sz="2400">
-                                  <a:latin typeface="Cambria Math" panose="02040503050406030204" pitchFamily="18" charset="0"/>
-                                  <a:ea typeface="Cambria Math" panose="02040503050406030204" pitchFamily="18" charset="0"/>
-                                </a:rPr>
-                                <m:t>sin</m:t>
-                              </m:r>
-                            </m:fName>
-                            <m:e>
-                              <m:d>
-                                <m:dPr>
-                                  <m:ctrlPr>
-                                    <a:rPr lang="en-US" sz="2400" i="1">
-                                      <a:latin typeface="Cambria Math" panose="02040503050406030204" pitchFamily="18" charset="0"/>
-                                      <a:ea typeface="Cambria Math" panose="02040503050406030204" pitchFamily="18" charset="0"/>
-                                    </a:rPr>
-                                  </m:ctrlPr>
-                                </m:dPr>
-                                <m:e>
-                                  <m:r>
-                                    <a:rPr lang="en-US" sz="2400" i="1">
-                                      <a:latin typeface="Cambria Math" panose="02040503050406030204" pitchFamily="18" charset="0"/>
-                                      <a:ea typeface="Cambria Math" panose="02040503050406030204" pitchFamily="18" charset="0"/>
-                                    </a:rPr>
-                                    <m:t>𝛿</m:t>
-                                  </m:r>
-                                  <m:r>
-                                    <a:rPr lang="en-US" sz="2400" i="1">
-                                      <a:latin typeface="Cambria Math" panose="02040503050406030204" pitchFamily="18" charset="0"/>
-                                      <a:ea typeface="Cambria Math" panose="02040503050406030204" pitchFamily="18" charset="0"/>
-                                    </a:rPr>
-                                    <m:t>𝑘</m:t>
-                                  </m:r>
-                                  <m:r>
-                                    <a:rPr lang="en-US" sz="2400" i="1">
-                                      <a:latin typeface="Cambria Math" panose="02040503050406030204" pitchFamily="18" charset="0"/>
-                                      <a:ea typeface="Cambria Math" panose="02040503050406030204" pitchFamily="18" charset="0"/>
-                                    </a:rPr>
-                                    <m:t>∙</m:t>
-                                  </m:r>
-                                  <m:sSub>
-                                    <m:sSubPr>
-                                      <m:ctrlPr>
-                                        <a:rPr lang="en-US" sz="2400" i="1">
-                                          <a:latin typeface="Cambria Math" panose="02040503050406030204" pitchFamily="18" charset="0"/>
-                                        </a:rPr>
-                                      </m:ctrlPr>
-                                    </m:sSubPr>
-                                    <m:e>
-                                      <m:acc>
-                                        <m:accPr>
-                                          <m:chr m:val="̂"/>
-                                          <m:ctrlPr>
-                                            <a:rPr lang="en-US" sz="2400" i="1">
-                                              <a:latin typeface="Cambria Math" panose="02040503050406030204" pitchFamily="18" charset="0"/>
-                                            </a:rPr>
-                                          </m:ctrlPr>
-                                        </m:accPr>
-                                        <m:e>
-                                          <m:r>
-                                            <a:rPr lang="en-US" sz="2400" i="1">
-                                              <a:latin typeface="Cambria Math" panose="02040503050406030204" pitchFamily="18" charset="0"/>
-                                            </a:rPr>
-                                            <m:t>𝑧</m:t>
-                                          </m:r>
-                                        </m:e>
-                                      </m:acc>
-                                    </m:e>
-                                    <m:sub>
-                                      <m:r>
-                                        <a:rPr lang="en-US" sz="2400" i="1">
-                                          <a:latin typeface="Cambria Math" panose="02040503050406030204" pitchFamily="18" charset="0"/>
-                                        </a:rPr>
-                                        <m:t>𝑖</m:t>
-                                      </m:r>
-                                    </m:sub>
-                                  </m:sSub>
-                                </m:e>
-                              </m:d>
-                            </m:e>
-                          </m:func>
-                          <m:func>
-                            <m:funcPr>
-                              <m:ctrlPr>
-                                <a:rPr lang="en-US" sz="2400" i="1">
-                                  <a:latin typeface="Cambria Math" panose="02040503050406030204" pitchFamily="18" charset="0"/>
-                                  <a:ea typeface="Cambria Math" panose="02040503050406030204" pitchFamily="18" charset="0"/>
-                                </a:rPr>
-                              </m:ctrlPr>
-                            </m:funcPr>
-                            <m:fName>
-                              <m:r>
-                                <m:rPr>
-                                  <m:sty m:val="p"/>
-                                </m:rPr>
-                                <a:rPr lang="en-US" sz="2400">
-                                  <a:latin typeface="Cambria Math" panose="02040503050406030204" pitchFamily="18" charset="0"/>
-                                  <a:ea typeface="Cambria Math" panose="02040503050406030204" pitchFamily="18" charset="0"/>
-                                </a:rPr>
-                                <m:t>cos</m:t>
-                              </m:r>
-                            </m:fName>
-                            <m:e>
-                              <m:d>
-                                <m:dPr>
-                                  <m:ctrlPr>
-                                    <a:rPr lang="en-US" sz="2400" i="1">
-                                      <a:latin typeface="Cambria Math" panose="02040503050406030204" pitchFamily="18" charset="0"/>
-                                      <a:ea typeface="Cambria Math" panose="02040503050406030204" pitchFamily="18" charset="0"/>
-                                    </a:rPr>
-                                  </m:ctrlPr>
-                                </m:dPr>
-                                <m:e>
-                                  <m:r>
-                                    <a:rPr lang="en-US" sz="2400" i="1">
-                                      <a:latin typeface="Cambria Math" panose="02040503050406030204" pitchFamily="18" charset="0"/>
-                                      <a:ea typeface="Cambria Math" panose="02040503050406030204" pitchFamily="18" charset="0"/>
-                                    </a:rPr>
-                                    <m:t>𝜇</m:t>
-                                  </m:r>
-                                  <m:r>
-                                    <a:rPr lang="en-US" sz="2400" i="1">
-                                      <a:latin typeface="Cambria Math" panose="02040503050406030204" pitchFamily="18" charset="0"/>
-                                      <a:ea typeface="Cambria Math" panose="02040503050406030204" pitchFamily="18" charset="0"/>
-                                    </a:rPr>
-                                    <m:t>𝑡</m:t>
-                                  </m:r>
-                                </m:e>
-                              </m:d>
-                              <m:sSubSup>
-                                <m:sSubSupPr>
-                                  <m:ctrlPr>
-                                    <a:rPr lang="en-US" sz="2400" i="1">
-                                      <a:latin typeface="Cambria Math" panose="02040503050406030204" pitchFamily="18" charset="0"/>
-                                    </a:rPr>
-                                  </m:ctrlPr>
-                                </m:sSubSupPr>
-                                <m:e>
-                                  <m:acc>
-                                    <m:accPr>
-                                      <m:chr m:val="̂"/>
-                                      <m:ctrlPr>
-                                        <a:rPr lang="en-US" sz="2400" i="1">
-                                          <a:latin typeface="Cambria Math" panose="02040503050406030204" pitchFamily="18" charset="0"/>
-                                        </a:rPr>
-                                      </m:ctrlPr>
-                                    </m:accPr>
-                                    <m:e>
-                                      <m:r>
-                                        <a:rPr lang="en-US" sz="2400" i="1">
-                                          <a:latin typeface="Cambria Math" panose="02040503050406030204" pitchFamily="18" charset="0"/>
-                                        </a:rPr>
-                                        <m:t>𝜎</m:t>
-                                      </m:r>
-                                    </m:e>
-                                  </m:acc>
-                                </m:e>
-                                <m:sub>
-                                  <m:r>
-                                    <a:rPr lang="en-US" sz="2400" i="1">
-                                      <a:latin typeface="Cambria Math" panose="02040503050406030204" pitchFamily="18" charset="0"/>
-                                    </a:rPr>
-                                    <m:t>𝑖</m:t>
-                                  </m:r>
-                                </m:sub>
-                                <m:sup>
-                                  <m:r>
-                                    <a:rPr lang="en-US" sz="2400" i="1">
-                                      <a:latin typeface="Cambria Math" panose="02040503050406030204" pitchFamily="18" charset="0"/>
-                                    </a:rPr>
-                                    <m:t>𝑧</m:t>
-                                  </m:r>
-                                </m:sup>
-                              </m:sSubSup>
-                            </m:e>
-                          </m:func>
-                          <m:r>
-                            <a:rPr lang="en-US" sz="2400" i="1">
-                              <a:latin typeface="Cambria Math" panose="02040503050406030204" pitchFamily="18" charset="0"/>
-                              <a:ea typeface="Cambria Math" panose="02040503050406030204" pitchFamily="18" charset="0"/>
-                            </a:rPr>
-                            <m:t>−</m:t>
-                          </m:r>
-                          <m:r>
-                            <a:rPr lang="en-US" sz="2400" i="1">
-                              <a:latin typeface="Cambria Math" panose="02040503050406030204" pitchFamily="18" charset="0"/>
-                              <a:ea typeface="Cambria Math" panose="02040503050406030204" pitchFamily="18" charset="0"/>
-                            </a:rPr>
-                            <m:t>𝑈</m:t>
-                          </m:r>
-                          <m:nary>
-                            <m:naryPr>
-                              <m:chr m:val="∑"/>
-                              <m:supHide m:val="on"/>
-                              <m:ctrlPr>
-                                <a:rPr lang="en-US" sz="2400" i="1">
-                                  <a:latin typeface="Cambria Math" panose="02040503050406030204" pitchFamily="18" charset="0"/>
-                                  <a:ea typeface="Cambria Math" panose="02040503050406030204" pitchFamily="18" charset="0"/>
-                                </a:rPr>
-                              </m:ctrlPr>
-                            </m:naryPr>
-                            <m:sub>
-                              <m:r>
-                                <m:rPr>
-                                  <m:brk m:alnAt="7"/>
-                                </m:rPr>
-                                <a:rPr lang="en-US" sz="2400" i="1">
-                                  <a:latin typeface="Cambria Math" panose="02040503050406030204" pitchFamily="18" charset="0"/>
-                                  <a:ea typeface="Cambria Math" panose="02040503050406030204" pitchFamily="18" charset="0"/>
-                                </a:rPr>
-                                <m:t>𝑖</m:t>
-                              </m:r>
-                            </m:sub>
-                            <m:sup/>
-                            <m:e>
-                              <m:func>
-                                <m:funcPr>
-                                  <m:ctrlPr>
-                                    <a:rPr lang="en-US" sz="2400" i="1">
-                                      <a:latin typeface="Cambria Math" panose="02040503050406030204" pitchFamily="18" charset="0"/>
-                                      <a:ea typeface="Cambria Math" panose="02040503050406030204" pitchFamily="18" charset="0"/>
-                                    </a:rPr>
-                                  </m:ctrlPr>
-                                </m:funcPr>
-                                <m:fName>
-                                  <m:r>
-                                    <m:rPr>
-                                      <m:sty m:val="p"/>
-                                    </m:rPr>
-                                    <a:rPr lang="en-US" sz="2400">
-                                      <a:latin typeface="Cambria Math" panose="02040503050406030204" pitchFamily="18" charset="0"/>
-                                      <a:ea typeface="Cambria Math" panose="02040503050406030204" pitchFamily="18" charset="0"/>
-                                    </a:rPr>
-                                    <m:t>cos</m:t>
-                                  </m:r>
-                                </m:fName>
-                                <m:e>
-                                  <m:d>
-                                    <m:dPr>
-                                      <m:ctrlPr>
-                                        <a:rPr lang="en-US" sz="2400" i="1">
-                                          <a:latin typeface="Cambria Math" panose="02040503050406030204" pitchFamily="18" charset="0"/>
-                                          <a:ea typeface="Cambria Math" panose="02040503050406030204" pitchFamily="18" charset="0"/>
-                                        </a:rPr>
-                                      </m:ctrlPr>
-                                    </m:dPr>
-                                    <m:e>
-                                      <m:r>
-                                        <a:rPr lang="en-US" sz="2400" i="1">
-                                          <a:latin typeface="Cambria Math" panose="02040503050406030204" pitchFamily="18" charset="0"/>
-                                          <a:ea typeface="Cambria Math" panose="02040503050406030204" pitchFamily="18" charset="0"/>
-                                        </a:rPr>
-                                        <m:t>𝛿</m:t>
-                                      </m:r>
-                                      <m:r>
-                                        <a:rPr lang="en-US" sz="2400" i="1">
-                                          <a:latin typeface="Cambria Math" panose="02040503050406030204" pitchFamily="18" charset="0"/>
-                                          <a:ea typeface="Cambria Math" panose="02040503050406030204" pitchFamily="18" charset="0"/>
-                                        </a:rPr>
-                                        <m:t>𝑘</m:t>
-                                      </m:r>
-                                      <m:r>
-                                        <a:rPr lang="en-US" sz="2400" i="1">
-                                          <a:latin typeface="Cambria Math" panose="02040503050406030204" pitchFamily="18" charset="0"/>
-                                          <a:ea typeface="Cambria Math" panose="02040503050406030204" pitchFamily="18" charset="0"/>
-                                        </a:rPr>
-                                        <m:t>∙</m:t>
-                                      </m:r>
-                                      <m:sSub>
-                                        <m:sSubPr>
-                                          <m:ctrlPr>
-                                            <a:rPr lang="en-US" sz="2400" i="1">
-                                              <a:latin typeface="Cambria Math" panose="02040503050406030204" pitchFamily="18" charset="0"/>
-                                            </a:rPr>
-                                          </m:ctrlPr>
-                                        </m:sSubPr>
-                                        <m:e>
-                                          <m:acc>
-                                            <m:accPr>
-                                              <m:chr m:val="̂"/>
-                                              <m:ctrlPr>
-                                                <a:rPr lang="en-US" sz="2400" i="1">
-                                                  <a:latin typeface="Cambria Math" panose="02040503050406030204" pitchFamily="18" charset="0"/>
-                                                </a:rPr>
-                                              </m:ctrlPr>
-                                            </m:accPr>
-                                            <m:e>
-                                              <m:r>
-                                                <a:rPr lang="en-US" sz="2400" i="1">
-                                                  <a:latin typeface="Cambria Math" panose="02040503050406030204" pitchFamily="18" charset="0"/>
-                                                </a:rPr>
-                                                <m:t>𝑧</m:t>
-                                              </m:r>
-                                            </m:e>
-                                          </m:acc>
-                                        </m:e>
-                                        <m:sub>
-                                          <m:r>
-                                            <a:rPr lang="en-US" sz="2400" i="1">
-                                              <a:latin typeface="Cambria Math" panose="02040503050406030204" pitchFamily="18" charset="0"/>
-                                            </a:rPr>
-                                            <m:t>𝑖</m:t>
-                                          </m:r>
-                                        </m:sub>
-                                      </m:sSub>
-                                    </m:e>
-                                  </m:d>
-                                </m:e>
-                              </m:func>
-                              <m:func>
-                                <m:funcPr>
-                                  <m:ctrlPr>
-                                    <a:rPr lang="en-US" sz="2400" i="1">
-                                      <a:latin typeface="Cambria Math" panose="02040503050406030204" pitchFamily="18" charset="0"/>
-                                      <a:ea typeface="Cambria Math" panose="02040503050406030204" pitchFamily="18" charset="0"/>
-                                    </a:rPr>
-                                  </m:ctrlPr>
-                                </m:funcPr>
-                                <m:fName>
-                                  <m:r>
-                                    <m:rPr>
-                                      <m:sty m:val="p"/>
-                                    </m:rPr>
-                                    <a:rPr lang="en-US" sz="2400">
-                                      <a:latin typeface="Cambria Math" panose="02040503050406030204" pitchFamily="18" charset="0"/>
-                                      <a:ea typeface="Cambria Math" panose="02040503050406030204" pitchFamily="18" charset="0"/>
-                                    </a:rPr>
-                                    <m:t>sin</m:t>
-                                  </m:r>
-                                </m:fName>
-                                <m:e>
-                                  <m:d>
-                                    <m:dPr>
-                                      <m:ctrlPr>
-                                        <a:rPr lang="en-US" sz="2400" i="1">
-                                          <a:latin typeface="Cambria Math" panose="02040503050406030204" pitchFamily="18" charset="0"/>
-                                          <a:ea typeface="Cambria Math" panose="02040503050406030204" pitchFamily="18" charset="0"/>
-                                        </a:rPr>
-                                      </m:ctrlPr>
-                                    </m:dPr>
-                                    <m:e>
-                                      <m:r>
-                                        <a:rPr lang="en-US" sz="2400" i="1">
-                                          <a:latin typeface="Cambria Math" panose="02040503050406030204" pitchFamily="18" charset="0"/>
-                                          <a:ea typeface="Cambria Math" panose="02040503050406030204" pitchFamily="18" charset="0"/>
-                                        </a:rPr>
-                                        <m:t>𝜇</m:t>
-                                      </m:r>
-                                      <m:r>
-                                        <a:rPr lang="en-US" sz="2400" i="1">
-                                          <a:latin typeface="Cambria Math" panose="02040503050406030204" pitchFamily="18" charset="0"/>
-                                          <a:ea typeface="Cambria Math" panose="02040503050406030204" pitchFamily="18" charset="0"/>
-                                        </a:rPr>
-                                        <m:t>𝑡</m:t>
-                                      </m:r>
-                                    </m:e>
-                                  </m:d>
-                                </m:e>
-                              </m:func>
-                            </m:e>
-                          </m:nary>
-                        </m:e>
-                      </m:nary>
-                      <m:sSubSup>
-                        <m:sSubSupPr>
-                          <m:ctrlPr>
-                            <a:rPr lang="en-US" sz="2400" i="1">
-                              <a:latin typeface="Cambria Math" panose="02040503050406030204" pitchFamily="18" charset="0"/>
-                            </a:rPr>
-                          </m:ctrlPr>
-                        </m:sSubSupPr>
-                        <m:e>
-                          <m:acc>
-                            <m:accPr>
-                              <m:chr m:val="̂"/>
-                              <m:ctrlPr>
-                                <a:rPr lang="en-US" sz="2400" i="1">
-                                  <a:latin typeface="Cambria Math" panose="02040503050406030204" pitchFamily="18" charset="0"/>
-                                </a:rPr>
-                              </m:ctrlPr>
-                            </m:accPr>
-                            <m:e>
-                              <m:r>
-                                <a:rPr lang="en-US" sz="2400" i="1">
-                                  <a:latin typeface="Cambria Math" panose="02040503050406030204" pitchFamily="18" charset="0"/>
-                                </a:rPr>
-                                <m:t>𝜎</m:t>
-                              </m:r>
-                            </m:e>
-                          </m:acc>
-                        </m:e>
-                        <m:sub>
-                          <m:r>
-                            <a:rPr lang="en-US" sz="2400" i="1">
-                              <a:latin typeface="Cambria Math" panose="02040503050406030204" pitchFamily="18" charset="0"/>
-                            </a:rPr>
-                            <m:t>𝑖</m:t>
-                          </m:r>
-                        </m:sub>
-                        <m:sup>
-                          <m:r>
-                            <a:rPr lang="en-US" sz="2400" i="1">
-                              <a:latin typeface="Cambria Math" panose="02040503050406030204" pitchFamily="18" charset="0"/>
-                            </a:rPr>
-                            <m:t>𝑧</m:t>
-                          </m:r>
-                        </m:sup>
-                      </m:sSubSup>
-                    </m:oMath>
-                  </m:oMathPara>
-                </a14:m>
-                <a:endParaRPr lang="en-US" sz="2400" b="0" dirty="0">
-                  <a:ea typeface="Cambria Math" panose="02040503050406030204" pitchFamily="18" charset="0"/>
-                </a:endParaRPr>
-              </a:p>
-              <a:p>
-                <a:pPr marL="0" indent="0">
-                  <a:lnSpc>
-                    <a:spcPct val="150000"/>
-                  </a:lnSpc>
-                  <a:buNone/>
-                </a:pPr>
-                <a14:m>
-                  <m:oMathPara xmlns:m="http://schemas.openxmlformats.org/officeDocument/2006/math">
-                    <m:oMathParaPr>
-                      <m:jc m:val="left"/>
-                    </m:oMathParaPr>
-                    <m:oMath xmlns:m="http://schemas.openxmlformats.org/officeDocument/2006/math">
-                      <m:sSub>
-                        <m:sSubPr>
-                          <m:ctrlPr>
-                            <a:rPr lang="en-US" sz="2400" i="1">
-                              <a:latin typeface="Cambria Math" panose="02040503050406030204" pitchFamily="18" charset="0"/>
-                              <a:ea typeface="Cambria Math" panose="02040503050406030204" pitchFamily="18" charset="0"/>
-                            </a:rPr>
-                          </m:ctrlPr>
-                        </m:sSubPr>
-                        <m:e>
-                          <m:r>
-                            <a:rPr lang="en-US" sz="2400" i="1">
-                              <a:latin typeface="Cambria Math" panose="02040503050406030204" pitchFamily="18" charset="0"/>
-                              <a:ea typeface="Cambria Math" panose="02040503050406030204" pitchFamily="18" charset="0"/>
-                            </a:rPr>
-                            <m:t>𝐻</m:t>
-                          </m:r>
-                        </m:e>
-                        <m:sub>
-                          <m:r>
-                            <a:rPr lang="en-US" sz="2400" i="1">
-                              <a:latin typeface="Cambria Math" panose="02040503050406030204" pitchFamily="18" charset="0"/>
-                              <a:ea typeface="Cambria Math" panose="02040503050406030204" pitchFamily="18" charset="0"/>
-                            </a:rPr>
-                            <m:t>𝑂𝐷𝐹</m:t>
-                          </m:r>
-                        </m:sub>
-                      </m:sSub>
-                      <m:r>
-                        <a:rPr lang="en-US" sz="2400" i="1" smtClean="0">
-                          <a:latin typeface="Cambria Math" panose="02040503050406030204" pitchFamily="18" charset="0"/>
-                          <a:ea typeface="Cambria Math" panose="02040503050406030204" pitchFamily="18" charset="0"/>
-                        </a:rPr>
-                        <m:t>=</m:t>
-                      </m:r>
-                      <m:nary>
-                        <m:naryPr>
-                          <m:chr m:val="∑"/>
-                          <m:supHide m:val="on"/>
-                          <m:ctrlPr>
-                            <a:rPr lang="en-US" sz="2400" i="1">
-                              <a:latin typeface="Cambria Math" panose="02040503050406030204" pitchFamily="18" charset="0"/>
-                              <a:ea typeface="Cambria Math" panose="02040503050406030204" pitchFamily="18" charset="0"/>
-                            </a:rPr>
-                          </m:ctrlPr>
-                        </m:naryPr>
-                        <m:sub>
-                          <m:r>
-                            <m:rPr>
-                              <m:brk m:alnAt="7"/>
-                            </m:rPr>
-                            <a:rPr lang="en-US" sz="2400" i="1">
-                              <a:latin typeface="Cambria Math" panose="02040503050406030204" pitchFamily="18" charset="0"/>
-                              <a:ea typeface="Cambria Math" panose="02040503050406030204" pitchFamily="18" charset="0"/>
-                            </a:rPr>
-                            <m:t>𝑖</m:t>
-                          </m:r>
-                        </m:sub>
-                        <m:sup/>
-                        <m:e>
-                          <m:sSub>
-                            <m:sSubPr>
-                              <m:ctrlPr>
-                                <a:rPr lang="en-US" sz="2400" i="1">
-                                  <a:latin typeface="Cambria Math" panose="02040503050406030204" pitchFamily="18" charset="0"/>
-                                  <a:ea typeface="Cambria Math" panose="02040503050406030204" pitchFamily="18" charset="0"/>
-                                </a:rPr>
-                              </m:ctrlPr>
-                            </m:sSubPr>
-                            <m:e>
-                              <m:r>
-                                <a:rPr lang="en-US" sz="2400" i="1">
-                                  <a:latin typeface="Cambria Math" panose="02040503050406030204" pitchFamily="18" charset="0"/>
-                                  <a:ea typeface="Cambria Math" panose="02040503050406030204" pitchFamily="18" charset="0"/>
-                                </a:rPr>
-                                <m:t>𝐹</m:t>
-                              </m:r>
-                            </m:e>
-                            <m:sub>
-                              <m:r>
-                                <a:rPr lang="en-US" sz="2400" i="1">
-                                  <a:latin typeface="Cambria Math" panose="02040503050406030204" pitchFamily="18" charset="0"/>
-                                  <a:ea typeface="Cambria Math" panose="02040503050406030204" pitchFamily="18" charset="0"/>
-                                </a:rPr>
-                                <m:t>0</m:t>
-                              </m:r>
-                            </m:sub>
-                          </m:sSub>
-                          <m:func>
-                            <m:funcPr>
-                              <m:ctrlPr>
-                                <a:rPr lang="en-US" sz="2400" i="1">
-                                  <a:latin typeface="Cambria Math" panose="02040503050406030204" pitchFamily="18" charset="0"/>
-                                  <a:ea typeface="Cambria Math" panose="02040503050406030204" pitchFamily="18" charset="0"/>
-                                </a:rPr>
-                              </m:ctrlPr>
-                            </m:funcPr>
-                            <m:fName>
-                              <m:r>
-                                <m:rPr>
-                                  <m:sty m:val="p"/>
-                                </m:rPr>
-                                <a:rPr lang="en-US" sz="2400">
-                                  <a:latin typeface="Cambria Math" panose="02040503050406030204" pitchFamily="18" charset="0"/>
-                                  <a:ea typeface="Cambria Math" panose="02040503050406030204" pitchFamily="18" charset="0"/>
-                                </a:rPr>
-                                <m:t>cos</m:t>
-                              </m:r>
-                            </m:fName>
-                            <m:e>
-                              <m:r>
-                                <a:rPr lang="en-US" sz="2400" i="1">
-                                  <a:latin typeface="Cambria Math" panose="02040503050406030204" pitchFamily="18" charset="0"/>
-                                  <a:ea typeface="Cambria Math" panose="02040503050406030204" pitchFamily="18" charset="0"/>
-                                </a:rPr>
-                                <m:t>(</m:t>
-                              </m:r>
-                              <m:r>
-                                <a:rPr lang="en-US" sz="2400" i="1">
-                                  <a:latin typeface="Cambria Math" panose="02040503050406030204" pitchFamily="18" charset="0"/>
-                                  <a:ea typeface="Cambria Math" panose="02040503050406030204" pitchFamily="18" charset="0"/>
-                                </a:rPr>
-                                <m:t>𝜇</m:t>
-                              </m:r>
-                              <m:r>
-                                <a:rPr lang="en-US" sz="2400" i="1">
-                                  <a:latin typeface="Cambria Math" panose="02040503050406030204" pitchFamily="18" charset="0"/>
-                                  <a:ea typeface="Cambria Math" panose="02040503050406030204" pitchFamily="18" charset="0"/>
-                                </a:rPr>
-                                <m:t>𝑡</m:t>
-                              </m:r>
-                              <m:r>
-                                <a:rPr lang="en-US" sz="2400" i="1">
-                                  <a:latin typeface="Cambria Math" panose="02040503050406030204" pitchFamily="18" charset="0"/>
-                                  <a:ea typeface="Cambria Math" panose="02040503050406030204" pitchFamily="18" charset="0"/>
-                                </a:rPr>
-                                <m:t>)</m:t>
-                              </m:r>
-                            </m:e>
-                          </m:func>
-                          <m:sSubSup>
-                            <m:sSubSupPr>
-                              <m:ctrlPr>
-                                <a:rPr lang="en-US" sz="2400" i="1">
-                                  <a:latin typeface="Cambria Math" panose="02040503050406030204" pitchFamily="18" charset="0"/>
-                                </a:rPr>
-                              </m:ctrlPr>
-                            </m:sSubSupPr>
-                            <m:e>
-                              <m:sSub>
-                                <m:sSubPr>
-                                  <m:ctrlPr>
-                                    <a:rPr lang="en-US" sz="2400" i="1">
-                                      <a:latin typeface="Cambria Math" panose="02040503050406030204" pitchFamily="18" charset="0"/>
-                                    </a:rPr>
-                                  </m:ctrlPr>
-                                </m:sSubPr>
-                                <m:e>
-                                  <m:acc>
-                                    <m:accPr>
-                                      <m:chr m:val="̂"/>
-                                      <m:ctrlPr>
-                                        <a:rPr lang="en-US" sz="2400" i="1">
-                                          <a:latin typeface="Cambria Math" panose="02040503050406030204" pitchFamily="18" charset="0"/>
-                                        </a:rPr>
-                                      </m:ctrlPr>
-                                    </m:accPr>
-                                    <m:e>
-                                      <m:r>
-                                        <a:rPr lang="en-US" sz="2400" i="1">
-                                          <a:latin typeface="Cambria Math" panose="02040503050406030204" pitchFamily="18" charset="0"/>
-                                        </a:rPr>
-                                        <m:t>𝑧</m:t>
-                                      </m:r>
-                                    </m:e>
-                                  </m:acc>
-                                </m:e>
-                                <m:sub>
-                                  <m:r>
-                                    <a:rPr lang="en-US" sz="2400" i="1">
-                                      <a:latin typeface="Cambria Math" panose="02040503050406030204" pitchFamily="18" charset="0"/>
-                                    </a:rPr>
-                                    <m:t>𝑖</m:t>
-                                  </m:r>
-                                </m:sub>
-                              </m:sSub>
-                              <m:acc>
-                                <m:accPr>
-                                  <m:chr m:val="̂"/>
-                                  <m:ctrlPr>
-                                    <a:rPr lang="en-US" sz="2400" i="1">
-                                      <a:latin typeface="Cambria Math" panose="02040503050406030204" pitchFamily="18" charset="0"/>
-                                    </a:rPr>
-                                  </m:ctrlPr>
-                                </m:accPr>
-                                <m:e>
-                                  <m:r>
-                                    <a:rPr lang="en-US" sz="2400" i="1">
-                                      <a:latin typeface="Cambria Math" panose="02040503050406030204" pitchFamily="18" charset="0"/>
-                                    </a:rPr>
-                                    <m:t>𝜎</m:t>
-                                  </m:r>
-                                </m:e>
-                              </m:acc>
-                            </m:e>
-                            <m:sub>
-                              <m:r>
-                                <a:rPr lang="en-US" sz="2400" i="1">
-                                  <a:latin typeface="Cambria Math" panose="02040503050406030204" pitchFamily="18" charset="0"/>
-                                </a:rPr>
-                                <m:t>𝑖</m:t>
-                              </m:r>
-                            </m:sub>
-                            <m:sup>
-                              <m:r>
-                                <a:rPr lang="en-US" sz="2400" i="1">
-                                  <a:latin typeface="Cambria Math" panose="02040503050406030204" pitchFamily="18" charset="0"/>
-                                </a:rPr>
-                                <m:t>𝑧</m:t>
-                              </m:r>
-                            </m:sup>
-                          </m:sSubSup>
-                        </m:e>
-                      </m:nary>
-                    </m:oMath>
-                  </m:oMathPara>
-                </a14:m>
-                <a:endParaRPr lang="en-US" sz="2400" b="0" dirty="0">
-                  <a:ea typeface="Cambria Math" panose="02040503050406030204" pitchFamily="18" charset="0"/>
-                </a:endParaRPr>
-              </a:p>
-              <a:p>
-                <a:pPr marL="0" indent="0" algn="ctr">
-                  <a:buNone/>
-                </a:pPr>
-                <a:endParaRPr lang="en-US" sz="2400" dirty="0">
-                  <a:ea typeface="Cambria Math" panose="02040503050406030204" pitchFamily="18" charset="0"/>
-                </a:endParaRPr>
-              </a:p>
-              <a:p>
-                <a:pPr marL="0" indent="0" algn="ctr">
-                  <a:buNone/>
-                </a:pPr>
-                <a:endParaRPr lang="en-US" sz="2400" dirty="0"/>
-              </a:p>
-            </p:txBody>
-          </p:sp>
-        </mc:Choice>
-        <mc:Fallback xmlns="">
-          <p:sp>
-            <p:nvSpPr>
-              <p:cNvPr id="3" name="Content Placeholder 2"/>
-              <p:cNvSpPr>
-                <a:spLocks noGrp="1" noRot="1" noChangeAspect="1" noMove="1" noResize="1" noEditPoints="1" noAdjustHandles="1" noChangeArrowheads="1" noChangeShapeType="1" noTextEdit="1"/>
-              </p:cNvSpPr>
-              <p:nvPr>
-                <p:ph idx="1"/>
-              </p:nvPr>
-            </p:nvSpPr>
-            <p:spPr>
-              <a:xfrm>
-                <a:off x="838199" y="1419226"/>
-                <a:ext cx="10780643" cy="3116915"/>
-              </a:xfrm>
-              <a:blipFill>
-                <a:blip r:embed="rId3"/>
-                <a:stretch>
-                  <a:fillRect/>
-                </a:stretch>
-              </a:blipFill>
-            </p:spPr>
-            <p:txBody>
-              <a:bodyPr/>
-              <a:lstStyle/>
-              <a:p>
-                <a:r>
-                  <a:rPr lang="en-US">
-                    <a:noFill/>
-                  </a:rPr>
-                  <a:t> </a:t>
-                </a:r>
-              </a:p>
-            </p:txBody>
-          </p:sp>
-        </mc:Fallback>
-      </mc:AlternateContent>
-      <mc:AlternateContent xmlns:mc="http://schemas.openxmlformats.org/markup-compatibility/2006" xmlns:a14="http://schemas.microsoft.com/office/drawing/2010/main">
-        <mc:Choice Requires="a14">
-          <p:sp>
-            <p:nvSpPr>
-              <p:cNvPr id="5" name="Rectangle 4"/>
-              <p:cNvSpPr/>
-              <p:nvPr/>
-            </p:nvSpPr>
-            <p:spPr>
-              <a:xfrm>
-                <a:off x="1448288" y="5660225"/>
-                <a:ext cx="9560464" cy="662361"/>
-              </a:xfrm>
-              <a:prstGeom prst="rect">
-                <a:avLst/>
-              </a:prstGeom>
-            </p:spPr>
-            <p:txBody>
-              <a:bodyPr wrap="square">
-                <a:spAutoFit/>
-              </a:bodyPr>
-              <a:lstStyle/>
-              <a:p>
-                <a:r>
-                  <a:rPr lang="en-US" sz="2400" dirty="0"/>
-                  <a:t>For </a:t>
-                </a:r>
-                <a14:m>
-                  <m:oMath xmlns:m="http://schemas.openxmlformats.org/officeDocument/2006/math">
-                    <m:f>
-                      <m:fPr>
-                        <m:ctrlPr>
-                          <a:rPr lang="en-US" sz="2400" b="0" i="1" smtClean="0">
-                            <a:latin typeface="Cambria Math" panose="02040503050406030204" pitchFamily="18" charset="0"/>
-                          </a:rPr>
-                        </m:ctrlPr>
-                      </m:fPr>
-                      <m:num>
-                        <m:r>
-                          <a:rPr lang="en-US" sz="2400" b="0" i="1" smtClean="0">
-                            <a:latin typeface="Cambria Math" panose="02040503050406030204" pitchFamily="18" charset="0"/>
-                          </a:rPr>
-                          <m:t>𝜔</m:t>
-                        </m:r>
-                      </m:num>
-                      <m:den>
-                        <m:r>
-                          <a:rPr lang="en-US" sz="2400" b="0" i="1" smtClean="0">
-                            <a:latin typeface="Cambria Math" panose="02040503050406030204" pitchFamily="18" charset="0"/>
-                          </a:rPr>
-                          <m:t>2</m:t>
-                        </m:r>
-                        <m:r>
-                          <a:rPr lang="en-US" sz="2400" b="0" i="1" smtClean="0">
-                            <a:latin typeface="Cambria Math" panose="02040503050406030204" pitchFamily="18" charset="0"/>
-                          </a:rPr>
-                          <m:t>𝜋</m:t>
-                        </m:r>
-                      </m:den>
-                    </m:f>
-                    <m:r>
-                      <a:rPr lang="en-US" sz="2400" b="0" i="1" smtClean="0">
-                        <a:latin typeface="Cambria Math" panose="02040503050406030204" pitchFamily="18" charset="0"/>
-                      </a:rPr>
-                      <m:t>=</m:t>
-                    </m:r>
-                    <m:f>
-                      <m:fPr>
-                        <m:ctrlPr>
-                          <a:rPr lang="en-US" sz="2400" b="0" i="1" smtClean="0">
-                            <a:latin typeface="Cambria Math" panose="02040503050406030204" pitchFamily="18" charset="0"/>
-                          </a:rPr>
-                        </m:ctrlPr>
-                      </m:fPr>
-                      <m:num>
-                        <m:r>
-                          <a:rPr lang="en-US" sz="2400" b="0" i="1" smtClean="0">
-                            <a:latin typeface="Cambria Math" panose="02040503050406030204" pitchFamily="18" charset="0"/>
-                          </a:rPr>
-                          <m:t>2</m:t>
-                        </m:r>
-                        <m:r>
-                          <a:rPr lang="en-US" sz="2400" b="0" i="1" smtClean="0">
-                            <a:latin typeface="Cambria Math" panose="02040503050406030204" pitchFamily="18" charset="0"/>
-                          </a:rPr>
-                          <m:t>𝑛</m:t>
-                        </m:r>
-                        <m:r>
-                          <a:rPr lang="en-US" sz="2400" b="0" i="1" smtClean="0">
-                            <a:latin typeface="Cambria Math" panose="02040503050406030204" pitchFamily="18" charset="0"/>
-                          </a:rPr>
-                          <m:t>+1</m:t>
-                        </m:r>
-                      </m:num>
-                      <m:den>
-                        <m:r>
-                          <a:rPr lang="en-US" sz="2400" b="0" i="1" smtClean="0">
-                            <a:latin typeface="Cambria Math" panose="02040503050406030204" pitchFamily="18" charset="0"/>
-                          </a:rPr>
-                          <m:t>2</m:t>
-                        </m:r>
-                        <m:d>
-                          <m:dPr>
-                            <m:ctrlPr>
-                              <a:rPr lang="en-US" sz="2400" b="0" i="1" smtClean="0">
-                                <a:latin typeface="Cambria Math" panose="02040503050406030204" pitchFamily="18" charset="0"/>
-                              </a:rPr>
-                            </m:ctrlPr>
-                          </m:dPr>
-                          <m:e>
-                            <m:r>
-                              <a:rPr lang="en-US" sz="2400" b="0" i="1" smtClean="0">
-                                <a:latin typeface="Cambria Math" panose="02040503050406030204" pitchFamily="18" charset="0"/>
-                              </a:rPr>
-                              <m:t>𝑇</m:t>
-                            </m:r>
-                            <m:r>
-                              <a:rPr lang="en-US" sz="2400" b="0" i="1" smtClean="0">
-                                <a:latin typeface="Cambria Math" panose="02040503050406030204" pitchFamily="18" charset="0"/>
-                              </a:rPr>
-                              <m:t>+</m:t>
-                            </m:r>
-                            <m:sSub>
-                              <m:sSubPr>
-                                <m:ctrlPr>
-                                  <a:rPr lang="en-US" sz="2400" b="0" i="1" smtClean="0">
-                                    <a:latin typeface="Cambria Math" panose="02040503050406030204" pitchFamily="18" charset="0"/>
-                                  </a:rPr>
-                                </m:ctrlPr>
-                              </m:sSubPr>
-                              <m:e>
-                                <m:r>
-                                  <a:rPr lang="en-US" sz="2400" b="0" i="1" smtClean="0">
-                                    <a:latin typeface="Cambria Math" panose="02040503050406030204" pitchFamily="18" charset="0"/>
-                                  </a:rPr>
-                                  <m:t>𝑡</m:t>
-                                </m:r>
-                              </m:e>
-                              <m:sub>
-                                <m:r>
-                                  <a:rPr lang="en-US" sz="2400" b="0" i="1" smtClean="0">
-                                    <a:latin typeface="Cambria Math" panose="02040503050406030204" pitchFamily="18" charset="0"/>
-                                  </a:rPr>
-                                  <m:t>𝜋</m:t>
-                                </m:r>
-                              </m:sub>
-                            </m:sSub>
-                          </m:e>
-                        </m:d>
-                      </m:den>
-                    </m:f>
-                  </m:oMath>
-                </a14:m>
-                <a:r>
-                  <a:rPr lang="en-US" sz="2400" dirty="0"/>
-                  <a:t>, </a:t>
-                </a:r>
-                <a14:m>
-                  <m:oMath xmlns:m="http://schemas.openxmlformats.org/officeDocument/2006/math">
-                    <m:r>
-                      <m:rPr>
-                        <m:sty m:val="p"/>
-                      </m:rPr>
-                      <a:rPr lang="el-GR" sz="2400" i="1" kern="0">
-                        <a:solidFill>
-                          <a:sysClr val="windowText" lastClr="000000"/>
-                        </a:solidFill>
-                        <a:latin typeface="Cambria Math" panose="02040503050406030204" pitchFamily="18" charset="0"/>
-                        <a:ea typeface="Cambria Math" panose="02040503050406030204" pitchFamily="18" charset="0"/>
-                      </a:rPr>
-                      <m:t>Δ</m:t>
-                    </m:r>
-                    <m:r>
-                      <a:rPr lang="en-US" sz="2400" i="1" kern="0">
-                        <a:solidFill>
-                          <a:sysClr val="windowText" lastClr="000000"/>
-                        </a:solidFill>
-                        <a:latin typeface="Cambria Math" panose="02040503050406030204" pitchFamily="18" charset="0"/>
-                        <a:ea typeface="Cambria Math" panose="02040503050406030204" pitchFamily="18" charset="0"/>
-                      </a:rPr>
-                      <m:t>𝜑</m:t>
-                    </m:r>
-                    <m:r>
-                      <a:rPr lang="en-US" sz="2400" i="1" kern="0">
-                        <a:solidFill>
-                          <a:sysClr val="windowText" lastClr="000000"/>
-                        </a:solidFill>
-                        <a:latin typeface="Cambria Math" panose="02040503050406030204" pitchFamily="18" charset="0"/>
-                        <a:ea typeface="Cambria Math" panose="02040503050406030204" pitchFamily="18" charset="0"/>
-                      </a:rPr>
-                      <m:t>=</m:t>
-                    </m:r>
-                    <m:r>
-                      <a:rPr lang="en-US" sz="2400" b="0" i="1" kern="0" smtClean="0">
-                        <a:solidFill>
-                          <a:sysClr val="windowText" lastClr="000000"/>
-                        </a:solidFill>
-                        <a:latin typeface="Cambria Math" panose="02040503050406030204" pitchFamily="18" charset="0"/>
-                        <a:ea typeface="Cambria Math" panose="02040503050406030204" pitchFamily="18" charset="0"/>
-                      </a:rPr>
-                      <m:t>𝜋</m:t>
-                    </m:r>
-                  </m:oMath>
-                </a14:m>
-                <a:r>
-                  <a:rPr lang="en-US" sz="2400" dirty="0"/>
-                  <a:t> and spin precession is coherently accumulated</a:t>
-                </a:r>
-              </a:p>
-            </p:txBody>
-          </p:sp>
-        </mc:Choice>
-        <mc:Fallback xmlns="">
-          <p:sp>
-            <p:nvSpPr>
-              <p:cNvPr id="5" name="Rectangle 4"/>
-              <p:cNvSpPr>
-                <a:spLocks noRot="1" noChangeAspect="1" noMove="1" noResize="1" noEditPoints="1" noAdjustHandles="1" noChangeArrowheads="1" noChangeShapeType="1" noTextEdit="1"/>
-              </p:cNvSpPr>
-              <p:nvPr/>
-            </p:nvSpPr>
-            <p:spPr>
-              <a:xfrm>
-                <a:off x="1448288" y="5660225"/>
-                <a:ext cx="9560464" cy="662361"/>
-              </a:xfrm>
-              <a:prstGeom prst="rect">
-                <a:avLst/>
-              </a:prstGeom>
-              <a:blipFill>
-                <a:blip r:embed="rId4"/>
-                <a:stretch>
-                  <a:fillRect l="-1020" b="-2778"/>
-                </a:stretch>
-              </a:blipFill>
-            </p:spPr>
-            <p:txBody>
-              <a:bodyPr/>
-              <a:lstStyle/>
-              <a:p>
-                <a:r>
-                  <a:rPr lang="en-US">
-                    <a:noFill/>
-                  </a:rPr>
-                  <a:t> </a:t>
-                </a:r>
-              </a:p>
-            </p:txBody>
-          </p:sp>
-        </mc:Fallback>
-      </mc:AlternateContent>
-      <mc:AlternateContent xmlns:mc="http://schemas.openxmlformats.org/markup-compatibility/2006" xmlns:a14="http://schemas.microsoft.com/office/drawing/2010/main">
-        <mc:Choice Requires="a14">
-          <p:sp>
-            <p:nvSpPr>
-              <p:cNvPr id="4" name="Rectangle 3"/>
-              <p:cNvSpPr/>
-              <p:nvPr/>
-            </p:nvSpPr>
-            <p:spPr>
-              <a:xfrm>
-                <a:off x="2081063" y="4342067"/>
-                <a:ext cx="8294914" cy="1027974"/>
-              </a:xfrm>
-              <a:prstGeom prst="rect">
-                <a:avLst/>
-              </a:prstGeom>
-            </p:spPr>
-            <p:txBody>
-              <a:bodyPr wrap="square">
-                <a:spAutoFit/>
-              </a:bodyPr>
-              <a:lstStyle/>
-              <a:p>
-                <a:pPr algn="ctr"/>
-                <a:r>
-                  <a:rPr lang="en-US" sz="2400" dirty="0">
-                    <a:ea typeface="Cambria Math" panose="02040503050406030204" pitchFamily="18" charset="0"/>
-                  </a:rPr>
-                  <a:t>Can ignore second term when </a:t>
-                </a:r>
-                <a14:m>
-                  <m:oMath xmlns:m="http://schemas.openxmlformats.org/officeDocument/2006/math">
-                    <m:f>
-                      <m:fPr>
-                        <m:ctrlPr>
-                          <a:rPr lang="en-US" sz="2400" i="1">
-                            <a:latin typeface="Cambria Math" panose="02040503050406030204" pitchFamily="18" charset="0"/>
-                            <a:ea typeface="Cambria Math" panose="02040503050406030204" pitchFamily="18" charset="0"/>
-                          </a:rPr>
-                        </m:ctrlPr>
-                      </m:fPr>
-                      <m:num>
-                        <m:r>
-                          <a:rPr lang="en-US" sz="2400" i="1">
-                            <a:latin typeface="Cambria Math" panose="02040503050406030204" pitchFamily="18" charset="0"/>
-                            <a:ea typeface="Cambria Math" panose="02040503050406030204" pitchFamily="18" charset="0"/>
-                          </a:rPr>
-                          <m:t>𝑈</m:t>
-                        </m:r>
-                      </m:num>
-                      <m:den>
-                        <m:r>
-                          <a:rPr lang="en-US" sz="2400" i="1">
-                            <a:latin typeface="Cambria Math" panose="02040503050406030204" pitchFamily="18" charset="0"/>
-                            <a:ea typeface="Cambria Math" panose="02040503050406030204" pitchFamily="18" charset="0"/>
-                          </a:rPr>
-                          <m:t>𝜇</m:t>
-                        </m:r>
-                      </m:den>
-                    </m:f>
-                    <m:r>
-                      <a:rPr lang="en-US" sz="2400" i="1">
-                        <a:latin typeface="Cambria Math" panose="02040503050406030204" pitchFamily="18" charset="0"/>
-                        <a:ea typeface="Cambria Math" panose="02040503050406030204" pitchFamily="18" charset="0"/>
-                      </a:rPr>
-                      <m:t>≪1</m:t>
-                    </m:r>
-                  </m:oMath>
-                </a14:m>
-                <a:r>
-                  <a:rPr lang="en-US" sz="2400" dirty="0">
-                    <a:ea typeface="Cambria Math" panose="02040503050406030204" pitchFamily="18" charset="0"/>
-                  </a:rPr>
-                  <a:t>. </a:t>
-                </a:r>
-              </a:p>
-              <a:p>
-                <a:pPr algn="ctr"/>
-                <a:r>
-                  <a:rPr lang="en-US" sz="2400" dirty="0">
-                    <a:ea typeface="Cambria Math" panose="02040503050406030204" pitchFamily="18" charset="0"/>
-                  </a:rPr>
-                  <a:t>At low frequencies </a:t>
-                </a:r>
-                <a14:m>
-                  <m:oMath xmlns:m="http://schemas.openxmlformats.org/officeDocument/2006/math">
-                    <m:r>
-                      <a:rPr lang="en-US" sz="2400" i="1">
-                        <a:latin typeface="Cambria Math" panose="02040503050406030204" pitchFamily="18" charset="0"/>
-                        <a:ea typeface="Cambria Math" panose="02040503050406030204" pitchFamily="18" charset="0"/>
-                      </a:rPr>
-                      <m:t>𝜇</m:t>
-                    </m:r>
-                  </m:oMath>
-                </a14:m>
-                <a:r>
-                  <a:rPr lang="en-US" sz="2400" dirty="0">
-                    <a:ea typeface="Cambria Math" panose="02040503050406030204" pitchFamily="18" charset="0"/>
-                  </a:rPr>
-                  <a:t>, can still cancel by setting: </a:t>
-                </a:r>
-                <a14:m>
-                  <m:oMath xmlns:m="http://schemas.openxmlformats.org/officeDocument/2006/math">
-                    <m:r>
-                      <m:rPr>
-                        <m:sty m:val="p"/>
-                      </m:rPr>
-                      <a:rPr lang="el-GR" sz="2400" i="1" kern="0">
-                        <a:solidFill>
-                          <a:sysClr val="windowText" lastClr="000000"/>
-                        </a:solidFill>
-                        <a:latin typeface="Cambria Math" panose="02040503050406030204" pitchFamily="18" charset="0"/>
-                        <a:ea typeface="Cambria Math" panose="02040503050406030204" pitchFamily="18" charset="0"/>
-                      </a:rPr>
-                      <m:t>Δ</m:t>
-                    </m:r>
-                    <m:r>
-                      <a:rPr lang="en-US" sz="2400" i="1" kern="0">
-                        <a:solidFill>
-                          <a:sysClr val="windowText" lastClr="000000"/>
-                        </a:solidFill>
-                        <a:latin typeface="Cambria Math" panose="02040503050406030204" pitchFamily="18" charset="0"/>
-                        <a:ea typeface="Cambria Math" panose="02040503050406030204" pitchFamily="18" charset="0"/>
-                      </a:rPr>
-                      <m:t>𝜑</m:t>
-                    </m:r>
-                    <m:r>
-                      <a:rPr lang="en-US" sz="2400" i="1" kern="0">
-                        <a:solidFill>
-                          <a:sysClr val="windowText" lastClr="000000"/>
-                        </a:solidFill>
-                        <a:latin typeface="Cambria Math" panose="02040503050406030204" pitchFamily="18" charset="0"/>
-                        <a:ea typeface="Cambria Math" panose="02040503050406030204" pitchFamily="18" charset="0"/>
-                      </a:rPr>
-                      <m:t>=</m:t>
-                    </m:r>
-                    <m:r>
-                      <a:rPr lang="en-US" sz="2400" i="1" kern="0">
-                        <a:solidFill>
-                          <a:sysClr val="windowText" lastClr="000000"/>
-                        </a:solidFill>
-                        <a:latin typeface="Cambria Math" panose="02040503050406030204" pitchFamily="18" charset="0"/>
-                        <a:ea typeface="Cambria Math" panose="02040503050406030204" pitchFamily="18" charset="0"/>
-                      </a:rPr>
-                      <m:t>𝜇</m:t>
-                    </m:r>
-                    <m:r>
-                      <a:rPr lang="en-US" sz="2400" i="1" kern="0">
-                        <a:solidFill>
-                          <a:sysClr val="windowText" lastClr="000000"/>
-                        </a:solidFill>
-                        <a:latin typeface="Cambria Math" panose="02040503050406030204" pitchFamily="18" charset="0"/>
-                        <a:ea typeface="Cambria Math" panose="02040503050406030204" pitchFamily="18" charset="0"/>
-                      </a:rPr>
-                      <m:t>(</m:t>
-                    </m:r>
-                    <m:r>
-                      <a:rPr lang="en-US" sz="2400" i="1" kern="0">
-                        <a:solidFill>
-                          <a:sysClr val="windowText" lastClr="000000"/>
-                        </a:solidFill>
-                        <a:latin typeface="Cambria Math" panose="02040503050406030204" pitchFamily="18" charset="0"/>
-                      </a:rPr>
-                      <m:t>𝑇</m:t>
-                    </m:r>
-                    <m:r>
-                      <a:rPr lang="en-US" sz="2400" i="1" kern="0">
-                        <a:solidFill>
-                          <a:sysClr val="windowText" lastClr="000000"/>
-                        </a:solidFill>
-                        <a:latin typeface="Cambria Math" panose="02040503050406030204" pitchFamily="18" charset="0"/>
-                      </a:rPr>
-                      <m:t>+</m:t>
-                    </m:r>
-                    <m:sSub>
-                      <m:sSubPr>
-                        <m:ctrlPr>
-                          <a:rPr lang="en-US" sz="2400" i="1" kern="0">
-                            <a:solidFill>
-                              <a:sysClr val="windowText" lastClr="000000"/>
-                            </a:solidFill>
-                            <a:latin typeface="Cambria Math" panose="02040503050406030204" pitchFamily="18" charset="0"/>
-                          </a:rPr>
-                        </m:ctrlPr>
-                      </m:sSubPr>
-                      <m:e>
-                        <m:r>
-                          <a:rPr lang="en-US" sz="2400" i="1" kern="0">
-                            <a:solidFill>
-                              <a:sysClr val="windowText" lastClr="000000"/>
-                            </a:solidFill>
-                            <a:latin typeface="Cambria Math" panose="02040503050406030204" pitchFamily="18" charset="0"/>
-                          </a:rPr>
-                          <m:t>𝑡</m:t>
-                        </m:r>
-                      </m:e>
-                      <m:sub>
-                        <m:r>
-                          <a:rPr lang="en-US" sz="2400" i="1" kern="0">
-                            <a:solidFill>
-                              <a:sysClr val="windowText" lastClr="000000"/>
-                            </a:solidFill>
-                            <a:latin typeface="Cambria Math" panose="02040503050406030204" pitchFamily="18" charset="0"/>
-                            <a:ea typeface="Cambria Math" panose="02040503050406030204" pitchFamily="18" charset="0"/>
-                          </a:rPr>
-                          <m:t>𝜋</m:t>
-                        </m:r>
-                      </m:sub>
-                    </m:sSub>
-                    <m:r>
-                      <a:rPr lang="en-US" sz="2400" i="1" kern="0">
-                        <a:solidFill>
-                          <a:sysClr val="windowText" lastClr="000000"/>
-                        </a:solidFill>
-                        <a:latin typeface="Cambria Math" panose="02040503050406030204" pitchFamily="18" charset="0"/>
-                        <a:ea typeface="Cambria Math" panose="02040503050406030204" pitchFamily="18" charset="0"/>
-                      </a:rPr>
-                      <m:t>)</m:t>
-                    </m:r>
-                  </m:oMath>
-                </a14:m>
-                <a:endParaRPr lang="en-US" sz="2400" dirty="0"/>
-              </a:p>
-            </p:txBody>
-          </p:sp>
-        </mc:Choice>
-        <mc:Fallback xmlns="">
-          <p:sp>
-            <p:nvSpPr>
-              <p:cNvPr id="4" name="Rectangle 3"/>
-              <p:cNvSpPr>
-                <a:spLocks noRot="1" noChangeAspect="1" noMove="1" noResize="1" noEditPoints="1" noAdjustHandles="1" noChangeArrowheads="1" noChangeShapeType="1" noTextEdit="1"/>
-              </p:cNvSpPr>
-              <p:nvPr/>
-            </p:nvSpPr>
-            <p:spPr>
-              <a:xfrm>
-                <a:off x="2081063" y="4342067"/>
-                <a:ext cx="8294914" cy="1027974"/>
-              </a:xfrm>
-              <a:prstGeom prst="rect">
-                <a:avLst/>
-              </a:prstGeom>
-              <a:blipFill>
-                <a:blip r:embed="rId5"/>
-                <a:stretch>
-                  <a:fillRect l="-147" b="-12426"/>
-                </a:stretch>
-              </a:blipFill>
-            </p:spPr>
-            <p:txBody>
-              <a:bodyPr/>
-              <a:lstStyle/>
-              <a:p>
-                <a:r>
-                  <a:rPr lang="en-US">
-                    <a:noFill/>
-                  </a:rPr>
-                  <a:t> </a:t>
-                </a:r>
-              </a:p>
-            </p:txBody>
-          </p:sp>
-        </mc:Fallback>
-      </mc:AlternateContent>
-      <p:sp>
-        <p:nvSpPr>
-          <p:cNvPr id="16" name="Left Brace 15"/>
-          <p:cNvSpPr/>
-          <p:nvPr/>
-        </p:nvSpPr>
-        <p:spPr>
-          <a:xfrm rot="16200000">
-            <a:off x="3630707" y="1350710"/>
-            <a:ext cx="274948" cy="3508163"/>
-          </a:xfrm>
-          <a:prstGeom prst="leftBrace">
-            <a:avLst/>
-          </a:prstGeom>
-        </p:spPr>
-        <p:style>
-          <a:lnRef idx="1">
-            <a:schemeClr val="dk1"/>
-          </a:lnRef>
-          <a:fillRef idx="0">
-            <a:schemeClr val="dk1"/>
-          </a:fillRef>
-          <a:effectRef idx="0">
-            <a:schemeClr val="dk1"/>
-          </a:effectRef>
-          <a:fontRef idx="minor">
-            <a:schemeClr val="tx1"/>
-          </a:fontRef>
-        </p:style>
-        <p:txBody>
-          <a:bodyPr rtlCol="0" anchor="ctr"/>
-          <a:lstStyle/>
-          <a:p>
-            <a:pPr algn="ctr"/>
-            <a:endParaRPr lang="en-US" dirty="0"/>
-          </a:p>
-        </p:txBody>
-      </p:sp>
-      <p:cxnSp>
-        <p:nvCxnSpPr>
-          <p:cNvPr id="18" name="Straight Arrow Connector 17"/>
-          <p:cNvCxnSpPr/>
-          <p:nvPr/>
-        </p:nvCxnSpPr>
-        <p:spPr>
-          <a:xfrm flipH="1">
-            <a:off x="3316941" y="3316941"/>
-            <a:ext cx="451240" cy="340659"/>
-          </a:xfrm>
-          <a:prstGeom prst="straightConnector1">
-            <a:avLst/>
-          </a:prstGeom>
-          <a:ln>
-            <a:tailEnd type="triangle"/>
-          </a:ln>
-        </p:spPr>
-        <p:style>
-          <a:lnRef idx="1">
-            <a:schemeClr val="dk1"/>
-          </a:lnRef>
-          <a:fillRef idx="0">
-            <a:schemeClr val="dk1"/>
-          </a:fillRef>
-          <a:effectRef idx="0">
-            <a:schemeClr val="dk1"/>
-          </a:effectRef>
-          <a:fontRef idx="minor">
-            <a:schemeClr val="tx1"/>
-          </a:fontRef>
-        </p:style>
-      </p:cxnSp>
-    </p:spTree>
-    <p:extLst>
-      <p:ext uri="{BB962C8B-B14F-4D97-AF65-F5344CB8AC3E}">
-        <p14:creationId xmlns:p14="http://schemas.microsoft.com/office/powerpoint/2010/main" val="2163861763"/>
-      </p:ext>
-    </p:extLst>
-  </p:cSld>
-  <p:clrMapOvr>
-    <a:masterClrMapping/>
-  </p:clrMapOvr>
 </p:sld>
 </file>
 

--- a/amplitude_sensing_penning_2.pptx
+++ b/amplitude_sensing_penning_2.pptx
@@ -13,8 +13,8 @@
     <p:sldId id="282" r:id="rId4"/>
     <p:sldId id="279" r:id="rId5"/>
     <p:sldId id="259" r:id="rId6"/>
-    <p:sldId id="258" r:id="rId7"/>
-    <p:sldId id="274" r:id="rId8"/>
+    <p:sldId id="274" r:id="rId7"/>
+    <p:sldId id="258" r:id="rId8"/>
     <p:sldId id="280" r:id="rId9"/>
     <p:sldId id="275" r:id="rId10"/>
     <p:sldId id="260" r:id="rId11"/>
@@ -226,7 +226,7 @@
           <a:p>
             <a:fld id="{03F6027F-D680-46C2-8DDF-389BA132DFC8}" type="datetimeFigureOut">
               <a:rPr lang="en-US" smtClean="0"/>
-              <a:t>2/9/2017</a:t>
+              <a:t>2/10/2017</a:t>
             </a:fld>
             <a:endParaRPr lang="en-US"/>
           </a:p>
@@ -1355,6 +1355,138 @@
           <a:lstStyle/>
           <a:p>
             <a:r>
+              <a:rPr lang="en-US" sz="1200" kern="1200" dirty="0">
+                <a:solidFill>
+                  <a:schemeClr val="tx1"/>
+                </a:solidFill>
+                <a:effectLst/>
+                <a:latin typeface="+mn-lt"/>
+                <a:ea typeface="+mn-ea"/>
+                <a:cs typeface="+mn-cs"/>
+              </a:rPr>
+              <a:t>measuring spin precession induced by thermal fluctuations with a single pi-pulse sequence (top) and 1 pi-pulse </a:t>
+            </a:r>
+            <a:r>
+              <a:rPr lang="en-US" sz="1200" kern="1200" dirty="0" err="1">
+                <a:solidFill>
+                  <a:schemeClr val="tx1"/>
+                </a:solidFill>
+                <a:effectLst/>
+                <a:latin typeface="+mn-lt"/>
+                <a:ea typeface="+mn-ea"/>
+                <a:cs typeface="+mn-cs"/>
+              </a:rPr>
+              <a:t>comg</a:t>
+            </a:r>
+            <a:r>
+              <a:rPr lang="en-US" sz="1200" kern="1200" dirty="0">
+                <a:solidFill>
+                  <a:schemeClr val="tx1"/>
+                </a:solidFill>
+                <a:effectLst/>
+                <a:latin typeface="+mn-lt"/>
+                <a:ea typeface="+mn-ea"/>
+                <a:cs typeface="+mn-cs"/>
+              </a:rPr>
+              <a:t> (left and lower</a:t>
+            </a:r>
+            <a:r>
+              <a:rPr lang="en-US" sz="1200" kern="1200" baseline="0" dirty="0">
+                <a:solidFill>
+                  <a:schemeClr val="tx1"/>
+                </a:solidFill>
+                <a:effectLst/>
+                <a:latin typeface="+mn-lt"/>
+                <a:ea typeface="+mn-ea"/>
+                <a:cs typeface="+mn-cs"/>
+              </a:rPr>
+              <a:t> center)</a:t>
+            </a:r>
+            <a:endParaRPr lang="en-US" dirty="0"/>
+          </a:p>
+        </p:txBody>
+      </p:sp>
+      <p:sp>
+        <p:nvSpPr>
+          <p:cNvPr id="4" name="Slide Number Placeholder 3"/>
+          <p:cNvSpPr>
+            <a:spLocks noGrp="1"/>
+          </p:cNvSpPr>
+          <p:nvPr>
+            <p:ph type="sldNum" sz="quarter" idx="10"/>
+          </p:nvPr>
+        </p:nvSpPr>
+        <p:spPr/>
+        <p:txBody>
+          <a:bodyPr/>
+          <a:lstStyle/>
+          <a:p>
+            <a:fld id="{84FDC1DB-3CE3-40ED-99EE-197F06FEF5F0}" type="slidenum">
+              <a:rPr lang="en-US" smtClean="0"/>
+              <a:t>5</a:t>
+            </a:fld>
+            <a:endParaRPr lang="en-US"/>
+          </a:p>
+        </p:txBody>
+      </p:sp>
+    </p:spTree>
+    <p:extLst>
+      <p:ext uri="{BB962C8B-B14F-4D97-AF65-F5344CB8AC3E}">
+        <p14:creationId xmlns:p14="http://schemas.microsoft.com/office/powerpoint/2010/main" val="1775857786"/>
+      </p:ext>
+    </p:extLst>
+  </p:cSld>
+  <p:clrMapOvr>
+    <a:masterClrMapping/>
+  </p:clrMapOvr>
+</p:notes>
+</file>
+
+<file path=ppt/notesSlides/notesSlide6.xml><?xml version="1.0" encoding="utf-8"?>
+<p:notes xmlns:a="http://schemas.openxmlformats.org/drawingml/2006/main" xmlns:r="http://schemas.openxmlformats.org/officeDocument/2006/relationships" xmlns:p="http://schemas.openxmlformats.org/presentationml/2006/main">
+  <p:cSld>
+    <p:spTree>
+      <p:nvGrpSpPr>
+        <p:cNvPr id="1" name=""/>
+        <p:cNvGrpSpPr/>
+        <p:nvPr/>
+      </p:nvGrpSpPr>
+      <p:grpSpPr>
+        <a:xfrm>
+          <a:off x="0" y="0"/>
+          <a:ext cx="0" cy="0"/>
+          <a:chOff x="0" y="0"/>
+          <a:chExt cx="0" cy="0"/>
+        </a:xfrm>
+      </p:grpSpPr>
+      <p:sp>
+        <p:nvSpPr>
+          <p:cNvPr id="2" name="Slide Image Placeholder 1"/>
+          <p:cNvSpPr>
+            <a:spLocks noGrp="1" noRot="1" noChangeAspect="1"/>
+          </p:cNvSpPr>
+          <p:nvPr>
+            <p:ph type="sldImg"/>
+          </p:nvPr>
+        </p:nvSpPr>
+        <p:spPr/>
+      </p:sp>
+      <p:sp>
+        <p:nvSpPr>
+          <p:cNvPr id="3" name="Notes Placeholder 2"/>
+          <p:cNvSpPr>
+            <a:spLocks noGrp="1"/>
+          </p:cNvSpPr>
+          <p:nvPr>
+            <p:ph type="body" idx="1"/>
+          </p:nvPr>
+        </p:nvSpPr>
+        <p:spPr/>
+        <p:txBody>
+          <a:bodyPr/>
+          <a:lstStyle/>
+          <a:p>
+            <a:r>
               <a:rPr lang="en-US" dirty="0"/>
               <a:t>The ODF couples the</a:t>
             </a:r>
@@ -1423,7 +1555,7 @@
           <a:p>
             <a:fld id="{84FDC1DB-3CE3-40ED-99EE-197F06FEF5F0}" type="slidenum">
               <a:rPr lang="en-US" smtClean="0"/>
-              <a:t>5</a:t>
+              <a:t>6</a:t>
             </a:fld>
             <a:endParaRPr lang="en-US"/>
           </a:p>
@@ -1433,138 +1565,6 @@
     <p:extLst>
       <p:ext uri="{BB962C8B-B14F-4D97-AF65-F5344CB8AC3E}">
         <p14:creationId xmlns:p14="http://schemas.microsoft.com/office/powerpoint/2010/main" val="4182706408"/>
-      </p:ext>
-    </p:extLst>
-  </p:cSld>
-  <p:clrMapOvr>
-    <a:masterClrMapping/>
-  </p:clrMapOvr>
-</p:notes>
-</file>
-
-<file path=ppt/notesSlides/notesSlide6.xml><?xml version="1.0" encoding="utf-8"?>
-<p:notes xmlns:a="http://schemas.openxmlformats.org/drawingml/2006/main" xmlns:r="http://schemas.openxmlformats.org/officeDocument/2006/relationships" xmlns:p="http://schemas.openxmlformats.org/presentationml/2006/main">
-  <p:cSld>
-    <p:spTree>
-      <p:nvGrpSpPr>
-        <p:cNvPr id="1" name=""/>
-        <p:cNvGrpSpPr/>
-        <p:nvPr/>
-      </p:nvGrpSpPr>
-      <p:grpSpPr>
-        <a:xfrm>
-          <a:off x="0" y="0"/>
-          <a:ext cx="0" cy="0"/>
-          <a:chOff x="0" y="0"/>
-          <a:chExt cx="0" cy="0"/>
-        </a:xfrm>
-      </p:grpSpPr>
-      <p:sp>
-        <p:nvSpPr>
-          <p:cNvPr id="2" name="Slide Image Placeholder 1"/>
-          <p:cNvSpPr>
-            <a:spLocks noGrp="1" noRot="1" noChangeAspect="1"/>
-          </p:cNvSpPr>
-          <p:nvPr>
-            <p:ph type="sldImg"/>
-          </p:nvPr>
-        </p:nvSpPr>
-        <p:spPr/>
-      </p:sp>
-      <p:sp>
-        <p:nvSpPr>
-          <p:cNvPr id="3" name="Notes Placeholder 2"/>
-          <p:cNvSpPr>
-            <a:spLocks noGrp="1"/>
-          </p:cNvSpPr>
-          <p:nvPr>
-            <p:ph type="body" idx="1"/>
-          </p:nvPr>
-        </p:nvSpPr>
-        <p:spPr/>
-        <p:txBody>
-          <a:bodyPr/>
-          <a:lstStyle/>
-          <a:p>
-            <a:r>
-              <a:rPr lang="en-US" sz="1200" kern="1200" dirty="0">
-                <a:solidFill>
-                  <a:schemeClr val="tx1"/>
-                </a:solidFill>
-                <a:effectLst/>
-                <a:latin typeface="+mn-lt"/>
-                <a:ea typeface="+mn-ea"/>
-                <a:cs typeface="+mn-cs"/>
-              </a:rPr>
-              <a:t>measuring spin precession induced by thermal fluctuations with a single pi-pulse sequence (top) and 1 pi-pulse </a:t>
-            </a:r>
-            <a:r>
-              <a:rPr lang="en-US" sz="1200" kern="1200" dirty="0" err="1">
-                <a:solidFill>
-                  <a:schemeClr val="tx1"/>
-                </a:solidFill>
-                <a:effectLst/>
-                <a:latin typeface="+mn-lt"/>
-                <a:ea typeface="+mn-ea"/>
-                <a:cs typeface="+mn-cs"/>
-              </a:rPr>
-              <a:t>comg</a:t>
-            </a:r>
-            <a:r>
-              <a:rPr lang="en-US" sz="1200" kern="1200" dirty="0">
-                <a:solidFill>
-                  <a:schemeClr val="tx1"/>
-                </a:solidFill>
-                <a:effectLst/>
-                <a:latin typeface="+mn-lt"/>
-                <a:ea typeface="+mn-ea"/>
-                <a:cs typeface="+mn-cs"/>
-              </a:rPr>
-              <a:t> (left and lower</a:t>
-            </a:r>
-            <a:r>
-              <a:rPr lang="en-US" sz="1200" kern="1200" baseline="0" dirty="0">
-                <a:solidFill>
-                  <a:schemeClr val="tx1"/>
-                </a:solidFill>
-                <a:effectLst/>
-                <a:latin typeface="+mn-lt"/>
-                <a:ea typeface="+mn-ea"/>
-                <a:cs typeface="+mn-cs"/>
-              </a:rPr>
-              <a:t> center)</a:t>
-            </a:r>
-            <a:endParaRPr lang="en-US" dirty="0"/>
-          </a:p>
-        </p:txBody>
-      </p:sp>
-      <p:sp>
-        <p:nvSpPr>
-          <p:cNvPr id="4" name="Slide Number Placeholder 3"/>
-          <p:cNvSpPr>
-            <a:spLocks noGrp="1"/>
-          </p:cNvSpPr>
-          <p:nvPr>
-            <p:ph type="sldNum" sz="quarter" idx="10"/>
-          </p:nvPr>
-        </p:nvSpPr>
-        <p:spPr/>
-        <p:txBody>
-          <a:bodyPr/>
-          <a:lstStyle/>
-          <a:p>
-            <a:fld id="{84FDC1DB-3CE3-40ED-99EE-197F06FEF5F0}" type="slidenum">
-              <a:rPr lang="en-US" smtClean="0"/>
-              <a:t>6</a:t>
-            </a:fld>
-            <a:endParaRPr lang="en-US"/>
-          </a:p>
-        </p:txBody>
-      </p:sp>
-    </p:spTree>
-    <p:extLst>
-      <p:ext uri="{BB962C8B-B14F-4D97-AF65-F5344CB8AC3E}">
-        <p14:creationId xmlns:p14="http://schemas.microsoft.com/office/powerpoint/2010/main" val="1775857786"/>
       </p:ext>
     </p:extLst>
   </p:cSld>
@@ -2039,7 +2039,7 @@
           <a:p>
             <a:fld id="{317D149D-89B8-4B8F-BE4F-CC07218C76E8}" type="datetimeFigureOut">
               <a:rPr lang="en-US" smtClean="0"/>
-              <a:t>2/9/2017</a:t>
+              <a:t>2/10/2017</a:t>
             </a:fld>
             <a:endParaRPr lang="en-US"/>
           </a:p>
@@ -2207,7 +2207,7 @@
           <a:p>
             <a:fld id="{317D149D-89B8-4B8F-BE4F-CC07218C76E8}" type="datetimeFigureOut">
               <a:rPr lang="en-US" smtClean="0"/>
-              <a:t>2/9/2017</a:t>
+              <a:t>2/10/2017</a:t>
             </a:fld>
             <a:endParaRPr lang="en-US"/>
           </a:p>
@@ -2385,7 +2385,7 @@
           <a:p>
             <a:fld id="{317D149D-89B8-4B8F-BE4F-CC07218C76E8}" type="datetimeFigureOut">
               <a:rPr lang="en-US" smtClean="0"/>
-              <a:t>2/9/2017</a:t>
+              <a:t>2/10/2017</a:t>
             </a:fld>
             <a:endParaRPr lang="en-US"/>
           </a:p>
@@ -2577,7 +2577,7 @@
           <a:p>
             <a:fld id="{94074224-BD1B-EB44-8217-7FF91DDDCB4D}" type="datetimeFigureOut">
               <a:rPr lang="en-US" smtClean="0"/>
-              <a:t>2/9/2017</a:t>
+              <a:t>2/10/2017</a:t>
             </a:fld>
             <a:endParaRPr lang="en-US"/>
           </a:p>
@@ -2747,7 +2747,7 @@
           <a:p>
             <a:fld id="{94074224-BD1B-EB44-8217-7FF91DDDCB4D}" type="datetimeFigureOut">
               <a:rPr lang="en-US" smtClean="0"/>
-              <a:t>2/9/2017</a:t>
+              <a:t>2/10/2017</a:t>
             </a:fld>
             <a:endParaRPr lang="en-US"/>
           </a:p>
@@ -2991,7 +2991,7 @@
           <a:p>
             <a:fld id="{94074224-BD1B-EB44-8217-7FF91DDDCB4D}" type="datetimeFigureOut">
               <a:rPr lang="en-US" smtClean="0"/>
-              <a:t>2/9/2017</a:t>
+              <a:t>2/10/2017</a:t>
             </a:fld>
             <a:endParaRPr lang="en-US"/>
           </a:p>
@@ -3223,7 +3223,7 @@
           <a:p>
             <a:fld id="{94074224-BD1B-EB44-8217-7FF91DDDCB4D}" type="datetimeFigureOut">
               <a:rPr lang="en-US" smtClean="0"/>
-              <a:t>2/9/2017</a:t>
+              <a:t>2/10/2017</a:t>
             </a:fld>
             <a:endParaRPr lang="en-US"/>
           </a:p>
@@ -3590,7 +3590,7 @@
           <a:p>
             <a:fld id="{94074224-BD1B-EB44-8217-7FF91DDDCB4D}" type="datetimeFigureOut">
               <a:rPr lang="en-US" smtClean="0"/>
-              <a:t>2/9/2017</a:t>
+              <a:t>2/10/2017</a:t>
             </a:fld>
             <a:endParaRPr lang="en-US"/>
           </a:p>
@@ -3708,7 +3708,7 @@
           <a:p>
             <a:fld id="{94074224-BD1B-EB44-8217-7FF91DDDCB4D}" type="datetimeFigureOut">
               <a:rPr lang="en-US" smtClean="0"/>
-              <a:t>2/9/2017</a:t>
+              <a:t>2/10/2017</a:t>
             </a:fld>
             <a:endParaRPr lang="en-US"/>
           </a:p>
@@ -3803,7 +3803,7 @@
           <a:p>
             <a:fld id="{94074224-BD1B-EB44-8217-7FF91DDDCB4D}" type="datetimeFigureOut">
               <a:rPr lang="en-US" smtClean="0"/>
-              <a:t>2/9/2017</a:t>
+              <a:t>2/10/2017</a:t>
             </a:fld>
             <a:endParaRPr lang="en-US"/>
           </a:p>
@@ -4080,7 +4080,7 @@
           <a:p>
             <a:fld id="{94074224-BD1B-EB44-8217-7FF91DDDCB4D}" type="datetimeFigureOut">
               <a:rPr lang="en-US" smtClean="0"/>
-              <a:t>2/9/2017</a:t>
+              <a:t>2/10/2017</a:t>
             </a:fld>
             <a:endParaRPr lang="en-US"/>
           </a:p>
@@ -4248,7 +4248,7 @@
           <a:p>
             <a:fld id="{317D149D-89B8-4B8F-BE4F-CC07218C76E8}" type="datetimeFigureOut">
               <a:rPr lang="en-US" smtClean="0"/>
-              <a:t>2/9/2017</a:t>
+              <a:t>2/10/2017</a:t>
             </a:fld>
             <a:endParaRPr lang="en-US"/>
           </a:p>
@@ -4505,7 +4505,7 @@
           <a:p>
             <a:fld id="{94074224-BD1B-EB44-8217-7FF91DDDCB4D}" type="datetimeFigureOut">
               <a:rPr lang="en-US" smtClean="0"/>
-              <a:t>2/9/2017</a:t>
+              <a:t>2/10/2017</a:t>
             </a:fld>
             <a:endParaRPr lang="en-US"/>
           </a:p>
@@ -4675,7 +4675,7 @@
           <a:p>
             <a:fld id="{94074224-BD1B-EB44-8217-7FF91DDDCB4D}" type="datetimeFigureOut">
               <a:rPr lang="en-US" smtClean="0"/>
-              <a:t>2/9/2017</a:t>
+              <a:t>2/10/2017</a:t>
             </a:fld>
             <a:endParaRPr lang="en-US"/>
           </a:p>
@@ -4855,7 +4855,7 @@
           <a:p>
             <a:fld id="{94074224-BD1B-EB44-8217-7FF91DDDCB4D}" type="datetimeFigureOut">
               <a:rPr lang="en-US" smtClean="0"/>
-              <a:t>2/9/2017</a:t>
+              <a:t>2/10/2017</a:t>
             </a:fld>
             <a:endParaRPr lang="en-US"/>
           </a:p>
@@ -5100,7 +5100,7 @@
           <a:p>
             <a:fld id="{317D149D-89B8-4B8F-BE4F-CC07218C76E8}" type="datetimeFigureOut">
               <a:rPr lang="en-US" smtClean="0"/>
-              <a:t>2/9/2017</a:t>
+              <a:t>2/10/2017</a:t>
             </a:fld>
             <a:endParaRPr lang="en-US"/>
           </a:p>
@@ -5329,7 +5329,7 @@
           <a:p>
             <a:fld id="{317D149D-89B8-4B8F-BE4F-CC07218C76E8}" type="datetimeFigureOut">
               <a:rPr lang="en-US" smtClean="0"/>
-              <a:t>2/9/2017</a:t>
+              <a:t>2/10/2017</a:t>
             </a:fld>
             <a:endParaRPr lang="en-US"/>
           </a:p>
@@ -5693,7 +5693,7 @@
           <a:p>
             <a:fld id="{317D149D-89B8-4B8F-BE4F-CC07218C76E8}" type="datetimeFigureOut">
               <a:rPr lang="en-US" smtClean="0"/>
-              <a:t>2/9/2017</a:t>
+              <a:t>2/10/2017</a:t>
             </a:fld>
             <a:endParaRPr lang="en-US"/>
           </a:p>
@@ -5810,7 +5810,7 @@
           <a:p>
             <a:fld id="{317D149D-89B8-4B8F-BE4F-CC07218C76E8}" type="datetimeFigureOut">
               <a:rPr lang="en-US" smtClean="0"/>
-              <a:t>2/9/2017</a:t>
+              <a:t>2/10/2017</a:t>
             </a:fld>
             <a:endParaRPr lang="en-US"/>
           </a:p>
@@ -5905,7 +5905,7 @@
           <a:p>
             <a:fld id="{317D149D-89B8-4B8F-BE4F-CC07218C76E8}" type="datetimeFigureOut">
               <a:rPr lang="en-US" smtClean="0"/>
-              <a:t>2/9/2017</a:t>
+              <a:t>2/10/2017</a:t>
             </a:fld>
             <a:endParaRPr lang="en-US"/>
           </a:p>
@@ -6180,7 +6180,7 @@
           <a:p>
             <a:fld id="{317D149D-89B8-4B8F-BE4F-CC07218C76E8}" type="datetimeFigureOut">
               <a:rPr lang="en-US" smtClean="0"/>
-              <a:t>2/9/2017</a:t>
+              <a:t>2/10/2017</a:t>
             </a:fld>
             <a:endParaRPr lang="en-US"/>
           </a:p>
@@ -6432,7 +6432,7 @@
           <a:p>
             <a:fld id="{317D149D-89B8-4B8F-BE4F-CC07218C76E8}" type="datetimeFigureOut">
               <a:rPr lang="en-US" smtClean="0"/>
-              <a:t>2/9/2017</a:t>
+              <a:t>2/10/2017</a:t>
             </a:fld>
             <a:endParaRPr lang="en-US"/>
           </a:p>
@@ -6643,7 +6643,7 @@
           <a:p>
             <a:fld id="{317D149D-89B8-4B8F-BE4F-CC07218C76E8}" type="datetimeFigureOut">
               <a:rPr lang="en-US" smtClean="0"/>
-              <a:t>2/9/2017</a:t>
+              <a:t>2/10/2017</a:t>
             </a:fld>
             <a:endParaRPr lang="en-US"/>
           </a:p>
@@ -7183,7 +7183,7 @@
           <a:p>
             <a:fld id="{94074224-BD1B-EB44-8217-7FF91DDDCB4D}" type="datetimeFigureOut">
               <a:rPr lang="en-US" smtClean="0"/>
-              <a:t>2/9/2017</a:t>
+              <a:t>2/10/2017</a:t>
             </a:fld>
             <a:endParaRPr lang="en-US"/>
           </a:p>
@@ -10775,8 +10775,8 @@
           </a:fontRef>
         </p:style>
       </p:cxnSp>
-      <mc:AlternateContent xmlns:mc="http://schemas.openxmlformats.org/markup-compatibility/2006">
-        <mc:Choice xmlns:a14="http://schemas.microsoft.com/office/drawing/2010/main" Requires="a14">
+      <mc:AlternateContent xmlns:mc="http://schemas.openxmlformats.org/markup-compatibility/2006" xmlns:a14="http://schemas.microsoft.com/office/drawing/2010/main">
+        <mc:Choice Requires="a14">
           <p:sp>
             <p:nvSpPr>
               <p:cNvPr id="33" name="TextBox 32"/>
@@ -10819,7 +10819,7 @@
             </p:txBody>
           </p:sp>
         </mc:Choice>
-        <mc:Fallback>
+        <mc:Fallback xmlns="">
           <p:sp>
             <p:nvSpPr>
               <p:cNvPr id="33" name="TextBox 32"/>
@@ -16712,8 +16712,8 @@
           </a:p>
         </p:txBody>
       </p:sp>
-      <mc:AlternateContent xmlns:mc="http://schemas.openxmlformats.org/markup-compatibility/2006">
-        <mc:Choice xmlns:a14="http://schemas.microsoft.com/office/drawing/2010/main" Requires="a14">
+      <mc:AlternateContent xmlns:mc="http://schemas.openxmlformats.org/markup-compatibility/2006" xmlns:a14="http://schemas.microsoft.com/office/drawing/2010/main">
+        <mc:Choice Requires="a14">
           <p:sp>
             <p:nvSpPr>
               <p:cNvPr id="3" name="Content Placeholder 2"/>
@@ -16809,7 +16809,7 @@
             </p:txBody>
           </p:sp>
         </mc:Choice>
-        <mc:Fallback>
+        <mc:Fallback xmlns="">
           <p:sp>
             <p:nvSpPr>
               <p:cNvPr id="3" name="Content Placeholder 2"/>
@@ -18674,143 +18674,6 @@
           </p:sp>
         </mc:Fallback>
       </mc:AlternateContent>
-      <mc:AlternateContent xmlns:mc="http://schemas.openxmlformats.org/markup-compatibility/2006" xmlns:a14="http://schemas.microsoft.com/office/drawing/2010/main">
-        <mc:Choice Requires="a14">
-          <p:sp>
-            <p:nvSpPr>
-              <p:cNvPr id="8" name="TextBox 7"/>
-              <p:cNvSpPr txBox="1"/>
-              <p:nvPr/>
-            </p:nvSpPr>
-            <p:spPr>
-              <a:xfrm>
-                <a:off x="1035220" y="5037516"/>
-                <a:ext cx="4823441" cy="1200329"/>
-              </a:xfrm>
-              <a:prstGeom prst="rect">
-                <a:avLst/>
-              </a:prstGeom>
-              <a:noFill/>
-            </p:spPr>
-            <p:txBody>
-              <a:bodyPr wrap="square" rtlCol="0">
-                <a:spAutoFit/>
-              </a:bodyPr>
-              <a:lstStyle/>
-              <a:p>
-                <a:pPr algn="ctr"/>
-                <a:r>
-                  <a:rPr lang="en-US" sz="2400" dirty="0"/>
-                  <a:t>Equivalent vacuum </a:t>
-                </a:r>
-                <a:r>
-                  <a:rPr lang="en-US" sz="2400" dirty="0" err="1"/>
-                  <a:t>optomechanical</a:t>
-                </a:r>
-                <a:r>
-                  <a:rPr lang="en-US" sz="2400" dirty="0"/>
-                  <a:t> coupling strength: </a:t>
-                </a:r>
-                <a14:m>
-                  <m:oMath xmlns:m="http://schemas.openxmlformats.org/officeDocument/2006/math">
-                    <m:r>
-                      <m:rPr>
-                        <m:sty m:val="p"/>
-                      </m:rPr>
-                      <a:rPr lang="en-US" sz="2400">
-                        <a:latin typeface="Cambria Math" panose="02040503050406030204" pitchFamily="18" charset="0"/>
-                        <a:ea typeface="Cambria Math" panose="02040503050406030204" pitchFamily="18" charset="0"/>
-                      </a:rPr>
-                      <m:t>Δ</m:t>
-                    </m:r>
-                  </m:oMath>
-                </a14:m>
-                <a:r>
-                  <a:rPr lang="en-US" sz="2400" dirty="0"/>
-                  <a:t>(2 nm) = 710 </a:t>
-                </a:r>
-                <a14:m>
-                  <m:oMath xmlns:m="http://schemas.openxmlformats.org/officeDocument/2006/math">
-                    <m:sSup>
-                      <m:sSupPr>
-                        <m:ctrlPr>
-                          <a:rPr lang="en-US" sz="2400" b="0" i="1" smtClean="0">
-                            <a:latin typeface="Cambria Math" panose="02040503050406030204" pitchFamily="18" charset="0"/>
-                          </a:rPr>
-                        </m:ctrlPr>
-                      </m:sSupPr>
-                      <m:e>
-                        <m:r>
-                          <m:rPr>
-                            <m:sty m:val="p"/>
-                          </m:rPr>
-                          <a:rPr lang="en-US" sz="2400" b="0" i="0" smtClean="0">
-                            <a:latin typeface="Cambria Math" panose="02040503050406030204" pitchFamily="18" charset="0"/>
-                          </a:rPr>
-                          <m:t>s</m:t>
-                        </m:r>
-                      </m:e>
-                      <m:sup>
-                        <m:r>
-                          <a:rPr lang="en-US" sz="2400" b="0" i="0" smtClean="0">
-                            <a:latin typeface="Cambria Math" panose="02040503050406030204" pitchFamily="18" charset="0"/>
-                          </a:rPr>
-                          <m:t>−1</m:t>
-                        </m:r>
-                      </m:sup>
-                    </m:sSup>
-                  </m:oMath>
-                </a14:m>
-                <a:r>
-                  <a:rPr lang="en-US" sz="2400" dirty="0"/>
-                  <a:t> </a:t>
-                </a:r>
-              </a:p>
-              <a:p>
-                <a:endParaRPr lang="en-US" sz="2400" dirty="0"/>
-              </a:p>
-            </p:txBody>
-          </p:sp>
-        </mc:Choice>
-        <mc:Fallback xmlns="">
-          <p:sp>
-            <p:nvSpPr>
-              <p:cNvPr id="8" name="TextBox 7"/>
-              <p:cNvSpPr txBox="1">
-                <a:spLocks noRot="1" noChangeAspect="1" noMove="1" noResize="1" noEditPoints="1" noAdjustHandles="1" noChangeArrowheads="1" noChangeShapeType="1" noTextEdit="1"/>
-              </p:cNvSpPr>
-              <p:nvPr/>
-            </p:nvSpPr>
-            <p:spPr>
-              <a:xfrm>
-                <a:off x="1035220" y="5037516"/>
-                <a:ext cx="4823441" cy="1200329"/>
-              </a:xfrm>
-              <a:prstGeom prst="rect">
-                <a:avLst/>
-              </a:prstGeom>
-              <a:blipFill>
-                <a:blip r:embed="rId11"/>
-                <a:stretch>
-                  <a:fillRect l="-1138" t="-4061"/>
-                </a:stretch>
-              </a:blipFill>
-            </p:spPr>
-            <p:txBody>
-              <a:bodyPr/>
-              <a:lstStyle/>
-              <a:p>
-                <a:r>
-                  <a:rPr lang="en-US">
-                    <a:noFill/>
-                  </a:rPr>
-                  <a:t> </a:t>
-                </a:r>
-              </a:p>
-            </p:txBody>
-          </p:sp>
-        </mc:Fallback>
-      </mc:AlternateContent>
       <p:grpSp>
         <p:nvGrpSpPr>
           <p:cNvPr id="44" name="Group 43"/>
@@ -18819,7 +18682,7 @@
         </p:nvGrpSpPr>
         <p:grpSpPr>
           <a:xfrm>
-            <a:off x="115915" y="3524273"/>
+            <a:off x="308932" y="3905495"/>
             <a:ext cx="6480150" cy="1077464"/>
             <a:chOff x="2549230" y="2894372"/>
             <a:chExt cx="6480150" cy="1077464"/>
@@ -18892,8 +18755,8 @@
             </a:p>
           </p:txBody>
         </p:sp>
-        <mc:AlternateContent xmlns:mc="http://schemas.openxmlformats.org/markup-compatibility/2006">
-          <mc:Choice xmlns:a14="http://schemas.microsoft.com/office/drawing/2010/main" Requires="a14">
+        <mc:AlternateContent xmlns:mc="http://schemas.openxmlformats.org/markup-compatibility/2006" xmlns:a14="http://schemas.microsoft.com/office/drawing/2010/main">
+          <mc:Choice Requires="a14">
             <p:sp>
               <p:nvSpPr>
                 <p:cNvPr id="12" name="TextBox 11"/>
@@ -19257,7 +19120,7 @@
               </p:txBody>
             </p:sp>
           </mc:Choice>
-          <mc:Fallback>
+          <mc:Fallback xmlns="">
             <p:sp>
               <p:nvSpPr>
                 <p:cNvPr id="12" name="TextBox 11"/>
@@ -22906,1705 +22769,6 @@
           <a:chExt cx="0" cy="0"/>
         </a:xfrm>
       </p:grpSpPr>
-      <p:sp>
-        <p:nvSpPr>
-          <p:cNvPr id="2" name="Title 1"/>
-          <p:cNvSpPr>
-            <a:spLocks noGrp="1"/>
-          </p:cNvSpPr>
-          <p:nvPr>
-            <p:ph type="title"/>
-          </p:nvPr>
-        </p:nvSpPr>
-        <p:spPr>
-          <a:xfrm>
-            <a:off x="628475" y="184151"/>
-            <a:ext cx="10515600" cy="763806"/>
-          </a:xfrm>
-        </p:spPr>
-        <p:txBody>
-          <a:bodyPr/>
-          <a:lstStyle/>
-          <a:p>
-            <a:r>
-              <a:rPr lang="en-US" dirty="0"/>
-              <a:t>Canceling low frequency oscillations</a:t>
-            </a:r>
-          </a:p>
-        </p:txBody>
-      </p:sp>
-      <mc:AlternateContent xmlns:mc="http://schemas.openxmlformats.org/markup-compatibility/2006" xmlns:a14="http://schemas.microsoft.com/office/drawing/2010/main">
-        <mc:Choice Requires="a14">
-          <p:sp>
-            <p:nvSpPr>
-              <p:cNvPr id="3" name="Content Placeholder 2"/>
-              <p:cNvSpPr>
-                <a:spLocks noGrp="1"/>
-              </p:cNvSpPr>
-              <p:nvPr>
-                <p:ph idx="1"/>
-              </p:nvPr>
-            </p:nvSpPr>
-            <p:spPr>
-              <a:xfrm>
-                <a:off x="838199" y="1419226"/>
-                <a:ext cx="10780643" cy="3116915"/>
-              </a:xfrm>
-            </p:spPr>
-            <p:txBody>
-              <a:bodyPr>
-                <a:noAutofit/>
-              </a:bodyPr>
-              <a:lstStyle/>
-              <a:p>
-                <a:pPr marL="0" indent="0">
-                  <a:buNone/>
-                </a:pPr>
-                <a14:m>
-                  <m:oMathPara xmlns:m="http://schemas.openxmlformats.org/officeDocument/2006/math">
-                    <m:oMathParaPr>
-                      <m:jc m:val="left"/>
-                    </m:oMathParaPr>
-                    <m:oMath xmlns:m="http://schemas.openxmlformats.org/officeDocument/2006/math">
-                      <m:sSub>
-                        <m:sSubPr>
-                          <m:ctrlPr>
-                            <a:rPr lang="en-US" sz="2400" i="1" smtClean="0">
-                              <a:latin typeface="Cambria Math" panose="02040503050406030204" pitchFamily="18" charset="0"/>
-                              <a:ea typeface="Cambria Math" panose="02040503050406030204" pitchFamily="18" charset="0"/>
-                            </a:rPr>
-                          </m:ctrlPr>
-                        </m:sSubPr>
-                        <m:e>
-                          <m:r>
-                            <a:rPr lang="en-US" sz="2400" b="0" i="1" smtClean="0">
-                              <a:latin typeface="Cambria Math" panose="02040503050406030204" pitchFamily="18" charset="0"/>
-                              <a:ea typeface="Cambria Math" panose="02040503050406030204" pitchFamily="18" charset="0"/>
-                            </a:rPr>
-                            <m:t>𝐻</m:t>
-                          </m:r>
-                        </m:e>
-                        <m:sub>
-                          <m:r>
-                            <a:rPr lang="en-US" sz="2400" b="0" i="1" smtClean="0">
-                              <a:latin typeface="Cambria Math" panose="02040503050406030204" pitchFamily="18" charset="0"/>
-                              <a:ea typeface="Cambria Math" panose="02040503050406030204" pitchFamily="18" charset="0"/>
-                            </a:rPr>
-                            <m:t>𝑂𝐷𝐹</m:t>
-                          </m:r>
-                        </m:sub>
-                      </m:sSub>
-                      <m:r>
-                        <a:rPr lang="en-US" sz="2400" b="0" i="1" smtClean="0">
-                          <a:latin typeface="Cambria Math" panose="02040503050406030204" pitchFamily="18" charset="0"/>
-                          <a:ea typeface="Cambria Math" panose="02040503050406030204" pitchFamily="18" charset="0"/>
-                        </a:rPr>
-                        <m:t>=</m:t>
-                      </m:r>
-                      <m:r>
-                        <a:rPr lang="en-US" sz="2400" b="0" i="1" smtClean="0">
-                          <a:latin typeface="Cambria Math" panose="02040503050406030204" pitchFamily="18" charset="0"/>
-                          <a:ea typeface="Cambria Math" panose="02040503050406030204" pitchFamily="18" charset="0"/>
-                        </a:rPr>
-                        <m:t>𝑈</m:t>
-                      </m:r>
-                      <m:nary>
-                        <m:naryPr>
-                          <m:chr m:val="∑"/>
-                          <m:supHide m:val="on"/>
-                          <m:ctrlPr>
-                            <a:rPr lang="en-US" sz="2400" b="0" i="1" smtClean="0">
-                              <a:latin typeface="Cambria Math" panose="02040503050406030204" pitchFamily="18" charset="0"/>
-                              <a:ea typeface="Cambria Math" panose="02040503050406030204" pitchFamily="18" charset="0"/>
-                            </a:rPr>
-                          </m:ctrlPr>
-                        </m:naryPr>
-                        <m:sub>
-                          <m:r>
-                            <m:rPr>
-                              <m:brk m:alnAt="7"/>
-                            </m:rPr>
-                            <a:rPr lang="en-US" sz="2400" b="0" i="1" smtClean="0">
-                              <a:latin typeface="Cambria Math" panose="02040503050406030204" pitchFamily="18" charset="0"/>
-                              <a:ea typeface="Cambria Math" panose="02040503050406030204" pitchFamily="18" charset="0"/>
-                            </a:rPr>
-                            <m:t>𝑖</m:t>
-                          </m:r>
-                        </m:sub>
-                        <m:sup/>
-                        <m:e>
-                          <m:func>
-                            <m:funcPr>
-                              <m:ctrlPr>
-                                <a:rPr lang="en-US" sz="2400" b="0" i="1" smtClean="0">
-                                  <a:latin typeface="Cambria Math" panose="02040503050406030204" pitchFamily="18" charset="0"/>
-                                  <a:ea typeface="Cambria Math" panose="02040503050406030204" pitchFamily="18" charset="0"/>
-                                </a:rPr>
-                              </m:ctrlPr>
-                            </m:funcPr>
-                            <m:fName>
-                              <m:r>
-                                <m:rPr>
-                                  <m:sty m:val="p"/>
-                                </m:rPr>
-                                <a:rPr lang="en-US" sz="2400" b="0" i="0" smtClean="0">
-                                  <a:latin typeface="Cambria Math" panose="02040503050406030204" pitchFamily="18" charset="0"/>
-                                  <a:ea typeface="Cambria Math" panose="02040503050406030204" pitchFamily="18" charset="0"/>
-                                </a:rPr>
-                                <m:t>sin</m:t>
-                              </m:r>
-                            </m:fName>
-                            <m:e>
-                              <m:d>
-                                <m:dPr>
-                                  <m:begChr m:val="["/>
-                                  <m:endChr m:val="]"/>
-                                  <m:ctrlPr>
-                                    <a:rPr lang="en-US" sz="2400" i="1">
-                                      <a:latin typeface="Cambria Math" panose="02040503050406030204" pitchFamily="18" charset="0"/>
-                                      <a:ea typeface="Cambria Math" panose="02040503050406030204" pitchFamily="18" charset="0"/>
-                                    </a:rPr>
-                                  </m:ctrlPr>
-                                </m:dPr>
-                                <m:e>
-                                  <m:r>
-                                    <a:rPr lang="en-US" sz="2400" i="1">
-                                      <a:latin typeface="Cambria Math" panose="02040503050406030204" pitchFamily="18" charset="0"/>
-                                      <a:ea typeface="Cambria Math" panose="02040503050406030204" pitchFamily="18" charset="0"/>
-                                    </a:rPr>
-                                    <m:t>𝛿</m:t>
-                                  </m:r>
-                                  <m:r>
-                                    <a:rPr lang="en-US" sz="2400" i="1">
-                                      <a:latin typeface="Cambria Math" panose="02040503050406030204" pitchFamily="18" charset="0"/>
-                                      <a:ea typeface="Cambria Math" panose="02040503050406030204" pitchFamily="18" charset="0"/>
-                                    </a:rPr>
-                                    <m:t>𝑘</m:t>
-                                  </m:r>
-                                  <m:r>
-                                    <a:rPr lang="en-US" sz="2400" i="1">
-                                      <a:latin typeface="Cambria Math" panose="02040503050406030204" pitchFamily="18" charset="0"/>
-                                      <a:ea typeface="Cambria Math" panose="02040503050406030204" pitchFamily="18" charset="0"/>
-                                    </a:rPr>
-                                    <m:t>∙</m:t>
-                                  </m:r>
-                                  <m:sSub>
-                                    <m:sSubPr>
-                                      <m:ctrlPr>
-                                        <a:rPr lang="en-US" sz="2400" i="1">
-                                          <a:latin typeface="Cambria Math" panose="02040503050406030204" pitchFamily="18" charset="0"/>
-                                        </a:rPr>
-                                      </m:ctrlPr>
-                                    </m:sSubPr>
-                                    <m:e>
-                                      <m:acc>
-                                        <m:accPr>
-                                          <m:chr m:val="̂"/>
-                                          <m:ctrlPr>
-                                            <a:rPr lang="en-US" sz="2400" i="1">
-                                              <a:latin typeface="Cambria Math" panose="02040503050406030204" pitchFamily="18" charset="0"/>
-                                            </a:rPr>
-                                          </m:ctrlPr>
-                                        </m:accPr>
-                                        <m:e>
-                                          <m:r>
-                                            <a:rPr lang="en-US" sz="2400" i="1">
-                                              <a:latin typeface="Cambria Math" panose="02040503050406030204" pitchFamily="18" charset="0"/>
-                                            </a:rPr>
-                                            <m:t>𝑧</m:t>
-                                          </m:r>
-                                        </m:e>
-                                      </m:acc>
-                                    </m:e>
-                                    <m:sub>
-                                      <m:r>
-                                        <a:rPr lang="en-US" sz="2400" i="1">
-                                          <a:latin typeface="Cambria Math" panose="02040503050406030204" pitchFamily="18" charset="0"/>
-                                        </a:rPr>
-                                        <m:t>𝑖</m:t>
-                                      </m:r>
-                                    </m:sub>
-                                  </m:sSub>
-                                  <m:r>
-                                    <a:rPr lang="en-US" sz="2400" i="1">
-                                      <a:latin typeface="Cambria Math" panose="02040503050406030204" pitchFamily="18" charset="0"/>
-                                      <a:ea typeface="Cambria Math" panose="02040503050406030204" pitchFamily="18" charset="0"/>
-                                    </a:rPr>
-                                    <m:t>−</m:t>
-                                  </m:r>
-                                  <m:r>
-                                    <a:rPr lang="en-US" sz="2400" i="1">
-                                      <a:latin typeface="Cambria Math" panose="02040503050406030204" pitchFamily="18" charset="0"/>
-                                      <a:ea typeface="Cambria Math" panose="02040503050406030204" pitchFamily="18" charset="0"/>
-                                    </a:rPr>
-                                    <m:t>𝜇</m:t>
-                                  </m:r>
-                                  <m:r>
-                                    <a:rPr lang="en-US" sz="2400" i="1">
-                                      <a:latin typeface="Cambria Math" panose="02040503050406030204" pitchFamily="18" charset="0"/>
-                                      <a:ea typeface="Cambria Math" panose="02040503050406030204" pitchFamily="18" charset="0"/>
-                                    </a:rPr>
-                                    <m:t>𝑡</m:t>
-                                  </m:r>
-                                </m:e>
-                              </m:d>
-                            </m:e>
-                          </m:func>
-                          <m:sSubSup>
-                            <m:sSubSupPr>
-                              <m:ctrlPr>
-                                <a:rPr lang="en-US" sz="2400" i="1">
-                                  <a:latin typeface="Cambria Math" panose="02040503050406030204" pitchFamily="18" charset="0"/>
-                                </a:rPr>
-                              </m:ctrlPr>
-                            </m:sSubSupPr>
-                            <m:e>
-                              <m:acc>
-                                <m:accPr>
-                                  <m:chr m:val="̂"/>
-                                  <m:ctrlPr>
-                                    <a:rPr lang="en-US" sz="2400" i="1">
-                                      <a:latin typeface="Cambria Math" panose="02040503050406030204" pitchFamily="18" charset="0"/>
-                                    </a:rPr>
-                                  </m:ctrlPr>
-                                </m:accPr>
-                                <m:e>
-                                  <m:r>
-                                    <a:rPr lang="en-US" sz="2400" i="1">
-                                      <a:latin typeface="Cambria Math" panose="02040503050406030204" pitchFamily="18" charset="0"/>
-                                    </a:rPr>
-                                    <m:t>𝜎</m:t>
-                                  </m:r>
-                                </m:e>
-                              </m:acc>
-                            </m:e>
-                            <m:sub>
-                              <m:r>
-                                <a:rPr lang="en-US" sz="2400" i="1">
-                                  <a:latin typeface="Cambria Math" panose="02040503050406030204" pitchFamily="18" charset="0"/>
-                                </a:rPr>
-                                <m:t>𝑖</m:t>
-                              </m:r>
-                            </m:sub>
-                            <m:sup>
-                              <m:r>
-                                <a:rPr lang="en-US" sz="2400" i="1">
-                                  <a:latin typeface="Cambria Math" panose="02040503050406030204" pitchFamily="18" charset="0"/>
-                                </a:rPr>
-                                <m:t>𝑧</m:t>
-                              </m:r>
-                            </m:sup>
-                          </m:sSubSup>
-                        </m:e>
-                      </m:nary>
-                    </m:oMath>
-                  </m:oMathPara>
-                </a14:m>
-                <a:endParaRPr lang="en-US" sz="2400" b="0" i="1" dirty="0">
-                  <a:latin typeface="Cambria Math" panose="02040503050406030204" pitchFamily="18" charset="0"/>
-                  <a:ea typeface="Cambria Math" panose="02040503050406030204" pitchFamily="18" charset="0"/>
-                </a:endParaRPr>
-              </a:p>
-              <a:p>
-                <a:pPr marL="0" indent="0">
-                  <a:buNone/>
-                </a:pPr>
-                <a14:m>
-                  <m:oMathPara xmlns:m="http://schemas.openxmlformats.org/officeDocument/2006/math">
-                    <m:oMathParaPr>
-                      <m:jc m:val="left"/>
-                    </m:oMathParaPr>
-                    <m:oMath xmlns:m="http://schemas.openxmlformats.org/officeDocument/2006/math">
-                      <m:r>
-                        <a:rPr lang="en-US" sz="2400" b="0" i="1" smtClean="0">
-                          <a:latin typeface="Cambria Math" panose="02040503050406030204" pitchFamily="18" charset="0"/>
-                          <a:ea typeface="Cambria Math" panose="02040503050406030204" pitchFamily="18" charset="0"/>
-                        </a:rPr>
-                        <m:t>           </m:t>
-                      </m:r>
-                      <m:r>
-                        <a:rPr lang="en-US" sz="2400" i="1">
-                          <a:latin typeface="Cambria Math" panose="02040503050406030204" pitchFamily="18" charset="0"/>
-                          <a:ea typeface="Cambria Math" panose="02040503050406030204" pitchFamily="18" charset="0"/>
-                        </a:rPr>
-                        <m:t>= </m:t>
-                      </m:r>
-                      <m:r>
-                        <a:rPr lang="en-US" sz="2400" i="1">
-                          <a:latin typeface="Cambria Math" panose="02040503050406030204" pitchFamily="18" charset="0"/>
-                          <a:ea typeface="Cambria Math" panose="02040503050406030204" pitchFamily="18" charset="0"/>
-                        </a:rPr>
-                        <m:t>𝑈</m:t>
-                      </m:r>
-                      <m:nary>
-                        <m:naryPr>
-                          <m:chr m:val="∑"/>
-                          <m:supHide m:val="on"/>
-                          <m:ctrlPr>
-                            <a:rPr lang="en-US" sz="2400" i="1">
-                              <a:latin typeface="Cambria Math" panose="02040503050406030204" pitchFamily="18" charset="0"/>
-                              <a:ea typeface="Cambria Math" panose="02040503050406030204" pitchFamily="18" charset="0"/>
-                            </a:rPr>
-                          </m:ctrlPr>
-                        </m:naryPr>
-                        <m:sub>
-                          <m:r>
-                            <m:rPr>
-                              <m:brk m:alnAt="7"/>
-                            </m:rPr>
-                            <a:rPr lang="en-US" sz="2400" i="1">
-                              <a:latin typeface="Cambria Math" panose="02040503050406030204" pitchFamily="18" charset="0"/>
-                              <a:ea typeface="Cambria Math" panose="02040503050406030204" pitchFamily="18" charset="0"/>
-                            </a:rPr>
-                            <m:t>𝑖</m:t>
-                          </m:r>
-                        </m:sub>
-                        <m:sup/>
-                        <m:e>
-                          <m:func>
-                            <m:funcPr>
-                              <m:ctrlPr>
-                                <a:rPr lang="en-US" sz="2400" i="1">
-                                  <a:latin typeface="Cambria Math" panose="02040503050406030204" pitchFamily="18" charset="0"/>
-                                  <a:ea typeface="Cambria Math" panose="02040503050406030204" pitchFamily="18" charset="0"/>
-                                </a:rPr>
-                              </m:ctrlPr>
-                            </m:funcPr>
-                            <m:fName>
-                              <m:r>
-                                <m:rPr>
-                                  <m:sty m:val="p"/>
-                                </m:rPr>
-                                <a:rPr lang="en-US" sz="2400">
-                                  <a:latin typeface="Cambria Math" panose="02040503050406030204" pitchFamily="18" charset="0"/>
-                                  <a:ea typeface="Cambria Math" panose="02040503050406030204" pitchFamily="18" charset="0"/>
-                                </a:rPr>
-                                <m:t>sin</m:t>
-                              </m:r>
-                            </m:fName>
-                            <m:e>
-                              <m:d>
-                                <m:dPr>
-                                  <m:ctrlPr>
-                                    <a:rPr lang="en-US" sz="2400" i="1">
-                                      <a:latin typeface="Cambria Math" panose="02040503050406030204" pitchFamily="18" charset="0"/>
-                                      <a:ea typeface="Cambria Math" panose="02040503050406030204" pitchFamily="18" charset="0"/>
-                                    </a:rPr>
-                                  </m:ctrlPr>
-                                </m:dPr>
-                                <m:e>
-                                  <m:r>
-                                    <a:rPr lang="en-US" sz="2400" i="1">
-                                      <a:latin typeface="Cambria Math" panose="02040503050406030204" pitchFamily="18" charset="0"/>
-                                      <a:ea typeface="Cambria Math" panose="02040503050406030204" pitchFamily="18" charset="0"/>
-                                    </a:rPr>
-                                    <m:t>𝛿</m:t>
-                                  </m:r>
-                                  <m:r>
-                                    <a:rPr lang="en-US" sz="2400" i="1">
-                                      <a:latin typeface="Cambria Math" panose="02040503050406030204" pitchFamily="18" charset="0"/>
-                                      <a:ea typeface="Cambria Math" panose="02040503050406030204" pitchFamily="18" charset="0"/>
-                                    </a:rPr>
-                                    <m:t>𝑘</m:t>
-                                  </m:r>
-                                  <m:r>
-                                    <a:rPr lang="en-US" sz="2400" i="1">
-                                      <a:latin typeface="Cambria Math" panose="02040503050406030204" pitchFamily="18" charset="0"/>
-                                      <a:ea typeface="Cambria Math" panose="02040503050406030204" pitchFamily="18" charset="0"/>
-                                    </a:rPr>
-                                    <m:t>∙</m:t>
-                                  </m:r>
-                                  <m:sSub>
-                                    <m:sSubPr>
-                                      <m:ctrlPr>
-                                        <a:rPr lang="en-US" sz="2400" i="1">
-                                          <a:latin typeface="Cambria Math" panose="02040503050406030204" pitchFamily="18" charset="0"/>
-                                        </a:rPr>
-                                      </m:ctrlPr>
-                                    </m:sSubPr>
-                                    <m:e>
-                                      <m:acc>
-                                        <m:accPr>
-                                          <m:chr m:val="̂"/>
-                                          <m:ctrlPr>
-                                            <a:rPr lang="en-US" sz="2400" i="1">
-                                              <a:latin typeface="Cambria Math" panose="02040503050406030204" pitchFamily="18" charset="0"/>
-                                            </a:rPr>
-                                          </m:ctrlPr>
-                                        </m:accPr>
-                                        <m:e>
-                                          <m:r>
-                                            <a:rPr lang="en-US" sz="2400" i="1">
-                                              <a:latin typeface="Cambria Math" panose="02040503050406030204" pitchFamily="18" charset="0"/>
-                                            </a:rPr>
-                                            <m:t>𝑧</m:t>
-                                          </m:r>
-                                        </m:e>
-                                      </m:acc>
-                                    </m:e>
-                                    <m:sub>
-                                      <m:r>
-                                        <a:rPr lang="en-US" sz="2400" i="1">
-                                          <a:latin typeface="Cambria Math" panose="02040503050406030204" pitchFamily="18" charset="0"/>
-                                        </a:rPr>
-                                        <m:t>𝑖</m:t>
-                                      </m:r>
-                                    </m:sub>
-                                  </m:sSub>
-                                </m:e>
-                              </m:d>
-                            </m:e>
-                          </m:func>
-                          <m:func>
-                            <m:funcPr>
-                              <m:ctrlPr>
-                                <a:rPr lang="en-US" sz="2400" i="1">
-                                  <a:latin typeface="Cambria Math" panose="02040503050406030204" pitchFamily="18" charset="0"/>
-                                  <a:ea typeface="Cambria Math" panose="02040503050406030204" pitchFamily="18" charset="0"/>
-                                </a:rPr>
-                              </m:ctrlPr>
-                            </m:funcPr>
-                            <m:fName>
-                              <m:r>
-                                <m:rPr>
-                                  <m:sty m:val="p"/>
-                                </m:rPr>
-                                <a:rPr lang="en-US" sz="2400">
-                                  <a:latin typeface="Cambria Math" panose="02040503050406030204" pitchFamily="18" charset="0"/>
-                                  <a:ea typeface="Cambria Math" panose="02040503050406030204" pitchFamily="18" charset="0"/>
-                                </a:rPr>
-                                <m:t>cos</m:t>
-                              </m:r>
-                            </m:fName>
-                            <m:e>
-                              <m:d>
-                                <m:dPr>
-                                  <m:ctrlPr>
-                                    <a:rPr lang="en-US" sz="2400" i="1">
-                                      <a:latin typeface="Cambria Math" panose="02040503050406030204" pitchFamily="18" charset="0"/>
-                                      <a:ea typeface="Cambria Math" panose="02040503050406030204" pitchFamily="18" charset="0"/>
-                                    </a:rPr>
-                                  </m:ctrlPr>
-                                </m:dPr>
-                                <m:e>
-                                  <m:r>
-                                    <a:rPr lang="en-US" sz="2400" i="1">
-                                      <a:latin typeface="Cambria Math" panose="02040503050406030204" pitchFamily="18" charset="0"/>
-                                      <a:ea typeface="Cambria Math" panose="02040503050406030204" pitchFamily="18" charset="0"/>
-                                    </a:rPr>
-                                    <m:t>𝜇</m:t>
-                                  </m:r>
-                                  <m:r>
-                                    <a:rPr lang="en-US" sz="2400" i="1">
-                                      <a:latin typeface="Cambria Math" panose="02040503050406030204" pitchFamily="18" charset="0"/>
-                                      <a:ea typeface="Cambria Math" panose="02040503050406030204" pitchFamily="18" charset="0"/>
-                                    </a:rPr>
-                                    <m:t>𝑡</m:t>
-                                  </m:r>
-                                </m:e>
-                              </m:d>
-                              <m:sSubSup>
-                                <m:sSubSupPr>
-                                  <m:ctrlPr>
-                                    <a:rPr lang="en-US" sz="2400" i="1">
-                                      <a:latin typeface="Cambria Math" panose="02040503050406030204" pitchFamily="18" charset="0"/>
-                                    </a:rPr>
-                                  </m:ctrlPr>
-                                </m:sSubSupPr>
-                                <m:e>
-                                  <m:acc>
-                                    <m:accPr>
-                                      <m:chr m:val="̂"/>
-                                      <m:ctrlPr>
-                                        <a:rPr lang="en-US" sz="2400" i="1">
-                                          <a:latin typeface="Cambria Math" panose="02040503050406030204" pitchFamily="18" charset="0"/>
-                                        </a:rPr>
-                                      </m:ctrlPr>
-                                    </m:accPr>
-                                    <m:e>
-                                      <m:r>
-                                        <a:rPr lang="en-US" sz="2400" i="1">
-                                          <a:latin typeface="Cambria Math" panose="02040503050406030204" pitchFamily="18" charset="0"/>
-                                        </a:rPr>
-                                        <m:t>𝜎</m:t>
-                                      </m:r>
-                                    </m:e>
-                                  </m:acc>
-                                </m:e>
-                                <m:sub>
-                                  <m:r>
-                                    <a:rPr lang="en-US" sz="2400" i="1">
-                                      <a:latin typeface="Cambria Math" panose="02040503050406030204" pitchFamily="18" charset="0"/>
-                                    </a:rPr>
-                                    <m:t>𝑖</m:t>
-                                  </m:r>
-                                </m:sub>
-                                <m:sup>
-                                  <m:r>
-                                    <a:rPr lang="en-US" sz="2400" i="1">
-                                      <a:latin typeface="Cambria Math" panose="02040503050406030204" pitchFamily="18" charset="0"/>
-                                    </a:rPr>
-                                    <m:t>𝑧</m:t>
-                                  </m:r>
-                                </m:sup>
-                              </m:sSubSup>
-                            </m:e>
-                          </m:func>
-                          <m:r>
-                            <a:rPr lang="en-US" sz="2400" i="1">
-                              <a:latin typeface="Cambria Math" panose="02040503050406030204" pitchFamily="18" charset="0"/>
-                              <a:ea typeface="Cambria Math" panose="02040503050406030204" pitchFamily="18" charset="0"/>
-                            </a:rPr>
-                            <m:t>−</m:t>
-                          </m:r>
-                          <m:r>
-                            <a:rPr lang="en-US" sz="2400" i="1">
-                              <a:latin typeface="Cambria Math" panose="02040503050406030204" pitchFamily="18" charset="0"/>
-                              <a:ea typeface="Cambria Math" panose="02040503050406030204" pitchFamily="18" charset="0"/>
-                            </a:rPr>
-                            <m:t>𝑈</m:t>
-                          </m:r>
-                          <m:nary>
-                            <m:naryPr>
-                              <m:chr m:val="∑"/>
-                              <m:supHide m:val="on"/>
-                              <m:ctrlPr>
-                                <a:rPr lang="en-US" sz="2400" i="1">
-                                  <a:latin typeface="Cambria Math" panose="02040503050406030204" pitchFamily="18" charset="0"/>
-                                  <a:ea typeface="Cambria Math" panose="02040503050406030204" pitchFamily="18" charset="0"/>
-                                </a:rPr>
-                              </m:ctrlPr>
-                            </m:naryPr>
-                            <m:sub>
-                              <m:r>
-                                <m:rPr>
-                                  <m:brk m:alnAt="7"/>
-                                </m:rPr>
-                                <a:rPr lang="en-US" sz="2400" i="1">
-                                  <a:latin typeface="Cambria Math" panose="02040503050406030204" pitchFamily="18" charset="0"/>
-                                  <a:ea typeface="Cambria Math" panose="02040503050406030204" pitchFamily="18" charset="0"/>
-                                </a:rPr>
-                                <m:t>𝑖</m:t>
-                              </m:r>
-                            </m:sub>
-                            <m:sup/>
-                            <m:e>
-                              <m:func>
-                                <m:funcPr>
-                                  <m:ctrlPr>
-                                    <a:rPr lang="en-US" sz="2400" i="1">
-                                      <a:latin typeface="Cambria Math" panose="02040503050406030204" pitchFamily="18" charset="0"/>
-                                      <a:ea typeface="Cambria Math" panose="02040503050406030204" pitchFamily="18" charset="0"/>
-                                    </a:rPr>
-                                  </m:ctrlPr>
-                                </m:funcPr>
-                                <m:fName>
-                                  <m:r>
-                                    <m:rPr>
-                                      <m:sty m:val="p"/>
-                                    </m:rPr>
-                                    <a:rPr lang="en-US" sz="2400">
-                                      <a:latin typeface="Cambria Math" panose="02040503050406030204" pitchFamily="18" charset="0"/>
-                                      <a:ea typeface="Cambria Math" panose="02040503050406030204" pitchFamily="18" charset="0"/>
-                                    </a:rPr>
-                                    <m:t>cos</m:t>
-                                  </m:r>
-                                </m:fName>
-                                <m:e>
-                                  <m:d>
-                                    <m:dPr>
-                                      <m:ctrlPr>
-                                        <a:rPr lang="en-US" sz="2400" i="1">
-                                          <a:latin typeface="Cambria Math" panose="02040503050406030204" pitchFamily="18" charset="0"/>
-                                          <a:ea typeface="Cambria Math" panose="02040503050406030204" pitchFamily="18" charset="0"/>
-                                        </a:rPr>
-                                      </m:ctrlPr>
-                                    </m:dPr>
-                                    <m:e>
-                                      <m:r>
-                                        <a:rPr lang="en-US" sz="2400" i="1">
-                                          <a:latin typeface="Cambria Math" panose="02040503050406030204" pitchFamily="18" charset="0"/>
-                                          <a:ea typeface="Cambria Math" panose="02040503050406030204" pitchFamily="18" charset="0"/>
-                                        </a:rPr>
-                                        <m:t>𝛿</m:t>
-                                      </m:r>
-                                      <m:r>
-                                        <a:rPr lang="en-US" sz="2400" i="1">
-                                          <a:latin typeface="Cambria Math" panose="02040503050406030204" pitchFamily="18" charset="0"/>
-                                          <a:ea typeface="Cambria Math" panose="02040503050406030204" pitchFamily="18" charset="0"/>
-                                        </a:rPr>
-                                        <m:t>𝑘</m:t>
-                                      </m:r>
-                                      <m:r>
-                                        <a:rPr lang="en-US" sz="2400" i="1">
-                                          <a:latin typeface="Cambria Math" panose="02040503050406030204" pitchFamily="18" charset="0"/>
-                                          <a:ea typeface="Cambria Math" panose="02040503050406030204" pitchFamily="18" charset="0"/>
-                                        </a:rPr>
-                                        <m:t>∙</m:t>
-                                      </m:r>
-                                      <m:sSub>
-                                        <m:sSubPr>
-                                          <m:ctrlPr>
-                                            <a:rPr lang="en-US" sz="2400" i="1">
-                                              <a:latin typeface="Cambria Math" panose="02040503050406030204" pitchFamily="18" charset="0"/>
-                                            </a:rPr>
-                                          </m:ctrlPr>
-                                        </m:sSubPr>
-                                        <m:e>
-                                          <m:acc>
-                                            <m:accPr>
-                                              <m:chr m:val="̂"/>
-                                              <m:ctrlPr>
-                                                <a:rPr lang="en-US" sz="2400" i="1">
-                                                  <a:latin typeface="Cambria Math" panose="02040503050406030204" pitchFamily="18" charset="0"/>
-                                                </a:rPr>
-                                              </m:ctrlPr>
-                                            </m:accPr>
-                                            <m:e>
-                                              <m:r>
-                                                <a:rPr lang="en-US" sz="2400" i="1">
-                                                  <a:latin typeface="Cambria Math" panose="02040503050406030204" pitchFamily="18" charset="0"/>
-                                                </a:rPr>
-                                                <m:t>𝑧</m:t>
-                                              </m:r>
-                                            </m:e>
-                                          </m:acc>
-                                        </m:e>
-                                        <m:sub>
-                                          <m:r>
-                                            <a:rPr lang="en-US" sz="2400" i="1">
-                                              <a:latin typeface="Cambria Math" panose="02040503050406030204" pitchFamily="18" charset="0"/>
-                                            </a:rPr>
-                                            <m:t>𝑖</m:t>
-                                          </m:r>
-                                        </m:sub>
-                                      </m:sSub>
-                                    </m:e>
-                                  </m:d>
-                                </m:e>
-                              </m:func>
-                              <m:func>
-                                <m:funcPr>
-                                  <m:ctrlPr>
-                                    <a:rPr lang="en-US" sz="2400" i="1">
-                                      <a:latin typeface="Cambria Math" panose="02040503050406030204" pitchFamily="18" charset="0"/>
-                                      <a:ea typeface="Cambria Math" panose="02040503050406030204" pitchFamily="18" charset="0"/>
-                                    </a:rPr>
-                                  </m:ctrlPr>
-                                </m:funcPr>
-                                <m:fName>
-                                  <m:r>
-                                    <m:rPr>
-                                      <m:sty m:val="p"/>
-                                    </m:rPr>
-                                    <a:rPr lang="en-US" sz="2400">
-                                      <a:latin typeface="Cambria Math" panose="02040503050406030204" pitchFamily="18" charset="0"/>
-                                      <a:ea typeface="Cambria Math" panose="02040503050406030204" pitchFamily="18" charset="0"/>
-                                    </a:rPr>
-                                    <m:t>sin</m:t>
-                                  </m:r>
-                                </m:fName>
-                                <m:e>
-                                  <m:d>
-                                    <m:dPr>
-                                      <m:ctrlPr>
-                                        <a:rPr lang="en-US" sz="2400" i="1">
-                                          <a:latin typeface="Cambria Math" panose="02040503050406030204" pitchFamily="18" charset="0"/>
-                                          <a:ea typeface="Cambria Math" panose="02040503050406030204" pitchFamily="18" charset="0"/>
-                                        </a:rPr>
-                                      </m:ctrlPr>
-                                    </m:dPr>
-                                    <m:e>
-                                      <m:r>
-                                        <a:rPr lang="en-US" sz="2400" i="1">
-                                          <a:latin typeface="Cambria Math" panose="02040503050406030204" pitchFamily="18" charset="0"/>
-                                          <a:ea typeface="Cambria Math" panose="02040503050406030204" pitchFamily="18" charset="0"/>
-                                        </a:rPr>
-                                        <m:t>𝜇</m:t>
-                                      </m:r>
-                                      <m:r>
-                                        <a:rPr lang="en-US" sz="2400" i="1">
-                                          <a:latin typeface="Cambria Math" panose="02040503050406030204" pitchFamily="18" charset="0"/>
-                                          <a:ea typeface="Cambria Math" panose="02040503050406030204" pitchFamily="18" charset="0"/>
-                                        </a:rPr>
-                                        <m:t>𝑡</m:t>
-                                      </m:r>
-                                    </m:e>
-                                  </m:d>
-                                </m:e>
-                              </m:func>
-                            </m:e>
-                          </m:nary>
-                        </m:e>
-                      </m:nary>
-                      <m:sSubSup>
-                        <m:sSubSupPr>
-                          <m:ctrlPr>
-                            <a:rPr lang="en-US" sz="2400" i="1">
-                              <a:latin typeface="Cambria Math" panose="02040503050406030204" pitchFamily="18" charset="0"/>
-                            </a:rPr>
-                          </m:ctrlPr>
-                        </m:sSubSupPr>
-                        <m:e>
-                          <m:acc>
-                            <m:accPr>
-                              <m:chr m:val="̂"/>
-                              <m:ctrlPr>
-                                <a:rPr lang="en-US" sz="2400" i="1">
-                                  <a:latin typeface="Cambria Math" panose="02040503050406030204" pitchFamily="18" charset="0"/>
-                                </a:rPr>
-                              </m:ctrlPr>
-                            </m:accPr>
-                            <m:e>
-                              <m:r>
-                                <a:rPr lang="en-US" sz="2400" i="1">
-                                  <a:latin typeface="Cambria Math" panose="02040503050406030204" pitchFamily="18" charset="0"/>
-                                </a:rPr>
-                                <m:t>𝜎</m:t>
-                              </m:r>
-                            </m:e>
-                          </m:acc>
-                        </m:e>
-                        <m:sub>
-                          <m:r>
-                            <a:rPr lang="en-US" sz="2400" i="1">
-                              <a:latin typeface="Cambria Math" panose="02040503050406030204" pitchFamily="18" charset="0"/>
-                            </a:rPr>
-                            <m:t>𝑖</m:t>
-                          </m:r>
-                        </m:sub>
-                        <m:sup>
-                          <m:r>
-                            <a:rPr lang="en-US" sz="2400" i="1">
-                              <a:latin typeface="Cambria Math" panose="02040503050406030204" pitchFamily="18" charset="0"/>
-                            </a:rPr>
-                            <m:t>𝑧</m:t>
-                          </m:r>
-                        </m:sup>
-                      </m:sSubSup>
-                    </m:oMath>
-                  </m:oMathPara>
-                </a14:m>
-                <a:endParaRPr lang="en-US" sz="2400" b="0" dirty="0">
-                  <a:ea typeface="Cambria Math" panose="02040503050406030204" pitchFamily="18" charset="0"/>
-                </a:endParaRPr>
-              </a:p>
-              <a:p>
-                <a:pPr marL="0" indent="0">
-                  <a:lnSpc>
-                    <a:spcPct val="150000"/>
-                  </a:lnSpc>
-                  <a:buNone/>
-                </a:pPr>
-                <a14:m>
-                  <m:oMathPara xmlns:m="http://schemas.openxmlformats.org/officeDocument/2006/math">
-                    <m:oMathParaPr>
-                      <m:jc m:val="left"/>
-                    </m:oMathParaPr>
-                    <m:oMath xmlns:m="http://schemas.openxmlformats.org/officeDocument/2006/math">
-                      <m:sSub>
-                        <m:sSubPr>
-                          <m:ctrlPr>
-                            <a:rPr lang="en-US" sz="2400" i="1">
-                              <a:latin typeface="Cambria Math" panose="02040503050406030204" pitchFamily="18" charset="0"/>
-                              <a:ea typeface="Cambria Math" panose="02040503050406030204" pitchFamily="18" charset="0"/>
-                            </a:rPr>
-                          </m:ctrlPr>
-                        </m:sSubPr>
-                        <m:e>
-                          <m:r>
-                            <a:rPr lang="en-US" sz="2400" i="1">
-                              <a:latin typeface="Cambria Math" panose="02040503050406030204" pitchFamily="18" charset="0"/>
-                              <a:ea typeface="Cambria Math" panose="02040503050406030204" pitchFamily="18" charset="0"/>
-                            </a:rPr>
-                            <m:t>𝐻</m:t>
-                          </m:r>
-                        </m:e>
-                        <m:sub>
-                          <m:r>
-                            <a:rPr lang="en-US" sz="2400" i="1">
-                              <a:latin typeface="Cambria Math" panose="02040503050406030204" pitchFamily="18" charset="0"/>
-                              <a:ea typeface="Cambria Math" panose="02040503050406030204" pitchFamily="18" charset="0"/>
-                            </a:rPr>
-                            <m:t>𝑂𝐷𝐹</m:t>
-                          </m:r>
-                        </m:sub>
-                      </m:sSub>
-                      <m:r>
-                        <a:rPr lang="en-US" sz="2400" i="1" smtClean="0">
-                          <a:latin typeface="Cambria Math" panose="02040503050406030204" pitchFamily="18" charset="0"/>
-                          <a:ea typeface="Cambria Math" panose="02040503050406030204" pitchFamily="18" charset="0"/>
-                        </a:rPr>
-                        <m:t>=</m:t>
-                      </m:r>
-                      <m:nary>
-                        <m:naryPr>
-                          <m:chr m:val="∑"/>
-                          <m:supHide m:val="on"/>
-                          <m:ctrlPr>
-                            <a:rPr lang="en-US" sz="2400" i="1">
-                              <a:latin typeface="Cambria Math" panose="02040503050406030204" pitchFamily="18" charset="0"/>
-                              <a:ea typeface="Cambria Math" panose="02040503050406030204" pitchFamily="18" charset="0"/>
-                            </a:rPr>
-                          </m:ctrlPr>
-                        </m:naryPr>
-                        <m:sub>
-                          <m:r>
-                            <m:rPr>
-                              <m:brk m:alnAt="7"/>
-                            </m:rPr>
-                            <a:rPr lang="en-US" sz="2400" i="1">
-                              <a:latin typeface="Cambria Math" panose="02040503050406030204" pitchFamily="18" charset="0"/>
-                              <a:ea typeface="Cambria Math" panose="02040503050406030204" pitchFamily="18" charset="0"/>
-                            </a:rPr>
-                            <m:t>𝑖</m:t>
-                          </m:r>
-                        </m:sub>
-                        <m:sup/>
-                        <m:e>
-                          <m:sSub>
-                            <m:sSubPr>
-                              <m:ctrlPr>
-                                <a:rPr lang="en-US" sz="2400" i="1">
-                                  <a:latin typeface="Cambria Math" panose="02040503050406030204" pitchFamily="18" charset="0"/>
-                                  <a:ea typeface="Cambria Math" panose="02040503050406030204" pitchFamily="18" charset="0"/>
-                                </a:rPr>
-                              </m:ctrlPr>
-                            </m:sSubPr>
-                            <m:e>
-                              <m:r>
-                                <a:rPr lang="en-US" sz="2400" i="1">
-                                  <a:latin typeface="Cambria Math" panose="02040503050406030204" pitchFamily="18" charset="0"/>
-                                  <a:ea typeface="Cambria Math" panose="02040503050406030204" pitchFamily="18" charset="0"/>
-                                </a:rPr>
-                                <m:t>𝐹</m:t>
-                              </m:r>
-                            </m:e>
-                            <m:sub>
-                              <m:r>
-                                <a:rPr lang="en-US" sz="2400" i="1">
-                                  <a:latin typeface="Cambria Math" panose="02040503050406030204" pitchFamily="18" charset="0"/>
-                                  <a:ea typeface="Cambria Math" panose="02040503050406030204" pitchFamily="18" charset="0"/>
-                                </a:rPr>
-                                <m:t>0</m:t>
-                              </m:r>
-                            </m:sub>
-                          </m:sSub>
-                          <m:func>
-                            <m:funcPr>
-                              <m:ctrlPr>
-                                <a:rPr lang="en-US" sz="2400" i="1">
-                                  <a:latin typeface="Cambria Math" panose="02040503050406030204" pitchFamily="18" charset="0"/>
-                                  <a:ea typeface="Cambria Math" panose="02040503050406030204" pitchFamily="18" charset="0"/>
-                                </a:rPr>
-                              </m:ctrlPr>
-                            </m:funcPr>
-                            <m:fName>
-                              <m:r>
-                                <m:rPr>
-                                  <m:sty m:val="p"/>
-                                </m:rPr>
-                                <a:rPr lang="en-US" sz="2400">
-                                  <a:latin typeface="Cambria Math" panose="02040503050406030204" pitchFamily="18" charset="0"/>
-                                  <a:ea typeface="Cambria Math" panose="02040503050406030204" pitchFamily="18" charset="0"/>
-                                </a:rPr>
-                                <m:t>cos</m:t>
-                              </m:r>
-                            </m:fName>
-                            <m:e>
-                              <m:r>
-                                <a:rPr lang="en-US" sz="2400" i="1">
-                                  <a:latin typeface="Cambria Math" panose="02040503050406030204" pitchFamily="18" charset="0"/>
-                                  <a:ea typeface="Cambria Math" panose="02040503050406030204" pitchFamily="18" charset="0"/>
-                                </a:rPr>
-                                <m:t>(</m:t>
-                              </m:r>
-                              <m:r>
-                                <a:rPr lang="en-US" sz="2400" i="1">
-                                  <a:latin typeface="Cambria Math" panose="02040503050406030204" pitchFamily="18" charset="0"/>
-                                  <a:ea typeface="Cambria Math" panose="02040503050406030204" pitchFamily="18" charset="0"/>
-                                </a:rPr>
-                                <m:t>𝜇</m:t>
-                              </m:r>
-                              <m:r>
-                                <a:rPr lang="en-US" sz="2400" i="1">
-                                  <a:latin typeface="Cambria Math" panose="02040503050406030204" pitchFamily="18" charset="0"/>
-                                  <a:ea typeface="Cambria Math" panose="02040503050406030204" pitchFamily="18" charset="0"/>
-                                </a:rPr>
-                                <m:t>𝑡</m:t>
-                              </m:r>
-                              <m:r>
-                                <a:rPr lang="en-US" sz="2400" i="1">
-                                  <a:latin typeface="Cambria Math" panose="02040503050406030204" pitchFamily="18" charset="0"/>
-                                  <a:ea typeface="Cambria Math" panose="02040503050406030204" pitchFamily="18" charset="0"/>
-                                </a:rPr>
-                                <m:t>)</m:t>
-                              </m:r>
-                            </m:e>
-                          </m:func>
-                          <m:sSubSup>
-                            <m:sSubSupPr>
-                              <m:ctrlPr>
-                                <a:rPr lang="en-US" sz="2400" i="1">
-                                  <a:latin typeface="Cambria Math" panose="02040503050406030204" pitchFamily="18" charset="0"/>
-                                </a:rPr>
-                              </m:ctrlPr>
-                            </m:sSubSupPr>
-                            <m:e>
-                              <m:sSub>
-                                <m:sSubPr>
-                                  <m:ctrlPr>
-                                    <a:rPr lang="en-US" sz="2400" i="1">
-                                      <a:latin typeface="Cambria Math" panose="02040503050406030204" pitchFamily="18" charset="0"/>
-                                    </a:rPr>
-                                  </m:ctrlPr>
-                                </m:sSubPr>
-                                <m:e>
-                                  <m:acc>
-                                    <m:accPr>
-                                      <m:chr m:val="̂"/>
-                                      <m:ctrlPr>
-                                        <a:rPr lang="en-US" sz="2400" i="1">
-                                          <a:latin typeface="Cambria Math" panose="02040503050406030204" pitchFamily="18" charset="0"/>
-                                        </a:rPr>
-                                      </m:ctrlPr>
-                                    </m:accPr>
-                                    <m:e>
-                                      <m:r>
-                                        <a:rPr lang="en-US" sz="2400" i="1">
-                                          <a:latin typeface="Cambria Math" panose="02040503050406030204" pitchFamily="18" charset="0"/>
-                                        </a:rPr>
-                                        <m:t>𝑧</m:t>
-                                      </m:r>
-                                    </m:e>
-                                  </m:acc>
-                                </m:e>
-                                <m:sub>
-                                  <m:r>
-                                    <a:rPr lang="en-US" sz="2400" i="1">
-                                      <a:latin typeface="Cambria Math" panose="02040503050406030204" pitchFamily="18" charset="0"/>
-                                    </a:rPr>
-                                    <m:t>𝑖</m:t>
-                                  </m:r>
-                                </m:sub>
-                              </m:sSub>
-                              <m:acc>
-                                <m:accPr>
-                                  <m:chr m:val="̂"/>
-                                  <m:ctrlPr>
-                                    <a:rPr lang="en-US" sz="2400" i="1">
-                                      <a:latin typeface="Cambria Math" panose="02040503050406030204" pitchFamily="18" charset="0"/>
-                                    </a:rPr>
-                                  </m:ctrlPr>
-                                </m:accPr>
-                                <m:e>
-                                  <m:r>
-                                    <a:rPr lang="en-US" sz="2400" i="1">
-                                      <a:latin typeface="Cambria Math" panose="02040503050406030204" pitchFamily="18" charset="0"/>
-                                    </a:rPr>
-                                    <m:t>𝜎</m:t>
-                                  </m:r>
-                                </m:e>
-                              </m:acc>
-                            </m:e>
-                            <m:sub>
-                              <m:r>
-                                <a:rPr lang="en-US" sz="2400" i="1">
-                                  <a:latin typeface="Cambria Math" panose="02040503050406030204" pitchFamily="18" charset="0"/>
-                                </a:rPr>
-                                <m:t>𝑖</m:t>
-                              </m:r>
-                            </m:sub>
-                            <m:sup>
-                              <m:r>
-                                <a:rPr lang="en-US" sz="2400" i="1">
-                                  <a:latin typeface="Cambria Math" panose="02040503050406030204" pitchFamily="18" charset="0"/>
-                                </a:rPr>
-                                <m:t>𝑧</m:t>
-                              </m:r>
-                            </m:sup>
-                          </m:sSubSup>
-                        </m:e>
-                      </m:nary>
-                    </m:oMath>
-                  </m:oMathPara>
-                </a14:m>
-                <a:endParaRPr lang="en-US" sz="2400" b="0" dirty="0">
-                  <a:ea typeface="Cambria Math" panose="02040503050406030204" pitchFamily="18" charset="0"/>
-                </a:endParaRPr>
-              </a:p>
-              <a:p>
-                <a:pPr marL="0" indent="0" algn="ctr">
-                  <a:buNone/>
-                </a:pPr>
-                <a:endParaRPr lang="en-US" sz="2400" dirty="0">
-                  <a:ea typeface="Cambria Math" panose="02040503050406030204" pitchFamily="18" charset="0"/>
-                </a:endParaRPr>
-              </a:p>
-              <a:p>
-                <a:pPr marL="0" indent="0" algn="ctr">
-                  <a:buNone/>
-                </a:pPr>
-                <a:endParaRPr lang="en-US" sz="2400" dirty="0"/>
-              </a:p>
-            </p:txBody>
-          </p:sp>
-        </mc:Choice>
-        <mc:Fallback xmlns="">
-          <p:sp>
-            <p:nvSpPr>
-              <p:cNvPr id="3" name="Content Placeholder 2"/>
-              <p:cNvSpPr>
-                <a:spLocks noGrp="1" noRot="1" noChangeAspect="1" noMove="1" noResize="1" noEditPoints="1" noAdjustHandles="1" noChangeArrowheads="1" noChangeShapeType="1" noTextEdit="1"/>
-              </p:cNvSpPr>
-              <p:nvPr>
-                <p:ph idx="1"/>
-              </p:nvPr>
-            </p:nvSpPr>
-            <p:spPr>
-              <a:xfrm>
-                <a:off x="838199" y="1419226"/>
-                <a:ext cx="10780643" cy="3116915"/>
-              </a:xfrm>
-              <a:blipFill>
-                <a:blip r:embed="rId3"/>
-                <a:stretch>
-                  <a:fillRect/>
-                </a:stretch>
-              </a:blipFill>
-            </p:spPr>
-            <p:txBody>
-              <a:bodyPr/>
-              <a:lstStyle/>
-              <a:p>
-                <a:r>
-                  <a:rPr lang="en-US">
-                    <a:noFill/>
-                  </a:rPr>
-                  <a:t> </a:t>
-                </a:r>
-              </a:p>
-            </p:txBody>
-          </p:sp>
-        </mc:Fallback>
-      </mc:AlternateContent>
-      <mc:AlternateContent xmlns:mc="http://schemas.openxmlformats.org/markup-compatibility/2006" xmlns:a14="http://schemas.microsoft.com/office/drawing/2010/main">
-        <mc:Choice Requires="a14">
-          <p:sp>
-            <p:nvSpPr>
-              <p:cNvPr id="5" name="Rectangle 4"/>
-              <p:cNvSpPr/>
-              <p:nvPr/>
-            </p:nvSpPr>
-            <p:spPr>
-              <a:xfrm>
-                <a:off x="1448288" y="5660225"/>
-                <a:ext cx="9560464" cy="662361"/>
-              </a:xfrm>
-              <a:prstGeom prst="rect">
-                <a:avLst/>
-              </a:prstGeom>
-            </p:spPr>
-            <p:txBody>
-              <a:bodyPr wrap="square">
-                <a:spAutoFit/>
-              </a:bodyPr>
-              <a:lstStyle/>
-              <a:p>
-                <a:r>
-                  <a:rPr lang="en-US" sz="2400" dirty="0"/>
-                  <a:t>For </a:t>
-                </a:r>
-                <a14:m>
-                  <m:oMath xmlns:m="http://schemas.openxmlformats.org/officeDocument/2006/math">
-                    <m:f>
-                      <m:fPr>
-                        <m:ctrlPr>
-                          <a:rPr lang="en-US" sz="2400" b="0" i="1" smtClean="0">
-                            <a:latin typeface="Cambria Math" panose="02040503050406030204" pitchFamily="18" charset="0"/>
-                          </a:rPr>
-                        </m:ctrlPr>
-                      </m:fPr>
-                      <m:num>
-                        <m:r>
-                          <a:rPr lang="en-US" sz="2400" b="0" i="1" smtClean="0">
-                            <a:latin typeface="Cambria Math" panose="02040503050406030204" pitchFamily="18" charset="0"/>
-                          </a:rPr>
-                          <m:t>𝜔</m:t>
-                        </m:r>
-                      </m:num>
-                      <m:den>
-                        <m:r>
-                          <a:rPr lang="en-US" sz="2400" b="0" i="1" smtClean="0">
-                            <a:latin typeface="Cambria Math" panose="02040503050406030204" pitchFamily="18" charset="0"/>
-                          </a:rPr>
-                          <m:t>2</m:t>
-                        </m:r>
-                        <m:r>
-                          <a:rPr lang="en-US" sz="2400" b="0" i="1" smtClean="0">
-                            <a:latin typeface="Cambria Math" panose="02040503050406030204" pitchFamily="18" charset="0"/>
-                          </a:rPr>
-                          <m:t>𝜋</m:t>
-                        </m:r>
-                      </m:den>
-                    </m:f>
-                    <m:r>
-                      <a:rPr lang="en-US" sz="2400" b="0" i="1" smtClean="0">
-                        <a:latin typeface="Cambria Math" panose="02040503050406030204" pitchFamily="18" charset="0"/>
-                      </a:rPr>
-                      <m:t>=</m:t>
-                    </m:r>
-                    <m:f>
-                      <m:fPr>
-                        <m:ctrlPr>
-                          <a:rPr lang="en-US" sz="2400" b="0" i="1" smtClean="0">
-                            <a:latin typeface="Cambria Math" panose="02040503050406030204" pitchFamily="18" charset="0"/>
-                          </a:rPr>
-                        </m:ctrlPr>
-                      </m:fPr>
-                      <m:num>
-                        <m:r>
-                          <a:rPr lang="en-US" sz="2400" b="0" i="1" smtClean="0">
-                            <a:latin typeface="Cambria Math" panose="02040503050406030204" pitchFamily="18" charset="0"/>
-                          </a:rPr>
-                          <m:t>2</m:t>
-                        </m:r>
-                        <m:r>
-                          <a:rPr lang="en-US" sz="2400" b="0" i="1" smtClean="0">
-                            <a:latin typeface="Cambria Math" panose="02040503050406030204" pitchFamily="18" charset="0"/>
-                          </a:rPr>
-                          <m:t>𝑛</m:t>
-                        </m:r>
-                        <m:r>
-                          <a:rPr lang="en-US" sz="2400" b="0" i="1" smtClean="0">
-                            <a:latin typeface="Cambria Math" panose="02040503050406030204" pitchFamily="18" charset="0"/>
-                          </a:rPr>
-                          <m:t>+1</m:t>
-                        </m:r>
-                      </m:num>
-                      <m:den>
-                        <m:r>
-                          <a:rPr lang="en-US" sz="2400" b="0" i="1" smtClean="0">
-                            <a:latin typeface="Cambria Math" panose="02040503050406030204" pitchFamily="18" charset="0"/>
-                          </a:rPr>
-                          <m:t>2</m:t>
-                        </m:r>
-                        <m:d>
-                          <m:dPr>
-                            <m:ctrlPr>
-                              <a:rPr lang="en-US" sz="2400" b="0" i="1" smtClean="0">
-                                <a:latin typeface="Cambria Math" panose="02040503050406030204" pitchFamily="18" charset="0"/>
-                              </a:rPr>
-                            </m:ctrlPr>
-                          </m:dPr>
-                          <m:e>
-                            <m:r>
-                              <a:rPr lang="en-US" sz="2400" b="0" i="1" smtClean="0">
-                                <a:latin typeface="Cambria Math" panose="02040503050406030204" pitchFamily="18" charset="0"/>
-                              </a:rPr>
-                              <m:t>𝑇</m:t>
-                            </m:r>
-                            <m:r>
-                              <a:rPr lang="en-US" sz="2400" b="0" i="1" smtClean="0">
-                                <a:latin typeface="Cambria Math" panose="02040503050406030204" pitchFamily="18" charset="0"/>
-                              </a:rPr>
-                              <m:t>+</m:t>
-                            </m:r>
-                            <m:sSub>
-                              <m:sSubPr>
-                                <m:ctrlPr>
-                                  <a:rPr lang="en-US" sz="2400" b="0" i="1" smtClean="0">
-                                    <a:latin typeface="Cambria Math" panose="02040503050406030204" pitchFamily="18" charset="0"/>
-                                  </a:rPr>
-                                </m:ctrlPr>
-                              </m:sSubPr>
-                              <m:e>
-                                <m:r>
-                                  <a:rPr lang="en-US" sz="2400" b="0" i="1" smtClean="0">
-                                    <a:latin typeface="Cambria Math" panose="02040503050406030204" pitchFamily="18" charset="0"/>
-                                  </a:rPr>
-                                  <m:t>𝑡</m:t>
-                                </m:r>
-                              </m:e>
-                              <m:sub>
-                                <m:r>
-                                  <a:rPr lang="en-US" sz="2400" b="0" i="1" smtClean="0">
-                                    <a:latin typeface="Cambria Math" panose="02040503050406030204" pitchFamily="18" charset="0"/>
-                                  </a:rPr>
-                                  <m:t>𝜋</m:t>
-                                </m:r>
-                              </m:sub>
-                            </m:sSub>
-                          </m:e>
-                        </m:d>
-                      </m:den>
-                    </m:f>
-                  </m:oMath>
-                </a14:m>
-                <a:r>
-                  <a:rPr lang="en-US" sz="2400" dirty="0"/>
-                  <a:t>, </a:t>
-                </a:r>
-                <a14:m>
-                  <m:oMath xmlns:m="http://schemas.openxmlformats.org/officeDocument/2006/math">
-                    <m:r>
-                      <m:rPr>
-                        <m:sty m:val="p"/>
-                      </m:rPr>
-                      <a:rPr lang="el-GR" sz="2400" i="1" kern="0">
-                        <a:solidFill>
-                          <a:sysClr val="windowText" lastClr="000000"/>
-                        </a:solidFill>
-                        <a:latin typeface="Cambria Math" panose="02040503050406030204" pitchFamily="18" charset="0"/>
-                        <a:ea typeface="Cambria Math" panose="02040503050406030204" pitchFamily="18" charset="0"/>
-                      </a:rPr>
-                      <m:t>Δ</m:t>
-                    </m:r>
-                    <m:r>
-                      <a:rPr lang="en-US" sz="2400" i="1" kern="0">
-                        <a:solidFill>
-                          <a:sysClr val="windowText" lastClr="000000"/>
-                        </a:solidFill>
-                        <a:latin typeface="Cambria Math" panose="02040503050406030204" pitchFamily="18" charset="0"/>
-                        <a:ea typeface="Cambria Math" panose="02040503050406030204" pitchFamily="18" charset="0"/>
-                      </a:rPr>
-                      <m:t>𝜑</m:t>
-                    </m:r>
-                    <m:r>
-                      <a:rPr lang="en-US" sz="2400" i="1" kern="0">
-                        <a:solidFill>
-                          <a:sysClr val="windowText" lastClr="000000"/>
-                        </a:solidFill>
-                        <a:latin typeface="Cambria Math" panose="02040503050406030204" pitchFamily="18" charset="0"/>
-                        <a:ea typeface="Cambria Math" panose="02040503050406030204" pitchFamily="18" charset="0"/>
-                      </a:rPr>
-                      <m:t>=</m:t>
-                    </m:r>
-                    <m:r>
-                      <a:rPr lang="en-US" sz="2400" b="0" i="1" kern="0" smtClean="0">
-                        <a:solidFill>
-                          <a:sysClr val="windowText" lastClr="000000"/>
-                        </a:solidFill>
-                        <a:latin typeface="Cambria Math" panose="02040503050406030204" pitchFamily="18" charset="0"/>
-                        <a:ea typeface="Cambria Math" panose="02040503050406030204" pitchFamily="18" charset="0"/>
-                      </a:rPr>
-                      <m:t>𝜋</m:t>
-                    </m:r>
-                  </m:oMath>
-                </a14:m>
-                <a:r>
-                  <a:rPr lang="en-US" sz="2400" dirty="0"/>
-                  <a:t> and spin precession is coherently accumulated</a:t>
-                </a:r>
-              </a:p>
-            </p:txBody>
-          </p:sp>
-        </mc:Choice>
-        <mc:Fallback xmlns="">
-          <p:sp>
-            <p:nvSpPr>
-              <p:cNvPr id="5" name="Rectangle 4"/>
-              <p:cNvSpPr>
-                <a:spLocks noRot="1" noChangeAspect="1" noMove="1" noResize="1" noEditPoints="1" noAdjustHandles="1" noChangeArrowheads="1" noChangeShapeType="1" noTextEdit="1"/>
-              </p:cNvSpPr>
-              <p:nvPr/>
-            </p:nvSpPr>
-            <p:spPr>
-              <a:xfrm>
-                <a:off x="1448288" y="5660225"/>
-                <a:ext cx="9560464" cy="662361"/>
-              </a:xfrm>
-              <a:prstGeom prst="rect">
-                <a:avLst/>
-              </a:prstGeom>
-              <a:blipFill>
-                <a:blip r:embed="rId4"/>
-                <a:stretch>
-                  <a:fillRect l="-1020" b="-2778"/>
-                </a:stretch>
-              </a:blipFill>
-            </p:spPr>
-            <p:txBody>
-              <a:bodyPr/>
-              <a:lstStyle/>
-              <a:p>
-                <a:r>
-                  <a:rPr lang="en-US">
-                    <a:noFill/>
-                  </a:rPr>
-                  <a:t> </a:t>
-                </a:r>
-              </a:p>
-            </p:txBody>
-          </p:sp>
-        </mc:Fallback>
-      </mc:AlternateContent>
-      <mc:AlternateContent xmlns:mc="http://schemas.openxmlformats.org/markup-compatibility/2006">
-        <mc:Choice xmlns:a14="http://schemas.microsoft.com/office/drawing/2010/main" Requires="a14">
-          <p:sp>
-            <p:nvSpPr>
-              <p:cNvPr id="4" name="Rectangle 3"/>
-              <p:cNvSpPr/>
-              <p:nvPr/>
-            </p:nvSpPr>
-            <p:spPr>
-              <a:xfrm>
-                <a:off x="2081063" y="4342067"/>
-                <a:ext cx="8294914" cy="1027974"/>
-              </a:xfrm>
-              <a:prstGeom prst="rect">
-                <a:avLst/>
-              </a:prstGeom>
-            </p:spPr>
-            <p:txBody>
-              <a:bodyPr wrap="square">
-                <a:spAutoFit/>
-              </a:bodyPr>
-              <a:lstStyle/>
-              <a:p>
-                <a:pPr algn="ctr"/>
-                <a:r>
-                  <a:rPr lang="en-US" sz="2400" dirty="0">
-                    <a:ea typeface="Cambria Math" panose="02040503050406030204" pitchFamily="18" charset="0"/>
-                  </a:rPr>
-                  <a:t>Can ignore second term when </a:t>
-                </a:r>
-                <a14:m>
-                  <m:oMath xmlns:m="http://schemas.openxmlformats.org/officeDocument/2006/math">
-                    <m:f>
-                      <m:fPr>
-                        <m:ctrlPr>
-                          <a:rPr lang="en-US" sz="2400" i="1">
-                            <a:latin typeface="Cambria Math" panose="02040503050406030204" pitchFamily="18" charset="0"/>
-                            <a:ea typeface="Cambria Math" panose="02040503050406030204" pitchFamily="18" charset="0"/>
-                          </a:rPr>
-                        </m:ctrlPr>
-                      </m:fPr>
-                      <m:num>
-                        <m:r>
-                          <a:rPr lang="en-US" sz="2400" i="1">
-                            <a:latin typeface="Cambria Math" panose="02040503050406030204" pitchFamily="18" charset="0"/>
-                            <a:ea typeface="Cambria Math" panose="02040503050406030204" pitchFamily="18" charset="0"/>
-                          </a:rPr>
-                          <m:t>𝑈</m:t>
-                        </m:r>
-                      </m:num>
-                      <m:den>
-                        <m:r>
-                          <a:rPr lang="en-US" sz="2400" i="1">
-                            <a:latin typeface="Cambria Math" panose="02040503050406030204" pitchFamily="18" charset="0"/>
-                            <a:ea typeface="Cambria Math" panose="02040503050406030204" pitchFamily="18" charset="0"/>
-                          </a:rPr>
-                          <m:t>𝜇</m:t>
-                        </m:r>
-                      </m:den>
-                    </m:f>
-                    <m:r>
-                      <a:rPr lang="en-US" sz="2400" i="1">
-                        <a:latin typeface="Cambria Math" panose="02040503050406030204" pitchFamily="18" charset="0"/>
-                        <a:ea typeface="Cambria Math" panose="02040503050406030204" pitchFamily="18" charset="0"/>
-                      </a:rPr>
-                      <m:t>≪1</m:t>
-                    </m:r>
-                  </m:oMath>
-                </a14:m>
-                <a:r>
-                  <a:rPr lang="en-US" sz="2400" dirty="0">
-                    <a:ea typeface="Cambria Math" panose="02040503050406030204" pitchFamily="18" charset="0"/>
-                  </a:rPr>
-                  <a:t>. </a:t>
-                </a:r>
-              </a:p>
-              <a:p>
-                <a:pPr algn="ctr"/>
-                <a:r>
-                  <a:rPr lang="en-US" sz="2400" dirty="0">
-                    <a:ea typeface="Cambria Math" panose="02040503050406030204" pitchFamily="18" charset="0"/>
-                  </a:rPr>
-                  <a:t>At low frequencies </a:t>
-                </a:r>
-                <a14:m>
-                  <m:oMath xmlns:m="http://schemas.openxmlformats.org/officeDocument/2006/math">
-                    <m:r>
-                      <a:rPr lang="en-US" sz="2400" i="1">
-                        <a:latin typeface="Cambria Math" panose="02040503050406030204" pitchFamily="18" charset="0"/>
-                        <a:ea typeface="Cambria Math" panose="02040503050406030204" pitchFamily="18" charset="0"/>
-                      </a:rPr>
-                      <m:t>𝜇</m:t>
-                    </m:r>
-                  </m:oMath>
-                </a14:m>
-                <a:r>
-                  <a:rPr lang="en-US" sz="2400" dirty="0">
-                    <a:ea typeface="Cambria Math" panose="02040503050406030204" pitchFamily="18" charset="0"/>
-                  </a:rPr>
-                  <a:t>, can cancel by setting: </a:t>
-                </a:r>
-                <a14:m>
-                  <m:oMath xmlns:m="http://schemas.openxmlformats.org/officeDocument/2006/math">
-                    <m:r>
-                      <m:rPr>
-                        <m:sty m:val="p"/>
-                      </m:rPr>
-                      <a:rPr lang="el-GR" sz="2400" i="1" kern="0">
-                        <a:solidFill>
-                          <a:sysClr val="windowText" lastClr="000000"/>
-                        </a:solidFill>
-                        <a:latin typeface="Cambria Math" panose="02040503050406030204" pitchFamily="18" charset="0"/>
-                        <a:ea typeface="Cambria Math" panose="02040503050406030204" pitchFamily="18" charset="0"/>
-                      </a:rPr>
-                      <m:t>Δ</m:t>
-                    </m:r>
-                    <m:r>
-                      <a:rPr lang="en-US" sz="2400" i="1" kern="0">
-                        <a:solidFill>
-                          <a:sysClr val="windowText" lastClr="000000"/>
-                        </a:solidFill>
-                        <a:latin typeface="Cambria Math" panose="02040503050406030204" pitchFamily="18" charset="0"/>
-                        <a:ea typeface="Cambria Math" panose="02040503050406030204" pitchFamily="18" charset="0"/>
-                      </a:rPr>
-                      <m:t>𝜑</m:t>
-                    </m:r>
-                    <m:r>
-                      <a:rPr lang="en-US" sz="2400" i="1" kern="0">
-                        <a:solidFill>
-                          <a:sysClr val="windowText" lastClr="000000"/>
-                        </a:solidFill>
-                        <a:latin typeface="Cambria Math" panose="02040503050406030204" pitchFamily="18" charset="0"/>
-                        <a:ea typeface="Cambria Math" panose="02040503050406030204" pitchFamily="18" charset="0"/>
-                      </a:rPr>
-                      <m:t>=</m:t>
-                    </m:r>
-                    <m:r>
-                      <a:rPr lang="en-US" sz="2400" i="1" kern="0">
-                        <a:solidFill>
-                          <a:sysClr val="windowText" lastClr="000000"/>
-                        </a:solidFill>
-                        <a:latin typeface="Cambria Math" panose="02040503050406030204" pitchFamily="18" charset="0"/>
-                        <a:ea typeface="Cambria Math" panose="02040503050406030204" pitchFamily="18" charset="0"/>
-                      </a:rPr>
-                      <m:t>𝜇</m:t>
-                    </m:r>
-                    <m:r>
-                      <a:rPr lang="en-US" sz="2400" i="1" kern="0">
-                        <a:solidFill>
-                          <a:sysClr val="windowText" lastClr="000000"/>
-                        </a:solidFill>
-                        <a:latin typeface="Cambria Math" panose="02040503050406030204" pitchFamily="18" charset="0"/>
-                        <a:ea typeface="Cambria Math" panose="02040503050406030204" pitchFamily="18" charset="0"/>
-                      </a:rPr>
-                      <m:t>(</m:t>
-                    </m:r>
-                    <m:r>
-                      <a:rPr lang="en-US" sz="2400" i="1" kern="0">
-                        <a:solidFill>
-                          <a:sysClr val="windowText" lastClr="000000"/>
-                        </a:solidFill>
-                        <a:latin typeface="Cambria Math" panose="02040503050406030204" pitchFamily="18" charset="0"/>
-                      </a:rPr>
-                      <m:t>𝑇</m:t>
-                    </m:r>
-                    <m:r>
-                      <a:rPr lang="en-US" sz="2400" i="1" kern="0">
-                        <a:solidFill>
-                          <a:sysClr val="windowText" lastClr="000000"/>
-                        </a:solidFill>
-                        <a:latin typeface="Cambria Math" panose="02040503050406030204" pitchFamily="18" charset="0"/>
-                      </a:rPr>
-                      <m:t>+</m:t>
-                    </m:r>
-                    <m:sSub>
-                      <m:sSubPr>
-                        <m:ctrlPr>
-                          <a:rPr lang="en-US" sz="2400" i="1" kern="0">
-                            <a:solidFill>
-                              <a:sysClr val="windowText" lastClr="000000"/>
-                            </a:solidFill>
-                            <a:latin typeface="Cambria Math" panose="02040503050406030204" pitchFamily="18" charset="0"/>
-                          </a:rPr>
-                        </m:ctrlPr>
-                      </m:sSubPr>
-                      <m:e>
-                        <m:r>
-                          <a:rPr lang="en-US" sz="2400" i="1" kern="0">
-                            <a:solidFill>
-                              <a:sysClr val="windowText" lastClr="000000"/>
-                            </a:solidFill>
-                            <a:latin typeface="Cambria Math" panose="02040503050406030204" pitchFamily="18" charset="0"/>
-                          </a:rPr>
-                          <m:t>𝑡</m:t>
-                        </m:r>
-                      </m:e>
-                      <m:sub>
-                        <m:r>
-                          <a:rPr lang="en-US" sz="2400" i="1" kern="0">
-                            <a:solidFill>
-                              <a:sysClr val="windowText" lastClr="000000"/>
-                            </a:solidFill>
-                            <a:latin typeface="Cambria Math" panose="02040503050406030204" pitchFamily="18" charset="0"/>
-                            <a:ea typeface="Cambria Math" panose="02040503050406030204" pitchFamily="18" charset="0"/>
-                          </a:rPr>
-                          <m:t>𝜋</m:t>
-                        </m:r>
-                      </m:sub>
-                    </m:sSub>
-                    <m:r>
-                      <a:rPr lang="en-US" sz="2400" i="1" kern="0">
-                        <a:solidFill>
-                          <a:sysClr val="windowText" lastClr="000000"/>
-                        </a:solidFill>
-                        <a:latin typeface="Cambria Math" panose="02040503050406030204" pitchFamily="18" charset="0"/>
-                        <a:ea typeface="Cambria Math" panose="02040503050406030204" pitchFamily="18" charset="0"/>
-                      </a:rPr>
-                      <m:t>)</m:t>
-                    </m:r>
-                  </m:oMath>
-                </a14:m>
-                <a:endParaRPr lang="en-US" sz="2400" dirty="0"/>
-              </a:p>
-            </p:txBody>
-          </p:sp>
-        </mc:Choice>
-        <mc:Fallback>
-          <p:sp>
-            <p:nvSpPr>
-              <p:cNvPr id="4" name="Rectangle 3"/>
-              <p:cNvSpPr>
-                <a:spLocks noRot="1" noChangeAspect="1" noMove="1" noResize="1" noEditPoints="1" noAdjustHandles="1" noChangeArrowheads="1" noChangeShapeType="1" noTextEdit="1"/>
-              </p:cNvSpPr>
-              <p:nvPr/>
-            </p:nvSpPr>
-            <p:spPr>
-              <a:xfrm>
-                <a:off x="2081063" y="4342067"/>
-                <a:ext cx="8294914" cy="1027974"/>
-              </a:xfrm>
-              <a:prstGeom prst="rect">
-                <a:avLst/>
-              </a:prstGeom>
-              <a:blipFill>
-                <a:blip r:embed="rId5"/>
-                <a:stretch>
-                  <a:fillRect b="-12426"/>
-                </a:stretch>
-              </a:blipFill>
-            </p:spPr>
-            <p:txBody>
-              <a:bodyPr/>
-              <a:lstStyle/>
-              <a:p>
-                <a:r>
-                  <a:rPr lang="en-US">
-                    <a:noFill/>
-                  </a:rPr>
-                  <a:t> </a:t>
-                </a:r>
-              </a:p>
-            </p:txBody>
-          </p:sp>
-        </mc:Fallback>
-      </mc:AlternateContent>
-      <p:sp>
-        <p:nvSpPr>
-          <p:cNvPr id="16" name="Left Brace 15"/>
-          <p:cNvSpPr/>
-          <p:nvPr/>
-        </p:nvSpPr>
-        <p:spPr>
-          <a:xfrm rot="16200000">
-            <a:off x="3630707" y="1350710"/>
-            <a:ext cx="274948" cy="3508163"/>
-          </a:xfrm>
-          <a:prstGeom prst="leftBrace">
-            <a:avLst/>
-          </a:prstGeom>
-        </p:spPr>
-        <p:style>
-          <a:lnRef idx="1">
-            <a:schemeClr val="dk1"/>
-          </a:lnRef>
-          <a:fillRef idx="0">
-            <a:schemeClr val="dk1"/>
-          </a:fillRef>
-          <a:effectRef idx="0">
-            <a:schemeClr val="dk1"/>
-          </a:effectRef>
-          <a:fontRef idx="minor">
-            <a:schemeClr val="tx1"/>
-          </a:fontRef>
-        </p:style>
-        <p:txBody>
-          <a:bodyPr rtlCol="0" anchor="ctr"/>
-          <a:lstStyle/>
-          <a:p>
-            <a:pPr algn="ctr"/>
-            <a:endParaRPr lang="en-US" dirty="0"/>
-          </a:p>
-        </p:txBody>
-      </p:sp>
-      <p:cxnSp>
-        <p:nvCxnSpPr>
-          <p:cNvPr id="18" name="Straight Arrow Connector 17"/>
-          <p:cNvCxnSpPr/>
-          <p:nvPr/>
-        </p:nvCxnSpPr>
-        <p:spPr>
-          <a:xfrm flipH="1">
-            <a:off x="3316941" y="3316941"/>
-            <a:ext cx="451240" cy="340659"/>
-          </a:xfrm>
-          <a:prstGeom prst="straightConnector1">
-            <a:avLst/>
-          </a:prstGeom>
-          <a:ln>
-            <a:tailEnd type="triangle"/>
-          </a:ln>
-        </p:spPr>
-        <p:style>
-          <a:lnRef idx="1">
-            <a:schemeClr val="dk1"/>
-          </a:lnRef>
-          <a:fillRef idx="0">
-            <a:schemeClr val="dk1"/>
-          </a:fillRef>
-          <a:effectRef idx="0">
-            <a:schemeClr val="dk1"/>
-          </a:effectRef>
-          <a:fontRef idx="minor">
-            <a:schemeClr val="tx1"/>
-          </a:fontRef>
-        </p:style>
-      </p:cxnSp>
-    </p:spTree>
-    <p:extLst>
-      <p:ext uri="{BB962C8B-B14F-4D97-AF65-F5344CB8AC3E}">
-        <p14:creationId xmlns:p14="http://schemas.microsoft.com/office/powerpoint/2010/main" val="2163861763"/>
-      </p:ext>
-    </p:extLst>
-  </p:cSld>
-  <p:clrMapOvr>
-    <a:masterClrMapping/>
-  </p:clrMapOvr>
-</p:sld>
-</file>
-
-<file path=ppt/slides/slide6.xml><?xml version="1.0" encoding="utf-8"?>
-<p:sld xmlns:a="http://schemas.openxmlformats.org/drawingml/2006/main" xmlns:r="http://schemas.openxmlformats.org/officeDocument/2006/relationships" xmlns:p="http://schemas.openxmlformats.org/presentationml/2006/main">
-  <p:cSld>
-    <p:spTree>
-      <p:nvGrpSpPr>
-        <p:cNvPr id="1" name=""/>
-        <p:cNvGrpSpPr/>
-        <p:nvPr/>
-      </p:nvGrpSpPr>
-      <p:grpSpPr>
-        <a:xfrm>
-          <a:off x="0" y="0"/>
-          <a:ext cx="0" cy="0"/>
-          <a:chOff x="0" y="0"/>
-          <a:chExt cx="0" cy="0"/>
-        </a:xfrm>
-      </p:grpSpPr>
       <p:grpSp>
         <p:nvGrpSpPr>
           <p:cNvPr id="1047" name="Group 1046"/>
@@ -26042,6 +24206,2388 @@
 </p:sld>
 </file>
 
+<file path=ppt/slides/slide6.xml><?xml version="1.0" encoding="utf-8"?>
+<p:sld xmlns:a="http://schemas.openxmlformats.org/drawingml/2006/main" xmlns:r="http://schemas.openxmlformats.org/officeDocument/2006/relationships" xmlns:p="http://schemas.openxmlformats.org/presentationml/2006/main">
+  <p:cSld>
+    <p:spTree>
+      <p:nvGrpSpPr>
+        <p:cNvPr id="1" name=""/>
+        <p:cNvGrpSpPr/>
+        <p:nvPr/>
+      </p:nvGrpSpPr>
+      <p:grpSpPr>
+        <a:xfrm>
+          <a:off x="0" y="0"/>
+          <a:ext cx="0" cy="0"/>
+          <a:chOff x="0" y="0"/>
+          <a:chExt cx="0" cy="0"/>
+        </a:xfrm>
+      </p:grpSpPr>
+      <p:sp>
+        <p:nvSpPr>
+          <p:cNvPr id="2" name="Title 1"/>
+          <p:cNvSpPr>
+            <a:spLocks noGrp="1"/>
+          </p:cNvSpPr>
+          <p:nvPr>
+            <p:ph type="title"/>
+          </p:nvPr>
+        </p:nvSpPr>
+        <p:spPr>
+          <a:xfrm>
+            <a:off x="628475" y="184151"/>
+            <a:ext cx="10515600" cy="763806"/>
+          </a:xfrm>
+        </p:spPr>
+        <p:txBody>
+          <a:bodyPr/>
+          <a:lstStyle/>
+          <a:p>
+            <a:r>
+              <a:rPr lang="en-US" dirty="0"/>
+              <a:t>Canceling low frequency oscillations</a:t>
+            </a:r>
+          </a:p>
+        </p:txBody>
+      </p:sp>
+      <mc:AlternateContent xmlns:mc="http://schemas.openxmlformats.org/markup-compatibility/2006" xmlns:a14="http://schemas.microsoft.com/office/drawing/2010/main">
+        <mc:Choice Requires="a14">
+          <p:sp>
+            <p:nvSpPr>
+              <p:cNvPr id="3" name="Content Placeholder 2"/>
+              <p:cNvSpPr>
+                <a:spLocks noGrp="1"/>
+              </p:cNvSpPr>
+              <p:nvPr>
+                <p:ph idx="1"/>
+              </p:nvPr>
+            </p:nvSpPr>
+            <p:spPr>
+              <a:xfrm>
+                <a:off x="838199" y="1419226"/>
+                <a:ext cx="10780643" cy="3116915"/>
+              </a:xfrm>
+            </p:spPr>
+            <p:txBody>
+              <a:bodyPr>
+                <a:noAutofit/>
+              </a:bodyPr>
+              <a:lstStyle/>
+              <a:p>
+                <a:pPr marL="0" indent="0">
+                  <a:buNone/>
+                </a:pPr>
+                <a14:m>
+                  <m:oMathPara xmlns:m="http://schemas.openxmlformats.org/officeDocument/2006/math">
+                    <m:oMathParaPr>
+                      <m:jc m:val="left"/>
+                    </m:oMathParaPr>
+                    <m:oMath xmlns:m="http://schemas.openxmlformats.org/officeDocument/2006/math">
+                      <m:sSub>
+                        <m:sSubPr>
+                          <m:ctrlPr>
+                            <a:rPr lang="en-US" sz="2400" i="1" smtClean="0">
+                              <a:latin typeface="Cambria Math" panose="02040503050406030204" pitchFamily="18" charset="0"/>
+                              <a:ea typeface="Cambria Math" panose="02040503050406030204" pitchFamily="18" charset="0"/>
+                            </a:rPr>
+                          </m:ctrlPr>
+                        </m:sSubPr>
+                        <m:e>
+                          <m:r>
+                            <a:rPr lang="en-US" sz="2400" b="0" i="1" smtClean="0">
+                              <a:latin typeface="Cambria Math" panose="02040503050406030204" pitchFamily="18" charset="0"/>
+                              <a:ea typeface="Cambria Math" panose="02040503050406030204" pitchFamily="18" charset="0"/>
+                            </a:rPr>
+                            <m:t>𝐻</m:t>
+                          </m:r>
+                        </m:e>
+                        <m:sub>
+                          <m:r>
+                            <a:rPr lang="en-US" sz="2400" b="0" i="1" smtClean="0">
+                              <a:latin typeface="Cambria Math" panose="02040503050406030204" pitchFamily="18" charset="0"/>
+                              <a:ea typeface="Cambria Math" panose="02040503050406030204" pitchFamily="18" charset="0"/>
+                            </a:rPr>
+                            <m:t>𝑂𝐷𝐹</m:t>
+                          </m:r>
+                        </m:sub>
+                      </m:sSub>
+                      <m:r>
+                        <a:rPr lang="en-US" sz="2400" b="0" i="1" smtClean="0">
+                          <a:latin typeface="Cambria Math" panose="02040503050406030204" pitchFamily="18" charset="0"/>
+                          <a:ea typeface="Cambria Math" panose="02040503050406030204" pitchFamily="18" charset="0"/>
+                        </a:rPr>
+                        <m:t>=</m:t>
+                      </m:r>
+                      <m:r>
+                        <a:rPr lang="en-US" sz="2400" b="0" i="1" smtClean="0">
+                          <a:latin typeface="Cambria Math" panose="02040503050406030204" pitchFamily="18" charset="0"/>
+                          <a:ea typeface="Cambria Math" panose="02040503050406030204" pitchFamily="18" charset="0"/>
+                        </a:rPr>
+                        <m:t>𝑈</m:t>
+                      </m:r>
+                      <m:nary>
+                        <m:naryPr>
+                          <m:chr m:val="∑"/>
+                          <m:supHide m:val="on"/>
+                          <m:ctrlPr>
+                            <a:rPr lang="en-US" sz="2400" b="0" i="1" smtClean="0">
+                              <a:latin typeface="Cambria Math" panose="02040503050406030204" pitchFamily="18" charset="0"/>
+                              <a:ea typeface="Cambria Math" panose="02040503050406030204" pitchFamily="18" charset="0"/>
+                            </a:rPr>
+                          </m:ctrlPr>
+                        </m:naryPr>
+                        <m:sub>
+                          <m:r>
+                            <m:rPr>
+                              <m:brk m:alnAt="7"/>
+                            </m:rPr>
+                            <a:rPr lang="en-US" sz="2400" b="0" i="1" smtClean="0">
+                              <a:latin typeface="Cambria Math" panose="02040503050406030204" pitchFamily="18" charset="0"/>
+                              <a:ea typeface="Cambria Math" panose="02040503050406030204" pitchFamily="18" charset="0"/>
+                            </a:rPr>
+                            <m:t>𝑖</m:t>
+                          </m:r>
+                        </m:sub>
+                        <m:sup/>
+                        <m:e>
+                          <m:func>
+                            <m:funcPr>
+                              <m:ctrlPr>
+                                <a:rPr lang="en-US" sz="2400" b="0" i="1" smtClean="0">
+                                  <a:latin typeface="Cambria Math" panose="02040503050406030204" pitchFamily="18" charset="0"/>
+                                  <a:ea typeface="Cambria Math" panose="02040503050406030204" pitchFamily="18" charset="0"/>
+                                </a:rPr>
+                              </m:ctrlPr>
+                            </m:funcPr>
+                            <m:fName>
+                              <m:r>
+                                <m:rPr>
+                                  <m:sty m:val="p"/>
+                                </m:rPr>
+                                <a:rPr lang="en-US" sz="2400" b="0" i="0" smtClean="0">
+                                  <a:latin typeface="Cambria Math" panose="02040503050406030204" pitchFamily="18" charset="0"/>
+                                  <a:ea typeface="Cambria Math" panose="02040503050406030204" pitchFamily="18" charset="0"/>
+                                </a:rPr>
+                                <m:t>sin</m:t>
+                              </m:r>
+                            </m:fName>
+                            <m:e>
+                              <m:d>
+                                <m:dPr>
+                                  <m:begChr m:val="["/>
+                                  <m:endChr m:val="]"/>
+                                  <m:ctrlPr>
+                                    <a:rPr lang="en-US" sz="2400" i="1">
+                                      <a:latin typeface="Cambria Math" panose="02040503050406030204" pitchFamily="18" charset="0"/>
+                                      <a:ea typeface="Cambria Math" panose="02040503050406030204" pitchFamily="18" charset="0"/>
+                                    </a:rPr>
+                                  </m:ctrlPr>
+                                </m:dPr>
+                                <m:e>
+                                  <m:r>
+                                    <a:rPr lang="en-US" sz="2400" i="1">
+                                      <a:latin typeface="Cambria Math" panose="02040503050406030204" pitchFamily="18" charset="0"/>
+                                      <a:ea typeface="Cambria Math" panose="02040503050406030204" pitchFamily="18" charset="0"/>
+                                    </a:rPr>
+                                    <m:t>𝛿</m:t>
+                                  </m:r>
+                                  <m:r>
+                                    <a:rPr lang="en-US" sz="2400" i="1">
+                                      <a:latin typeface="Cambria Math" panose="02040503050406030204" pitchFamily="18" charset="0"/>
+                                      <a:ea typeface="Cambria Math" panose="02040503050406030204" pitchFamily="18" charset="0"/>
+                                    </a:rPr>
+                                    <m:t>𝑘</m:t>
+                                  </m:r>
+                                  <m:r>
+                                    <a:rPr lang="en-US" sz="2400" i="1">
+                                      <a:latin typeface="Cambria Math" panose="02040503050406030204" pitchFamily="18" charset="0"/>
+                                      <a:ea typeface="Cambria Math" panose="02040503050406030204" pitchFamily="18" charset="0"/>
+                                    </a:rPr>
+                                    <m:t>∙</m:t>
+                                  </m:r>
+                                  <m:sSub>
+                                    <m:sSubPr>
+                                      <m:ctrlPr>
+                                        <a:rPr lang="en-US" sz="2400" i="1">
+                                          <a:latin typeface="Cambria Math" panose="02040503050406030204" pitchFamily="18" charset="0"/>
+                                        </a:rPr>
+                                      </m:ctrlPr>
+                                    </m:sSubPr>
+                                    <m:e>
+                                      <m:acc>
+                                        <m:accPr>
+                                          <m:chr m:val="̂"/>
+                                          <m:ctrlPr>
+                                            <a:rPr lang="en-US" sz="2400" i="1">
+                                              <a:latin typeface="Cambria Math" panose="02040503050406030204" pitchFamily="18" charset="0"/>
+                                            </a:rPr>
+                                          </m:ctrlPr>
+                                        </m:accPr>
+                                        <m:e>
+                                          <m:r>
+                                            <a:rPr lang="en-US" sz="2400" i="1">
+                                              <a:latin typeface="Cambria Math" panose="02040503050406030204" pitchFamily="18" charset="0"/>
+                                            </a:rPr>
+                                            <m:t>𝑧</m:t>
+                                          </m:r>
+                                        </m:e>
+                                      </m:acc>
+                                    </m:e>
+                                    <m:sub>
+                                      <m:r>
+                                        <a:rPr lang="en-US" sz="2400" i="1">
+                                          <a:latin typeface="Cambria Math" panose="02040503050406030204" pitchFamily="18" charset="0"/>
+                                        </a:rPr>
+                                        <m:t>𝑖</m:t>
+                                      </m:r>
+                                    </m:sub>
+                                  </m:sSub>
+                                  <m:r>
+                                    <a:rPr lang="en-US" sz="2400" i="1">
+                                      <a:latin typeface="Cambria Math" panose="02040503050406030204" pitchFamily="18" charset="0"/>
+                                      <a:ea typeface="Cambria Math" panose="02040503050406030204" pitchFamily="18" charset="0"/>
+                                    </a:rPr>
+                                    <m:t>−</m:t>
+                                  </m:r>
+                                  <m:r>
+                                    <a:rPr lang="en-US" sz="2400" i="1">
+                                      <a:latin typeface="Cambria Math" panose="02040503050406030204" pitchFamily="18" charset="0"/>
+                                      <a:ea typeface="Cambria Math" panose="02040503050406030204" pitchFamily="18" charset="0"/>
+                                    </a:rPr>
+                                    <m:t>𝜇</m:t>
+                                  </m:r>
+                                  <m:r>
+                                    <a:rPr lang="en-US" sz="2400" i="1">
+                                      <a:latin typeface="Cambria Math" panose="02040503050406030204" pitchFamily="18" charset="0"/>
+                                      <a:ea typeface="Cambria Math" panose="02040503050406030204" pitchFamily="18" charset="0"/>
+                                    </a:rPr>
+                                    <m:t>𝑡</m:t>
+                                  </m:r>
+                                </m:e>
+                              </m:d>
+                            </m:e>
+                          </m:func>
+                          <m:sSubSup>
+                            <m:sSubSupPr>
+                              <m:ctrlPr>
+                                <a:rPr lang="en-US" sz="2400" i="1">
+                                  <a:latin typeface="Cambria Math" panose="02040503050406030204" pitchFamily="18" charset="0"/>
+                                </a:rPr>
+                              </m:ctrlPr>
+                            </m:sSubSupPr>
+                            <m:e>
+                              <m:acc>
+                                <m:accPr>
+                                  <m:chr m:val="̂"/>
+                                  <m:ctrlPr>
+                                    <a:rPr lang="en-US" sz="2400" i="1">
+                                      <a:latin typeface="Cambria Math" panose="02040503050406030204" pitchFamily="18" charset="0"/>
+                                    </a:rPr>
+                                  </m:ctrlPr>
+                                </m:accPr>
+                                <m:e>
+                                  <m:r>
+                                    <a:rPr lang="en-US" sz="2400" i="1">
+                                      <a:latin typeface="Cambria Math" panose="02040503050406030204" pitchFamily="18" charset="0"/>
+                                    </a:rPr>
+                                    <m:t>𝜎</m:t>
+                                  </m:r>
+                                </m:e>
+                              </m:acc>
+                            </m:e>
+                            <m:sub>
+                              <m:r>
+                                <a:rPr lang="en-US" sz="2400" i="1">
+                                  <a:latin typeface="Cambria Math" panose="02040503050406030204" pitchFamily="18" charset="0"/>
+                                </a:rPr>
+                                <m:t>𝑖</m:t>
+                              </m:r>
+                            </m:sub>
+                            <m:sup>
+                              <m:r>
+                                <a:rPr lang="en-US" sz="2400" i="1">
+                                  <a:latin typeface="Cambria Math" panose="02040503050406030204" pitchFamily="18" charset="0"/>
+                                </a:rPr>
+                                <m:t>𝑧</m:t>
+                              </m:r>
+                            </m:sup>
+                          </m:sSubSup>
+                        </m:e>
+                      </m:nary>
+                    </m:oMath>
+                  </m:oMathPara>
+                </a14:m>
+                <a:endParaRPr lang="en-US" sz="2400" b="0" i="1" dirty="0">
+                  <a:latin typeface="Cambria Math" panose="02040503050406030204" pitchFamily="18" charset="0"/>
+                  <a:ea typeface="Cambria Math" panose="02040503050406030204" pitchFamily="18" charset="0"/>
+                </a:endParaRPr>
+              </a:p>
+              <a:p>
+                <a:pPr marL="0" indent="0">
+                  <a:buNone/>
+                </a:pPr>
+                <a14:m>
+                  <m:oMathPara xmlns:m="http://schemas.openxmlformats.org/officeDocument/2006/math">
+                    <m:oMathParaPr>
+                      <m:jc m:val="left"/>
+                    </m:oMathParaPr>
+                    <m:oMath xmlns:m="http://schemas.openxmlformats.org/officeDocument/2006/math">
+                      <m:r>
+                        <a:rPr lang="en-US" sz="2400" b="0" i="1" smtClean="0">
+                          <a:latin typeface="Cambria Math" panose="02040503050406030204" pitchFamily="18" charset="0"/>
+                          <a:ea typeface="Cambria Math" panose="02040503050406030204" pitchFamily="18" charset="0"/>
+                        </a:rPr>
+                        <m:t>           </m:t>
+                      </m:r>
+                      <m:r>
+                        <a:rPr lang="en-US" sz="2400" i="1">
+                          <a:latin typeface="Cambria Math" panose="02040503050406030204" pitchFamily="18" charset="0"/>
+                          <a:ea typeface="Cambria Math" panose="02040503050406030204" pitchFamily="18" charset="0"/>
+                        </a:rPr>
+                        <m:t>= </m:t>
+                      </m:r>
+                      <m:r>
+                        <a:rPr lang="en-US" sz="2400" i="1">
+                          <a:latin typeface="Cambria Math" panose="02040503050406030204" pitchFamily="18" charset="0"/>
+                          <a:ea typeface="Cambria Math" panose="02040503050406030204" pitchFamily="18" charset="0"/>
+                        </a:rPr>
+                        <m:t>𝑈</m:t>
+                      </m:r>
+                      <m:nary>
+                        <m:naryPr>
+                          <m:chr m:val="∑"/>
+                          <m:supHide m:val="on"/>
+                          <m:ctrlPr>
+                            <a:rPr lang="en-US" sz="2400" i="1">
+                              <a:latin typeface="Cambria Math" panose="02040503050406030204" pitchFamily="18" charset="0"/>
+                              <a:ea typeface="Cambria Math" panose="02040503050406030204" pitchFamily="18" charset="0"/>
+                            </a:rPr>
+                          </m:ctrlPr>
+                        </m:naryPr>
+                        <m:sub>
+                          <m:r>
+                            <m:rPr>
+                              <m:brk m:alnAt="7"/>
+                            </m:rPr>
+                            <a:rPr lang="en-US" sz="2400" i="1">
+                              <a:latin typeface="Cambria Math" panose="02040503050406030204" pitchFamily="18" charset="0"/>
+                              <a:ea typeface="Cambria Math" panose="02040503050406030204" pitchFamily="18" charset="0"/>
+                            </a:rPr>
+                            <m:t>𝑖</m:t>
+                          </m:r>
+                        </m:sub>
+                        <m:sup/>
+                        <m:e>
+                          <m:func>
+                            <m:funcPr>
+                              <m:ctrlPr>
+                                <a:rPr lang="en-US" sz="2400" i="1">
+                                  <a:latin typeface="Cambria Math" panose="02040503050406030204" pitchFamily="18" charset="0"/>
+                                  <a:ea typeface="Cambria Math" panose="02040503050406030204" pitchFamily="18" charset="0"/>
+                                </a:rPr>
+                              </m:ctrlPr>
+                            </m:funcPr>
+                            <m:fName>
+                              <m:r>
+                                <m:rPr>
+                                  <m:sty m:val="p"/>
+                                </m:rPr>
+                                <a:rPr lang="en-US" sz="2400">
+                                  <a:latin typeface="Cambria Math" panose="02040503050406030204" pitchFamily="18" charset="0"/>
+                                  <a:ea typeface="Cambria Math" panose="02040503050406030204" pitchFamily="18" charset="0"/>
+                                </a:rPr>
+                                <m:t>sin</m:t>
+                              </m:r>
+                            </m:fName>
+                            <m:e>
+                              <m:d>
+                                <m:dPr>
+                                  <m:ctrlPr>
+                                    <a:rPr lang="en-US" sz="2400" i="1">
+                                      <a:latin typeface="Cambria Math" panose="02040503050406030204" pitchFamily="18" charset="0"/>
+                                      <a:ea typeface="Cambria Math" panose="02040503050406030204" pitchFamily="18" charset="0"/>
+                                    </a:rPr>
+                                  </m:ctrlPr>
+                                </m:dPr>
+                                <m:e>
+                                  <m:r>
+                                    <a:rPr lang="en-US" sz="2400" i="1">
+                                      <a:latin typeface="Cambria Math" panose="02040503050406030204" pitchFamily="18" charset="0"/>
+                                      <a:ea typeface="Cambria Math" panose="02040503050406030204" pitchFamily="18" charset="0"/>
+                                    </a:rPr>
+                                    <m:t>𝛿</m:t>
+                                  </m:r>
+                                  <m:r>
+                                    <a:rPr lang="en-US" sz="2400" i="1">
+                                      <a:latin typeface="Cambria Math" panose="02040503050406030204" pitchFamily="18" charset="0"/>
+                                      <a:ea typeface="Cambria Math" panose="02040503050406030204" pitchFamily="18" charset="0"/>
+                                    </a:rPr>
+                                    <m:t>𝑘</m:t>
+                                  </m:r>
+                                  <m:r>
+                                    <a:rPr lang="en-US" sz="2400" i="1">
+                                      <a:latin typeface="Cambria Math" panose="02040503050406030204" pitchFamily="18" charset="0"/>
+                                      <a:ea typeface="Cambria Math" panose="02040503050406030204" pitchFamily="18" charset="0"/>
+                                    </a:rPr>
+                                    <m:t>∙</m:t>
+                                  </m:r>
+                                  <m:sSub>
+                                    <m:sSubPr>
+                                      <m:ctrlPr>
+                                        <a:rPr lang="en-US" sz="2400" i="1">
+                                          <a:latin typeface="Cambria Math" panose="02040503050406030204" pitchFamily="18" charset="0"/>
+                                        </a:rPr>
+                                      </m:ctrlPr>
+                                    </m:sSubPr>
+                                    <m:e>
+                                      <m:acc>
+                                        <m:accPr>
+                                          <m:chr m:val="̂"/>
+                                          <m:ctrlPr>
+                                            <a:rPr lang="en-US" sz="2400" i="1">
+                                              <a:latin typeface="Cambria Math" panose="02040503050406030204" pitchFamily="18" charset="0"/>
+                                            </a:rPr>
+                                          </m:ctrlPr>
+                                        </m:accPr>
+                                        <m:e>
+                                          <m:r>
+                                            <a:rPr lang="en-US" sz="2400" i="1">
+                                              <a:latin typeface="Cambria Math" panose="02040503050406030204" pitchFamily="18" charset="0"/>
+                                            </a:rPr>
+                                            <m:t>𝑧</m:t>
+                                          </m:r>
+                                        </m:e>
+                                      </m:acc>
+                                    </m:e>
+                                    <m:sub>
+                                      <m:r>
+                                        <a:rPr lang="en-US" sz="2400" i="1">
+                                          <a:latin typeface="Cambria Math" panose="02040503050406030204" pitchFamily="18" charset="0"/>
+                                        </a:rPr>
+                                        <m:t>𝑖</m:t>
+                                      </m:r>
+                                    </m:sub>
+                                  </m:sSub>
+                                </m:e>
+                              </m:d>
+                            </m:e>
+                          </m:func>
+                          <m:func>
+                            <m:funcPr>
+                              <m:ctrlPr>
+                                <a:rPr lang="en-US" sz="2400" i="1">
+                                  <a:latin typeface="Cambria Math" panose="02040503050406030204" pitchFamily="18" charset="0"/>
+                                  <a:ea typeface="Cambria Math" panose="02040503050406030204" pitchFamily="18" charset="0"/>
+                                </a:rPr>
+                              </m:ctrlPr>
+                            </m:funcPr>
+                            <m:fName>
+                              <m:r>
+                                <m:rPr>
+                                  <m:sty m:val="p"/>
+                                </m:rPr>
+                                <a:rPr lang="en-US" sz="2400">
+                                  <a:latin typeface="Cambria Math" panose="02040503050406030204" pitchFamily="18" charset="0"/>
+                                  <a:ea typeface="Cambria Math" panose="02040503050406030204" pitchFamily="18" charset="0"/>
+                                </a:rPr>
+                                <m:t>cos</m:t>
+                              </m:r>
+                            </m:fName>
+                            <m:e>
+                              <m:d>
+                                <m:dPr>
+                                  <m:ctrlPr>
+                                    <a:rPr lang="en-US" sz="2400" i="1">
+                                      <a:latin typeface="Cambria Math" panose="02040503050406030204" pitchFamily="18" charset="0"/>
+                                      <a:ea typeface="Cambria Math" panose="02040503050406030204" pitchFamily="18" charset="0"/>
+                                    </a:rPr>
+                                  </m:ctrlPr>
+                                </m:dPr>
+                                <m:e>
+                                  <m:r>
+                                    <a:rPr lang="en-US" sz="2400" i="1">
+                                      <a:latin typeface="Cambria Math" panose="02040503050406030204" pitchFamily="18" charset="0"/>
+                                      <a:ea typeface="Cambria Math" panose="02040503050406030204" pitchFamily="18" charset="0"/>
+                                    </a:rPr>
+                                    <m:t>𝜇</m:t>
+                                  </m:r>
+                                  <m:r>
+                                    <a:rPr lang="en-US" sz="2400" i="1">
+                                      <a:latin typeface="Cambria Math" panose="02040503050406030204" pitchFamily="18" charset="0"/>
+                                      <a:ea typeface="Cambria Math" panose="02040503050406030204" pitchFamily="18" charset="0"/>
+                                    </a:rPr>
+                                    <m:t>𝑡</m:t>
+                                  </m:r>
+                                </m:e>
+                              </m:d>
+                              <m:sSubSup>
+                                <m:sSubSupPr>
+                                  <m:ctrlPr>
+                                    <a:rPr lang="en-US" sz="2400" i="1">
+                                      <a:latin typeface="Cambria Math" panose="02040503050406030204" pitchFamily="18" charset="0"/>
+                                    </a:rPr>
+                                  </m:ctrlPr>
+                                </m:sSubSupPr>
+                                <m:e>
+                                  <m:acc>
+                                    <m:accPr>
+                                      <m:chr m:val="̂"/>
+                                      <m:ctrlPr>
+                                        <a:rPr lang="en-US" sz="2400" i="1">
+                                          <a:latin typeface="Cambria Math" panose="02040503050406030204" pitchFamily="18" charset="0"/>
+                                        </a:rPr>
+                                      </m:ctrlPr>
+                                    </m:accPr>
+                                    <m:e>
+                                      <m:r>
+                                        <a:rPr lang="en-US" sz="2400" i="1">
+                                          <a:latin typeface="Cambria Math" panose="02040503050406030204" pitchFamily="18" charset="0"/>
+                                        </a:rPr>
+                                        <m:t>𝜎</m:t>
+                                      </m:r>
+                                    </m:e>
+                                  </m:acc>
+                                </m:e>
+                                <m:sub>
+                                  <m:r>
+                                    <a:rPr lang="en-US" sz="2400" i="1">
+                                      <a:latin typeface="Cambria Math" panose="02040503050406030204" pitchFamily="18" charset="0"/>
+                                    </a:rPr>
+                                    <m:t>𝑖</m:t>
+                                  </m:r>
+                                </m:sub>
+                                <m:sup>
+                                  <m:r>
+                                    <a:rPr lang="en-US" sz="2400" i="1">
+                                      <a:latin typeface="Cambria Math" panose="02040503050406030204" pitchFamily="18" charset="0"/>
+                                    </a:rPr>
+                                    <m:t>𝑧</m:t>
+                                  </m:r>
+                                </m:sup>
+                              </m:sSubSup>
+                            </m:e>
+                          </m:func>
+                          <m:r>
+                            <a:rPr lang="en-US" sz="2400" i="1">
+                              <a:latin typeface="Cambria Math" panose="02040503050406030204" pitchFamily="18" charset="0"/>
+                              <a:ea typeface="Cambria Math" panose="02040503050406030204" pitchFamily="18" charset="0"/>
+                            </a:rPr>
+                            <m:t>−</m:t>
+                          </m:r>
+                          <m:r>
+                            <a:rPr lang="en-US" sz="2400" i="1">
+                              <a:latin typeface="Cambria Math" panose="02040503050406030204" pitchFamily="18" charset="0"/>
+                              <a:ea typeface="Cambria Math" panose="02040503050406030204" pitchFamily="18" charset="0"/>
+                            </a:rPr>
+                            <m:t>𝑈</m:t>
+                          </m:r>
+                          <m:nary>
+                            <m:naryPr>
+                              <m:chr m:val="∑"/>
+                              <m:supHide m:val="on"/>
+                              <m:ctrlPr>
+                                <a:rPr lang="en-US" sz="2400" i="1">
+                                  <a:latin typeface="Cambria Math" panose="02040503050406030204" pitchFamily="18" charset="0"/>
+                                  <a:ea typeface="Cambria Math" panose="02040503050406030204" pitchFamily="18" charset="0"/>
+                                </a:rPr>
+                              </m:ctrlPr>
+                            </m:naryPr>
+                            <m:sub>
+                              <m:r>
+                                <m:rPr>
+                                  <m:brk m:alnAt="7"/>
+                                </m:rPr>
+                                <a:rPr lang="en-US" sz="2400" i="1">
+                                  <a:latin typeface="Cambria Math" panose="02040503050406030204" pitchFamily="18" charset="0"/>
+                                  <a:ea typeface="Cambria Math" panose="02040503050406030204" pitchFamily="18" charset="0"/>
+                                </a:rPr>
+                                <m:t>𝑖</m:t>
+                              </m:r>
+                            </m:sub>
+                            <m:sup/>
+                            <m:e>
+                              <m:func>
+                                <m:funcPr>
+                                  <m:ctrlPr>
+                                    <a:rPr lang="en-US" sz="2400" i="1">
+                                      <a:latin typeface="Cambria Math" panose="02040503050406030204" pitchFamily="18" charset="0"/>
+                                      <a:ea typeface="Cambria Math" panose="02040503050406030204" pitchFamily="18" charset="0"/>
+                                    </a:rPr>
+                                  </m:ctrlPr>
+                                </m:funcPr>
+                                <m:fName>
+                                  <m:r>
+                                    <m:rPr>
+                                      <m:sty m:val="p"/>
+                                    </m:rPr>
+                                    <a:rPr lang="en-US" sz="2400">
+                                      <a:latin typeface="Cambria Math" panose="02040503050406030204" pitchFamily="18" charset="0"/>
+                                      <a:ea typeface="Cambria Math" panose="02040503050406030204" pitchFamily="18" charset="0"/>
+                                    </a:rPr>
+                                    <m:t>cos</m:t>
+                                  </m:r>
+                                </m:fName>
+                                <m:e>
+                                  <m:d>
+                                    <m:dPr>
+                                      <m:ctrlPr>
+                                        <a:rPr lang="en-US" sz="2400" i="1">
+                                          <a:latin typeface="Cambria Math" panose="02040503050406030204" pitchFamily="18" charset="0"/>
+                                          <a:ea typeface="Cambria Math" panose="02040503050406030204" pitchFamily="18" charset="0"/>
+                                        </a:rPr>
+                                      </m:ctrlPr>
+                                    </m:dPr>
+                                    <m:e>
+                                      <m:r>
+                                        <a:rPr lang="en-US" sz="2400" i="1">
+                                          <a:latin typeface="Cambria Math" panose="02040503050406030204" pitchFamily="18" charset="0"/>
+                                          <a:ea typeface="Cambria Math" panose="02040503050406030204" pitchFamily="18" charset="0"/>
+                                        </a:rPr>
+                                        <m:t>𝛿</m:t>
+                                      </m:r>
+                                      <m:r>
+                                        <a:rPr lang="en-US" sz="2400" i="1">
+                                          <a:latin typeface="Cambria Math" panose="02040503050406030204" pitchFamily="18" charset="0"/>
+                                          <a:ea typeface="Cambria Math" panose="02040503050406030204" pitchFamily="18" charset="0"/>
+                                        </a:rPr>
+                                        <m:t>𝑘</m:t>
+                                      </m:r>
+                                      <m:r>
+                                        <a:rPr lang="en-US" sz="2400" i="1">
+                                          <a:latin typeface="Cambria Math" panose="02040503050406030204" pitchFamily="18" charset="0"/>
+                                          <a:ea typeface="Cambria Math" panose="02040503050406030204" pitchFamily="18" charset="0"/>
+                                        </a:rPr>
+                                        <m:t>∙</m:t>
+                                      </m:r>
+                                      <m:sSub>
+                                        <m:sSubPr>
+                                          <m:ctrlPr>
+                                            <a:rPr lang="en-US" sz="2400" i="1">
+                                              <a:latin typeface="Cambria Math" panose="02040503050406030204" pitchFamily="18" charset="0"/>
+                                            </a:rPr>
+                                          </m:ctrlPr>
+                                        </m:sSubPr>
+                                        <m:e>
+                                          <m:acc>
+                                            <m:accPr>
+                                              <m:chr m:val="̂"/>
+                                              <m:ctrlPr>
+                                                <a:rPr lang="en-US" sz="2400" i="1">
+                                                  <a:latin typeface="Cambria Math" panose="02040503050406030204" pitchFamily="18" charset="0"/>
+                                                </a:rPr>
+                                              </m:ctrlPr>
+                                            </m:accPr>
+                                            <m:e>
+                                              <m:r>
+                                                <a:rPr lang="en-US" sz="2400" i="1">
+                                                  <a:latin typeface="Cambria Math" panose="02040503050406030204" pitchFamily="18" charset="0"/>
+                                                </a:rPr>
+                                                <m:t>𝑧</m:t>
+                                              </m:r>
+                                            </m:e>
+                                          </m:acc>
+                                        </m:e>
+                                        <m:sub>
+                                          <m:r>
+                                            <a:rPr lang="en-US" sz="2400" i="1">
+                                              <a:latin typeface="Cambria Math" panose="02040503050406030204" pitchFamily="18" charset="0"/>
+                                            </a:rPr>
+                                            <m:t>𝑖</m:t>
+                                          </m:r>
+                                        </m:sub>
+                                      </m:sSub>
+                                    </m:e>
+                                  </m:d>
+                                </m:e>
+                              </m:func>
+                              <m:func>
+                                <m:funcPr>
+                                  <m:ctrlPr>
+                                    <a:rPr lang="en-US" sz="2400" i="1">
+                                      <a:latin typeface="Cambria Math" panose="02040503050406030204" pitchFamily="18" charset="0"/>
+                                      <a:ea typeface="Cambria Math" panose="02040503050406030204" pitchFamily="18" charset="0"/>
+                                    </a:rPr>
+                                  </m:ctrlPr>
+                                </m:funcPr>
+                                <m:fName>
+                                  <m:r>
+                                    <m:rPr>
+                                      <m:sty m:val="p"/>
+                                    </m:rPr>
+                                    <a:rPr lang="en-US" sz="2400">
+                                      <a:latin typeface="Cambria Math" panose="02040503050406030204" pitchFamily="18" charset="0"/>
+                                      <a:ea typeface="Cambria Math" panose="02040503050406030204" pitchFamily="18" charset="0"/>
+                                    </a:rPr>
+                                    <m:t>sin</m:t>
+                                  </m:r>
+                                </m:fName>
+                                <m:e>
+                                  <m:d>
+                                    <m:dPr>
+                                      <m:ctrlPr>
+                                        <a:rPr lang="en-US" sz="2400" i="1">
+                                          <a:latin typeface="Cambria Math" panose="02040503050406030204" pitchFamily="18" charset="0"/>
+                                          <a:ea typeface="Cambria Math" panose="02040503050406030204" pitchFamily="18" charset="0"/>
+                                        </a:rPr>
+                                      </m:ctrlPr>
+                                    </m:dPr>
+                                    <m:e>
+                                      <m:r>
+                                        <a:rPr lang="en-US" sz="2400" i="1">
+                                          <a:latin typeface="Cambria Math" panose="02040503050406030204" pitchFamily="18" charset="0"/>
+                                          <a:ea typeface="Cambria Math" panose="02040503050406030204" pitchFamily="18" charset="0"/>
+                                        </a:rPr>
+                                        <m:t>𝜇</m:t>
+                                      </m:r>
+                                      <m:r>
+                                        <a:rPr lang="en-US" sz="2400" i="1">
+                                          <a:latin typeface="Cambria Math" panose="02040503050406030204" pitchFamily="18" charset="0"/>
+                                          <a:ea typeface="Cambria Math" panose="02040503050406030204" pitchFamily="18" charset="0"/>
+                                        </a:rPr>
+                                        <m:t>𝑡</m:t>
+                                      </m:r>
+                                    </m:e>
+                                  </m:d>
+                                </m:e>
+                              </m:func>
+                            </m:e>
+                          </m:nary>
+                        </m:e>
+                      </m:nary>
+                      <m:sSubSup>
+                        <m:sSubSupPr>
+                          <m:ctrlPr>
+                            <a:rPr lang="en-US" sz="2400" i="1">
+                              <a:latin typeface="Cambria Math" panose="02040503050406030204" pitchFamily="18" charset="0"/>
+                            </a:rPr>
+                          </m:ctrlPr>
+                        </m:sSubSupPr>
+                        <m:e>
+                          <m:acc>
+                            <m:accPr>
+                              <m:chr m:val="̂"/>
+                              <m:ctrlPr>
+                                <a:rPr lang="en-US" sz="2400" i="1">
+                                  <a:latin typeface="Cambria Math" panose="02040503050406030204" pitchFamily="18" charset="0"/>
+                                </a:rPr>
+                              </m:ctrlPr>
+                            </m:accPr>
+                            <m:e>
+                              <m:r>
+                                <a:rPr lang="en-US" sz="2400" i="1">
+                                  <a:latin typeface="Cambria Math" panose="02040503050406030204" pitchFamily="18" charset="0"/>
+                                </a:rPr>
+                                <m:t>𝜎</m:t>
+                              </m:r>
+                            </m:e>
+                          </m:acc>
+                        </m:e>
+                        <m:sub>
+                          <m:r>
+                            <a:rPr lang="en-US" sz="2400" i="1">
+                              <a:latin typeface="Cambria Math" panose="02040503050406030204" pitchFamily="18" charset="0"/>
+                            </a:rPr>
+                            <m:t>𝑖</m:t>
+                          </m:r>
+                        </m:sub>
+                        <m:sup>
+                          <m:r>
+                            <a:rPr lang="en-US" sz="2400" i="1">
+                              <a:latin typeface="Cambria Math" panose="02040503050406030204" pitchFamily="18" charset="0"/>
+                            </a:rPr>
+                            <m:t>𝑧</m:t>
+                          </m:r>
+                        </m:sup>
+                      </m:sSubSup>
+                    </m:oMath>
+                  </m:oMathPara>
+                </a14:m>
+                <a:endParaRPr lang="en-US" sz="2400" b="0" dirty="0">
+                  <a:ea typeface="Cambria Math" panose="02040503050406030204" pitchFamily="18" charset="0"/>
+                </a:endParaRPr>
+              </a:p>
+              <a:p>
+                <a:pPr marL="0" indent="0">
+                  <a:lnSpc>
+                    <a:spcPct val="150000"/>
+                  </a:lnSpc>
+                  <a:buNone/>
+                </a:pPr>
+                <a14:m>
+                  <m:oMathPara xmlns:m="http://schemas.openxmlformats.org/officeDocument/2006/math">
+                    <m:oMathParaPr>
+                      <m:jc m:val="left"/>
+                    </m:oMathParaPr>
+                    <m:oMath xmlns:m="http://schemas.openxmlformats.org/officeDocument/2006/math">
+                      <m:sSub>
+                        <m:sSubPr>
+                          <m:ctrlPr>
+                            <a:rPr lang="en-US" sz="2400" i="1">
+                              <a:latin typeface="Cambria Math" panose="02040503050406030204" pitchFamily="18" charset="0"/>
+                              <a:ea typeface="Cambria Math" panose="02040503050406030204" pitchFamily="18" charset="0"/>
+                            </a:rPr>
+                          </m:ctrlPr>
+                        </m:sSubPr>
+                        <m:e>
+                          <m:r>
+                            <a:rPr lang="en-US" sz="2400" i="1">
+                              <a:latin typeface="Cambria Math" panose="02040503050406030204" pitchFamily="18" charset="0"/>
+                              <a:ea typeface="Cambria Math" panose="02040503050406030204" pitchFamily="18" charset="0"/>
+                            </a:rPr>
+                            <m:t>𝐻</m:t>
+                          </m:r>
+                        </m:e>
+                        <m:sub>
+                          <m:r>
+                            <a:rPr lang="en-US" sz="2400" i="1">
+                              <a:latin typeface="Cambria Math" panose="02040503050406030204" pitchFamily="18" charset="0"/>
+                              <a:ea typeface="Cambria Math" panose="02040503050406030204" pitchFamily="18" charset="0"/>
+                            </a:rPr>
+                            <m:t>𝑂𝐷𝐹</m:t>
+                          </m:r>
+                        </m:sub>
+                      </m:sSub>
+                      <m:r>
+                        <a:rPr lang="en-US" sz="2400" i="1" smtClean="0">
+                          <a:latin typeface="Cambria Math" panose="02040503050406030204" pitchFamily="18" charset="0"/>
+                          <a:ea typeface="Cambria Math" panose="02040503050406030204" pitchFamily="18" charset="0"/>
+                        </a:rPr>
+                        <m:t>=</m:t>
+                      </m:r>
+                      <m:nary>
+                        <m:naryPr>
+                          <m:chr m:val="∑"/>
+                          <m:supHide m:val="on"/>
+                          <m:ctrlPr>
+                            <a:rPr lang="en-US" sz="2400" i="1">
+                              <a:latin typeface="Cambria Math" panose="02040503050406030204" pitchFamily="18" charset="0"/>
+                              <a:ea typeface="Cambria Math" panose="02040503050406030204" pitchFamily="18" charset="0"/>
+                            </a:rPr>
+                          </m:ctrlPr>
+                        </m:naryPr>
+                        <m:sub>
+                          <m:r>
+                            <m:rPr>
+                              <m:brk m:alnAt="7"/>
+                            </m:rPr>
+                            <a:rPr lang="en-US" sz="2400" i="1">
+                              <a:latin typeface="Cambria Math" panose="02040503050406030204" pitchFamily="18" charset="0"/>
+                              <a:ea typeface="Cambria Math" panose="02040503050406030204" pitchFamily="18" charset="0"/>
+                            </a:rPr>
+                            <m:t>𝑖</m:t>
+                          </m:r>
+                        </m:sub>
+                        <m:sup/>
+                        <m:e>
+                          <m:sSub>
+                            <m:sSubPr>
+                              <m:ctrlPr>
+                                <a:rPr lang="en-US" sz="2400" i="1">
+                                  <a:latin typeface="Cambria Math" panose="02040503050406030204" pitchFamily="18" charset="0"/>
+                                  <a:ea typeface="Cambria Math" panose="02040503050406030204" pitchFamily="18" charset="0"/>
+                                </a:rPr>
+                              </m:ctrlPr>
+                            </m:sSubPr>
+                            <m:e>
+                              <m:r>
+                                <a:rPr lang="en-US" sz="2400" i="1">
+                                  <a:latin typeface="Cambria Math" panose="02040503050406030204" pitchFamily="18" charset="0"/>
+                                  <a:ea typeface="Cambria Math" panose="02040503050406030204" pitchFamily="18" charset="0"/>
+                                </a:rPr>
+                                <m:t>𝐹</m:t>
+                              </m:r>
+                            </m:e>
+                            <m:sub>
+                              <m:r>
+                                <a:rPr lang="en-US" sz="2400" i="1">
+                                  <a:latin typeface="Cambria Math" panose="02040503050406030204" pitchFamily="18" charset="0"/>
+                                  <a:ea typeface="Cambria Math" panose="02040503050406030204" pitchFamily="18" charset="0"/>
+                                </a:rPr>
+                                <m:t>0</m:t>
+                              </m:r>
+                            </m:sub>
+                          </m:sSub>
+                          <m:func>
+                            <m:funcPr>
+                              <m:ctrlPr>
+                                <a:rPr lang="en-US" sz="2400" i="1">
+                                  <a:latin typeface="Cambria Math" panose="02040503050406030204" pitchFamily="18" charset="0"/>
+                                  <a:ea typeface="Cambria Math" panose="02040503050406030204" pitchFamily="18" charset="0"/>
+                                </a:rPr>
+                              </m:ctrlPr>
+                            </m:funcPr>
+                            <m:fName>
+                              <m:r>
+                                <m:rPr>
+                                  <m:sty m:val="p"/>
+                                </m:rPr>
+                                <a:rPr lang="en-US" sz="2400">
+                                  <a:latin typeface="Cambria Math" panose="02040503050406030204" pitchFamily="18" charset="0"/>
+                                  <a:ea typeface="Cambria Math" panose="02040503050406030204" pitchFamily="18" charset="0"/>
+                                </a:rPr>
+                                <m:t>cos</m:t>
+                              </m:r>
+                            </m:fName>
+                            <m:e>
+                              <m:r>
+                                <a:rPr lang="en-US" sz="2400" i="1">
+                                  <a:latin typeface="Cambria Math" panose="02040503050406030204" pitchFamily="18" charset="0"/>
+                                  <a:ea typeface="Cambria Math" panose="02040503050406030204" pitchFamily="18" charset="0"/>
+                                </a:rPr>
+                                <m:t>(</m:t>
+                              </m:r>
+                              <m:r>
+                                <a:rPr lang="en-US" sz="2400" i="1">
+                                  <a:latin typeface="Cambria Math" panose="02040503050406030204" pitchFamily="18" charset="0"/>
+                                  <a:ea typeface="Cambria Math" panose="02040503050406030204" pitchFamily="18" charset="0"/>
+                                </a:rPr>
+                                <m:t>𝜇</m:t>
+                              </m:r>
+                              <m:r>
+                                <a:rPr lang="en-US" sz="2400" i="1">
+                                  <a:latin typeface="Cambria Math" panose="02040503050406030204" pitchFamily="18" charset="0"/>
+                                  <a:ea typeface="Cambria Math" panose="02040503050406030204" pitchFamily="18" charset="0"/>
+                                </a:rPr>
+                                <m:t>𝑡</m:t>
+                              </m:r>
+                              <m:r>
+                                <a:rPr lang="en-US" sz="2400" i="1">
+                                  <a:latin typeface="Cambria Math" panose="02040503050406030204" pitchFamily="18" charset="0"/>
+                                  <a:ea typeface="Cambria Math" panose="02040503050406030204" pitchFamily="18" charset="0"/>
+                                </a:rPr>
+                                <m:t>)</m:t>
+                              </m:r>
+                            </m:e>
+                          </m:func>
+                          <m:sSubSup>
+                            <m:sSubSupPr>
+                              <m:ctrlPr>
+                                <a:rPr lang="en-US" sz="2400" i="1">
+                                  <a:latin typeface="Cambria Math" panose="02040503050406030204" pitchFamily="18" charset="0"/>
+                                </a:rPr>
+                              </m:ctrlPr>
+                            </m:sSubSupPr>
+                            <m:e>
+                              <m:sSub>
+                                <m:sSubPr>
+                                  <m:ctrlPr>
+                                    <a:rPr lang="en-US" sz="2400" i="1">
+                                      <a:latin typeface="Cambria Math" panose="02040503050406030204" pitchFamily="18" charset="0"/>
+                                    </a:rPr>
+                                  </m:ctrlPr>
+                                </m:sSubPr>
+                                <m:e>
+                                  <m:acc>
+                                    <m:accPr>
+                                      <m:chr m:val="̂"/>
+                                      <m:ctrlPr>
+                                        <a:rPr lang="en-US" sz="2400" i="1">
+                                          <a:latin typeface="Cambria Math" panose="02040503050406030204" pitchFamily="18" charset="0"/>
+                                        </a:rPr>
+                                      </m:ctrlPr>
+                                    </m:accPr>
+                                    <m:e>
+                                      <m:r>
+                                        <a:rPr lang="en-US" sz="2400" i="1">
+                                          <a:latin typeface="Cambria Math" panose="02040503050406030204" pitchFamily="18" charset="0"/>
+                                        </a:rPr>
+                                        <m:t>𝑧</m:t>
+                                      </m:r>
+                                    </m:e>
+                                  </m:acc>
+                                </m:e>
+                                <m:sub>
+                                  <m:r>
+                                    <a:rPr lang="en-US" sz="2400" i="1">
+                                      <a:latin typeface="Cambria Math" panose="02040503050406030204" pitchFamily="18" charset="0"/>
+                                    </a:rPr>
+                                    <m:t>𝑖</m:t>
+                                  </m:r>
+                                </m:sub>
+                              </m:sSub>
+                              <m:acc>
+                                <m:accPr>
+                                  <m:chr m:val="̂"/>
+                                  <m:ctrlPr>
+                                    <a:rPr lang="en-US" sz="2400" i="1">
+                                      <a:latin typeface="Cambria Math" panose="02040503050406030204" pitchFamily="18" charset="0"/>
+                                    </a:rPr>
+                                  </m:ctrlPr>
+                                </m:accPr>
+                                <m:e>
+                                  <m:r>
+                                    <a:rPr lang="en-US" sz="2400" i="1">
+                                      <a:latin typeface="Cambria Math" panose="02040503050406030204" pitchFamily="18" charset="0"/>
+                                    </a:rPr>
+                                    <m:t>𝜎</m:t>
+                                  </m:r>
+                                </m:e>
+                              </m:acc>
+                            </m:e>
+                            <m:sub>
+                              <m:r>
+                                <a:rPr lang="en-US" sz="2400" i="1">
+                                  <a:latin typeface="Cambria Math" panose="02040503050406030204" pitchFamily="18" charset="0"/>
+                                </a:rPr>
+                                <m:t>𝑖</m:t>
+                              </m:r>
+                            </m:sub>
+                            <m:sup>
+                              <m:r>
+                                <a:rPr lang="en-US" sz="2400" i="1">
+                                  <a:latin typeface="Cambria Math" panose="02040503050406030204" pitchFamily="18" charset="0"/>
+                                </a:rPr>
+                                <m:t>𝑧</m:t>
+                              </m:r>
+                            </m:sup>
+                          </m:sSubSup>
+                        </m:e>
+                      </m:nary>
+                    </m:oMath>
+                  </m:oMathPara>
+                </a14:m>
+                <a:endParaRPr lang="en-US" sz="2400" b="0" dirty="0">
+                  <a:ea typeface="Cambria Math" panose="02040503050406030204" pitchFamily="18" charset="0"/>
+                </a:endParaRPr>
+              </a:p>
+              <a:p>
+                <a:pPr marL="0" indent="0" algn="ctr">
+                  <a:buNone/>
+                </a:pPr>
+                <a:endParaRPr lang="en-US" sz="2400" dirty="0">
+                  <a:ea typeface="Cambria Math" panose="02040503050406030204" pitchFamily="18" charset="0"/>
+                </a:endParaRPr>
+              </a:p>
+              <a:p>
+                <a:pPr marL="0" indent="0" algn="ctr">
+                  <a:buNone/>
+                </a:pPr>
+                <a:endParaRPr lang="en-US" sz="2400" dirty="0"/>
+              </a:p>
+            </p:txBody>
+          </p:sp>
+        </mc:Choice>
+        <mc:Fallback xmlns="">
+          <p:sp>
+            <p:nvSpPr>
+              <p:cNvPr id="3" name="Content Placeholder 2"/>
+              <p:cNvSpPr>
+                <a:spLocks noGrp="1" noRot="1" noChangeAspect="1" noMove="1" noResize="1" noEditPoints="1" noAdjustHandles="1" noChangeArrowheads="1" noChangeShapeType="1" noTextEdit="1"/>
+              </p:cNvSpPr>
+              <p:nvPr>
+                <p:ph idx="1"/>
+              </p:nvPr>
+            </p:nvSpPr>
+            <p:spPr>
+              <a:xfrm>
+                <a:off x="838199" y="1419226"/>
+                <a:ext cx="10780643" cy="3116915"/>
+              </a:xfrm>
+              <a:blipFill>
+                <a:blip r:embed="rId3"/>
+                <a:stretch>
+                  <a:fillRect/>
+                </a:stretch>
+              </a:blipFill>
+            </p:spPr>
+            <p:txBody>
+              <a:bodyPr/>
+              <a:lstStyle/>
+              <a:p>
+                <a:r>
+                  <a:rPr lang="en-US">
+                    <a:noFill/>
+                  </a:rPr>
+                  <a:t> </a:t>
+                </a:r>
+              </a:p>
+            </p:txBody>
+          </p:sp>
+        </mc:Fallback>
+      </mc:AlternateContent>
+      <mc:AlternateContent xmlns:mc="http://schemas.openxmlformats.org/markup-compatibility/2006" xmlns:a14="http://schemas.microsoft.com/office/drawing/2010/main">
+        <mc:Choice Requires="a14">
+          <p:sp>
+            <p:nvSpPr>
+              <p:cNvPr id="5" name="Rectangle 4"/>
+              <p:cNvSpPr/>
+              <p:nvPr/>
+            </p:nvSpPr>
+            <p:spPr>
+              <a:xfrm>
+                <a:off x="1448288" y="5660225"/>
+                <a:ext cx="9560464" cy="662361"/>
+              </a:xfrm>
+              <a:prstGeom prst="rect">
+                <a:avLst/>
+              </a:prstGeom>
+            </p:spPr>
+            <p:txBody>
+              <a:bodyPr wrap="square">
+                <a:spAutoFit/>
+              </a:bodyPr>
+              <a:lstStyle/>
+              <a:p>
+                <a:r>
+                  <a:rPr lang="en-US" sz="2400" dirty="0"/>
+                  <a:t>For </a:t>
+                </a:r>
+                <a14:m>
+                  <m:oMath xmlns:m="http://schemas.openxmlformats.org/officeDocument/2006/math">
+                    <m:f>
+                      <m:fPr>
+                        <m:ctrlPr>
+                          <a:rPr lang="en-US" sz="2400" b="0" i="1" smtClean="0">
+                            <a:latin typeface="Cambria Math" panose="02040503050406030204" pitchFamily="18" charset="0"/>
+                          </a:rPr>
+                        </m:ctrlPr>
+                      </m:fPr>
+                      <m:num>
+                        <m:r>
+                          <a:rPr lang="en-US" sz="2400" b="0" i="1" smtClean="0">
+                            <a:latin typeface="Cambria Math" panose="02040503050406030204" pitchFamily="18" charset="0"/>
+                          </a:rPr>
+                          <m:t>𝜔</m:t>
+                        </m:r>
+                      </m:num>
+                      <m:den>
+                        <m:r>
+                          <a:rPr lang="en-US" sz="2400" b="0" i="1" smtClean="0">
+                            <a:latin typeface="Cambria Math" panose="02040503050406030204" pitchFamily="18" charset="0"/>
+                          </a:rPr>
+                          <m:t>2</m:t>
+                        </m:r>
+                        <m:r>
+                          <a:rPr lang="en-US" sz="2400" b="0" i="1" smtClean="0">
+                            <a:latin typeface="Cambria Math" panose="02040503050406030204" pitchFamily="18" charset="0"/>
+                          </a:rPr>
+                          <m:t>𝜋</m:t>
+                        </m:r>
+                      </m:den>
+                    </m:f>
+                    <m:r>
+                      <a:rPr lang="en-US" sz="2400" b="0" i="1" smtClean="0">
+                        <a:latin typeface="Cambria Math" panose="02040503050406030204" pitchFamily="18" charset="0"/>
+                      </a:rPr>
+                      <m:t>=</m:t>
+                    </m:r>
+                    <m:f>
+                      <m:fPr>
+                        <m:ctrlPr>
+                          <a:rPr lang="en-US" sz="2400" b="0" i="1" smtClean="0">
+                            <a:latin typeface="Cambria Math" panose="02040503050406030204" pitchFamily="18" charset="0"/>
+                          </a:rPr>
+                        </m:ctrlPr>
+                      </m:fPr>
+                      <m:num>
+                        <m:r>
+                          <a:rPr lang="en-US" sz="2400" b="0" i="1" smtClean="0">
+                            <a:latin typeface="Cambria Math" panose="02040503050406030204" pitchFamily="18" charset="0"/>
+                          </a:rPr>
+                          <m:t>2</m:t>
+                        </m:r>
+                        <m:r>
+                          <a:rPr lang="en-US" sz="2400" b="0" i="1" smtClean="0">
+                            <a:latin typeface="Cambria Math" panose="02040503050406030204" pitchFamily="18" charset="0"/>
+                          </a:rPr>
+                          <m:t>𝑛</m:t>
+                        </m:r>
+                        <m:r>
+                          <a:rPr lang="en-US" sz="2400" b="0" i="1" smtClean="0">
+                            <a:latin typeface="Cambria Math" panose="02040503050406030204" pitchFamily="18" charset="0"/>
+                          </a:rPr>
+                          <m:t>+1</m:t>
+                        </m:r>
+                      </m:num>
+                      <m:den>
+                        <m:r>
+                          <a:rPr lang="en-US" sz="2400" b="0" i="1" smtClean="0">
+                            <a:latin typeface="Cambria Math" panose="02040503050406030204" pitchFamily="18" charset="0"/>
+                          </a:rPr>
+                          <m:t>2</m:t>
+                        </m:r>
+                        <m:d>
+                          <m:dPr>
+                            <m:ctrlPr>
+                              <a:rPr lang="en-US" sz="2400" b="0" i="1" smtClean="0">
+                                <a:latin typeface="Cambria Math" panose="02040503050406030204" pitchFamily="18" charset="0"/>
+                              </a:rPr>
+                            </m:ctrlPr>
+                          </m:dPr>
+                          <m:e>
+                            <m:r>
+                              <a:rPr lang="en-US" sz="2400" b="0" i="1" smtClean="0">
+                                <a:latin typeface="Cambria Math" panose="02040503050406030204" pitchFamily="18" charset="0"/>
+                              </a:rPr>
+                              <m:t>𝑇</m:t>
+                            </m:r>
+                            <m:r>
+                              <a:rPr lang="en-US" sz="2400" b="0" i="1" smtClean="0">
+                                <a:latin typeface="Cambria Math" panose="02040503050406030204" pitchFamily="18" charset="0"/>
+                              </a:rPr>
+                              <m:t>+</m:t>
+                            </m:r>
+                            <m:sSub>
+                              <m:sSubPr>
+                                <m:ctrlPr>
+                                  <a:rPr lang="en-US" sz="2400" b="0" i="1" smtClean="0">
+                                    <a:latin typeface="Cambria Math" panose="02040503050406030204" pitchFamily="18" charset="0"/>
+                                  </a:rPr>
+                                </m:ctrlPr>
+                              </m:sSubPr>
+                              <m:e>
+                                <m:r>
+                                  <a:rPr lang="en-US" sz="2400" b="0" i="1" smtClean="0">
+                                    <a:latin typeface="Cambria Math" panose="02040503050406030204" pitchFamily="18" charset="0"/>
+                                  </a:rPr>
+                                  <m:t>𝑡</m:t>
+                                </m:r>
+                              </m:e>
+                              <m:sub>
+                                <m:r>
+                                  <a:rPr lang="en-US" sz="2400" b="0" i="1" smtClean="0">
+                                    <a:latin typeface="Cambria Math" panose="02040503050406030204" pitchFamily="18" charset="0"/>
+                                  </a:rPr>
+                                  <m:t>𝜋</m:t>
+                                </m:r>
+                              </m:sub>
+                            </m:sSub>
+                          </m:e>
+                        </m:d>
+                      </m:den>
+                    </m:f>
+                  </m:oMath>
+                </a14:m>
+                <a:r>
+                  <a:rPr lang="en-US" sz="2400" dirty="0"/>
+                  <a:t>, </a:t>
+                </a:r>
+                <a14:m>
+                  <m:oMath xmlns:m="http://schemas.openxmlformats.org/officeDocument/2006/math">
+                    <m:r>
+                      <m:rPr>
+                        <m:sty m:val="p"/>
+                      </m:rPr>
+                      <a:rPr lang="el-GR" sz="2400" i="1" kern="0">
+                        <a:solidFill>
+                          <a:sysClr val="windowText" lastClr="000000"/>
+                        </a:solidFill>
+                        <a:latin typeface="Cambria Math" panose="02040503050406030204" pitchFamily="18" charset="0"/>
+                        <a:ea typeface="Cambria Math" panose="02040503050406030204" pitchFamily="18" charset="0"/>
+                      </a:rPr>
+                      <m:t>Δ</m:t>
+                    </m:r>
+                    <m:r>
+                      <a:rPr lang="en-US" sz="2400" i="1" kern="0">
+                        <a:solidFill>
+                          <a:sysClr val="windowText" lastClr="000000"/>
+                        </a:solidFill>
+                        <a:latin typeface="Cambria Math" panose="02040503050406030204" pitchFamily="18" charset="0"/>
+                        <a:ea typeface="Cambria Math" panose="02040503050406030204" pitchFamily="18" charset="0"/>
+                      </a:rPr>
+                      <m:t>𝜑</m:t>
+                    </m:r>
+                    <m:r>
+                      <a:rPr lang="en-US" sz="2400" i="1" kern="0">
+                        <a:solidFill>
+                          <a:sysClr val="windowText" lastClr="000000"/>
+                        </a:solidFill>
+                        <a:latin typeface="Cambria Math" panose="02040503050406030204" pitchFamily="18" charset="0"/>
+                        <a:ea typeface="Cambria Math" panose="02040503050406030204" pitchFamily="18" charset="0"/>
+                      </a:rPr>
+                      <m:t>=</m:t>
+                    </m:r>
+                    <m:r>
+                      <a:rPr lang="en-US" sz="2400" b="0" i="1" kern="0" smtClean="0">
+                        <a:solidFill>
+                          <a:sysClr val="windowText" lastClr="000000"/>
+                        </a:solidFill>
+                        <a:latin typeface="Cambria Math" panose="02040503050406030204" pitchFamily="18" charset="0"/>
+                        <a:ea typeface="Cambria Math" panose="02040503050406030204" pitchFamily="18" charset="0"/>
+                      </a:rPr>
+                      <m:t>𝜋</m:t>
+                    </m:r>
+                  </m:oMath>
+                </a14:m>
+                <a:r>
+                  <a:rPr lang="en-US" sz="2400" dirty="0"/>
+                  <a:t> and spin precession is coherently accumulated</a:t>
+                </a:r>
+              </a:p>
+            </p:txBody>
+          </p:sp>
+        </mc:Choice>
+        <mc:Fallback xmlns="">
+          <p:sp>
+            <p:nvSpPr>
+              <p:cNvPr id="5" name="Rectangle 4"/>
+              <p:cNvSpPr>
+                <a:spLocks noRot="1" noChangeAspect="1" noMove="1" noResize="1" noEditPoints="1" noAdjustHandles="1" noChangeArrowheads="1" noChangeShapeType="1" noTextEdit="1"/>
+              </p:cNvSpPr>
+              <p:nvPr/>
+            </p:nvSpPr>
+            <p:spPr>
+              <a:xfrm>
+                <a:off x="1448288" y="5660225"/>
+                <a:ext cx="9560464" cy="662361"/>
+              </a:xfrm>
+              <a:prstGeom prst="rect">
+                <a:avLst/>
+              </a:prstGeom>
+              <a:blipFill>
+                <a:blip r:embed="rId4"/>
+                <a:stretch>
+                  <a:fillRect l="-1020" b="-2778"/>
+                </a:stretch>
+              </a:blipFill>
+            </p:spPr>
+            <p:txBody>
+              <a:bodyPr/>
+              <a:lstStyle/>
+              <a:p>
+                <a:r>
+                  <a:rPr lang="en-US">
+                    <a:noFill/>
+                  </a:rPr>
+                  <a:t> </a:t>
+                </a:r>
+              </a:p>
+            </p:txBody>
+          </p:sp>
+        </mc:Fallback>
+      </mc:AlternateContent>
+      <mc:AlternateContent xmlns:mc="http://schemas.openxmlformats.org/markup-compatibility/2006" xmlns:a14="http://schemas.microsoft.com/office/drawing/2010/main">
+        <mc:Choice Requires="a14">
+          <p:sp>
+            <p:nvSpPr>
+              <p:cNvPr id="4" name="Rectangle 3"/>
+              <p:cNvSpPr/>
+              <p:nvPr/>
+            </p:nvSpPr>
+            <p:spPr>
+              <a:xfrm>
+                <a:off x="2081063" y="4342067"/>
+                <a:ext cx="8294914" cy="1027974"/>
+              </a:xfrm>
+              <a:prstGeom prst="rect">
+                <a:avLst/>
+              </a:prstGeom>
+            </p:spPr>
+            <p:txBody>
+              <a:bodyPr wrap="square">
+                <a:spAutoFit/>
+              </a:bodyPr>
+              <a:lstStyle/>
+              <a:p>
+                <a:pPr algn="ctr"/>
+                <a:r>
+                  <a:rPr lang="en-US" sz="2400" dirty="0">
+                    <a:ea typeface="Cambria Math" panose="02040503050406030204" pitchFamily="18" charset="0"/>
+                  </a:rPr>
+                  <a:t>Can ignore second term when </a:t>
+                </a:r>
+                <a14:m>
+                  <m:oMath xmlns:m="http://schemas.openxmlformats.org/officeDocument/2006/math">
+                    <m:f>
+                      <m:fPr>
+                        <m:ctrlPr>
+                          <a:rPr lang="en-US" sz="2400" i="1">
+                            <a:latin typeface="Cambria Math" panose="02040503050406030204" pitchFamily="18" charset="0"/>
+                            <a:ea typeface="Cambria Math" panose="02040503050406030204" pitchFamily="18" charset="0"/>
+                          </a:rPr>
+                        </m:ctrlPr>
+                      </m:fPr>
+                      <m:num>
+                        <m:r>
+                          <a:rPr lang="en-US" sz="2400" i="1">
+                            <a:latin typeface="Cambria Math" panose="02040503050406030204" pitchFamily="18" charset="0"/>
+                            <a:ea typeface="Cambria Math" panose="02040503050406030204" pitchFamily="18" charset="0"/>
+                          </a:rPr>
+                          <m:t>𝑈</m:t>
+                        </m:r>
+                      </m:num>
+                      <m:den>
+                        <m:r>
+                          <a:rPr lang="en-US" sz="2400" i="1">
+                            <a:latin typeface="Cambria Math" panose="02040503050406030204" pitchFamily="18" charset="0"/>
+                            <a:ea typeface="Cambria Math" panose="02040503050406030204" pitchFamily="18" charset="0"/>
+                          </a:rPr>
+                          <m:t>𝜇</m:t>
+                        </m:r>
+                      </m:den>
+                    </m:f>
+                    <m:r>
+                      <a:rPr lang="en-US" sz="2400" i="1">
+                        <a:latin typeface="Cambria Math" panose="02040503050406030204" pitchFamily="18" charset="0"/>
+                        <a:ea typeface="Cambria Math" panose="02040503050406030204" pitchFamily="18" charset="0"/>
+                      </a:rPr>
+                      <m:t>≪1</m:t>
+                    </m:r>
+                  </m:oMath>
+                </a14:m>
+                <a:r>
+                  <a:rPr lang="en-US" sz="2400" dirty="0">
+                    <a:ea typeface="Cambria Math" panose="02040503050406030204" pitchFamily="18" charset="0"/>
+                  </a:rPr>
+                  <a:t>. </a:t>
+                </a:r>
+              </a:p>
+              <a:p>
+                <a:pPr algn="ctr"/>
+                <a:r>
+                  <a:rPr lang="en-US" sz="2400" dirty="0">
+                    <a:ea typeface="Cambria Math" panose="02040503050406030204" pitchFamily="18" charset="0"/>
+                  </a:rPr>
+                  <a:t>At low frequencies </a:t>
+                </a:r>
+                <a14:m>
+                  <m:oMath xmlns:m="http://schemas.openxmlformats.org/officeDocument/2006/math">
+                    <m:r>
+                      <a:rPr lang="en-US" sz="2400" i="1">
+                        <a:latin typeface="Cambria Math" panose="02040503050406030204" pitchFamily="18" charset="0"/>
+                        <a:ea typeface="Cambria Math" panose="02040503050406030204" pitchFamily="18" charset="0"/>
+                      </a:rPr>
+                      <m:t>𝜇</m:t>
+                    </m:r>
+                  </m:oMath>
+                </a14:m>
+                <a:r>
+                  <a:rPr lang="en-US" sz="2400" dirty="0">
+                    <a:ea typeface="Cambria Math" panose="02040503050406030204" pitchFamily="18" charset="0"/>
+                  </a:rPr>
+                  <a:t>, can cancel by setting: </a:t>
+                </a:r>
+                <a14:m>
+                  <m:oMath xmlns:m="http://schemas.openxmlformats.org/officeDocument/2006/math">
+                    <m:r>
+                      <m:rPr>
+                        <m:sty m:val="p"/>
+                      </m:rPr>
+                      <a:rPr lang="el-GR" sz="2400" i="1" kern="0">
+                        <a:solidFill>
+                          <a:sysClr val="windowText" lastClr="000000"/>
+                        </a:solidFill>
+                        <a:latin typeface="Cambria Math" panose="02040503050406030204" pitchFamily="18" charset="0"/>
+                        <a:ea typeface="Cambria Math" panose="02040503050406030204" pitchFamily="18" charset="0"/>
+                      </a:rPr>
+                      <m:t>Δ</m:t>
+                    </m:r>
+                    <m:r>
+                      <a:rPr lang="en-US" sz="2400" i="1" kern="0">
+                        <a:solidFill>
+                          <a:sysClr val="windowText" lastClr="000000"/>
+                        </a:solidFill>
+                        <a:latin typeface="Cambria Math" panose="02040503050406030204" pitchFamily="18" charset="0"/>
+                        <a:ea typeface="Cambria Math" panose="02040503050406030204" pitchFamily="18" charset="0"/>
+                      </a:rPr>
+                      <m:t>𝜑</m:t>
+                    </m:r>
+                    <m:r>
+                      <a:rPr lang="en-US" sz="2400" i="1" kern="0">
+                        <a:solidFill>
+                          <a:sysClr val="windowText" lastClr="000000"/>
+                        </a:solidFill>
+                        <a:latin typeface="Cambria Math" panose="02040503050406030204" pitchFamily="18" charset="0"/>
+                        <a:ea typeface="Cambria Math" panose="02040503050406030204" pitchFamily="18" charset="0"/>
+                      </a:rPr>
+                      <m:t>=</m:t>
+                    </m:r>
+                    <m:r>
+                      <a:rPr lang="en-US" sz="2400" i="1" kern="0">
+                        <a:solidFill>
+                          <a:sysClr val="windowText" lastClr="000000"/>
+                        </a:solidFill>
+                        <a:latin typeface="Cambria Math" panose="02040503050406030204" pitchFamily="18" charset="0"/>
+                        <a:ea typeface="Cambria Math" panose="02040503050406030204" pitchFamily="18" charset="0"/>
+                      </a:rPr>
+                      <m:t>𝜇</m:t>
+                    </m:r>
+                    <m:r>
+                      <a:rPr lang="en-US" sz="2400" i="1" kern="0">
+                        <a:solidFill>
+                          <a:sysClr val="windowText" lastClr="000000"/>
+                        </a:solidFill>
+                        <a:latin typeface="Cambria Math" panose="02040503050406030204" pitchFamily="18" charset="0"/>
+                        <a:ea typeface="Cambria Math" panose="02040503050406030204" pitchFamily="18" charset="0"/>
+                      </a:rPr>
+                      <m:t>(</m:t>
+                    </m:r>
+                    <m:r>
+                      <a:rPr lang="en-US" sz="2400" i="1" kern="0">
+                        <a:solidFill>
+                          <a:sysClr val="windowText" lastClr="000000"/>
+                        </a:solidFill>
+                        <a:latin typeface="Cambria Math" panose="02040503050406030204" pitchFamily="18" charset="0"/>
+                      </a:rPr>
+                      <m:t>𝑇</m:t>
+                    </m:r>
+                    <m:r>
+                      <a:rPr lang="en-US" sz="2400" i="1" kern="0">
+                        <a:solidFill>
+                          <a:sysClr val="windowText" lastClr="000000"/>
+                        </a:solidFill>
+                        <a:latin typeface="Cambria Math" panose="02040503050406030204" pitchFamily="18" charset="0"/>
+                      </a:rPr>
+                      <m:t>+</m:t>
+                    </m:r>
+                    <m:sSub>
+                      <m:sSubPr>
+                        <m:ctrlPr>
+                          <a:rPr lang="en-US" sz="2400" i="1" kern="0">
+                            <a:solidFill>
+                              <a:sysClr val="windowText" lastClr="000000"/>
+                            </a:solidFill>
+                            <a:latin typeface="Cambria Math" panose="02040503050406030204" pitchFamily="18" charset="0"/>
+                          </a:rPr>
+                        </m:ctrlPr>
+                      </m:sSubPr>
+                      <m:e>
+                        <m:r>
+                          <a:rPr lang="en-US" sz="2400" i="1" kern="0">
+                            <a:solidFill>
+                              <a:sysClr val="windowText" lastClr="000000"/>
+                            </a:solidFill>
+                            <a:latin typeface="Cambria Math" panose="02040503050406030204" pitchFamily="18" charset="0"/>
+                          </a:rPr>
+                          <m:t>𝑡</m:t>
+                        </m:r>
+                      </m:e>
+                      <m:sub>
+                        <m:r>
+                          <a:rPr lang="en-US" sz="2400" i="1" kern="0">
+                            <a:solidFill>
+                              <a:sysClr val="windowText" lastClr="000000"/>
+                            </a:solidFill>
+                            <a:latin typeface="Cambria Math" panose="02040503050406030204" pitchFamily="18" charset="0"/>
+                            <a:ea typeface="Cambria Math" panose="02040503050406030204" pitchFamily="18" charset="0"/>
+                          </a:rPr>
+                          <m:t>𝜋</m:t>
+                        </m:r>
+                      </m:sub>
+                    </m:sSub>
+                    <m:r>
+                      <a:rPr lang="en-US" sz="2400" i="1" kern="0">
+                        <a:solidFill>
+                          <a:sysClr val="windowText" lastClr="000000"/>
+                        </a:solidFill>
+                        <a:latin typeface="Cambria Math" panose="02040503050406030204" pitchFamily="18" charset="0"/>
+                        <a:ea typeface="Cambria Math" panose="02040503050406030204" pitchFamily="18" charset="0"/>
+                      </a:rPr>
+                      <m:t>)</m:t>
+                    </m:r>
+                  </m:oMath>
+                </a14:m>
+                <a:endParaRPr lang="en-US" sz="2400" dirty="0"/>
+              </a:p>
+            </p:txBody>
+          </p:sp>
+        </mc:Choice>
+        <mc:Fallback xmlns="">
+          <p:sp>
+            <p:nvSpPr>
+              <p:cNvPr id="4" name="Rectangle 3"/>
+              <p:cNvSpPr>
+                <a:spLocks noRot="1" noChangeAspect="1" noMove="1" noResize="1" noEditPoints="1" noAdjustHandles="1" noChangeArrowheads="1" noChangeShapeType="1" noTextEdit="1"/>
+              </p:cNvSpPr>
+              <p:nvPr/>
+            </p:nvSpPr>
+            <p:spPr>
+              <a:xfrm>
+                <a:off x="2081063" y="4342067"/>
+                <a:ext cx="8294914" cy="1027974"/>
+              </a:xfrm>
+              <a:prstGeom prst="rect">
+                <a:avLst/>
+              </a:prstGeom>
+              <a:blipFill>
+                <a:blip r:embed="rId5"/>
+                <a:stretch>
+                  <a:fillRect b="-12426"/>
+                </a:stretch>
+              </a:blipFill>
+            </p:spPr>
+            <p:txBody>
+              <a:bodyPr/>
+              <a:lstStyle/>
+              <a:p>
+                <a:r>
+                  <a:rPr lang="en-US">
+                    <a:noFill/>
+                  </a:rPr>
+                  <a:t> </a:t>
+                </a:r>
+              </a:p>
+            </p:txBody>
+          </p:sp>
+        </mc:Fallback>
+      </mc:AlternateContent>
+      <p:sp>
+        <p:nvSpPr>
+          <p:cNvPr id="16" name="Left Brace 15"/>
+          <p:cNvSpPr/>
+          <p:nvPr/>
+        </p:nvSpPr>
+        <p:spPr>
+          <a:xfrm rot="16200000">
+            <a:off x="3630707" y="1350710"/>
+            <a:ext cx="274948" cy="3508163"/>
+          </a:xfrm>
+          <a:prstGeom prst="leftBrace">
+            <a:avLst/>
+          </a:prstGeom>
+        </p:spPr>
+        <p:style>
+          <a:lnRef idx="1">
+            <a:schemeClr val="dk1"/>
+          </a:lnRef>
+          <a:fillRef idx="0">
+            <a:schemeClr val="dk1"/>
+          </a:fillRef>
+          <a:effectRef idx="0">
+            <a:schemeClr val="dk1"/>
+          </a:effectRef>
+          <a:fontRef idx="minor">
+            <a:schemeClr val="tx1"/>
+          </a:fontRef>
+        </p:style>
+        <p:txBody>
+          <a:bodyPr rtlCol="0" anchor="ctr"/>
+          <a:lstStyle/>
+          <a:p>
+            <a:pPr algn="ctr"/>
+            <a:endParaRPr lang="en-US" dirty="0"/>
+          </a:p>
+        </p:txBody>
+      </p:sp>
+      <p:cxnSp>
+        <p:nvCxnSpPr>
+          <p:cNvPr id="18" name="Straight Arrow Connector 17"/>
+          <p:cNvCxnSpPr/>
+          <p:nvPr/>
+        </p:nvCxnSpPr>
+        <p:spPr>
+          <a:xfrm flipH="1">
+            <a:off x="3316941" y="3316941"/>
+            <a:ext cx="451240" cy="340659"/>
+          </a:xfrm>
+          <a:prstGeom prst="straightConnector1">
+            <a:avLst/>
+          </a:prstGeom>
+          <a:ln>
+            <a:tailEnd type="triangle"/>
+          </a:ln>
+        </p:spPr>
+        <p:style>
+          <a:lnRef idx="1">
+            <a:schemeClr val="dk1"/>
+          </a:lnRef>
+          <a:fillRef idx="0">
+            <a:schemeClr val="dk1"/>
+          </a:fillRef>
+          <a:effectRef idx="0">
+            <a:schemeClr val="dk1"/>
+          </a:effectRef>
+          <a:fontRef idx="minor">
+            <a:schemeClr val="tx1"/>
+          </a:fontRef>
+        </p:style>
+      </p:cxnSp>
+      <p:grpSp>
+        <p:nvGrpSpPr>
+          <p:cNvPr id="7" name="Group 6"/>
+          <p:cNvGrpSpPr/>
+          <p:nvPr/>
+        </p:nvGrpSpPr>
+        <p:grpSpPr>
+          <a:xfrm>
+            <a:off x="8707642" y="842374"/>
+            <a:ext cx="3420847" cy="1398819"/>
+            <a:chOff x="8531716" y="729658"/>
+            <a:chExt cx="3420847" cy="1398819"/>
+          </a:xfrm>
+        </p:grpSpPr>
+        <p:grpSp>
+          <p:nvGrpSpPr>
+            <p:cNvPr id="9" name="Group 8"/>
+            <p:cNvGrpSpPr>
+              <a:grpSpLocks noChangeAspect="1"/>
+            </p:cNvGrpSpPr>
+            <p:nvPr/>
+          </p:nvGrpSpPr>
+          <p:grpSpPr>
+            <a:xfrm>
+              <a:off x="8531716" y="729658"/>
+              <a:ext cx="3420847" cy="1398819"/>
+              <a:chOff x="-208447" y="2948540"/>
+              <a:chExt cx="5400066" cy="2208140"/>
+            </a:xfrm>
+          </p:grpSpPr>
+          <p:pic>
+            <p:nvPicPr>
+              <p:cNvPr id="11" name="Picture 10"/>
+              <p:cNvPicPr>
+                <a:picLocks noChangeAspect="1"/>
+              </p:cNvPicPr>
+              <p:nvPr/>
+            </p:nvPicPr>
+            <p:blipFill>
+              <a:blip r:embed="rId6">
+                <a:extLst>
+                  <a:ext uri="{28A0092B-C50C-407E-A947-70E740481C1C}">
+                    <a14:useLocalDpi xmlns:a14="http://schemas.microsoft.com/office/drawing/2010/main" val="0"/>
+                  </a:ext>
+                </a:extLst>
+              </a:blip>
+              <a:stretch>
+                <a:fillRect/>
+              </a:stretch>
+            </p:blipFill>
+            <p:spPr>
+              <a:xfrm>
+                <a:off x="209348" y="2948540"/>
+                <a:ext cx="4982271" cy="2124370"/>
+              </a:xfrm>
+              <a:prstGeom prst="rect">
+                <a:avLst/>
+              </a:prstGeom>
+            </p:spPr>
+          </p:pic>
+          <mc:AlternateContent xmlns:mc="http://schemas.openxmlformats.org/markup-compatibility/2006">
+            <mc:Choice xmlns:a14="http://schemas.microsoft.com/office/drawing/2010/main" Requires="a14">
+              <p:sp>
+                <p:nvSpPr>
+                  <p:cNvPr id="12" name="TextBox 11"/>
+                  <p:cNvSpPr txBox="1"/>
+                  <p:nvPr/>
+                </p:nvSpPr>
+                <p:spPr>
+                  <a:xfrm rot="16200000">
+                    <a:off x="-439537" y="3955839"/>
+                    <a:ext cx="769955" cy="307776"/>
+                  </a:xfrm>
+                  <a:prstGeom prst="rect">
+                    <a:avLst/>
+                  </a:prstGeom>
+                  <a:noFill/>
+                </p:spPr>
+                <p:txBody>
+                  <a:bodyPr wrap="none" rtlCol="0">
+                    <a:spAutoFit/>
+                  </a:bodyPr>
+                  <a:lstStyle/>
+                  <a:p>
+                    <a14:m>
+                      <m:oMath xmlns:m="http://schemas.openxmlformats.org/officeDocument/2006/math">
+                        <m:d>
+                          <m:dPr>
+                            <m:begChr m:val="⟨"/>
+                            <m:endChr m:val="⟩"/>
+                            <m:ctrlPr>
+                              <a:rPr lang="en-US" sz="1400" i="1" smtClean="0">
+                                <a:latin typeface="Cambria Math" panose="02040503050406030204" pitchFamily="18" charset="0"/>
+                              </a:rPr>
+                            </m:ctrlPr>
+                          </m:dPr>
+                          <m:e>
+                            <m:sSub>
+                              <m:sSubPr>
+                                <m:ctrlPr>
+                                  <a:rPr lang="en-US" sz="1400" b="0" i="1" smtClean="0">
+                                    <a:latin typeface="Cambria Math" panose="02040503050406030204" pitchFamily="18" charset="0"/>
+                                  </a:rPr>
+                                </m:ctrlPr>
+                              </m:sSubPr>
+                              <m:e>
+                                <m:r>
+                                  <a:rPr lang="en-US" sz="1400" b="0" i="1" smtClean="0">
+                                    <a:latin typeface="Cambria Math" panose="02040503050406030204" pitchFamily="18" charset="0"/>
+                                  </a:rPr>
+                                  <m:t>𝑃</m:t>
+                                </m:r>
+                              </m:e>
+                              <m:sub>
+                                <m:r>
+                                  <a:rPr lang="en-US" sz="1400" b="0" i="1" smtClean="0">
+                                    <a:latin typeface="Cambria Math" panose="02040503050406030204" pitchFamily="18" charset="0"/>
+                                    <a:ea typeface="Cambria Math" panose="02040503050406030204" pitchFamily="18" charset="0"/>
+                                  </a:rPr>
+                                  <m:t>↑</m:t>
+                                </m:r>
+                              </m:sub>
+                            </m:sSub>
+                          </m:e>
+                        </m:d>
+                      </m:oMath>
+                    </a14:m>
+                    <a:r>
+                      <a:rPr lang="en-US" sz="1400" dirty="0"/>
+                      <a:t> (%)</a:t>
+                    </a:r>
+                  </a:p>
+                </p:txBody>
+              </p:sp>
+            </mc:Choice>
+            <mc:Fallback>
+              <p:sp>
+                <p:nvSpPr>
+                  <p:cNvPr id="12" name="TextBox 11"/>
+                  <p:cNvSpPr txBox="1">
+                    <a:spLocks noRot="1" noChangeAspect="1" noMove="1" noResize="1" noEditPoints="1" noAdjustHandles="1" noChangeArrowheads="1" noChangeShapeType="1" noTextEdit="1"/>
+                  </p:cNvSpPr>
+                  <p:nvPr/>
+                </p:nvSpPr>
+                <p:spPr>
+                  <a:xfrm rot="16200000">
+                    <a:off x="-439537" y="3955839"/>
+                    <a:ext cx="769955" cy="307776"/>
+                  </a:xfrm>
+                  <a:prstGeom prst="rect">
+                    <a:avLst/>
+                  </a:prstGeom>
+                  <a:blipFill>
+                    <a:blip r:embed="rId7"/>
+                    <a:stretch>
+                      <a:fillRect l="-3125" t="-61250" r="-90625"/>
+                    </a:stretch>
+                  </a:blipFill>
+                </p:spPr>
+                <p:txBody>
+                  <a:bodyPr/>
+                  <a:lstStyle/>
+                  <a:p>
+                    <a:r>
+                      <a:rPr lang="en-US">
+                        <a:noFill/>
+                      </a:rPr>
+                      <a:t> </a:t>
+                    </a:r>
+                  </a:p>
+                </p:txBody>
+              </p:sp>
+            </mc:Fallback>
+          </mc:AlternateContent>
+          <mc:AlternateContent xmlns:mc="http://schemas.openxmlformats.org/markup-compatibility/2006">
+            <mc:Choice xmlns:a14="http://schemas.microsoft.com/office/drawing/2010/main" Requires="a14">
+              <p:sp>
+                <p:nvSpPr>
+                  <p:cNvPr id="13" name="TextBox 12"/>
+                  <p:cNvSpPr txBox="1"/>
+                  <p:nvPr/>
+                </p:nvSpPr>
+                <p:spPr>
+                  <a:xfrm>
+                    <a:off x="734582" y="4848904"/>
+                    <a:ext cx="2648738" cy="307776"/>
+                  </a:xfrm>
+                  <a:prstGeom prst="rect">
+                    <a:avLst/>
+                  </a:prstGeom>
+                  <a:noFill/>
+                </p:spPr>
+                <p:txBody>
+                  <a:bodyPr wrap="none" rtlCol="0">
+                    <a:spAutoFit/>
+                  </a:bodyPr>
+                  <a:lstStyle/>
+                  <a:p>
+                    <a:r>
+                      <a:rPr lang="en-US" sz="1400" dirty="0"/>
+                      <a:t>ODF Difference Frequency </a:t>
+                    </a:r>
+                    <a14:m>
+                      <m:oMath xmlns:m="http://schemas.openxmlformats.org/officeDocument/2006/math">
+                        <m:r>
+                          <a:rPr lang="en-US" sz="1400" b="0" i="1" smtClean="0">
+                            <a:latin typeface="Cambria Math" panose="02040503050406030204" pitchFamily="18" charset="0"/>
+                          </a:rPr>
+                          <m:t>𝜇</m:t>
+                        </m:r>
+                      </m:oMath>
+                    </a14:m>
+                    <a:r>
+                      <a:rPr lang="en-US" sz="1400" dirty="0"/>
+                      <a:t> (kHz)</a:t>
+                    </a:r>
+                  </a:p>
+                </p:txBody>
+              </p:sp>
+            </mc:Choice>
+            <mc:Fallback>
+              <p:sp>
+                <p:nvSpPr>
+                  <p:cNvPr id="13" name="TextBox 12"/>
+                  <p:cNvSpPr txBox="1">
+                    <a:spLocks noRot="1" noChangeAspect="1" noMove="1" noResize="1" noEditPoints="1" noAdjustHandles="1" noChangeArrowheads="1" noChangeShapeType="1" noTextEdit="1"/>
+                  </p:cNvSpPr>
+                  <p:nvPr/>
+                </p:nvSpPr>
+                <p:spPr>
+                  <a:xfrm>
+                    <a:off x="734582" y="4848904"/>
+                    <a:ext cx="2648738" cy="307776"/>
+                  </a:xfrm>
+                  <a:prstGeom prst="rect">
+                    <a:avLst/>
+                  </a:prstGeom>
+                  <a:blipFill>
+                    <a:blip r:embed="rId8"/>
+                    <a:stretch>
+                      <a:fillRect l="-1087" t="-6250" r="-56884" b="-87500"/>
+                    </a:stretch>
+                  </a:blipFill>
+                </p:spPr>
+                <p:txBody>
+                  <a:bodyPr/>
+                  <a:lstStyle/>
+                  <a:p>
+                    <a:r>
+                      <a:rPr lang="en-US">
+                        <a:noFill/>
+                      </a:rPr>
+                      <a:t> </a:t>
+                    </a:r>
+                  </a:p>
+                </p:txBody>
+              </p:sp>
+            </mc:Fallback>
+          </mc:AlternateContent>
+        </p:grpSp>
+        <p:sp>
+          <p:nvSpPr>
+            <p:cNvPr id="10" name="TextBox 9"/>
+            <p:cNvSpPr txBox="1"/>
+            <p:nvPr/>
+          </p:nvSpPr>
+          <p:spPr>
+            <a:xfrm>
+              <a:off x="10147523" y="949048"/>
+              <a:ext cx="1603324" cy="369332"/>
+            </a:xfrm>
+            <a:prstGeom prst="rect">
+              <a:avLst/>
+            </a:prstGeom>
+            <a:noFill/>
+          </p:spPr>
+          <p:txBody>
+            <a:bodyPr wrap="none" rtlCol="0">
+              <a:spAutoFit/>
+            </a:bodyPr>
+            <a:lstStyle/>
+            <a:p>
+              <a:r>
+                <a:rPr lang="en-US" dirty="0"/>
+                <a:t>No phase jump</a:t>
+              </a:r>
+            </a:p>
+          </p:txBody>
+        </p:sp>
+      </p:grpSp>
+      <p:grpSp>
+        <p:nvGrpSpPr>
+          <p:cNvPr id="6" name="Group 5"/>
+          <p:cNvGrpSpPr/>
+          <p:nvPr/>
+        </p:nvGrpSpPr>
+        <p:grpSpPr>
+          <a:xfrm>
+            <a:off x="8666485" y="2967317"/>
+            <a:ext cx="3418983" cy="1427923"/>
+            <a:chOff x="3595429" y="4636075"/>
+            <a:chExt cx="3418983" cy="1427923"/>
+          </a:xfrm>
+        </p:grpSpPr>
+        <p:grpSp>
+          <p:nvGrpSpPr>
+            <p:cNvPr id="15" name="Group 14"/>
+            <p:cNvGrpSpPr>
+              <a:grpSpLocks noChangeAspect="1"/>
+            </p:cNvGrpSpPr>
+            <p:nvPr/>
+          </p:nvGrpSpPr>
+          <p:grpSpPr>
+            <a:xfrm>
+              <a:off x="3595429" y="4636075"/>
+              <a:ext cx="3418983" cy="1427923"/>
+              <a:chOff x="4714032" y="4311074"/>
+              <a:chExt cx="5251941" cy="2193450"/>
+            </a:xfrm>
+          </p:grpSpPr>
+          <p:pic>
+            <p:nvPicPr>
+              <p:cNvPr id="19" name="Picture 18"/>
+              <p:cNvPicPr>
+                <a:picLocks noChangeAspect="1"/>
+              </p:cNvPicPr>
+              <p:nvPr/>
+            </p:nvPicPr>
+            <p:blipFill>
+              <a:blip r:embed="rId9">
+                <a:extLst>
+                  <a:ext uri="{28A0092B-C50C-407E-A947-70E740481C1C}">
+                    <a14:useLocalDpi xmlns:a14="http://schemas.microsoft.com/office/drawing/2010/main" val="0"/>
+                  </a:ext>
+                </a:extLst>
+              </a:blip>
+              <a:stretch>
+                <a:fillRect/>
+              </a:stretch>
+            </p:blipFill>
+            <p:spPr>
+              <a:xfrm>
+                <a:off x="5021808" y="4311074"/>
+                <a:ext cx="4944165" cy="2067213"/>
+              </a:xfrm>
+              <a:prstGeom prst="rect">
+                <a:avLst/>
+              </a:prstGeom>
+            </p:spPr>
+          </p:pic>
+          <mc:AlternateContent xmlns:mc="http://schemas.openxmlformats.org/markup-compatibility/2006">
+            <mc:Choice xmlns:a14="http://schemas.microsoft.com/office/drawing/2010/main" Requires="a14">
+              <p:sp>
+                <p:nvSpPr>
+                  <p:cNvPr id="20" name="TextBox 19"/>
+                  <p:cNvSpPr txBox="1"/>
+                  <p:nvPr/>
+                </p:nvSpPr>
+                <p:spPr>
+                  <a:xfrm>
+                    <a:off x="5614904" y="6196747"/>
+                    <a:ext cx="2648738" cy="307777"/>
+                  </a:xfrm>
+                  <a:prstGeom prst="rect">
+                    <a:avLst/>
+                  </a:prstGeom>
+                  <a:noFill/>
+                </p:spPr>
+                <p:txBody>
+                  <a:bodyPr wrap="none" rtlCol="0">
+                    <a:spAutoFit/>
+                  </a:bodyPr>
+                  <a:lstStyle/>
+                  <a:p>
+                    <a:r>
+                      <a:rPr lang="en-US" sz="1400" dirty="0"/>
+                      <a:t>ODF Difference Frequency </a:t>
+                    </a:r>
+                    <a14:m>
+                      <m:oMath xmlns:m="http://schemas.openxmlformats.org/officeDocument/2006/math">
+                        <m:r>
+                          <a:rPr lang="en-US" sz="1400" b="0" i="1" smtClean="0">
+                            <a:latin typeface="Cambria Math" panose="02040503050406030204" pitchFamily="18" charset="0"/>
+                          </a:rPr>
+                          <m:t>𝜇</m:t>
+                        </m:r>
+                      </m:oMath>
+                    </a14:m>
+                    <a:r>
+                      <a:rPr lang="en-US" sz="1400" dirty="0"/>
+                      <a:t> (kHz)</a:t>
+                    </a:r>
+                  </a:p>
+                </p:txBody>
+              </p:sp>
+            </mc:Choice>
+            <mc:Fallback>
+              <p:sp>
+                <p:nvSpPr>
+                  <p:cNvPr id="20" name="TextBox 19"/>
+                  <p:cNvSpPr txBox="1">
+                    <a:spLocks noRot="1" noChangeAspect="1" noMove="1" noResize="1" noEditPoints="1" noAdjustHandles="1" noChangeArrowheads="1" noChangeShapeType="1" noTextEdit="1"/>
+                  </p:cNvSpPr>
+                  <p:nvPr/>
+                </p:nvSpPr>
+                <p:spPr>
+                  <a:xfrm>
+                    <a:off x="5614904" y="6196747"/>
+                    <a:ext cx="2648738" cy="307777"/>
+                  </a:xfrm>
+                  <a:prstGeom prst="rect">
+                    <a:avLst/>
+                  </a:prstGeom>
+                  <a:blipFill>
+                    <a:blip r:embed="rId10"/>
+                    <a:stretch>
+                      <a:fillRect l="-1060" t="-6061" r="-53004" b="-84848"/>
+                    </a:stretch>
+                  </a:blipFill>
+                </p:spPr>
+                <p:txBody>
+                  <a:bodyPr/>
+                  <a:lstStyle/>
+                  <a:p>
+                    <a:r>
+                      <a:rPr lang="en-US">
+                        <a:noFill/>
+                      </a:rPr>
+                      <a:t> </a:t>
+                    </a:r>
+                  </a:p>
+                </p:txBody>
+              </p:sp>
+            </mc:Fallback>
+          </mc:AlternateContent>
+          <mc:AlternateContent xmlns:mc="http://schemas.openxmlformats.org/markup-compatibility/2006">
+            <mc:Choice xmlns:a14="http://schemas.microsoft.com/office/drawing/2010/main" Requires="a14">
+              <p:sp>
+                <p:nvSpPr>
+                  <p:cNvPr id="21" name="TextBox 20"/>
+                  <p:cNvSpPr txBox="1"/>
+                  <p:nvPr/>
+                </p:nvSpPr>
+                <p:spPr>
+                  <a:xfrm rot="16200000">
+                    <a:off x="4482943" y="5257649"/>
+                    <a:ext cx="769955" cy="307777"/>
+                  </a:xfrm>
+                  <a:prstGeom prst="rect">
+                    <a:avLst/>
+                  </a:prstGeom>
+                  <a:noFill/>
+                </p:spPr>
+                <p:txBody>
+                  <a:bodyPr wrap="none" rtlCol="0">
+                    <a:spAutoFit/>
+                  </a:bodyPr>
+                  <a:lstStyle/>
+                  <a:p>
+                    <a14:m>
+                      <m:oMath xmlns:m="http://schemas.openxmlformats.org/officeDocument/2006/math">
+                        <m:d>
+                          <m:dPr>
+                            <m:begChr m:val="⟨"/>
+                            <m:endChr m:val="⟩"/>
+                            <m:ctrlPr>
+                              <a:rPr lang="en-US" sz="1400" i="1" smtClean="0">
+                                <a:latin typeface="Cambria Math" panose="02040503050406030204" pitchFamily="18" charset="0"/>
+                              </a:rPr>
+                            </m:ctrlPr>
+                          </m:dPr>
+                          <m:e>
+                            <m:sSub>
+                              <m:sSubPr>
+                                <m:ctrlPr>
+                                  <a:rPr lang="en-US" sz="1400" b="0" i="1" smtClean="0">
+                                    <a:latin typeface="Cambria Math" panose="02040503050406030204" pitchFamily="18" charset="0"/>
+                                  </a:rPr>
+                                </m:ctrlPr>
+                              </m:sSubPr>
+                              <m:e>
+                                <m:r>
+                                  <a:rPr lang="en-US" sz="1400" b="0" i="1" smtClean="0">
+                                    <a:latin typeface="Cambria Math" panose="02040503050406030204" pitchFamily="18" charset="0"/>
+                                  </a:rPr>
+                                  <m:t>𝑃</m:t>
+                                </m:r>
+                              </m:e>
+                              <m:sub>
+                                <m:r>
+                                  <a:rPr lang="en-US" sz="1400" b="0" i="1" smtClean="0">
+                                    <a:latin typeface="Cambria Math" panose="02040503050406030204" pitchFamily="18" charset="0"/>
+                                    <a:ea typeface="Cambria Math" panose="02040503050406030204" pitchFamily="18" charset="0"/>
+                                  </a:rPr>
+                                  <m:t>↑</m:t>
+                                </m:r>
+                              </m:sub>
+                            </m:sSub>
+                          </m:e>
+                        </m:d>
+                      </m:oMath>
+                    </a14:m>
+                    <a:r>
+                      <a:rPr lang="en-US" sz="1400" dirty="0"/>
+                      <a:t> (%)</a:t>
+                    </a:r>
+                  </a:p>
+                </p:txBody>
+              </p:sp>
+            </mc:Choice>
+            <mc:Fallback>
+              <p:sp>
+                <p:nvSpPr>
+                  <p:cNvPr id="21" name="TextBox 20"/>
+                  <p:cNvSpPr txBox="1">
+                    <a:spLocks noRot="1" noChangeAspect="1" noMove="1" noResize="1" noEditPoints="1" noAdjustHandles="1" noChangeArrowheads="1" noChangeShapeType="1" noTextEdit="1"/>
+                  </p:cNvSpPr>
+                  <p:nvPr/>
+                </p:nvSpPr>
+                <p:spPr>
+                  <a:xfrm rot="16200000">
+                    <a:off x="4482943" y="5257649"/>
+                    <a:ext cx="769955" cy="307777"/>
+                  </a:xfrm>
+                  <a:prstGeom prst="rect">
+                    <a:avLst/>
+                  </a:prstGeom>
+                  <a:blipFill>
+                    <a:blip r:embed="rId11"/>
+                    <a:stretch>
+                      <a:fillRect l="-6061" t="-57317" r="-81818"/>
+                    </a:stretch>
+                  </a:blipFill>
+                </p:spPr>
+                <p:txBody>
+                  <a:bodyPr/>
+                  <a:lstStyle/>
+                  <a:p>
+                    <a:r>
+                      <a:rPr lang="en-US">
+                        <a:noFill/>
+                      </a:rPr>
+                      <a:t> </a:t>
+                    </a:r>
+                  </a:p>
+                </p:txBody>
+              </p:sp>
+            </mc:Fallback>
+          </mc:AlternateContent>
+        </p:grpSp>
+        <p:sp>
+          <p:nvSpPr>
+            <p:cNvPr id="17" name="TextBox 16"/>
+            <p:cNvSpPr txBox="1"/>
+            <p:nvPr/>
+          </p:nvSpPr>
+          <p:spPr>
+            <a:xfrm>
+              <a:off x="5044048" y="4914936"/>
+              <a:ext cx="1719460" cy="369332"/>
+            </a:xfrm>
+            <a:prstGeom prst="rect">
+              <a:avLst/>
+            </a:prstGeom>
+            <a:noFill/>
+          </p:spPr>
+          <p:txBody>
+            <a:bodyPr wrap="square" rtlCol="0">
+              <a:spAutoFit/>
+            </a:bodyPr>
+            <a:lstStyle/>
+            <a:p>
+              <a:pPr algn="ctr"/>
+              <a:r>
+                <a:rPr lang="en-US" dirty="0"/>
+                <a:t>w/ phase jump</a:t>
+              </a:r>
+            </a:p>
+          </p:txBody>
+        </p:sp>
+      </p:grpSp>
+    </p:spTree>
+    <p:extLst>
+      <p:ext uri="{BB962C8B-B14F-4D97-AF65-F5344CB8AC3E}">
+        <p14:creationId xmlns:p14="http://schemas.microsoft.com/office/powerpoint/2010/main" val="2163861763"/>
+      </p:ext>
+    </p:extLst>
+  </p:cSld>
+  <p:clrMapOvr>
+    <a:masterClrMapping/>
+  </p:clrMapOvr>
+  <p:timing>
+    <p:tnLst>
+      <p:par>
+        <p:cTn id="1" dur="indefinite" restart="never" nodeType="tmRoot">
+          <p:childTnLst>
+            <p:seq concurrent="1" nextAc="seek">
+              <p:cTn id="2" dur="indefinite" nodeType="mainSeq">
+                <p:childTnLst>
+                  <p:par>
+                    <p:cTn id="3" fill="hold">
+                      <p:stCondLst>
+                        <p:cond delay="indefinite"/>
+                      </p:stCondLst>
+                      <p:childTnLst>
+                        <p:par>
+                          <p:cTn id="4" fill="hold">
+                            <p:stCondLst>
+                              <p:cond delay="0"/>
+                            </p:stCondLst>
+                            <p:childTnLst>
+                              <p:par>
+                                <p:cTn id="5" presetID="1" presetClass="entr" presetSubtype="0" fill="hold" nodeType="clickEffect">
+                                  <p:stCondLst>
+                                    <p:cond delay="0"/>
+                                  </p:stCondLst>
+                                  <p:childTnLst>
+                                    <p:set>
+                                      <p:cBhvr>
+                                        <p:cTn id="6" dur="1" fill="hold">
+                                          <p:stCondLst>
+                                            <p:cond delay="0"/>
+                                          </p:stCondLst>
+                                        </p:cTn>
+                                        <p:tgtEl>
+                                          <p:spTgt spid="7"/>
+                                        </p:tgtEl>
+                                        <p:attrNameLst>
+                                          <p:attrName>style.visibility</p:attrName>
+                                        </p:attrNameLst>
+                                      </p:cBhvr>
+                                      <p:to>
+                                        <p:strVal val="visible"/>
+                                      </p:to>
+                                    </p:set>
+                                  </p:childTnLst>
+                                </p:cTn>
+                              </p:par>
+                              <p:par>
+                                <p:cTn id="7" presetID="1" presetClass="entr" presetSubtype="0" fill="hold" nodeType="withEffect">
+                                  <p:stCondLst>
+                                    <p:cond delay="0"/>
+                                  </p:stCondLst>
+                                  <p:childTnLst>
+                                    <p:set>
+                                      <p:cBhvr>
+                                        <p:cTn id="8" dur="1" fill="hold">
+                                          <p:stCondLst>
+                                            <p:cond delay="0"/>
+                                          </p:stCondLst>
+                                        </p:cTn>
+                                        <p:tgtEl>
+                                          <p:spTgt spid="6"/>
+                                        </p:tgtEl>
+                                        <p:attrNameLst>
+                                          <p:attrName>style.visibility</p:attrName>
+                                        </p:attrNameLst>
+                                      </p:cBhvr>
+                                      <p:to>
+                                        <p:strVal val="visible"/>
+                                      </p:to>
+                                    </p:set>
+                                  </p:childTnLst>
+                                </p:cTn>
+                              </p:par>
+                            </p:childTnLst>
+                          </p:cTn>
+                        </p:par>
+                      </p:childTnLst>
+                    </p:cTn>
+                  </p:par>
+                </p:childTnLst>
+              </p:cTn>
+              <p:prevCondLst>
+                <p:cond evt="onPrev" delay="0">
+                  <p:tgtEl>
+                    <p:sldTgt/>
+                  </p:tgtEl>
+                </p:cond>
+              </p:prevCondLst>
+              <p:nextCondLst>
+                <p:cond evt="onNext" delay="0">
+                  <p:tgtEl>
+                    <p:sldTgt/>
+                  </p:tgtEl>
+                </p:cond>
+              </p:nextCondLst>
+            </p:seq>
+          </p:childTnLst>
+        </p:cTn>
+      </p:par>
+    </p:tnLst>
+  </p:timing>
+</p:sld>
+</file>
+
 <file path=ppt/slides/slide7.xml><?xml version="1.0" encoding="utf-8"?>
 <p:sld xmlns:a="http://schemas.openxmlformats.org/drawingml/2006/main" xmlns:r="http://schemas.openxmlformats.org/officeDocument/2006/relationships" xmlns:p="http://schemas.openxmlformats.org/presentationml/2006/main">
   <p:cSld>
@@ -26082,131 +26628,8 @@
           </a:p>
         </p:txBody>
       </p:sp>
-      <mc:AlternateContent xmlns:mc="http://schemas.openxmlformats.org/markup-compatibility/2006" xmlns:a14="http://schemas.microsoft.com/office/drawing/2010/main">
-        <mc:Choice Requires="a14">
-          <p:sp>
-            <p:nvSpPr>
-              <p:cNvPr id="5" name="Rectangle 4"/>
-              <p:cNvSpPr/>
-              <p:nvPr/>
-            </p:nvSpPr>
-            <p:spPr>
-              <a:xfrm>
-                <a:off x="7982629" y="4470066"/>
-                <a:ext cx="1729110" cy="846770"/>
-              </a:xfrm>
-              <a:prstGeom prst="rect">
-                <a:avLst/>
-              </a:prstGeom>
-            </p:spPr>
-            <p:txBody>
-              <a:bodyPr wrap="square">
-                <a:spAutoFit/>
-              </a:bodyPr>
-              <a:lstStyle/>
-              <a:p>
-                <a:pPr/>
-                <a14:m>
-                  <m:oMathPara xmlns:m="http://schemas.openxmlformats.org/officeDocument/2006/math">
-                    <m:oMathParaPr>
-                      <m:jc m:val="centerGroup"/>
-                    </m:oMathParaPr>
-                    <m:oMath xmlns:m="http://schemas.openxmlformats.org/officeDocument/2006/math">
-                      <m:r>
-                        <a:rPr lang="en-US" sz="2400" i="1" smtClean="0">
-                          <a:latin typeface="Cambria Math" panose="02040503050406030204" pitchFamily="18" charset="0"/>
-                        </a:rPr>
-                        <m:t>𝜉</m:t>
-                      </m:r>
-                      <m:r>
-                        <a:rPr lang="en-US" sz="2400" b="0" i="1" smtClean="0">
-                          <a:latin typeface="Cambria Math" panose="02040503050406030204" pitchFamily="18" charset="0"/>
-                        </a:rPr>
-                        <m:t>=</m:t>
-                      </m:r>
-                      <m:f>
-                        <m:fPr>
-                          <m:ctrlPr>
-                            <a:rPr lang="en-US" sz="2400" b="0" i="1" smtClean="0">
-                              <a:latin typeface="Cambria Math" panose="02040503050406030204" pitchFamily="18" charset="0"/>
-                            </a:rPr>
-                          </m:ctrlPr>
-                        </m:fPr>
-                        <m:num>
-                          <m:r>
-                            <m:rPr>
-                              <m:sty m:val="p"/>
-                            </m:rPr>
-                            <a:rPr lang="en-US" sz="2400" b="0" i="0" smtClean="0">
-                              <a:latin typeface="Cambria Math" panose="02040503050406030204" pitchFamily="18" charset="0"/>
-                            </a:rPr>
-                            <m:t>Γ</m:t>
-                          </m:r>
-                        </m:num>
-                        <m:den>
-                          <m:r>
-                            <a:rPr lang="en-US" sz="2400" b="0" i="1" smtClean="0">
-                              <a:latin typeface="Cambria Math" panose="02040503050406030204" pitchFamily="18" charset="0"/>
-                            </a:rPr>
-                            <m:t>𝑈</m:t>
-                          </m:r>
-                          <m:r>
-                            <a:rPr lang="en-US" sz="2400" b="0" i="1" smtClean="0">
-                              <a:latin typeface="Cambria Math" panose="02040503050406030204" pitchFamily="18" charset="0"/>
-                            </a:rPr>
-                            <m:t>/ℏ</m:t>
-                          </m:r>
-                        </m:den>
-                      </m:f>
-                    </m:oMath>
-                  </m:oMathPara>
-                </a14:m>
-                <a:endParaRPr lang="en-US" sz="2400" dirty="0"/>
-              </a:p>
-            </p:txBody>
-          </p:sp>
-        </mc:Choice>
-        <mc:Fallback xmlns="">
-          <p:sp>
-            <p:nvSpPr>
-              <p:cNvPr id="5" name="Rectangle 4"/>
-              <p:cNvSpPr>
-                <a:spLocks noRot="1" noChangeAspect="1" noMove="1" noResize="1" noEditPoints="1" noAdjustHandles="1" noChangeArrowheads="1" noChangeShapeType="1" noTextEdit="1"/>
-              </p:cNvSpPr>
-              <p:nvPr/>
-            </p:nvSpPr>
-            <p:spPr>
-              <a:xfrm>
-                <a:off x="7982629" y="4470066"/>
-                <a:ext cx="1729110" cy="846770"/>
-              </a:xfrm>
-              <a:prstGeom prst="rect">
-                <a:avLst/>
-              </a:prstGeom>
-              <a:blipFill>
-                <a:blip r:embed="rId2"/>
-                <a:stretch>
-                  <a:fillRect/>
-                </a:stretch>
-              </a:blipFill>
-            </p:spPr>
-            <p:txBody>
-              <a:bodyPr/>
-              <a:lstStyle/>
-              <a:p>
-                <a:r>
-                  <a:rPr lang="en-US">
-                    <a:noFill/>
-                  </a:rPr>
-                  <a:t> </a:t>
-                </a:r>
-              </a:p>
-            </p:txBody>
-          </p:sp>
-        </mc:Fallback>
-      </mc:AlternateContent>
-      <mc:AlternateContent xmlns:mc="http://schemas.openxmlformats.org/markup-compatibility/2006" xmlns:a14="http://schemas.microsoft.com/office/drawing/2010/main">
-        <mc:Choice Requires="a14">
+      <mc:AlternateContent xmlns:mc="http://schemas.openxmlformats.org/markup-compatibility/2006">
+        <mc:Choice xmlns:a14="http://schemas.microsoft.com/office/drawing/2010/main" Requires="a14">
           <p:sp>
             <p:nvSpPr>
               <p:cNvPr id="8" name="Rectangle 7"/>
@@ -26215,7 +26638,7 @@
             </p:nvSpPr>
             <p:spPr>
               <a:xfrm>
-                <a:off x="7204139" y="2721416"/>
+                <a:off x="7699439" y="3407216"/>
                 <a:ext cx="3286092" cy="783804"/>
               </a:xfrm>
               <a:prstGeom prst="rect">
@@ -26393,7 +26816,7 @@
             </p:txBody>
           </p:sp>
         </mc:Choice>
-        <mc:Fallback xmlns="">
+        <mc:Fallback>
           <p:sp>
             <p:nvSpPr>
               <p:cNvPr id="8" name="Rectangle 7"/>
@@ -26404,14 +26827,14 @@
             </p:nvSpPr>
             <p:spPr>
               <a:xfrm>
-                <a:off x="7204139" y="2721416"/>
+                <a:off x="7699439" y="3407216"/>
                 <a:ext cx="3286092" cy="783804"/>
               </a:xfrm>
               <a:prstGeom prst="rect">
                 <a:avLst/>
               </a:prstGeom>
               <a:blipFill>
-                <a:blip r:embed="rId3"/>
+                <a:blip r:embed="rId2"/>
                 <a:stretch>
                   <a:fillRect/>
                 </a:stretch>
@@ -26441,7 +26864,7 @@
           <p:nvPr/>
         </p:nvPicPr>
         <p:blipFill>
-          <a:blip r:embed="rId4">
+          <a:blip r:embed="rId3">
             <a:extLst>
               <a:ext uri="{28A0092B-C50C-407E-A947-70E740481C1C}">
                 <a14:useLocalDpi xmlns:a14="http://schemas.microsoft.com/office/drawing/2010/main" val="0"/>

--- a/amplitude_sensing_penning_2.pptx
+++ b/amplitude_sensing_penning_2.pptx
@@ -10086,6 +10086,30 @@
           </p:sp>
         </mc:Fallback>
       </mc:AlternateContent>
+      <p:pic>
+        <p:nvPicPr>
+          <p:cNvPr id="6" name="Picture 5"/>
+          <p:cNvPicPr>
+            <a:picLocks noChangeAspect="1"/>
+          </p:cNvPicPr>
+          <p:nvPr/>
+        </p:nvPicPr>
+        <p:blipFill>
+          <a:blip r:embed="rId14"/>
+          <a:stretch>
+            <a:fillRect/>
+          </a:stretch>
+        </p:blipFill>
+        <p:spPr>
+          <a:xfrm>
+            <a:off x="9599623" y="1895906"/>
+            <a:ext cx="1019532" cy="1616332"/>
+          </a:xfrm>
+          <a:prstGeom prst="rect">
+            <a:avLst/>
+          </a:prstGeom>
+        </p:spPr>
+      </p:pic>
     </p:spTree>
     <p:extLst>
       <p:ext uri="{BB962C8B-B14F-4D97-AF65-F5344CB8AC3E}">
@@ -10096,6 +10120,81 @@
   <p:clrMapOvr>
     <a:masterClrMapping/>
   </p:clrMapOvr>
+  <p:timing>
+    <p:tnLst>
+      <p:par>
+        <p:cTn id="1" dur="indefinite" restart="never" nodeType="tmRoot">
+          <p:childTnLst>
+            <p:seq concurrent="1" nextAc="seek">
+              <p:cTn id="2" dur="indefinite" nodeType="mainSeq">
+                <p:childTnLst>
+                  <p:par>
+                    <p:cTn id="3" fill="hold">
+                      <p:stCondLst>
+                        <p:cond delay="indefinite"/>
+                      </p:stCondLst>
+                      <p:childTnLst>
+                        <p:par>
+                          <p:cTn id="4" fill="hold">
+                            <p:stCondLst>
+                              <p:cond delay="0"/>
+                            </p:stCondLst>
+                            <p:childTnLst>
+                              <p:par>
+                                <p:cTn id="5" presetID="1" presetClass="entr" presetSubtype="0" fill="hold" nodeType="clickEffect">
+                                  <p:stCondLst>
+                                    <p:cond delay="0"/>
+                                  </p:stCondLst>
+                                  <p:childTnLst>
+                                    <p:set>
+                                      <p:cBhvr>
+                                        <p:cTn id="6" dur="1" fill="hold">
+                                          <p:stCondLst>
+                                            <p:cond delay="0"/>
+                                          </p:stCondLst>
+                                        </p:cTn>
+                                        <p:tgtEl>
+                                          <p:spTgt spid="6"/>
+                                        </p:tgtEl>
+                                        <p:attrNameLst>
+                                          <p:attrName>style.visibility</p:attrName>
+                                        </p:attrNameLst>
+                                      </p:cBhvr>
+                                      <p:to>
+                                        <p:strVal val="visible"/>
+                                      </p:to>
+                                    </p:set>
+                                  </p:childTnLst>
+                                </p:cTn>
+                              </p:par>
+                            </p:childTnLst>
+                          </p:cTn>
+                        </p:par>
+                      </p:childTnLst>
+                    </p:cTn>
+                  </p:par>
+                </p:childTnLst>
+              </p:cTn>
+              <p:prevCondLst>
+                <p:cond evt="onPrev" delay="0">
+                  <p:tgtEl>
+                    <p:sldTgt/>
+                  </p:tgtEl>
+                </p:cond>
+              </p:prevCondLst>
+              <p:nextCondLst>
+                <p:cond evt="onNext" delay="0">
+                  <p:tgtEl>
+                    <p:sldTgt/>
+                  </p:tgtEl>
+                </p:cond>
+              </p:nextCondLst>
+            </p:seq>
+          </p:childTnLst>
+        </p:cTn>
+      </p:par>
+    </p:tnLst>
+  </p:timing>
 </p:sld>
 </file>
 
@@ -25952,8 +26051,8 @@
               </a:prstGeom>
             </p:spPr>
           </p:pic>
-          <mc:AlternateContent xmlns:mc="http://schemas.openxmlformats.org/markup-compatibility/2006">
-            <mc:Choice xmlns:a14="http://schemas.microsoft.com/office/drawing/2010/main" Requires="a14">
+          <mc:AlternateContent xmlns:mc="http://schemas.openxmlformats.org/markup-compatibility/2006" xmlns:a14="http://schemas.microsoft.com/office/drawing/2010/main">
+            <mc:Choice Requires="a14">
               <p:sp>
                 <p:nvSpPr>
                   <p:cNvPr id="12" name="TextBox 11"/>
@@ -26027,7 +26126,7 @@
                 </p:txBody>
               </p:sp>
             </mc:Choice>
-            <mc:Fallback>
+            <mc:Fallback xmlns="">
               <p:sp>
                 <p:nvSpPr>
                   <p:cNvPr id="12" name="TextBox 11"/>
@@ -26066,8 +26165,8 @@
               </p:sp>
             </mc:Fallback>
           </mc:AlternateContent>
-          <mc:AlternateContent xmlns:mc="http://schemas.openxmlformats.org/markup-compatibility/2006">
-            <mc:Choice xmlns:a14="http://schemas.microsoft.com/office/drawing/2010/main" Requires="a14">
+          <mc:AlternateContent xmlns:mc="http://schemas.openxmlformats.org/markup-compatibility/2006" xmlns:a14="http://schemas.microsoft.com/office/drawing/2010/main">
+            <mc:Choice Requires="a14">
               <p:sp>
                 <p:nvSpPr>
                   <p:cNvPr id="13" name="TextBox 12"/>
@@ -26112,7 +26211,7 @@
                 </p:txBody>
               </p:sp>
             </mc:Choice>
-            <mc:Fallback>
+            <mc:Fallback xmlns="">
               <p:sp>
                 <p:nvSpPr>
                   <p:cNvPr id="13" name="TextBox 12"/>
@@ -26242,8 +26341,8 @@
               </a:prstGeom>
             </p:spPr>
           </p:pic>
-          <mc:AlternateContent xmlns:mc="http://schemas.openxmlformats.org/markup-compatibility/2006">
-            <mc:Choice xmlns:a14="http://schemas.microsoft.com/office/drawing/2010/main" Requires="a14">
+          <mc:AlternateContent xmlns:mc="http://schemas.openxmlformats.org/markup-compatibility/2006" xmlns:a14="http://schemas.microsoft.com/office/drawing/2010/main">
+            <mc:Choice Requires="a14">
               <p:sp>
                 <p:nvSpPr>
                   <p:cNvPr id="20" name="TextBox 19"/>
@@ -26288,7 +26387,7 @@
                 </p:txBody>
               </p:sp>
             </mc:Choice>
-            <mc:Fallback>
+            <mc:Fallback xmlns="">
               <p:sp>
                 <p:nvSpPr>
                   <p:cNvPr id="20" name="TextBox 19"/>
@@ -26327,8 +26426,8 @@
               </p:sp>
             </mc:Fallback>
           </mc:AlternateContent>
-          <mc:AlternateContent xmlns:mc="http://schemas.openxmlformats.org/markup-compatibility/2006">
-            <mc:Choice xmlns:a14="http://schemas.microsoft.com/office/drawing/2010/main" Requires="a14">
+          <mc:AlternateContent xmlns:mc="http://schemas.openxmlformats.org/markup-compatibility/2006" xmlns:a14="http://schemas.microsoft.com/office/drawing/2010/main">
+            <mc:Choice Requires="a14">
               <p:sp>
                 <p:nvSpPr>
                   <p:cNvPr id="21" name="TextBox 20"/>
@@ -26402,7 +26501,7 @@
                 </p:txBody>
               </p:sp>
             </mc:Choice>
-            <mc:Fallback>
+            <mc:Fallback xmlns="">
               <p:sp>
                 <p:nvSpPr>
                   <p:cNvPr id="21" name="TextBox 20"/>
@@ -26628,8 +26727,8 @@
           </a:p>
         </p:txBody>
       </p:sp>
-      <mc:AlternateContent xmlns:mc="http://schemas.openxmlformats.org/markup-compatibility/2006">
-        <mc:Choice xmlns:a14="http://schemas.microsoft.com/office/drawing/2010/main" Requires="a14">
+      <mc:AlternateContent xmlns:mc="http://schemas.openxmlformats.org/markup-compatibility/2006" xmlns:a14="http://schemas.microsoft.com/office/drawing/2010/main">
+        <mc:Choice Requires="a14">
           <p:sp>
             <p:nvSpPr>
               <p:cNvPr id="8" name="Rectangle 7"/>
@@ -26816,7 +26915,7 @@
             </p:txBody>
           </p:sp>
         </mc:Choice>
-        <mc:Fallback>
+        <mc:Fallback xmlns="">
           <p:sp>
             <p:nvSpPr>
               <p:cNvPr id="8" name="Rectangle 7"/>
